--- a/modules/overlapping_chunks/OverlappingChunks.pptx
+++ b/modules/overlapping_chunks/OverlappingChunks.pptx
@@ -5,56 +5,59 @@
     <p:sldMasterId id="2147483660" r:id="rId1"/>
   </p:sldMasterIdLst>
   <p:notesMasterIdLst>
-    <p:notesMasterId r:id="rId49"/>
+    <p:notesMasterId r:id="rId52"/>
   </p:notesMasterIdLst>
   <p:sldIdLst>
     <p:sldId id="327" r:id="rId2"/>
     <p:sldId id="360" r:id="rId3"/>
-    <p:sldId id="441" r:id="rId4"/>
-    <p:sldId id="453" r:id="rId5"/>
-    <p:sldId id="454" r:id="rId6"/>
-    <p:sldId id="450" r:id="rId7"/>
-    <p:sldId id="456" r:id="rId8"/>
-    <p:sldId id="352" r:id="rId9"/>
-    <p:sldId id="457" r:id="rId10"/>
-    <p:sldId id="461" r:id="rId11"/>
-    <p:sldId id="462" r:id="rId12"/>
-    <p:sldId id="458" r:id="rId13"/>
-    <p:sldId id="460" r:id="rId14"/>
-    <p:sldId id="464" r:id="rId15"/>
-    <p:sldId id="465" r:id="rId16"/>
-    <p:sldId id="467" r:id="rId17"/>
-    <p:sldId id="473" r:id="rId18"/>
-    <p:sldId id="474" r:id="rId19"/>
-    <p:sldId id="475" r:id="rId20"/>
-    <p:sldId id="472" r:id="rId21"/>
-    <p:sldId id="476" r:id="rId22"/>
-    <p:sldId id="469" r:id="rId23"/>
-    <p:sldId id="470" r:id="rId24"/>
-    <p:sldId id="477" r:id="rId25"/>
-    <p:sldId id="478" r:id="rId26"/>
-    <p:sldId id="481" r:id="rId27"/>
-    <p:sldId id="483" r:id="rId28"/>
-    <p:sldId id="484" r:id="rId29"/>
-    <p:sldId id="485" r:id="rId30"/>
-    <p:sldId id="486" r:id="rId31"/>
-    <p:sldId id="488" r:id="rId32"/>
-    <p:sldId id="490" r:id="rId33"/>
-    <p:sldId id="491" r:id="rId34"/>
-    <p:sldId id="492" r:id="rId35"/>
-    <p:sldId id="493" r:id="rId36"/>
-    <p:sldId id="494" r:id="rId37"/>
-    <p:sldId id="495" r:id="rId38"/>
-    <p:sldId id="504" r:id="rId39"/>
-    <p:sldId id="468" r:id="rId40"/>
-    <p:sldId id="502" r:id="rId41"/>
-    <p:sldId id="503" r:id="rId42"/>
-    <p:sldId id="496" r:id="rId43"/>
-    <p:sldId id="497" r:id="rId44"/>
-    <p:sldId id="471" r:id="rId45"/>
-    <p:sldId id="498" r:id="rId46"/>
-    <p:sldId id="500" r:id="rId47"/>
-    <p:sldId id="501" r:id="rId48"/>
+    <p:sldId id="505" r:id="rId4"/>
+    <p:sldId id="441" r:id="rId5"/>
+    <p:sldId id="453" r:id="rId6"/>
+    <p:sldId id="454" r:id="rId7"/>
+    <p:sldId id="450" r:id="rId8"/>
+    <p:sldId id="456" r:id="rId9"/>
+    <p:sldId id="352" r:id="rId10"/>
+    <p:sldId id="354" r:id="rId11"/>
+    <p:sldId id="457" r:id="rId12"/>
+    <p:sldId id="461" r:id="rId13"/>
+    <p:sldId id="462" r:id="rId14"/>
+    <p:sldId id="458" r:id="rId15"/>
+    <p:sldId id="460" r:id="rId16"/>
+    <p:sldId id="464" r:id="rId17"/>
+    <p:sldId id="465" r:id="rId18"/>
+    <p:sldId id="467" r:id="rId19"/>
+    <p:sldId id="473" r:id="rId20"/>
+    <p:sldId id="474" r:id="rId21"/>
+    <p:sldId id="475" r:id="rId22"/>
+    <p:sldId id="472" r:id="rId23"/>
+    <p:sldId id="476" r:id="rId24"/>
+    <p:sldId id="469" r:id="rId25"/>
+    <p:sldId id="470" r:id="rId26"/>
+    <p:sldId id="477" r:id="rId27"/>
+    <p:sldId id="478" r:id="rId28"/>
+    <p:sldId id="481" r:id="rId29"/>
+    <p:sldId id="483" r:id="rId30"/>
+    <p:sldId id="484" r:id="rId31"/>
+    <p:sldId id="485" r:id="rId32"/>
+    <p:sldId id="486" r:id="rId33"/>
+    <p:sldId id="488" r:id="rId34"/>
+    <p:sldId id="490" r:id="rId35"/>
+    <p:sldId id="491" r:id="rId36"/>
+    <p:sldId id="492" r:id="rId37"/>
+    <p:sldId id="493" r:id="rId38"/>
+    <p:sldId id="494" r:id="rId39"/>
+    <p:sldId id="495" r:id="rId40"/>
+    <p:sldId id="506" r:id="rId41"/>
+    <p:sldId id="504" r:id="rId42"/>
+    <p:sldId id="468" r:id="rId43"/>
+    <p:sldId id="502" r:id="rId44"/>
+    <p:sldId id="503" r:id="rId45"/>
+    <p:sldId id="496" r:id="rId46"/>
+    <p:sldId id="497" r:id="rId47"/>
+    <p:sldId id="471" r:id="rId48"/>
+    <p:sldId id="498" r:id="rId49"/>
+    <p:sldId id="500" r:id="rId50"/>
+    <p:sldId id="501" r:id="rId51"/>
   </p:sldIdLst>
   <p:sldSz cx="9144000" cy="5143500" type="screen16x9"/>
   <p:notesSz cx="6858000" cy="9144000"/>
@@ -28566,7 +28569,7 @@
           <a:p>
             <a:fld id="{2DA23E8D-1792-1541-9147-970A8DD8A355}" type="datetimeFigureOut">
               <a:rPr lang="en-US" smtClean="0"/>
-              <a:t>4/21/21</a:t>
+              <a:t>6/25/21</a:t>
             </a:fld>
             <a:endParaRPr lang="en-US" dirty="0"/>
           </a:p>
@@ -28901,7 +28904,7 @@
           <a:p>
             <a:fld id="{AC55928C-CD14-454C-B617-1AFCF9A58596}" type="slidenum">
               <a:rPr lang="en-US" smtClean="0"/>
-              <a:t>8</a:t>
+              <a:t>9</a:t>
             </a:fld>
             <a:endParaRPr lang="en-US" dirty="0"/>
           </a:p>
@@ -29123,7 +29126,7 @@
                 <a:latin typeface="Calibri"/>
               </a:rPr>
               <a:pPr/>
-              <a:t>4/21/21</a:t>
+              <a:t>6/25/21</a:t>
             </a:fld>
             <a:endParaRPr lang="en-US" dirty="0">
               <a:solidFill>
@@ -29376,7 +29379,7 @@
                 <a:latin typeface="Calibri"/>
               </a:rPr>
               <a:pPr/>
-              <a:t>4/21/21</a:t>
+              <a:t>6/25/21</a:t>
             </a:fld>
             <a:endParaRPr lang="en-US" dirty="0">
               <a:solidFill>
@@ -29591,7 +29594,7 @@
                 <a:latin typeface="Calibri"/>
               </a:rPr>
               <a:pPr/>
-              <a:t>4/21/21</a:t>
+              <a:t>6/25/21</a:t>
             </a:fld>
             <a:endParaRPr lang="en-US" dirty="0">
               <a:solidFill>
@@ -29875,7 +29878,7 @@
                 <a:latin typeface="Calibri"/>
               </a:rPr>
               <a:pPr/>
-              <a:t>4/21/21</a:t>
+              <a:t>6/25/21</a:t>
             </a:fld>
             <a:endParaRPr lang="en-US" dirty="0">
               <a:solidFill>
@@ -30217,7 +30220,7 @@
                 <a:latin typeface="Calibri"/>
               </a:rPr>
               <a:pPr/>
-              <a:t>4/21/21</a:t>
+              <a:t>6/25/21</a:t>
             </a:fld>
             <a:endParaRPr lang="en-US" dirty="0">
               <a:solidFill>
@@ -30545,7 +30548,7 @@
                 <a:latin typeface="Calibri"/>
               </a:rPr>
               <a:pPr/>
-              <a:t>4/21/21</a:t>
+              <a:t>6/25/21</a:t>
             </a:fld>
             <a:endParaRPr lang="en-US" dirty="0">
               <a:solidFill>
@@ -31034,7 +31037,7 @@
                 <a:latin typeface="Calibri"/>
               </a:rPr>
               <a:pPr/>
-              <a:t>4/21/21</a:t>
+              <a:t>6/25/21</a:t>
             </a:fld>
             <a:endParaRPr lang="en-US" dirty="0">
               <a:solidFill>
@@ -31217,7 +31220,7 @@
                 <a:latin typeface="Calibri"/>
               </a:rPr>
               <a:pPr/>
-              <a:t>4/21/21</a:t>
+              <a:t>6/25/21</a:t>
             </a:fld>
             <a:endParaRPr lang="en-US" dirty="0">
               <a:solidFill>
@@ -31463,7 +31466,7 @@
                 <a:latin typeface="Calibri"/>
               </a:rPr>
               <a:pPr/>
-              <a:t>4/21/21</a:t>
+              <a:t>6/25/21</a:t>
             </a:fld>
             <a:endParaRPr lang="en-US" dirty="0">
               <a:solidFill>
@@ -31805,7 +31808,7 @@
                 <a:latin typeface="Calibri"/>
               </a:rPr>
               <a:pPr/>
-              <a:t>4/21/21</a:t>
+              <a:t>6/25/21</a:t>
             </a:fld>
             <a:endParaRPr lang="en-US" dirty="0">
               <a:solidFill>
@@ -32097,7 +32100,7 @@
                 <a:latin typeface="Calibri"/>
               </a:rPr>
               <a:pPr/>
-              <a:t>4/21/21</a:t>
+              <a:t>6/25/21</a:t>
             </a:fld>
             <a:endParaRPr lang="en-US" dirty="0">
               <a:solidFill>
@@ -32347,7 +32350,7 @@
                 <a:latin typeface="Calibri"/>
               </a:rPr>
               <a:pPr defTabSz="914400"/>
-              <a:t>4/21/21</a:t>
+              <a:t>6/25/21</a:t>
             </a:fld>
             <a:endParaRPr lang="en-US" dirty="0">
               <a:solidFill>
@@ -32874,6 +32877,317 @@
           <p:cNvPr id="2" name="Title 1">
             <a:extLst>
               <a:ext uri="{FF2B5EF4-FFF2-40B4-BE49-F238E27FC236}">
+                <a16:creationId xmlns:a16="http://schemas.microsoft.com/office/drawing/2014/main" id="{6923B639-8CCB-CD48-8107-A5EE92024BAA}"/>
+              </a:ext>
+            </a:extLst>
+          </p:cNvPr>
+          <p:cNvSpPr>
+            <a:spLocks noGrp="1"/>
+          </p:cNvSpPr>
+          <p:nvPr>
+            <p:ph type="title"/>
+          </p:nvPr>
+        </p:nvSpPr>
+        <p:spPr/>
+        <p:txBody>
+          <a:bodyPr/>
+          <a:lstStyle/>
+          <a:p>
+            <a:r>
+              <a:rPr lang="en-US" dirty="0"/>
+              <a:t>Size - Metadata</a:t>
+            </a:r>
+          </a:p>
+        </p:txBody>
+      </p:sp>
+      <p:sp>
+        <p:nvSpPr>
+          <p:cNvPr id="3" name="Content Placeholder 2">
+            <a:extLst>
+              <a:ext uri="{FF2B5EF4-FFF2-40B4-BE49-F238E27FC236}">
+                <a16:creationId xmlns:a16="http://schemas.microsoft.com/office/drawing/2014/main" id="{368AFBA9-6B50-D644-8592-1AC6DAD3973E}"/>
+              </a:ext>
+            </a:extLst>
+          </p:cNvPr>
+          <p:cNvSpPr>
+            <a:spLocks noGrp="1"/>
+          </p:cNvSpPr>
+          <p:nvPr>
+            <p:ph idx="1"/>
+          </p:nvPr>
+        </p:nvSpPr>
+        <p:spPr>
+          <a:xfrm>
+            <a:off x="628650" y="1236541"/>
+            <a:ext cx="6103423" cy="3263504"/>
+          </a:xfrm>
+        </p:spPr>
+        <p:txBody>
+          <a:bodyPr/>
+          <a:lstStyle/>
+          <a:p>
+            <a:r>
+              <a:rPr lang="en-US" dirty="0"/>
+              <a:t>Chunks are aligned according to architecture:</a:t>
+            </a:r>
+          </a:p>
+          <a:p>
+            <a:pPr lvl="1"/>
+            <a:r>
+              <a:rPr lang="en-US" dirty="0"/>
+              <a:t>32-bit: 0x8 byte aligned</a:t>
+            </a:r>
+          </a:p>
+          <a:p>
+            <a:pPr lvl="1"/>
+            <a:r>
+              <a:rPr lang="en-US" dirty="0"/>
+              <a:t>64-bit: 0x10 (16) byte aligned</a:t>
+            </a:r>
+          </a:p>
+          <a:p>
+            <a:r>
+              <a:rPr lang="en-US" dirty="0"/>
+              <a:t>Room for extra data in these free bits</a:t>
+            </a:r>
+          </a:p>
+          <a:p>
+            <a:r>
+              <a:rPr lang="en-US" dirty="0"/>
+              <a:t>What is this data?</a:t>
+            </a:r>
+          </a:p>
+          <a:p>
+            <a:pPr lvl="1"/>
+            <a:r>
+              <a:rPr lang="en-US" dirty="0"/>
+              <a:t>For now, only focus on </a:t>
+            </a:r>
+            <a:r>
+              <a:rPr lang="en-US" b="1" dirty="0"/>
+              <a:t>p</a:t>
+            </a:r>
+          </a:p>
+          <a:p>
+            <a:pPr lvl="1"/>
+            <a:r>
+              <a:rPr lang="en-US" dirty="0"/>
+              <a:t>n &amp; m (will touch on later) – usually set to 0</a:t>
+            </a:r>
+          </a:p>
+          <a:p>
+            <a:pPr lvl="1"/>
+            <a:endParaRPr lang="en-US" dirty="0"/>
+          </a:p>
+          <a:p>
+            <a:pPr lvl="1"/>
+            <a:endParaRPr lang="en-US" dirty="0"/>
+          </a:p>
+        </p:txBody>
+      </p:sp>
+      <p:pic>
+        <p:nvPicPr>
+          <p:cNvPr id="4" name="Picture 3" descr="Table&#10;&#10;Description automatically generated">
+            <a:extLst>
+              <a:ext uri="{FF2B5EF4-FFF2-40B4-BE49-F238E27FC236}">
+                <a16:creationId xmlns:a16="http://schemas.microsoft.com/office/drawing/2014/main" id="{E6D2E34C-5402-F840-A80B-F7BF9AF1995A}"/>
+              </a:ext>
+            </a:extLst>
+          </p:cNvPr>
+          <p:cNvPicPr>
+            <a:picLocks noChangeAspect="1"/>
+          </p:cNvPicPr>
+          <p:nvPr/>
+        </p:nvPicPr>
+        <p:blipFill>
+          <a:blip r:embed="rId2"/>
+          <a:stretch>
+            <a:fillRect/>
+          </a:stretch>
+        </p:blipFill>
+        <p:spPr>
+          <a:xfrm>
+            <a:off x="6838998" y="1131826"/>
+            <a:ext cx="1963519" cy="3263504"/>
+          </a:xfrm>
+          <a:prstGeom prst="rect">
+            <a:avLst/>
+          </a:prstGeom>
+          <a:noFill/>
+        </p:spPr>
+      </p:pic>
+      <p:cxnSp>
+        <p:nvCxnSpPr>
+          <p:cNvPr id="6" name="Straight Connector 5">
+            <a:extLst>
+              <a:ext uri="{FF2B5EF4-FFF2-40B4-BE49-F238E27FC236}">
+                <a16:creationId xmlns:a16="http://schemas.microsoft.com/office/drawing/2014/main" id="{EA7C5BC1-CA45-7D40-A74F-1B6FC81F453D}"/>
+              </a:ext>
+            </a:extLst>
+          </p:cNvPr>
+          <p:cNvCxnSpPr/>
+          <p:nvPr/>
+        </p:nvCxnSpPr>
+        <p:spPr>
+          <a:xfrm>
+            <a:off x="7983415" y="2457450"/>
+            <a:ext cx="712177" cy="0"/>
+          </a:xfrm>
+          <a:prstGeom prst="line">
+            <a:avLst/>
+          </a:prstGeom>
+          <a:ln w="38100">
+            <a:solidFill>
+              <a:srgbClr val="FF0000"/>
+            </a:solidFill>
+          </a:ln>
+        </p:spPr>
+        <p:style>
+          <a:lnRef idx="1">
+            <a:schemeClr val="accent1"/>
+          </a:lnRef>
+          <a:fillRef idx="0">
+            <a:schemeClr val="accent1"/>
+          </a:fillRef>
+          <a:effectRef idx="0">
+            <a:schemeClr val="accent1"/>
+          </a:effectRef>
+          <a:fontRef idx="minor">
+            <a:schemeClr val="tx1"/>
+          </a:fontRef>
+        </p:style>
+      </p:cxnSp>
+    </p:spTree>
+    <p:extLst>
+      <p:ext uri="{BB962C8B-B14F-4D97-AF65-F5344CB8AC3E}">
+        <p14:creationId xmlns:p14="http://schemas.microsoft.com/office/powerpoint/2010/main" val="1525726634"/>
+      </p:ext>
+    </p:extLst>
+  </p:cSld>
+  <p:clrMapOvr>
+    <a:masterClrMapping/>
+  </p:clrMapOvr>
+</p:sld>
+</file>
+
+<file path=ppt/slides/slide11.xml><?xml version="1.0" encoding="utf-8"?>
+<p:sld xmlns:a="http://schemas.openxmlformats.org/drawingml/2006/main" xmlns:r="http://schemas.openxmlformats.org/officeDocument/2006/relationships" xmlns:p="http://schemas.openxmlformats.org/presentationml/2006/main">
+  <p:cSld>
+    <p:spTree>
+      <p:nvGrpSpPr>
+        <p:cNvPr id="1" name=""/>
+        <p:cNvGrpSpPr/>
+        <p:nvPr/>
+      </p:nvGrpSpPr>
+      <p:grpSpPr>
+        <a:xfrm>
+          <a:off x="0" y="0"/>
+          <a:ext cx="0" cy="0"/>
+          <a:chOff x="0" y="0"/>
+          <a:chExt cx="0" cy="0"/>
+        </a:xfrm>
+      </p:grpSpPr>
+      <p:sp>
+        <p:nvSpPr>
+          <p:cNvPr id="2" name="Title 1">
+            <a:extLst>
+              <a:ext uri="{FF2B5EF4-FFF2-40B4-BE49-F238E27FC236}">
+                <a16:creationId xmlns:a16="http://schemas.microsoft.com/office/drawing/2014/main" id="{931C8819-0CE5-5447-BAF3-BDE19519ABE8}"/>
+              </a:ext>
+            </a:extLst>
+          </p:cNvPr>
+          <p:cNvSpPr>
+            <a:spLocks noGrp="1"/>
+          </p:cNvSpPr>
+          <p:nvPr>
+            <p:ph type="title"/>
+          </p:nvPr>
+        </p:nvSpPr>
+        <p:spPr>
+          <a:xfrm>
+            <a:off x="628650" y="273847"/>
+            <a:ext cx="7886700" cy="994172"/>
+          </a:xfrm>
+        </p:spPr>
+        <p:txBody>
+          <a:bodyPr anchor="ctr">
+            <a:normAutofit/>
+          </a:bodyPr>
+          <a:lstStyle/>
+          <a:p>
+            <a:r>
+              <a:rPr lang="en-US" dirty="0"/>
+              <a:t>Flow of Attack</a:t>
+            </a:r>
+          </a:p>
+        </p:txBody>
+      </p:sp>
+      <p:graphicFrame>
+        <p:nvGraphicFramePr>
+          <p:cNvPr id="5" name="Content Placeholder 2">
+            <a:extLst>
+              <a:ext uri="{FF2B5EF4-FFF2-40B4-BE49-F238E27FC236}">
+                <a16:creationId xmlns:a16="http://schemas.microsoft.com/office/drawing/2014/main" id="{A45C912D-1FF6-48D8-A450-36DFE9B85674}"/>
+              </a:ext>
+            </a:extLst>
+          </p:cNvPr>
+          <p:cNvGraphicFramePr>
+            <a:graphicFrameLocks noGrp="1"/>
+          </p:cNvGraphicFramePr>
+          <p:nvPr>
+            <p:ph idx="1"/>
+            <p:extLst>
+              <p:ext uri="{D42A27DB-BD31-4B8C-83A1-F6EECF244321}">
+                <p14:modId xmlns:p14="http://schemas.microsoft.com/office/powerpoint/2010/main" val="4168971031"/>
+              </p:ext>
+            </p:extLst>
+          </p:nvPr>
+        </p:nvGraphicFramePr>
+        <p:xfrm>
+          <a:off x="568619" y="945136"/>
+          <a:ext cx="8444752" cy="4026433"/>
+        </p:xfrm>
+        <a:graphic>
+          <a:graphicData uri="http://schemas.openxmlformats.org/drawingml/2006/diagram">
+            <dgm:relIds xmlns:dgm="http://schemas.openxmlformats.org/drawingml/2006/diagram" xmlns:r="http://schemas.openxmlformats.org/officeDocument/2006/relationships" r:dm="rId2" r:lo="rId3" r:qs="rId4" r:cs="rId5"/>
+          </a:graphicData>
+        </a:graphic>
+      </p:graphicFrame>
+    </p:spTree>
+    <p:extLst>
+      <p:ext uri="{BB962C8B-B14F-4D97-AF65-F5344CB8AC3E}">
+        <p14:creationId xmlns:p14="http://schemas.microsoft.com/office/powerpoint/2010/main" val="3362168354"/>
+      </p:ext>
+    </p:extLst>
+  </p:cSld>
+  <p:clrMapOvr>
+    <a:masterClrMapping/>
+  </p:clrMapOvr>
+</p:sld>
+</file>
+
+<file path=ppt/slides/slide12.xml><?xml version="1.0" encoding="utf-8"?>
+<p:sld xmlns:a="http://schemas.openxmlformats.org/drawingml/2006/main" xmlns:r="http://schemas.openxmlformats.org/officeDocument/2006/relationships" xmlns:p="http://schemas.openxmlformats.org/presentationml/2006/main">
+  <p:cSld>
+    <p:spTree>
+      <p:nvGrpSpPr>
+        <p:cNvPr id="1" name=""/>
+        <p:cNvGrpSpPr/>
+        <p:nvPr/>
+      </p:nvGrpSpPr>
+      <p:grpSpPr>
+        <a:xfrm>
+          <a:off x="0" y="0"/>
+          <a:ext cx="0" cy="0"/>
+          <a:chOff x="0" y="0"/>
+          <a:chExt cx="0" cy="0"/>
+        </a:xfrm>
+      </p:grpSpPr>
+      <p:sp>
+        <p:nvSpPr>
+          <p:cNvPr id="2" name="Title 1">
+            <a:extLst>
+              <a:ext uri="{FF2B5EF4-FFF2-40B4-BE49-F238E27FC236}">
                 <a16:creationId xmlns:a16="http://schemas.microsoft.com/office/drawing/2014/main" id="{592F1D3B-C17F-2F4E-8A51-08F3B1964958}"/>
               </a:ext>
             </a:extLst>
@@ -32974,7 +33288,7 @@
 </p:sld>
 </file>
 
-<file path=ppt/slides/slide11.xml><?xml version="1.0" encoding="utf-8"?>
+<file path=ppt/slides/slide13.xml><?xml version="1.0" encoding="utf-8"?>
 <p:sld xmlns:a="http://schemas.openxmlformats.org/drawingml/2006/main" xmlns:r="http://schemas.openxmlformats.org/officeDocument/2006/relationships" xmlns:p="http://schemas.openxmlformats.org/presentationml/2006/main">
   <p:cSld>
     <p:spTree>
@@ -33105,7 +33419,7 @@
 </p:sld>
 </file>
 
-<file path=ppt/slides/slide12.xml><?xml version="1.0" encoding="utf-8"?>
+<file path=ppt/slides/slide14.xml><?xml version="1.0" encoding="utf-8"?>
 <p:sld xmlns:a="http://schemas.openxmlformats.org/drawingml/2006/main" xmlns:r="http://schemas.openxmlformats.org/officeDocument/2006/relationships" xmlns:p="http://schemas.openxmlformats.org/presentationml/2006/main">
   <p:cSld>
     <p:spTree>
@@ -33201,7 +33515,7 @@
 </p:sld>
 </file>
 
-<file path=ppt/slides/slide13.xml><?xml version="1.0" encoding="utf-8"?>
+<file path=ppt/slides/slide15.xml><?xml version="1.0" encoding="utf-8"?>
 <p:sld xmlns:a="http://schemas.openxmlformats.org/drawingml/2006/main" xmlns:r="http://schemas.openxmlformats.org/officeDocument/2006/relationships" xmlns:p="http://schemas.openxmlformats.org/presentationml/2006/main">
   <p:cSld>
     <p:spTree>
@@ -33297,7 +33611,7 @@
 </p:sld>
 </file>
 
-<file path=ppt/slides/slide14.xml><?xml version="1.0" encoding="utf-8"?>
+<file path=ppt/slides/slide16.xml><?xml version="1.0" encoding="utf-8"?>
 <p:sld xmlns:a="http://schemas.openxmlformats.org/drawingml/2006/main" xmlns:r="http://schemas.openxmlformats.org/officeDocument/2006/relationships" xmlns:p="http://schemas.openxmlformats.org/presentationml/2006/main">
   <p:cSld>
     <p:spTree>
@@ -33907,7 +34221,7 @@
 </p:sld>
 </file>
 
-<file path=ppt/slides/slide15.xml><?xml version="1.0" encoding="utf-8"?>
+<file path=ppt/slides/slide17.xml><?xml version="1.0" encoding="utf-8"?>
 <p:sld xmlns:a="http://schemas.openxmlformats.org/drawingml/2006/main" xmlns:r="http://schemas.openxmlformats.org/officeDocument/2006/relationships" xmlns:p="http://schemas.openxmlformats.org/presentationml/2006/main">
   <p:cSld>
     <p:spTree>
@@ -34660,7 +34974,7 @@
 </p:sld>
 </file>
 
-<file path=ppt/slides/slide16.xml><?xml version="1.0" encoding="utf-8"?>
+<file path=ppt/slides/slide18.xml><?xml version="1.0" encoding="utf-8"?>
 <p:sld xmlns:a="http://schemas.openxmlformats.org/drawingml/2006/main" xmlns:r="http://schemas.openxmlformats.org/officeDocument/2006/relationships" xmlns:p="http://schemas.openxmlformats.org/presentationml/2006/main">
   <p:cSld>
     <p:spTree>
@@ -35412,7 +35726,7 @@
 </p:sld>
 </file>
 
-<file path=ppt/slides/slide17.xml><?xml version="1.0" encoding="utf-8"?>
+<file path=ppt/slides/slide19.xml><?xml version="1.0" encoding="utf-8"?>
 <p:sld xmlns:a="http://schemas.openxmlformats.org/drawingml/2006/main" xmlns:r="http://schemas.openxmlformats.org/officeDocument/2006/relationships" xmlns:p="http://schemas.openxmlformats.org/presentationml/2006/main">
   <p:cSld>
     <p:spTree>
@@ -36141,7 +36455,93 @@
 </p:sld>
 </file>
 
-<file path=ppt/slides/slide18.xml><?xml version="1.0" encoding="utf-8"?>
+<file path=ppt/slides/slide2.xml><?xml version="1.0" encoding="utf-8"?>
+<p:sld xmlns:a="http://schemas.openxmlformats.org/drawingml/2006/main" xmlns:r="http://schemas.openxmlformats.org/officeDocument/2006/relationships" xmlns:p="http://schemas.openxmlformats.org/presentationml/2006/main">
+  <p:cSld>
+    <p:spTree>
+      <p:nvGrpSpPr>
+        <p:cNvPr id="1" name=""/>
+        <p:cNvGrpSpPr/>
+        <p:nvPr/>
+      </p:nvGrpSpPr>
+      <p:grpSpPr>
+        <a:xfrm>
+          <a:off x="0" y="0"/>
+          <a:ext cx="0" cy="0"/>
+          <a:chOff x="0" y="0"/>
+          <a:chExt cx="0" cy="0"/>
+        </a:xfrm>
+      </p:grpSpPr>
+      <p:sp>
+        <p:nvSpPr>
+          <p:cNvPr id="2" name="Title 1">
+            <a:extLst>
+              <a:ext uri="{FF2B5EF4-FFF2-40B4-BE49-F238E27FC236}">
+                <a16:creationId xmlns:a16="http://schemas.microsoft.com/office/drawing/2014/main" id="{2FC746F0-09EE-204A-A362-8F838768369E}"/>
+              </a:ext>
+            </a:extLst>
+          </p:cNvPr>
+          <p:cNvSpPr>
+            <a:spLocks noGrp="1"/>
+          </p:cNvSpPr>
+          <p:nvPr>
+            <p:ph type="title"/>
+          </p:nvPr>
+        </p:nvSpPr>
+        <p:spPr/>
+        <p:txBody>
+          <a:bodyPr/>
+          <a:lstStyle/>
+          <a:p>
+            <a:r>
+              <a:rPr lang="en-US" dirty="0"/>
+              <a:t>Overlapping Chunks</a:t>
+            </a:r>
+          </a:p>
+        </p:txBody>
+      </p:sp>
+      <p:sp>
+        <p:nvSpPr>
+          <p:cNvPr id="3" name="Text Placeholder 2">
+            <a:extLst>
+              <a:ext uri="{FF2B5EF4-FFF2-40B4-BE49-F238E27FC236}">
+                <a16:creationId xmlns:a16="http://schemas.microsoft.com/office/drawing/2014/main" id="{B215E06C-29C1-ED42-9BB8-0049186C22F4}"/>
+              </a:ext>
+            </a:extLst>
+          </p:cNvPr>
+          <p:cNvSpPr>
+            <a:spLocks noGrp="1"/>
+          </p:cNvSpPr>
+          <p:nvPr>
+            <p:ph type="body" idx="1"/>
+          </p:nvPr>
+        </p:nvSpPr>
+        <p:spPr/>
+        <p:txBody>
+          <a:bodyPr/>
+          <a:lstStyle/>
+          <a:p>
+            <a:r>
+              <a:rPr lang="en-US" dirty="0"/>
+              <a:t>Just what it sounds like</a:t>
+            </a:r>
+          </a:p>
+        </p:txBody>
+      </p:sp>
+    </p:spTree>
+    <p:extLst>
+      <p:ext uri="{BB962C8B-B14F-4D97-AF65-F5344CB8AC3E}">
+        <p14:creationId xmlns:p14="http://schemas.microsoft.com/office/powerpoint/2010/main" val="1232207367"/>
+      </p:ext>
+    </p:extLst>
+  </p:cSld>
+  <p:clrMapOvr>
+    <a:masterClrMapping/>
+  </p:clrMapOvr>
+</p:sld>
+</file>
+
+<file path=ppt/slides/slide20.xml><?xml version="1.0" encoding="utf-8"?>
 <p:sld xmlns:a="http://schemas.openxmlformats.org/drawingml/2006/main" xmlns:r="http://schemas.openxmlformats.org/officeDocument/2006/relationships" xmlns:p="http://schemas.openxmlformats.org/presentationml/2006/main">
   <p:cSld>
     <p:spTree>
@@ -36267,7 +36667,7 @@
 </p:sld>
 </file>
 
-<file path=ppt/slides/slide19.xml><?xml version="1.0" encoding="utf-8"?>
+<file path=ppt/slides/slide21.xml><?xml version="1.0" encoding="utf-8"?>
 <p:sld xmlns:a="http://schemas.openxmlformats.org/drawingml/2006/main" xmlns:r="http://schemas.openxmlformats.org/officeDocument/2006/relationships" xmlns:p="http://schemas.openxmlformats.org/presentationml/2006/main">
   <p:cSld>
     <p:spTree>
@@ -36481,93 +36881,7 @@
 </p:sld>
 </file>
 
-<file path=ppt/slides/slide2.xml><?xml version="1.0" encoding="utf-8"?>
-<p:sld xmlns:a="http://schemas.openxmlformats.org/drawingml/2006/main" xmlns:r="http://schemas.openxmlformats.org/officeDocument/2006/relationships" xmlns:p="http://schemas.openxmlformats.org/presentationml/2006/main">
-  <p:cSld>
-    <p:spTree>
-      <p:nvGrpSpPr>
-        <p:cNvPr id="1" name=""/>
-        <p:cNvGrpSpPr/>
-        <p:nvPr/>
-      </p:nvGrpSpPr>
-      <p:grpSpPr>
-        <a:xfrm>
-          <a:off x="0" y="0"/>
-          <a:ext cx="0" cy="0"/>
-          <a:chOff x="0" y="0"/>
-          <a:chExt cx="0" cy="0"/>
-        </a:xfrm>
-      </p:grpSpPr>
-      <p:sp>
-        <p:nvSpPr>
-          <p:cNvPr id="2" name="Title 1">
-            <a:extLst>
-              <a:ext uri="{FF2B5EF4-FFF2-40B4-BE49-F238E27FC236}">
-                <a16:creationId xmlns:a16="http://schemas.microsoft.com/office/drawing/2014/main" id="{2FC746F0-09EE-204A-A362-8F838768369E}"/>
-              </a:ext>
-            </a:extLst>
-          </p:cNvPr>
-          <p:cNvSpPr>
-            <a:spLocks noGrp="1"/>
-          </p:cNvSpPr>
-          <p:nvPr>
-            <p:ph type="title"/>
-          </p:nvPr>
-        </p:nvSpPr>
-        <p:spPr/>
-        <p:txBody>
-          <a:bodyPr/>
-          <a:lstStyle/>
-          <a:p>
-            <a:r>
-              <a:rPr lang="en-US" dirty="0"/>
-              <a:t>Overlapping Chunks</a:t>
-            </a:r>
-          </a:p>
-        </p:txBody>
-      </p:sp>
-      <p:sp>
-        <p:nvSpPr>
-          <p:cNvPr id="3" name="Text Placeholder 2">
-            <a:extLst>
-              <a:ext uri="{FF2B5EF4-FFF2-40B4-BE49-F238E27FC236}">
-                <a16:creationId xmlns:a16="http://schemas.microsoft.com/office/drawing/2014/main" id="{B215E06C-29C1-ED42-9BB8-0049186C22F4}"/>
-              </a:ext>
-            </a:extLst>
-          </p:cNvPr>
-          <p:cNvSpPr>
-            <a:spLocks noGrp="1"/>
-          </p:cNvSpPr>
-          <p:nvPr>
-            <p:ph type="body" idx="1"/>
-          </p:nvPr>
-        </p:nvSpPr>
-        <p:spPr/>
-        <p:txBody>
-          <a:bodyPr/>
-          <a:lstStyle/>
-          <a:p>
-            <a:r>
-              <a:rPr lang="en-US" dirty="0"/>
-              <a:t>Just what it sounds like</a:t>
-            </a:r>
-          </a:p>
-        </p:txBody>
-      </p:sp>
-    </p:spTree>
-    <p:extLst>
-      <p:ext uri="{BB962C8B-B14F-4D97-AF65-F5344CB8AC3E}">
-        <p14:creationId xmlns:p14="http://schemas.microsoft.com/office/powerpoint/2010/main" val="1232207367"/>
-      </p:ext>
-    </p:extLst>
-  </p:cSld>
-  <p:clrMapOvr>
-    <a:masterClrMapping/>
-  </p:clrMapOvr>
-</p:sld>
-</file>
-
-<file path=ppt/slides/slide20.xml><?xml version="1.0" encoding="utf-8"?>
+<file path=ppt/slides/slide22.xml><?xml version="1.0" encoding="utf-8"?>
 <p:sld xmlns:a="http://schemas.openxmlformats.org/drawingml/2006/main" xmlns:r="http://schemas.openxmlformats.org/officeDocument/2006/relationships" xmlns:p="http://schemas.openxmlformats.org/presentationml/2006/main">
   <p:cSld>
     <p:spTree>
@@ -36693,7 +37007,7 @@
 </p:sld>
 </file>
 
-<file path=ppt/slides/slide21.xml><?xml version="1.0" encoding="utf-8"?>
+<file path=ppt/slides/slide23.xml><?xml version="1.0" encoding="utf-8"?>
 <p:sld xmlns:a="http://schemas.openxmlformats.org/drawingml/2006/main" xmlns:r="http://schemas.openxmlformats.org/officeDocument/2006/relationships" xmlns:p="http://schemas.openxmlformats.org/presentationml/2006/main">
   <p:cSld>
     <p:spTree>
@@ -36789,7 +37103,7 @@
 </p:sld>
 </file>
 
-<file path=ppt/slides/slide22.xml><?xml version="1.0" encoding="utf-8"?>
+<file path=ppt/slides/slide24.xml><?xml version="1.0" encoding="utf-8"?>
 <p:sld xmlns:a="http://schemas.openxmlformats.org/drawingml/2006/main" xmlns:r="http://schemas.openxmlformats.org/officeDocument/2006/relationships" xmlns:p="http://schemas.openxmlformats.org/presentationml/2006/main">
   <p:cSld>
     <p:spTree>
@@ -36852,22 +37166,44 @@
         </p:nvSpPr>
         <p:spPr>
           <a:xfrm>
-            <a:off x="628650" y="1236541"/>
-            <a:ext cx="4185919" cy="3263504"/>
+            <a:off x="628650" y="1236540"/>
+            <a:ext cx="4468168" cy="3777669"/>
           </a:xfrm>
         </p:spPr>
         <p:txBody>
-          <a:bodyPr/>
+          <a:bodyPr>
+            <a:normAutofit/>
+          </a:bodyPr>
           <a:lstStyle/>
           <a:p>
             <a:r>
-              <a:rPr lang="en-US" dirty="0" err="1"/>
-              <a:t>Overlapping_chunks</a:t>
+              <a:rPr lang="en-US" i="1" dirty="0"/>
+              <a:t>/</a:t>
+            </a:r>
+            <a:r>
+              <a:rPr lang="en-US" i="1" dirty="0" err="1"/>
+              <a:t>overlapping_chunks</a:t>
+            </a:r>
+            <a:r>
+              <a:rPr lang="en-US" i="1" dirty="0"/>
+              <a:t>/exercise1/ </a:t>
             </a:r>
             <a:r>
               <a:rPr lang="en-US" dirty="0"/>
-              <a:t> directory</a:t>
+              <a:t>directory:</a:t>
             </a:r>
+          </a:p>
+          <a:p>
+            <a:pPr lvl="1"/>
+            <a:r>
+              <a:rPr lang="en-US" dirty="0"/>
+              <a:t>Use </a:t>
+            </a:r>
+            <a:r>
+              <a:rPr lang="en-US" i="1" dirty="0" err="1"/>
+              <a:t>start.py</a:t>
+            </a:r>
+            <a:endParaRPr lang="en-US" i="1" dirty="0"/>
           </a:p>
           <a:p>
             <a:r>
@@ -36889,6 +37225,23 @@
             <a:r>
               <a:rPr lang="en-US" dirty="0"/>
               <a:t>chunk:</a:t>
+            </a:r>
+          </a:p>
+          <a:p>
+            <a:pPr lvl="1"/>
+            <a:r>
+              <a:rPr lang="en-US" dirty="0"/>
+              <a:t>Buffer overflow in </a:t>
+            </a:r>
+            <a:r>
+              <a:rPr lang="en-US" i="1" dirty="0">
+                <a:latin typeface="Britannic Bold" panose="020B0903060703020204" pitchFamily="34" charset="77"/>
+              </a:rPr>
+              <a:t>first</a:t>
+            </a:r>
+            <a:r>
+              <a:rPr lang="en-US" dirty="0"/>
+              <a:t> chunk</a:t>
             </a:r>
           </a:p>
           <a:p>
@@ -36921,25 +37274,8 @@
           <a:p>
             <a:r>
               <a:rPr lang="en-US" dirty="0"/>
-              <a:t>Look at malloc/frees sizes and locations!</a:t>
+              <a:t>Look at malloc/frees sizes and locations</a:t>
             </a:r>
-          </a:p>
-          <a:p>
-            <a:r>
-              <a:rPr lang="en-US" dirty="0" err="1"/>
-              <a:t>Pwn</a:t>
-            </a:r>
-            <a:r>
-              <a:rPr lang="en-US" dirty="0"/>
-              <a:t> </a:t>
-            </a:r>
-            <a:r>
-              <a:rPr lang="en-US" dirty="0">
-                <a:sym typeface="Wingdings" pitchFamily="2" charset="2"/>
-              </a:rPr>
-              <a:t> </a:t>
-            </a:r>
-            <a:endParaRPr lang="en-US" dirty="0"/>
           </a:p>
         </p:txBody>
       </p:sp>
@@ -37399,7 +37735,7 @@
 </p:sld>
 </file>
 
-<file path=ppt/slides/slide23.xml><?xml version="1.0" encoding="utf-8"?>
+<file path=ppt/slides/slide25.xml><?xml version="1.0" encoding="utf-8"?>
 <p:sld xmlns:a="http://schemas.openxmlformats.org/drawingml/2006/main" xmlns:r="http://schemas.openxmlformats.org/officeDocument/2006/relationships" xmlns:p="http://schemas.openxmlformats.org/presentationml/2006/main">
   <p:cSld>
     <p:spTree>
@@ -38035,7 +38371,7 @@
 </p:sld>
 </file>
 
-<file path=ppt/slides/slide24.xml><?xml version="1.0" encoding="utf-8"?>
+<file path=ppt/slides/slide26.xml><?xml version="1.0" encoding="utf-8"?>
 <p:sld xmlns:a="http://schemas.openxmlformats.org/drawingml/2006/main" xmlns:r="http://schemas.openxmlformats.org/officeDocument/2006/relationships" xmlns:p="http://schemas.openxmlformats.org/presentationml/2006/main">
   <p:cSld>
     <p:spTree>
@@ -38670,7 +39006,7 @@
 </p:sld>
 </file>
 
-<file path=ppt/slides/slide25.xml><?xml version="1.0" encoding="utf-8"?>
+<file path=ppt/slides/slide27.xml><?xml version="1.0" encoding="utf-8"?>
 <p:sld xmlns:a="http://schemas.openxmlformats.org/drawingml/2006/main" xmlns:r="http://schemas.openxmlformats.org/officeDocument/2006/relationships" xmlns:p="http://schemas.openxmlformats.org/presentationml/2006/main">
   <p:cSld>
     <p:spTree>
@@ -39140,7 +39476,7 @@
 </p:sld>
 </file>
 
-<file path=ppt/slides/slide26.xml><?xml version="1.0" encoding="utf-8"?>
+<file path=ppt/slides/slide28.xml><?xml version="1.0" encoding="utf-8"?>
 <p:sld xmlns:a="http://schemas.openxmlformats.org/drawingml/2006/main" xmlns:r="http://schemas.openxmlformats.org/officeDocument/2006/relationships" xmlns:p="http://schemas.openxmlformats.org/presentationml/2006/main">
   <p:cSld>
     <p:spTree>
@@ -39581,7 +39917,7 @@
 </p:sld>
 </file>
 
-<file path=ppt/slides/slide27.xml><?xml version="1.0" encoding="utf-8"?>
+<file path=ppt/slides/slide29.xml><?xml version="1.0" encoding="utf-8"?>
 <p:sld xmlns:a="http://schemas.openxmlformats.org/drawingml/2006/main" xmlns:r="http://schemas.openxmlformats.org/officeDocument/2006/relationships" xmlns:p="http://schemas.openxmlformats.org/presentationml/2006/main">
   <p:cSld>
     <p:spTree>
@@ -40071,7 +40407,132 @@
 </p:sld>
 </file>
 
-<file path=ppt/slides/slide28.xml><?xml version="1.0" encoding="utf-8"?>
+<file path=ppt/slides/slide3.xml><?xml version="1.0" encoding="utf-8"?>
+<p:sld xmlns:a="http://schemas.openxmlformats.org/drawingml/2006/main" xmlns:r="http://schemas.openxmlformats.org/officeDocument/2006/relationships" xmlns:p="http://schemas.openxmlformats.org/presentationml/2006/main">
+  <p:cSld>
+    <p:spTree>
+      <p:nvGrpSpPr>
+        <p:cNvPr id="1" name=""/>
+        <p:cNvGrpSpPr/>
+        <p:nvPr/>
+      </p:nvGrpSpPr>
+      <p:grpSpPr>
+        <a:xfrm>
+          <a:off x="0" y="0"/>
+          <a:ext cx="0" cy="0"/>
+          <a:chOff x="0" y="0"/>
+          <a:chExt cx="0" cy="0"/>
+        </a:xfrm>
+      </p:grpSpPr>
+      <p:sp>
+        <p:nvSpPr>
+          <p:cNvPr id="2" name="Title 1">
+            <a:extLst>
+              <a:ext uri="{FF2B5EF4-FFF2-40B4-BE49-F238E27FC236}">
+                <a16:creationId xmlns:a16="http://schemas.microsoft.com/office/drawing/2014/main" id="{2865E600-F6A4-2D45-93C6-46B191F35303}"/>
+              </a:ext>
+            </a:extLst>
+          </p:cNvPr>
+          <p:cNvSpPr>
+            <a:spLocks noGrp="1"/>
+          </p:cNvSpPr>
+          <p:nvPr>
+            <p:ph type="title"/>
+          </p:nvPr>
+        </p:nvSpPr>
+        <p:spPr/>
+        <p:txBody>
+          <a:bodyPr>
+            <a:normAutofit/>
+          </a:bodyPr>
+          <a:lstStyle/>
+          <a:p>
+            <a:r>
+              <a:rPr lang="en-US" dirty="0"/>
+              <a:t>Why so Deep into Structures?</a:t>
+            </a:r>
+          </a:p>
+        </p:txBody>
+      </p:sp>
+      <p:sp>
+        <p:nvSpPr>
+          <p:cNvPr id="3" name="Content Placeholder 2">
+            <a:extLst>
+              <a:ext uri="{FF2B5EF4-FFF2-40B4-BE49-F238E27FC236}">
+                <a16:creationId xmlns:a16="http://schemas.microsoft.com/office/drawing/2014/main" id="{198E4F7B-9CBD-0448-B4EE-052B95C6EA25}"/>
+              </a:ext>
+            </a:extLst>
+          </p:cNvPr>
+          <p:cNvSpPr>
+            <a:spLocks noGrp="1"/>
+          </p:cNvSpPr>
+          <p:nvPr>
+            <p:ph idx="1"/>
+          </p:nvPr>
+        </p:nvSpPr>
+        <p:spPr/>
+        <p:txBody>
+          <a:bodyPr/>
+          <a:lstStyle/>
+          <a:p>
+            <a:r>
+              <a:rPr lang="en-US" dirty="0"/>
+              <a:t>Hopefully, code execution via memory corruption by:</a:t>
+            </a:r>
+          </a:p>
+          <a:p>
+            <a:pPr lvl="1"/>
+            <a:r>
+              <a:rPr lang="en-US" b="1" dirty="0">
+                <a:latin typeface="Britannic Bold" panose="020B0903060703020204" pitchFamily="34" charset="77"/>
+              </a:rPr>
+              <a:t>Corrupting size information (size/prev_size) of chunks</a:t>
+            </a:r>
+          </a:p>
+          <a:p>
+            <a:pPr lvl="1"/>
+            <a:r>
+              <a:rPr lang="en-US" dirty="0"/>
+              <a:t>Corrupting fd &amp; bk pointers of a freed chunk</a:t>
+            </a:r>
+          </a:p>
+          <a:p>
+            <a:pPr lvl="1"/>
+            <a:r>
+              <a:rPr lang="en-US" dirty="0"/>
+              <a:t>Bypassing security mitigations added to malloc</a:t>
+            </a:r>
+          </a:p>
+          <a:p>
+            <a:r>
+              <a:rPr lang="en-US" dirty="0"/>
+              <a:t>Memory leaks (heap and </a:t>
+            </a:r>
+            <a:r>
+              <a:rPr lang="en-US" dirty="0" err="1"/>
+              <a:t>LibC</a:t>
+            </a:r>
+            <a:r>
+              <a:rPr lang="en-US" dirty="0"/>
+              <a:t>)</a:t>
+            </a:r>
+          </a:p>
+        </p:txBody>
+      </p:sp>
+    </p:spTree>
+    <p:extLst>
+      <p:ext uri="{BB962C8B-B14F-4D97-AF65-F5344CB8AC3E}">
+        <p14:creationId xmlns:p14="http://schemas.microsoft.com/office/powerpoint/2010/main" val="3065879756"/>
+      </p:ext>
+    </p:extLst>
+  </p:cSld>
+  <p:clrMapOvr>
+    <a:masterClrMapping/>
+  </p:clrMapOvr>
+</p:sld>
+</file>
+
+<file path=ppt/slides/slide30.xml><?xml version="1.0" encoding="utf-8"?>
 <p:sld xmlns:a="http://schemas.openxmlformats.org/drawingml/2006/main" xmlns:r="http://schemas.openxmlformats.org/officeDocument/2006/relationships" xmlns:p="http://schemas.openxmlformats.org/presentationml/2006/main">
   <p:cSld>
     <p:spTree>
@@ -40629,7 +41090,7 @@
 </p:sld>
 </file>
 
-<file path=ppt/slides/slide29.xml><?xml version="1.0" encoding="utf-8"?>
+<file path=ppt/slides/slide31.xml><?xml version="1.0" encoding="utf-8"?>
 <p:sld xmlns:a="http://schemas.openxmlformats.org/drawingml/2006/main" xmlns:r="http://schemas.openxmlformats.org/officeDocument/2006/relationships" xmlns:p="http://schemas.openxmlformats.org/presentationml/2006/main">
   <p:cSld>
     <p:spTree>
@@ -41193,103 +41654,7 @@
 </p:sld>
 </file>
 
-<file path=ppt/slides/slide3.xml><?xml version="1.0" encoding="utf-8"?>
-<p:sld xmlns:a="http://schemas.openxmlformats.org/drawingml/2006/main" xmlns:r="http://schemas.openxmlformats.org/officeDocument/2006/relationships" xmlns:p="http://schemas.openxmlformats.org/presentationml/2006/main">
-  <p:cSld>
-    <p:spTree>
-      <p:nvGrpSpPr>
-        <p:cNvPr id="1" name=""/>
-        <p:cNvGrpSpPr/>
-        <p:nvPr/>
-      </p:nvGrpSpPr>
-      <p:grpSpPr>
-        <a:xfrm>
-          <a:off x="0" y="0"/>
-          <a:ext cx="0" cy="0"/>
-          <a:chOff x="0" y="0"/>
-          <a:chExt cx="0" cy="0"/>
-        </a:xfrm>
-      </p:grpSpPr>
-      <p:sp>
-        <p:nvSpPr>
-          <p:cNvPr id="2" name="Title 1">
-            <a:extLst>
-              <a:ext uri="{FF2B5EF4-FFF2-40B4-BE49-F238E27FC236}">
-                <a16:creationId xmlns:a16="http://schemas.microsoft.com/office/drawing/2014/main" id="{2D2415A4-FA59-A441-96A4-63062DAB71D9}"/>
-              </a:ext>
-            </a:extLst>
-          </p:cNvPr>
-          <p:cNvSpPr>
-            <a:spLocks noGrp="1"/>
-          </p:cNvSpPr>
-          <p:nvPr>
-            <p:ph type="title"/>
-          </p:nvPr>
-        </p:nvSpPr>
-        <p:spPr>
-          <a:xfrm>
-            <a:off x="628650" y="273847"/>
-            <a:ext cx="7886700" cy="994172"/>
-          </a:xfrm>
-        </p:spPr>
-        <p:txBody>
-          <a:bodyPr anchor="ctr">
-            <a:normAutofit/>
-          </a:bodyPr>
-          <a:lstStyle/>
-          <a:p>
-            <a:r>
-              <a:rPr lang="en-US" dirty="0"/>
-              <a:t>Overview</a:t>
-            </a:r>
-          </a:p>
-        </p:txBody>
-      </p:sp>
-      <p:graphicFrame>
-        <p:nvGraphicFramePr>
-          <p:cNvPr id="5" name="Content Placeholder 2">
-            <a:extLst>
-              <a:ext uri="{FF2B5EF4-FFF2-40B4-BE49-F238E27FC236}">
-                <a16:creationId xmlns:a16="http://schemas.microsoft.com/office/drawing/2014/main" id="{F0AB1914-95EA-4697-9FE5-3B1DB0AD9493}"/>
-              </a:ext>
-            </a:extLst>
-          </p:cNvPr>
-          <p:cNvGraphicFramePr>
-            <a:graphicFrameLocks noGrp="1"/>
-          </p:cNvGraphicFramePr>
-          <p:nvPr>
-            <p:ph idx="1"/>
-            <p:extLst>
-              <p:ext uri="{D42A27DB-BD31-4B8C-83A1-F6EECF244321}">
-                <p14:modId xmlns:p14="http://schemas.microsoft.com/office/powerpoint/2010/main" val="4229405037"/>
-              </p:ext>
-            </p:extLst>
-          </p:nvPr>
-        </p:nvGraphicFramePr>
-        <p:xfrm>
-          <a:off x="628650" y="1236541"/>
-          <a:ext cx="7886700" cy="3263504"/>
-        </p:xfrm>
-        <a:graphic>
-          <a:graphicData uri="http://schemas.openxmlformats.org/drawingml/2006/diagram">
-            <dgm:relIds xmlns:dgm="http://schemas.openxmlformats.org/drawingml/2006/diagram" xmlns:r="http://schemas.openxmlformats.org/officeDocument/2006/relationships" r:dm="rId2" r:lo="rId3" r:qs="rId4" r:cs="rId5"/>
-          </a:graphicData>
-        </a:graphic>
-      </p:graphicFrame>
-    </p:spTree>
-    <p:extLst>
-      <p:ext uri="{BB962C8B-B14F-4D97-AF65-F5344CB8AC3E}">
-        <p14:creationId xmlns:p14="http://schemas.microsoft.com/office/powerpoint/2010/main" val="2530545686"/>
-      </p:ext>
-    </p:extLst>
-  </p:cSld>
-  <p:clrMapOvr>
-    <a:masterClrMapping/>
-  </p:clrMapOvr>
-</p:sld>
-</file>
-
-<file path=ppt/slides/slide30.xml><?xml version="1.0" encoding="utf-8"?>
+<file path=ppt/slides/slide32.xml><?xml version="1.0" encoding="utf-8"?>
 <p:sld xmlns:a="http://schemas.openxmlformats.org/drawingml/2006/main" xmlns:r="http://schemas.openxmlformats.org/officeDocument/2006/relationships" xmlns:p="http://schemas.openxmlformats.org/presentationml/2006/main">
   <p:cSld>
     <p:spTree>
@@ -41710,7 +42075,7 @@
 </p:sld>
 </file>
 
-<file path=ppt/slides/slide31.xml><?xml version="1.0" encoding="utf-8"?>
+<file path=ppt/slides/slide33.xml><?xml version="1.0" encoding="utf-8"?>
 <p:sld xmlns:a="http://schemas.openxmlformats.org/drawingml/2006/main" xmlns:r="http://schemas.openxmlformats.org/officeDocument/2006/relationships" xmlns:p="http://schemas.openxmlformats.org/presentationml/2006/main">
   <p:cSld>
     <p:spTree>
@@ -42104,7 +42469,7 @@
 </p:sld>
 </file>
 
-<file path=ppt/slides/slide32.xml><?xml version="1.0" encoding="utf-8"?>
+<file path=ppt/slides/slide34.xml><?xml version="1.0" encoding="utf-8"?>
 <p:sld xmlns:a="http://schemas.openxmlformats.org/drawingml/2006/main" xmlns:r="http://schemas.openxmlformats.org/officeDocument/2006/relationships" xmlns:p="http://schemas.openxmlformats.org/presentationml/2006/main">
   <p:cSld>
     <p:spTree>
@@ -42574,7 +42939,7 @@
 </p:sld>
 </file>
 
-<file path=ppt/slides/slide33.xml><?xml version="1.0" encoding="utf-8"?>
+<file path=ppt/slides/slide35.xml><?xml version="1.0" encoding="utf-8"?>
 <p:sld xmlns:a="http://schemas.openxmlformats.org/drawingml/2006/main" xmlns:r="http://schemas.openxmlformats.org/officeDocument/2006/relationships" xmlns:p="http://schemas.openxmlformats.org/presentationml/2006/main">
   <p:cSld>
     <p:spTree>
@@ -43015,7 +43380,7 @@
 </p:sld>
 </file>
 
-<file path=ppt/slides/slide34.xml><?xml version="1.0" encoding="utf-8"?>
+<file path=ppt/slides/slide36.xml><?xml version="1.0" encoding="utf-8"?>
 <p:sld xmlns:a="http://schemas.openxmlformats.org/drawingml/2006/main" xmlns:r="http://schemas.openxmlformats.org/officeDocument/2006/relationships" xmlns:p="http://schemas.openxmlformats.org/presentationml/2006/main">
   <p:cSld>
     <p:spTree>
@@ -43505,7 +43870,7 @@
 </p:sld>
 </file>
 
-<file path=ppt/slides/slide35.xml><?xml version="1.0" encoding="utf-8"?>
+<file path=ppt/slides/slide37.xml><?xml version="1.0" encoding="utf-8"?>
 <p:sld xmlns:a="http://schemas.openxmlformats.org/drawingml/2006/main" xmlns:r="http://schemas.openxmlformats.org/officeDocument/2006/relationships" xmlns:p="http://schemas.openxmlformats.org/presentationml/2006/main">
   <p:cSld>
     <p:spTree>
@@ -43647,7 +44012,7 @@
 </p:sld>
 </file>
 
-<file path=ppt/slides/slide36.xml><?xml version="1.0" encoding="utf-8"?>
+<file path=ppt/slides/slide38.xml><?xml version="1.0" encoding="utf-8"?>
 <p:sld xmlns:a="http://schemas.openxmlformats.org/drawingml/2006/main" xmlns:r="http://schemas.openxmlformats.org/officeDocument/2006/relationships" xmlns:p="http://schemas.openxmlformats.org/presentationml/2006/main">
   <p:cSld>
     <p:spTree>
@@ -43764,7 +44129,7 @@
 </p:sld>
 </file>
 
-<file path=ppt/slides/slide37.xml><?xml version="1.0" encoding="utf-8"?>
+<file path=ppt/slides/slide39.xml><?xml version="1.0" encoding="utf-8"?>
 <p:sld xmlns:a="http://schemas.openxmlformats.org/drawingml/2006/main" xmlns:r="http://schemas.openxmlformats.org/officeDocument/2006/relationships" xmlns:p="http://schemas.openxmlformats.org/presentationml/2006/main">
   <p:cSld>
     <p:spTree>
@@ -43860,8 +44225,230 @@
 </p:sld>
 </file>
 
-<file path=ppt/slides/slide38.xml><?xml version="1.0" encoding="utf-8"?>
+<file path=ppt/slides/slide4.xml><?xml version="1.0" encoding="utf-8"?>
 <p:sld xmlns:a="http://schemas.openxmlformats.org/drawingml/2006/main" xmlns:r="http://schemas.openxmlformats.org/officeDocument/2006/relationships" xmlns:p="http://schemas.openxmlformats.org/presentationml/2006/main">
+  <p:cSld>
+    <p:spTree>
+      <p:nvGrpSpPr>
+        <p:cNvPr id="1" name=""/>
+        <p:cNvGrpSpPr/>
+        <p:nvPr/>
+      </p:nvGrpSpPr>
+      <p:grpSpPr>
+        <a:xfrm>
+          <a:off x="0" y="0"/>
+          <a:ext cx="0" cy="0"/>
+          <a:chOff x="0" y="0"/>
+          <a:chExt cx="0" cy="0"/>
+        </a:xfrm>
+      </p:grpSpPr>
+      <p:sp>
+        <p:nvSpPr>
+          <p:cNvPr id="2" name="Title 1">
+            <a:extLst>
+              <a:ext uri="{FF2B5EF4-FFF2-40B4-BE49-F238E27FC236}">
+                <a16:creationId xmlns:a16="http://schemas.microsoft.com/office/drawing/2014/main" id="{2D2415A4-FA59-A441-96A4-63062DAB71D9}"/>
+              </a:ext>
+            </a:extLst>
+          </p:cNvPr>
+          <p:cNvSpPr>
+            <a:spLocks noGrp="1"/>
+          </p:cNvSpPr>
+          <p:nvPr>
+            <p:ph type="title"/>
+          </p:nvPr>
+        </p:nvSpPr>
+        <p:spPr>
+          <a:xfrm>
+            <a:off x="628650" y="273847"/>
+            <a:ext cx="7886700" cy="994172"/>
+          </a:xfrm>
+        </p:spPr>
+        <p:txBody>
+          <a:bodyPr anchor="ctr">
+            <a:normAutofit/>
+          </a:bodyPr>
+          <a:lstStyle/>
+          <a:p>
+            <a:r>
+              <a:rPr lang="en-US" dirty="0"/>
+              <a:t>Overview</a:t>
+            </a:r>
+          </a:p>
+        </p:txBody>
+      </p:sp>
+      <p:graphicFrame>
+        <p:nvGraphicFramePr>
+          <p:cNvPr id="5" name="Content Placeholder 2">
+            <a:extLst>
+              <a:ext uri="{FF2B5EF4-FFF2-40B4-BE49-F238E27FC236}">
+                <a16:creationId xmlns:a16="http://schemas.microsoft.com/office/drawing/2014/main" id="{F0AB1914-95EA-4697-9FE5-3B1DB0AD9493}"/>
+              </a:ext>
+            </a:extLst>
+          </p:cNvPr>
+          <p:cNvGraphicFramePr>
+            <a:graphicFrameLocks noGrp="1"/>
+          </p:cNvGraphicFramePr>
+          <p:nvPr>
+            <p:ph idx="1"/>
+            <p:extLst>
+              <p:ext uri="{D42A27DB-BD31-4B8C-83A1-F6EECF244321}">
+                <p14:modId xmlns:p14="http://schemas.microsoft.com/office/powerpoint/2010/main" val="4229405037"/>
+              </p:ext>
+            </p:extLst>
+          </p:nvPr>
+        </p:nvGraphicFramePr>
+        <p:xfrm>
+          <a:off x="628650" y="1236541"/>
+          <a:ext cx="7886700" cy="3263504"/>
+        </p:xfrm>
+        <a:graphic>
+          <a:graphicData uri="http://schemas.openxmlformats.org/drawingml/2006/diagram">
+            <dgm:relIds xmlns:dgm="http://schemas.openxmlformats.org/drawingml/2006/diagram" xmlns:r="http://schemas.openxmlformats.org/officeDocument/2006/relationships" r:dm="rId2" r:lo="rId3" r:qs="rId4" r:cs="rId5"/>
+          </a:graphicData>
+        </a:graphic>
+      </p:graphicFrame>
+    </p:spTree>
+    <p:extLst>
+      <p:ext uri="{BB962C8B-B14F-4D97-AF65-F5344CB8AC3E}">
+        <p14:creationId xmlns:p14="http://schemas.microsoft.com/office/powerpoint/2010/main" val="2530545686"/>
+      </p:ext>
+    </p:extLst>
+  </p:cSld>
+  <p:clrMapOvr>
+    <a:masterClrMapping/>
+  </p:clrMapOvr>
+</p:sld>
+</file>
+
+<file path=ppt/slides/slide40.xml><?xml version="1.0" encoding="utf-8"?>
+<p:sld xmlns:a="http://schemas.openxmlformats.org/drawingml/2006/main" xmlns:r="http://schemas.openxmlformats.org/officeDocument/2006/relationships" xmlns:p="http://schemas.openxmlformats.org/presentationml/2006/main">
+  <p:cSld>
+    <p:spTree>
+      <p:nvGrpSpPr>
+        <p:cNvPr id="1" name=""/>
+        <p:cNvGrpSpPr/>
+        <p:nvPr/>
+      </p:nvGrpSpPr>
+      <p:grpSpPr>
+        <a:xfrm>
+          <a:off x="0" y="0"/>
+          <a:ext cx="0" cy="0"/>
+          <a:chOff x="0" y="0"/>
+          <a:chExt cx="0" cy="0"/>
+        </a:xfrm>
+      </p:grpSpPr>
+      <p:sp>
+        <p:nvSpPr>
+          <p:cNvPr id="2" name="Title 1">
+            <a:extLst>
+              <a:ext uri="{FF2B5EF4-FFF2-40B4-BE49-F238E27FC236}">
+                <a16:creationId xmlns:a16="http://schemas.microsoft.com/office/drawing/2014/main" id="{D3226B31-8E27-9B42-BD86-BB21545EE327}"/>
+              </a:ext>
+            </a:extLst>
+          </p:cNvPr>
+          <p:cNvSpPr>
+            <a:spLocks noGrp="1"/>
+          </p:cNvSpPr>
+          <p:nvPr>
+            <p:ph type="title"/>
+          </p:nvPr>
+        </p:nvSpPr>
+        <p:spPr/>
+        <p:txBody>
+          <a:bodyPr/>
+          <a:lstStyle/>
+          <a:p>
+            <a:r>
+              <a:rPr lang="en-US" dirty="0"/>
+              <a:t>Multiple Variations of Attack</a:t>
+            </a:r>
+          </a:p>
+        </p:txBody>
+      </p:sp>
+      <p:sp>
+        <p:nvSpPr>
+          <p:cNvPr id="3" name="Content Placeholder 2">
+            <a:extLst>
+              <a:ext uri="{FF2B5EF4-FFF2-40B4-BE49-F238E27FC236}">
+                <a16:creationId xmlns:a16="http://schemas.microsoft.com/office/drawing/2014/main" id="{74482978-8512-934C-89F9-3C551896ECDF}"/>
+              </a:ext>
+            </a:extLst>
+          </p:cNvPr>
+          <p:cNvSpPr>
+            <a:spLocks noGrp="1"/>
+          </p:cNvSpPr>
+          <p:nvPr>
+            <p:ph idx="1"/>
+          </p:nvPr>
+        </p:nvSpPr>
+        <p:spPr/>
+        <p:txBody>
+          <a:bodyPr/>
+          <a:lstStyle/>
+          <a:p>
+            <a:r>
+              <a:rPr lang="en-US" b="1" dirty="0"/>
+              <a:t>TCache (No Validations): </a:t>
+            </a:r>
+          </a:p>
+          <a:p>
+            <a:pPr lvl="1"/>
+            <a:r>
+              <a:rPr lang="en-US" b="1" dirty="0"/>
+              <a:t>Focus of this workshop</a:t>
+            </a:r>
+            <a:endParaRPr lang="en-US" dirty="0"/>
+          </a:p>
+          <a:p>
+            <a:r>
+              <a:rPr lang="en-US" dirty="0" err="1"/>
+              <a:t>Fastbin</a:t>
+            </a:r>
+            <a:r>
+              <a:rPr lang="en-US" dirty="0"/>
+              <a:t> (Some Validations) </a:t>
+            </a:r>
+          </a:p>
+          <a:p>
+            <a:r>
+              <a:rPr lang="en-US" dirty="0"/>
+              <a:t>Unsorted Bin/Large bin/Small Bin (Lots of validations)</a:t>
+            </a:r>
+          </a:p>
+          <a:p>
+            <a:r>
+              <a:rPr lang="en-US" dirty="0"/>
+              <a:t>Shrinking to Overlap</a:t>
+            </a:r>
+          </a:p>
+          <a:p>
+            <a:r>
+              <a:rPr lang="en-US" dirty="0" err="1"/>
+              <a:t>Mmap</a:t>
+            </a:r>
+            <a:r>
+              <a:rPr lang="en-US" dirty="0"/>
+              <a:t> Chunks (No Validations) </a:t>
+            </a:r>
+          </a:p>
+        </p:txBody>
+      </p:sp>
+    </p:spTree>
+    <p:extLst>
+      <p:ext uri="{BB962C8B-B14F-4D97-AF65-F5344CB8AC3E}">
+        <p14:creationId xmlns:p14="http://schemas.microsoft.com/office/powerpoint/2010/main" val="1528010730"/>
+      </p:ext>
+    </p:extLst>
+  </p:cSld>
+  <p:clrMapOvr>
+    <a:masterClrMapping/>
+  </p:clrMapOvr>
+</p:sld>
+</file>
+
+<file path=ppt/slides/slide41.xml><?xml version="1.0" encoding="utf-8"?>
+<p:sld xmlns:a="http://schemas.openxmlformats.org/drawingml/2006/main" xmlns:r="http://schemas.openxmlformats.org/officeDocument/2006/relationships" xmlns:p="http://schemas.openxmlformats.org/presentationml/2006/main" show="0">
   <p:cSld>
     <p:spTree>
       <p:nvGrpSpPr>
@@ -44026,8 +44613,8 @@
 </p:sld>
 </file>
 
-<file path=ppt/slides/slide39.xml><?xml version="1.0" encoding="utf-8"?>
-<p:sld xmlns:a="http://schemas.openxmlformats.org/drawingml/2006/main" xmlns:r="http://schemas.openxmlformats.org/officeDocument/2006/relationships" xmlns:p="http://schemas.openxmlformats.org/presentationml/2006/main">
+<file path=ppt/slides/slide42.xml><?xml version="1.0" encoding="utf-8"?>
+<p:sld xmlns:a="http://schemas.openxmlformats.org/drawingml/2006/main" xmlns:r="http://schemas.openxmlformats.org/officeDocument/2006/relationships" xmlns:p="http://schemas.openxmlformats.org/presentationml/2006/main" show="0">
   <p:cSld>
     <p:spTree>
       <p:nvGrpSpPr>
@@ -44152,142 +44739,7 @@
 </p:sld>
 </file>
 
-<file path=ppt/slides/slide4.xml><?xml version="1.0" encoding="utf-8"?>
-<p:sld xmlns:a="http://schemas.openxmlformats.org/drawingml/2006/main" xmlns:r="http://schemas.openxmlformats.org/officeDocument/2006/relationships" xmlns:p="http://schemas.openxmlformats.org/presentationml/2006/main">
-  <p:cSld>
-    <p:spTree>
-      <p:nvGrpSpPr>
-        <p:cNvPr id="1" name=""/>
-        <p:cNvGrpSpPr/>
-        <p:nvPr/>
-      </p:nvGrpSpPr>
-      <p:grpSpPr>
-        <a:xfrm>
-          <a:off x="0" y="0"/>
-          <a:ext cx="0" cy="0"/>
-          <a:chOff x="0" y="0"/>
-          <a:chExt cx="0" cy="0"/>
-        </a:xfrm>
-      </p:grpSpPr>
-      <p:sp>
-        <p:nvSpPr>
-          <p:cNvPr id="2" name="Title 1">
-            <a:extLst>
-              <a:ext uri="{FF2B5EF4-FFF2-40B4-BE49-F238E27FC236}">
-                <a16:creationId xmlns:a16="http://schemas.microsoft.com/office/drawing/2014/main" id="{05CD4975-5B8A-C44E-A113-1CE454F6340C}"/>
-              </a:ext>
-            </a:extLst>
-          </p:cNvPr>
-          <p:cNvSpPr>
-            <a:spLocks noGrp="1"/>
-          </p:cNvSpPr>
-          <p:nvPr>
-            <p:ph type="title"/>
-          </p:nvPr>
-        </p:nvSpPr>
-        <p:spPr/>
-        <p:txBody>
-          <a:bodyPr/>
-          <a:lstStyle/>
-          <a:p>
-            <a:r>
-              <a:rPr lang="en-US" dirty="0"/>
-              <a:t>Attack Strategy Visual – 1 </a:t>
-            </a:r>
-          </a:p>
-        </p:txBody>
-      </p:sp>
-      <p:sp>
-        <p:nvSpPr>
-          <p:cNvPr id="4" name="Content Placeholder 3">
-            <a:extLst>
-              <a:ext uri="{FF2B5EF4-FFF2-40B4-BE49-F238E27FC236}">
-                <a16:creationId xmlns:a16="http://schemas.microsoft.com/office/drawing/2014/main" id="{C896892F-3793-C644-AEB7-304C9A9B9C91}"/>
-              </a:ext>
-            </a:extLst>
-          </p:cNvPr>
-          <p:cNvSpPr>
-            <a:spLocks noGrp="1"/>
-          </p:cNvSpPr>
-          <p:nvPr>
-            <p:ph sz="half" idx="2"/>
-          </p:nvPr>
-        </p:nvSpPr>
-        <p:spPr>
-          <a:xfrm>
-            <a:off x="628650" y="1508115"/>
-            <a:ext cx="3886200" cy="3263504"/>
-          </a:xfrm>
-        </p:spPr>
-        <p:txBody>
-          <a:bodyPr/>
-          <a:lstStyle/>
-          <a:p>
-            <a:r>
-              <a:rPr lang="en-US" dirty="0"/>
-              <a:t>Three chunks all in a row of the same size</a:t>
-            </a:r>
-          </a:p>
-          <a:p>
-            <a:r>
-              <a:rPr lang="en-US" dirty="0"/>
-              <a:t>What if we changed the </a:t>
-            </a:r>
-            <a:r>
-              <a:rPr lang="en-US" b="1" i="1" dirty="0"/>
-              <a:t>size </a:t>
-            </a:r>
-            <a:r>
-              <a:rPr lang="en-US" dirty="0"/>
-              <a:t>of one of the chunks? </a:t>
-            </a:r>
-            <a:endParaRPr lang="en-US" b="1" i="1" dirty="0"/>
-          </a:p>
-        </p:txBody>
-      </p:sp>
-      <p:pic>
-        <p:nvPicPr>
-          <p:cNvPr id="10" name="Content Placeholder 9" descr="Table&#10;&#10;Description automatically generated">
-            <a:extLst>
-              <a:ext uri="{FF2B5EF4-FFF2-40B4-BE49-F238E27FC236}">
-                <a16:creationId xmlns:a16="http://schemas.microsoft.com/office/drawing/2014/main" id="{EB1DF44C-8573-B047-932B-0096F0ABF5AE}"/>
-              </a:ext>
-            </a:extLst>
-          </p:cNvPr>
-          <p:cNvPicPr>
-            <a:picLocks noGrp="1" noChangeAspect="1"/>
-          </p:cNvPicPr>
-          <p:nvPr>
-            <p:ph sz="half" idx="1"/>
-          </p:nvPr>
-        </p:nvPicPr>
-        <p:blipFill>
-          <a:blip r:embed="rId2"/>
-          <a:stretch>
-            <a:fillRect/>
-          </a:stretch>
-        </p:blipFill>
-        <p:spPr>
-          <a:xfrm>
-            <a:off x="5605282" y="1145894"/>
-            <a:ext cx="2754156" cy="3442695"/>
-          </a:xfrm>
-        </p:spPr>
-      </p:pic>
-    </p:spTree>
-    <p:extLst>
-      <p:ext uri="{BB962C8B-B14F-4D97-AF65-F5344CB8AC3E}">
-        <p14:creationId xmlns:p14="http://schemas.microsoft.com/office/powerpoint/2010/main" val="2593410451"/>
-      </p:ext>
-    </p:extLst>
-  </p:cSld>
-  <p:clrMapOvr>
-    <a:masterClrMapping/>
-  </p:clrMapOvr>
-</p:sld>
-</file>
-
-<file path=ppt/slides/slide40.xml><?xml version="1.0" encoding="utf-8"?>
+<file path=ppt/slides/slide43.xml><?xml version="1.0" encoding="utf-8"?>
 <p:sld xmlns:a="http://schemas.openxmlformats.org/drawingml/2006/main" xmlns:r="http://schemas.openxmlformats.org/officeDocument/2006/relationships" xmlns:p="http://schemas.openxmlformats.org/presentationml/2006/main" show="0">
   <p:cSld>
     <p:spTree>
@@ -44428,7 +44880,7 @@
 </p:sld>
 </file>
 
-<file path=ppt/slides/slide41.xml><?xml version="1.0" encoding="utf-8"?>
+<file path=ppt/slides/slide44.xml><?xml version="1.0" encoding="utf-8"?>
 <p:sld xmlns:a="http://schemas.openxmlformats.org/drawingml/2006/main" xmlns:r="http://schemas.openxmlformats.org/officeDocument/2006/relationships" xmlns:p="http://schemas.openxmlformats.org/presentationml/2006/main" show="0">
   <p:cSld>
     <p:spTree>
@@ -44507,7 +44959,7 @@
 </p:sld>
 </file>
 
-<file path=ppt/slides/slide42.xml><?xml version="1.0" encoding="utf-8"?>
+<file path=ppt/slides/slide45.xml><?xml version="1.0" encoding="utf-8"?>
 <p:sld xmlns:a="http://schemas.openxmlformats.org/drawingml/2006/main" xmlns:r="http://schemas.openxmlformats.org/officeDocument/2006/relationships" xmlns:p="http://schemas.openxmlformats.org/presentationml/2006/main" show="0">
   <p:cSld>
     <p:spTree>
@@ -44704,7 +45156,7 @@
 </p:sld>
 </file>
 
-<file path=ppt/slides/slide43.xml><?xml version="1.0" encoding="utf-8"?>
+<file path=ppt/slides/slide46.xml><?xml version="1.0" encoding="utf-8"?>
 <p:sld xmlns:a="http://schemas.openxmlformats.org/drawingml/2006/main" xmlns:r="http://schemas.openxmlformats.org/officeDocument/2006/relationships" xmlns:p="http://schemas.openxmlformats.org/presentationml/2006/main" show="0">
   <p:cSld>
     <p:spTree>
@@ -44868,7 +45320,7 @@
 </p:sld>
 </file>
 
-<file path=ppt/slides/slide44.xml><?xml version="1.0" encoding="utf-8"?>
+<file path=ppt/slides/slide47.xml><?xml version="1.0" encoding="utf-8"?>
 <p:sld xmlns:a="http://schemas.openxmlformats.org/drawingml/2006/main" xmlns:r="http://schemas.openxmlformats.org/officeDocument/2006/relationships" xmlns:p="http://schemas.openxmlformats.org/presentationml/2006/main" show="0">
   <p:cSld>
     <p:spTree>
@@ -45122,7 +45574,7 @@
 </p:sld>
 </file>
 
-<file path=ppt/slides/slide45.xml><?xml version="1.0" encoding="utf-8"?>
+<file path=ppt/slides/slide48.xml><?xml version="1.0" encoding="utf-8"?>
 <p:sld xmlns:a="http://schemas.openxmlformats.org/drawingml/2006/main" xmlns:r="http://schemas.openxmlformats.org/officeDocument/2006/relationships" xmlns:p="http://schemas.openxmlformats.org/presentationml/2006/main" show="0">
   <p:cSld>
     <p:spTree>
@@ -45226,7 +45678,7 @@
 </p:sld>
 </file>
 
-<file path=ppt/slides/slide46.xml><?xml version="1.0" encoding="utf-8"?>
+<file path=ppt/slides/slide49.xml><?xml version="1.0" encoding="utf-8"?>
 <p:sld xmlns:a="http://schemas.openxmlformats.org/drawingml/2006/main" xmlns:r="http://schemas.openxmlformats.org/officeDocument/2006/relationships" xmlns:p="http://schemas.openxmlformats.org/presentationml/2006/main" show="0">
   <p:cSld>
     <p:spTree>
@@ -45395,7 +45847,142 @@
 </p:sld>
 </file>
 
-<file path=ppt/slides/slide47.xml><?xml version="1.0" encoding="utf-8"?>
+<file path=ppt/slides/slide5.xml><?xml version="1.0" encoding="utf-8"?>
+<p:sld xmlns:a="http://schemas.openxmlformats.org/drawingml/2006/main" xmlns:r="http://schemas.openxmlformats.org/officeDocument/2006/relationships" xmlns:p="http://schemas.openxmlformats.org/presentationml/2006/main">
+  <p:cSld>
+    <p:spTree>
+      <p:nvGrpSpPr>
+        <p:cNvPr id="1" name=""/>
+        <p:cNvGrpSpPr/>
+        <p:nvPr/>
+      </p:nvGrpSpPr>
+      <p:grpSpPr>
+        <a:xfrm>
+          <a:off x="0" y="0"/>
+          <a:ext cx="0" cy="0"/>
+          <a:chOff x="0" y="0"/>
+          <a:chExt cx="0" cy="0"/>
+        </a:xfrm>
+      </p:grpSpPr>
+      <p:sp>
+        <p:nvSpPr>
+          <p:cNvPr id="2" name="Title 1">
+            <a:extLst>
+              <a:ext uri="{FF2B5EF4-FFF2-40B4-BE49-F238E27FC236}">
+                <a16:creationId xmlns:a16="http://schemas.microsoft.com/office/drawing/2014/main" id="{05CD4975-5B8A-C44E-A113-1CE454F6340C}"/>
+              </a:ext>
+            </a:extLst>
+          </p:cNvPr>
+          <p:cNvSpPr>
+            <a:spLocks noGrp="1"/>
+          </p:cNvSpPr>
+          <p:nvPr>
+            <p:ph type="title"/>
+          </p:nvPr>
+        </p:nvSpPr>
+        <p:spPr/>
+        <p:txBody>
+          <a:bodyPr/>
+          <a:lstStyle/>
+          <a:p>
+            <a:r>
+              <a:rPr lang="en-US" dirty="0"/>
+              <a:t>Attack Strategy Visual – 1 </a:t>
+            </a:r>
+          </a:p>
+        </p:txBody>
+      </p:sp>
+      <p:sp>
+        <p:nvSpPr>
+          <p:cNvPr id="4" name="Content Placeholder 3">
+            <a:extLst>
+              <a:ext uri="{FF2B5EF4-FFF2-40B4-BE49-F238E27FC236}">
+                <a16:creationId xmlns:a16="http://schemas.microsoft.com/office/drawing/2014/main" id="{C896892F-3793-C644-AEB7-304C9A9B9C91}"/>
+              </a:ext>
+            </a:extLst>
+          </p:cNvPr>
+          <p:cNvSpPr>
+            <a:spLocks noGrp="1"/>
+          </p:cNvSpPr>
+          <p:nvPr>
+            <p:ph sz="half" idx="2"/>
+          </p:nvPr>
+        </p:nvSpPr>
+        <p:spPr>
+          <a:xfrm>
+            <a:off x="628650" y="1508115"/>
+            <a:ext cx="3886200" cy="3263504"/>
+          </a:xfrm>
+        </p:spPr>
+        <p:txBody>
+          <a:bodyPr/>
+          <a:lstStyle/>
+          <a:p>
+            <a:r>
+              <a:rPr lang="en-US" dirty="0"/>
+              <a:t>Three chunks all in a row of the same size</a:t>
+            </a:r>
+          </a:p>
+          <a:p>
+            <a:r>
+              <a:rPr lang="en-US" dirty="0"/>
+              <a:t>What if we changed the </a:t>
+            </a:r>
+            <a:r>
+              <a:rPr lang="en-US" b="1" i="1" dirty="0"/>
+              <a:t>size </a:t>
+            </a:r>
+            <a:r>
+              <a:rPr lang="en-US" dirty="0"/>
+              <a:t>of one of the chunks? </a:t>
+            </a:r>
+            <a:endParaRPr lang="en-US" b="1" i="1" dirty="0"/>
+          </a:p>
+        </p:txBody>
+      </p:sp>
+      <p:pic>
+        <p:nvPicPr>
+          <p:cNvPr id="10" name="Content Placeholder 9" descr="Table&#10;&#10;Description automatically generated">
+            <a:extLst>
+              <a:ext uri="{FF2B5EF4-FFF2-40B4-BE49-F238E27FC236}">
+                <a16:creationId xmlns:a16="http://schemas.microsoft.com/office/drawing/2014/main" id="{EB1DF44C-8573-B047-932B-0096F0ABF5AE}"/>
+              </a:ext>
+            </a:extLst>
+          </p:cNvPr>
+          <p:cNvPicPr>
+            <a:picLocks noGrp="1" noChangeAspect="1"/>
+          </p:cNvPicPr>
+          <p:nvPr>
+            <p:ph sz="half" idx="1"/>
+          </p:nvPr>
+        </p:nvPicPr>
+        <p:blipFill>
+          <a:blip r:embed="rId2"/>
+          <a:stretch>
+            <a:fillRect/>
+          </a:stretch>
+        </p:blipFill>
+        <p:spPr>
+          <a:xfrm>
+            <a:off x="5605282" y="1145894"/>
+            <a:ext cx="2754156" cy="3442695"/>
+          </a:xfrm>
+        </p:spPr>
+      </p:pic>
+    </p:spTree>
+    <p:extLst>
+      <p:ext uri="{BB962C8B-B14F-4D97-AF65-F5344CB8AC3E}">
+        <p14:creationId xmlns:p14="http://schemas.microsoft.com/office/powerpoint/2010/main" val="2593410451"/>
+      </p:ext>
+    </p:extLst>
+  </p:cSld>
+  <p:clrMapOvr>
+    <a:masterClrMapping/>
+  </p:clrMapOvr>
+</p:sld>
+</file>
+
+<file path=ppt/slides/slide50.xml><?xml version="1.0" encoding="utf-8"?>
 <p:sld xmlns:a="http://schemas.openxmlformats.org/drawingml/2006/main" xmlns:r="http://schemas.openxmlformats.org/officeDocument/2006/relationships" xmlns:p="http://schemas.openxmlformats.org/presentationml/2006/main">
   <p:cSld>
     <p:spTree>
@@ -45530,7 +46117,7 @@
 </p:sld>
 </file>
 
-<file path=ppt/slides/slide5.xml><?xml version="1.0" encoding="utf-8"?>
+<file path=ppt/slides/slide6.xml><?xml version="1.0" encoding="utf-8"?>
 <p:sld xmlns:a="http://schemas.openxmlformats.org/drawingml/2006/main" xmlns:r="http://schemas.openxmlformats.org/officeDocument/2006/relationships" xmlns:p="http://schemas.openxmlformats.org/presentationml/2006/main">
   <p:cSld>
     <p:spTree>
@@ -45660,7 +46247,7 @@
 </p:sld>
 </file>
 
-<file path=ppt/slides/slide6.xml><?xml version="1.0" encoding="utf-8"?>
+<file path=ppt/slides/slide7.xml><?xml version="1.0" encoding="utf-8"?>
 <p:sld xmlns:a="http://schemas.openxmlformats.org/drawingml/2006/main" xmlns:r="http://schemas.openxmlformats.org/officeDocument/2006/relationships" xmlns:p="http://schemas.openxmlformats.org/presentationml/2006/main">
   <p:cSld>
     <p:spTree>
@@ -45786,7 +46373,7 @@
 </p:sld>
 </file>
 
-<file path=ppt/slides/slide7.xml><?xml version="1.0" encoding="utf-8"?>
+<file path=ppt/slides/slide8.xml><?xml version="1.0" encoding="utf-8"?>
 <p:sld xmlns:a="http://schemas.openxmlformats.org/drawingml/2006/main" xmlns:r="http://schemas.openxmlformats.org/officeDocument/2006/relationships" xmlns:p="http://schemas.openxmlformats.org/presentationml/2006/main">
   <p:cSld>
     <p:spTree>
@@ -45955,7 +46542,7 @@
 </p:sld>
 </file>
 
-<file path=ppt/slides/slide8.xml><?xml version="1.0" encoding="utf-8"?>
+<file path=ppt/slides/slide9.xml><?xml version="1.0" encoding="utf-8"?>
 <p:sld xmlns:a="http://schemas.openxmlformats.org/drawingml/2006/main" xmlns:r="http://schemas.openxmlformats.org/officeDocument/2006/relationships" xmlns:p="http://schemas.openxmlformats.org/presentationml/2006/main">
   <p:cSld>
     <p:spTree>
@@ -46083,102 +46670,6 @@
     <p:extLst>
       <p:ext uri="{BB962C8B-B14F-4D97-AF65-F5344CB8AC3E}">
         <p14:creationId xmlns:p14="http://schemas.microsoft.com/office/powerpoint/2010/main" val="2678693087"/>
-      </p:ext>
-    </p:extLst>
-  </p:cSld>
-  <p:clrMapOvr>
-    <a:masterClrMapping/>
-  </p:clrMapOvr>
-</p:sld>
-</file>
-
-<file path=ppt/slides/slide9.xml><?xml version="1.0" encoding="utf-8"?>
-<p:sld xmlns:a="http://schemas.openxmlformats.org/drawingml/2006/main" xmlns:r="http://schemas.openxmlformats.org/officeDocument/2006/relationships" xmlns:p="http://schemas.openxmlformats.org/presentationml/2006/main">
-  <p:cSld>
-    <p:spTree>
-      <p:nvGrpSpPr>
-        <p:cNvPr id="1" name=""/>
-        <p:cNvGrpSpPr/>
-        <p:nvPr/>
-      </p:nvGrpSpPr>
-      <p:grpSpPr>
-        <a:xfrm>
-          <a:off x="0" y="0"/>
-          <a:ext cx="0" cy="0"/>
-          <a:chOff x="0" y="0"/>
-          <a:chExt cx="0" cy="0"/>
-        </a:xfrm>
-      </p:grpSpPr>
-      <p:sp>
-        <p:nvSpPr>
-          <p:cNvPr id="2" name="Title 1">
-            <a:extLst>
-              <a:ext uri="{FF2B5EF4-FFF2-40B4-BE49-F238E27FC236}">
-                <a16:creationId xmlns:a16="http://schemas.microsoft.com/office/drawing/2014/main" id="{931C8819-0CE5-5447-BAF3-BDE19519ABE8}"/>
-              </a:ext>
-            </a:extLst>
-          </p:cNvPr>
-          <p:cNvSpPr>
-            <a:spLocks noGrp="1"/>
-          </p:cNvSpPr>
-          <p:nvPr>
-            <p:ph type="title"/>
-          </p:nvPr>
-        </p:nvSpPr>
-        <p:spPr>
-          <a:xfrm>
-            <a:off x="628650" y="273847"/>
-            <a:ext cx="7886700" cy="994172"/>
-          </a:xfrm>
-        </p:spPr>
-        <p:txBody>
-          <a:bodyPr anchor="ctr">
-            <a:normAutofit/>
-          </a:bodyPr>
-          <a:lstStyle/>
-          <a:p>
-            <a:r>
-              <a:rPr lang="en-US" dirty="0"/>
-              <a:t>Flow of Attack</a:t>
-            </a:r>
-          </a:p>
-        </p:txBody>
-      </p:sp>
-      <p:graphicFrame>
-        <p:nvGraphicFramePr>
-          <p:cNvPr id="5" name="Content Placeholder 2">
-            <a:extLst>
-              <a:ext uri="{FF2B5EF4-FFF2-40B4-BE49-F238E27FC236}">
-                <a16:creationId xmlns:a16="http://schemas.microsoft.com/office/drawing/2014/main" id="{A45C912D-1FF6-48D8-A450-36DFE9B85674}"/>
-              </a:ext>
-            </a:extLst>
-          </p:cNvPr>
-          <p:cNvGraphicFramePr>
-            <a:graphicFrameLocks noGrp="1"/>
-          </p:cNvGraphicFramePr>
-          <p:nvPr>
-            <p:ph idx="1"/>
-            <p:extLst>
-              <p:ext uri="{D42A27DB-BD31-4B8C-83A1-F6EECF244321}">
-                <p14:modId xmlns:p14="http://schemas.microsoft.com/office/powerpoint/2010/main" val="4168971031"/>
-              </p:ext>
-            </p:extLst>
-          </p:nvPr>
-        </p:nvGraphicFramePr>
-        <p:xfrm>
-          <a:off x="568619" y="945136"/>
-          <a:ext cx="8444752" cy="4026433"/>
-        </p:xfrm>
-        <a:graphic>
-          <a:graphicData uri="http://schemas.openxmlformats.org/drawingml/2006/diagram">
-            <dgm:relIds xmlns:dgm="http://schemas.openxmlformats.org/drawingml/2006/diagram" xmlns:r="http://schemas.openxmlformats.org/officeDocument/2006/relationships" r:dm="rId2" r:lo="rId3" r:qs="rId4" r:cs="rId5"/>
-          </a:graphicData>
-        </a:graphic>
-      </p:graphicFrame>
-    </p:spTree>
-    <p:extLst>
-      <p:ext uri="{BB962C8B-B14F-4D97-AF65-F5344CB8AC3E}">
-        <p14:creationId xmlns:p14="http://schemas.microsoft.com/office/powerpoint/2010/main" val="3362168354"/>
       </p:ext>
     </p:extLst>
   </p:cSld>

--- a/modules/overlapping_chunks/OverlappingChunks.pptx
+++ b/modules/overlapping_chunks/OverlappingChunks.pptx
@@ -5,7 +5,7 @@
     <p:sldMasterId id="2147483660" r:id="rId1"/>
   </p:sldMasterIdLst>
   <p:notesMasterIdLst>
-    <p:notesMasterId r:id="rId52"/>
+    <p:notesMasterId r:id="rId47"/>
   </p:notesMasterIdLst>
   <p:sldIdLst>
     <p:sldId id="327" r:id="rId2"/>
@@ -52,12 +52,7 @@
     <p:sldId id="468" r:id="rId43"/>
     <p:sldId id="502" r:id="rId44"/>
     <p:sldId id="503" r:id="rId45"/>
-    <p:sldId id="496" r:id="rId46"/>
-    <p:sldId id="497" r:id="rId47"/>
-    <p:sldId id="471" r:id="rId48"/>
-    <p:sldId id="498" r:id="rId49"/>
-    <p:sldId id="500" r:id="rId50"/>
-    <p:sldId id="501" r:id="rId51"/>
+    <p:sldId id="501" r:id="rId46"/>
   </p:sldIdLst>
   <p:sldSz cx="9144000" cy="5143500" type="screen16x9"/>
   <p:notesSz cx="6858000" cy="9144000"/>
@@ -898,753 +893,6 @@
   <dgm:styleLbl name="fgShp">
     <dgm:fillClrLst meth="repeat">
       <a:schemeClr val="accent3">
-        <a:tint val="60000"/>
-      </a:schemeClr>
-    </dgm:fillClrLst>
-    <dgm:linClrLst meth="repeat">
-      <a:schemeClr val="lt1"/>
-    </dgm:linClrLst>
-    <dgm:effectClrLst/>
-    <dgm:txLinClrLst/>
-    <dgm:txFillClrLst meth="repeat">
-      <a:schemeClr val="dk1"/>
-    </dgm:txFillClrLst>
-    <dgm:txEffectClrLst/>
-  </dgm:styleLbl>
-  <dgm:styleLbl name="revTx">
-    <dgm:fillClrLst meth="repeat">
-      <a:schemeClr val="lt1">
-        <a:alpha val="0"/>
-      </a:schemeClr>
-    </dgm:fillClrLst>
-    <dgm:linClrLst meth="repeat">
-      <a:schemeClr val="dk1">
-        <a:alpha val="0"/>
-      </a:schemeClr>
-    </dgm:linClrLst>
-    <dgm:effectClrLst/>
-    <dgm:txLinClrLst/>
-    <dgm:txFillClrLst meth="repeat">
-      <a:schemeClr val="tx1"/>
-    </dgm:txFillClrLst>
-    <dgm:txEffectClrLst/>
-  </dgm:styleLbl>
-</dgm:colorsDef>
-</file>
-
-<file path=ppt/diagrams/colors10.xml><?xml version="1.0" encoding="utf-8"?>
-<dgm:colorsDef xmlns:dgm="http://schemas.openxmlformats.org/drawingml/2006/diagram" xmlns:a="http://schemas.openxmlformats.org/drawingml/2006/main" uniqueId="urn:microsoft.com/office/officeart/2005/8/colors/accent2_2">
-  <dgm:title val=""/>
-  <dgm:desc val=""/>
-  <dgm:catLst>
-    <dgm:cat type="accent2" pri="11200"/>
-  </dgm:catLst>
-  <dgm:styleLbl name="node0">
-    <dgm:fillClrLst meth="repeat">
-      <a:schemeClr val="accent2"/>
-    </dgm:fillClrLst>
-    <dgm:linClrLst meth="repeat">
-      <a:schemeClr val="lt1"/>
-    </dgm:linClrLst>
-    <dgm:effectClrLst/>
-    <dgm:txLinClrLst/>
-    <dgm:txFillClrLst/>
-    <dgm:txEffectClrLst/>
-  </dgm:styleLbl>
-  <dgm:styleLbl name="node1">
-    <dgm:fillClrLst meth="repeat">
-      <a:schemeClr val="accent2"/>
-    </dgm:fillClrLst>
-    <dgm:linClrLst meth="repeat">
-      <a:schemeClr val="lt1"/>
-    </dgm:linClrLst>
-    <dgm:effectClrLst/>
-    <dgm:txLinClrLst/>
-    <dgm:txFillClrLst/>
-    <dgm:txEffectClrLst/>
-  </dgm:styleLbl>
-  <dgm:styleLbl name="alignNode1">
-    <dgm:fillClrLst meth="repeat">
-      <a:schemeClr val="accent2"/>
-    </dgm:fillClrLst>
-    <dgm:linClrLst meth="repeat">
-      <a:schemeClr val="accent2"/>
-    </dgm:linClrLst>
-    <dgm:effectClrLst/>
-    <dgm:txLinClrLst/>
-    <dgm:txFillClrLst/>
-    <dgm:txEffectClrLst/>
-  </dgm:styleLbl>
-  <dgm:styleLbl name="lnNode1">
-    <dgm:fillClrLst meth="repeat">
-      <a:schemeClr val="accent2"/>
-    </dgm:fillClrLst>
-    <dgm:linClrLst meth="repeat">
-      <a:schemeClr val="lt1"/>
-    </dgm:linClrLst>
-    <dgm:effectClrLst/>
-    <dgm:txLinClrLst/>
-    <dgm:txFillClrLst/>
-    <dgm:txEffectClrLst/>
-  </dgm:styleLbl>
-  <dgm:styleLbl name="vennNode1">
-    <dgm:fillClrLst meth="repeat">
-      <a:schemeClr val="accent2">
-        <a:alpha val="50000"/>
-      </a:schemeClr>
-    </dgm:fillClrLst>
-    <dgm:linClrLst meth="repeat">
-      <a:schemeClr val="lt1"/>
-    </dgm:linClrLst>
-    <dgm:effectClrLst/>
-    <dgm:txLinClrLst/>
-    <dgm:txFillClrLst/>
-    <dgm:txEffectClrLst/>
-  </dgm:styleLbl>
-  <dgm:styleLbl name="node2">
-    <dgm:fillClrLst meth="repeat">
-      <a:schemeClr val="accent2"/>
-    </dgm:fillClrLst>
-    <dgm:linClrLst meth="repeat">
-      <a:schemeClr val="lt1"/>
-    </dgm:linClrLst>
-    <dgm:effectClrLst/>
-    <dgm:txLinClrLst/>
-    <dgm:txFillClrLst/>
-    <dgm:txEffectClrLst/>
-  </dgm:styleLbl>
-  <dgm:styleLbl name="node3">
-    <dgm:fillClrLst meth="repeat">
-      <a:schemeClr val="accent2"/>
-    </dgm:fillClrLst>
-    <dgm:linClrLst meth="repeat">
-      <a:schemeClr val="lt1"/>
-    </dgm:linClrLst>
-    <dgm:effectClrLst/>
-    <dgm:txLinClrLst/>
-    <dgm:txFillClrLst/>
-    <dgm:txEffectClrLst/>
-  </dgm:styleLbl>
-  <dgm:styleLbl name="node4">
-    <dgm:fillClrLst meth="repeat">
-      <a:schemeClr val="accent2"/>
-    </dgm:fillClrLst>
-    <dgm:linClrLst meth="repeat">
-      <a:schemeClr val="lt1"/>
-    </dgm:linClrLst>
-    <dgm:effectClrLst/>
-    <dgm:txLinClrLst/>
-    <dgm:txFillClrLst/>
-    <dgm:txEffectClrLst/>
-  </dgm:styleLbl>
-  <dgm:styleLbl name="fgImgPlace1">
-    <dgm:fillClrLst meth="repeat">
-      <a:schemeClr val="accent2">
-        <a:tint val="50000"/>
-      </a:schemeClr>
-    </dgm:fillClrLst>
-    <dgm:linClrLst meth="repeat">
-      <a:schemeClr val="lt1"/>
-    </dgm:linClrLst>
-    <dgm:effectClrLst/>
-    <dgm:txLinClrLst/>
-    <dgm:txFillClrLst meth="repeat">
-      <a:schemeClr val="lt1"/>
-    </dgm:txFillClrLst>
-    <dgm:txEffectClrLst/>
-  </dgm:styleLbl>
-  <dgm:styleLbl name="alignImgPlace1">
-    <dgm:fillClrLst meth="repeat">
-      <a:schemeClr val="accent2">
-        <a:tint val="50000"/>
-      </a:schemeClr>
-    </dgm:fillClrLst>
-    <dgm:linClrLst meth="repeat">
-      <a:schemeClr val="lt1"/>
-    </dgm:linClrLst>
-    <dgm:effectClrLst/>
-    <dgm:txLinClrLst/>
-    <dgm:txFillClrLst meth="repeat">
-      <a:schemeClr val="lt1"/>
-    </dgm:txFillClrLst>
-    <dgm:txEffectClrLst/>
-  </dgm:styleLbl>
-  <dgm:styleLbl name="bgImgPlace1">
-    <dgm:fillClrLst meth="repeat">
-      <a:schemeClr val="accent2">
-        <a:tint val="50000"/>
-      </a:schemeClr>
-    </dgm:fillClrLst>
-    <dgm:linClrLst meth="repeat">
-      <a:schemeClr val="lt1"/>
-    </dgm:linClrLst>
-    <dgm:effectClrLst/>
-    <dgm:txLinClrLst/>
-    <dgm:txFillClrLst meth="repeat">
-      <a:schemeClr val="lt1"/>
-    </dgm:txFillClrLst>
-    <dgm:txEffectClrLst/>
-  </dgm:styleLbl>
-  <dgm:styleLbl name="sibTrans2D1">
-    <dgm:fillClrLst meth="repeat">
-      <a:schemeClr val="accent2">
-        <a:tint val="60000"/>
-      </a:schemeClr>
-    </dgm:fillClrLst>
-    <dgm:linClrLst meth="repeat">
-      <a:schemeClr val="accent2">
-        <a:tint val="60000"/>
-      </a:schemeClr>
-    </dgm:linClrLst>
-    <dgm:effectClrLst/>
-    <dgm:txLinClrLst/>
-    <dgm:txFillClrLst/>
-    <dgm:txEffectClrLst/>
-  </dgm:styleLbl>
-  <dgm:styleLbl name="fgSibTrans2D1">
-    <dgm:fillClrLst meth="repeat">
-      <a:schemeClr val="accent2">
-        <a:tint val="60000"/>
-      </a:schemeClr>
-    </dgm:fillClrLst>
-    <dgm:linClrLst meth="repeat">
-      <a:schemeClr val="accent2">
-        <a:tint val="60000"/>
-      </a:schemeClr>
-    </dgm:linClrLst>
-    <dgm:effectClrLst/>
-    <dgm:txLinClrLst/>
-    <dgm:txFillClrLst/>
-    <dgm:txEffectClrLst/>
-  </dgm:styleLbl>
-  <dgm:styleLbl name="bgSibTrans2D1">
-    <dgm:fillClrLst meth="repeat">
-      <a:schemeClr val="accent2">
-        <a:tint val="60000"/>
-      </a:schemeClr>
-    </dgm:fillClrLst>
-    <dgm:linClrLst meth="repeat">
-      <a:schemeClr val="accent2">
-        <a:tint val="60000"/>
-      </a:schemeClr>
-    </dgm:linClrLst>
-    <dgm:effectClrLst/>
-    <dgm:txLinClrLst/>
-    <dgm:txFillClrLst/>
-    <dgm:txEffectClrLst/>
-  </dgm:styleLbl>
-  <dgm:styleLbl name="sibTrans1D1">
-    <dgm:fillClrLst meth="repeat">
-      <a:schemeClr val="accent2"/>
-    </dgm:fillClrLst>
-    <dgm:linClrLst meth="repeat">
-      <a:schemeClr val="accent2"/>
-    </dgm:linClrLst>
-    <dgm:effectClrLst/>
-    <dgm:txLinClrLst/>
-    <dgm:txFillClrLst meth="repeat">
-      <a:schemeClr val="tx1"/>
-    </dgm:txFillClrLst>
-    <dgm:txEffectClrLst/>
-  </dgm:styleLbl>
-  <dgm:styleLbl name="callout">
-    <dgm:fillClrLst meth="repeat">
-      <a:schemeClr val="accent2"/>
-    </dgm:fillClrLst>
-    <dgm:linClrLst meth="repeat">
-      <a:schemeClr val="accent2">
-        <a:tint val="50000"/>
-      </a:schemeClr>
-    </dgm:linClrLst>
-    <dgm:effectClrLst/>
-    <dgm:txLinClrLst/>
-    <dgm:txFillClrLst meth="repeat">
-      <a:schemeClr val="tx1"/>
-    </dgm:txFillClrLst>
-    <dgm:txEffectClrLst/>
-  </dgm:styleLbl>
-  <dgm:styleLbl name="asst0">
-    <dgm:fillClrLst meth="repeat">
-      <a:schemeClr val="accent2"/>
-    </dgm:fillClrLst>
-    <dgm:linClrLst meth="repeat">
-      <a:schemeClr val="lt1"/>
-    </dgm:linClrLst>
-    <dgm:effectClrLst/>
-    <dgm:txLinClrLst/>
-    <dgm:txFillClrLst/>
-    <dgm:txEffectClrLst/>
-  </dgm:styleLbl>
-  <dgm:styleLbl name="asst1">
-    <dgm:fillClrLst meth="repeat">
-      <a:schemeClr val="accent2"/>
-    </dgm:fillClrLst>
-    <dgm:linClrLst meth="repeat">
-      <a:schemeClr val="lt1"/>
-    </dgm:linClrLst>
-    <dgm:effectClrLst/>
-    <dgm:txLinClrLst/>
-    <dgm:txFillClrLst/>
-    <dgm:txEffectClrLst/>
-  </dgm:styleLbl>
-  <dgm:styleLbl name="asst2">
-    <dgm:fillClrLst meth="repeat">
-      <a:schemeClr val="accent2"/>
-    </dgm:fillClrLst>
-    <dgm:linClrLst meth="repeat">
-      <a:schemeClr val="lt1"/>
-    </dgm:linClrLst>
-    <dgm:effectClrLst/>
-    <dgm:txLinClrLst/>
-    <dgm:txFillClrLst/>
-    <dgm:txEffectClrLst/>
-  </dgm:styleLbl>
-  <dgm:styleLbl name="asst3">
-    <dgm:fillClrLst meth="repeat">
-      <a:schemeClr val="accent2"/>
-    </dgm:fillClrLst>
-    <dgm:linClrLst meth="repeat">
-      <a:schemeClr val="lt1"/>
-    </dgm:linClrLst>
-    <dgm:effectClrLst/>
-    <dgm:txLinClrLst/>
-    <dgm:txFillClrLst/>
-    <dgm:txEffectClrLst/>
-  </dgm:styleLbl>
-  <dgm:styleLbl name="asst4">
-    <dgm:fillClrLst meth="repeat">
-      <a:schemeClr val="accent2"/>
-    </dgm:fillClrLst>
-    <dgm:linClrLst meth="repeat">
-      <a:schemeClr val="lt1"/>
-    </dgm:linClrLst>
-    <dgm:effectClrLst/>
-    <dgm:txLinClrLst/>
-    <dgm:txFillClrLst/>
-    <dgm:txEffectClrLst/>
-  </dgm:styleLbl>
-  <dgm:styleLbl name="parChTrans2D1">
-    <dgm:fillClrLst meth="repeat">
-      <a:schemeClr val="accent2">
-        <a:tint val="60000"/>
-      </a:schemeClr>
-    </dgm:fillClrLst>
-    <dgm:linClrLst meth="repeat">
-      <a:schemeClr val="accent2">
-        <a:tint val="60000"/>
-      </a:schemeClr>
-    </dgm:linClrLst>
-    <dgm:effectClrLst/>
-    <dgm:txLinClrLst/>
-    <dgm:txFillClrLst meth="repeat">
-      <a:schemeClr val="lt1"/>
-    </dgm:txFillClrLst>
-    <dgm:txEffectClrLst/>
-  </dgm:styleLbl>
-  <dgm:styleLbl name="parChTrans2D2">
-    <dgm:fillClrLst meth="repeat">
-      <a:schemeClr val="accent2"/>
-    </dgm:fillClrLst>
-    <dgm:linClrLst meth="repeat">
-      <a:schemeClr val="accent2"/>
-    </dgm:linClrLst>
-    <dgm:effectClrLst/>
-    <dgm:txLinClrLst/>
-    <dgm:txFillClrLst meth="repeat">
-      <a:schemeClr val="lt1"/>
-    </dgm:txFillClrLst>
-    <dgm:txEffectClrLst/>
-  </dgm:styleLbl>
-  <dgm:styleLbl name="parChTrans2D3">
-    <dgm:fillClrLst meth="repeat">
-      <a:schemeClr val="accent2"/>
-    </dgm:fillClrLst>
-    <dgm:linClrLst meth="repeat">
-      <a:schemeClr val="accent2"/>
-    </dgm:linClrLst>
-    <dgm:effectClrLst/>
-    <dgm:txLinClrLst/>
-    <dgm:txFillClrLst meth="repeat">
-      <a:schemeClr val="lt1"/>
-    </dgm:txFillClrLst>
-    <dgm:txEffectClrLst/>
-  </dgm:styleLbl>
-  <dgm:styleLbl name="parChTrans2D4">
-    <dgm:fillClrLst meth="repeat">
-      <a:schemeClr val="accent2"/>
-    </dgm:fillClrLst>
-    <dgm:linClrLst meth="repeat">
-      <a:schemeClr val="accent2"/>
-    </dgm:linClrLst>
-    <dgm:effectClrLst/>
-    <dgm:txLinClrLst/>
-    <dgm:txFillClrLst meth="repeat">
-      <a:schemeClr val="lt1"/>
-    </dgm:txFillClrLst>
-    <dgm:txEffectClrLst/>
-  </dgm:styleLbl>
-  <dgm:styleLbl name="parChTrans1D1">
-    <dgm:fillClrLst meth="repeat">
-      <a:schemeClr val="accent2"/>
-    </dgm:fillClrLst>
-    <dgm:linClrLst meth="repeat">
-      <a:schemeClr val="accent2">
-        <a:shade val="60000"/>
-      </a:schemeClr>
-    </dgm:linClrLst>
-    <dgm:effectClrLst/>
-    <dgm:txLinClrLst/>
-    <dgm:txFillClrLst meth="repeat">
-      <a:schemeClr val="tx1"/>
-    </dgm:txFillClrLst>
-    <dgm:txEffectClrLst/>
-  </dgm:styleLbl>
-  <dgm:styleLbl name="parChTrans1D2">
-    <dgm:fillClrLst meth="repeat">
-      <a:schemeClr val="accent2"/>
-    </dgm:fillClrLst>
-    <dgm:linClrLst meth="repeat">
-      <a:schemeClr val="accent2">
-        <a:shade val="60000"/>
-      </a:schemeClr>
-    </dgm:linClrLst>
-    <dgm:effectClrLst/>
-    <dgm:txLinClrLst/>
-    <dgm:txFillClrLst meth="repeat">
-      <a:schemeClr val="tx1"/>
-    </dgm:txFillClrLst>
-    <dgm:txEffectClrLst/>
-  </dgm:styleLbl>
-  <dgm:styleLbl name="parChTrans1D3">
-    <dgm:fillClrLst meth="repeat">
-      <a:schemeClr val="accent2"/>
-    </dgm:fillClrLst>
-    <dgm:linClrLst meth="repeat">
-      <a:schemeClr val="accent2">
-        <a:shade val="80000"/>
-      </a:schemeClr>
-    </dgm:linClrLst>
-    <dgm:effectClrLst/>
-    <dgm:txLinClrLst/>
-    <dgm:txFillClrLst meth="repeat">
-      <a:schemeClr val="tx1"/>
-    </dgm:txFillClrLst>
-    <dgm:txEffectClrLst/>
-  </dgm:styleLbl>
-  <dgm:styleLbl name="parChTrans1D4">
-    <dgm:fillClrLst meth="repeat">
-      <a:schemeClr val="accent2"/>
-    </dgm:fillClrLst>
-    <dgm:linClrLst meth="repeat">
-      <a:schemeClr val="accent2">
-        <a:shade val="80000"/>
-      </a:schemeClr>
-    </dgm:linClrLst>
-    <dgm:effectClrLst/>
-    <dgm:txLinClrLst/>
-    <dgm:txFillClrLst meth="repeat">
-      <a:schemeClr val="tx1"/>
-    </dgm:txFillClrLst>
-    <dgm:txEffectClrLst/>
-  </dgm:styleLbl>
-  <dgm:styleLbl name="fgAcc1">
-    <dgm:fillClrLst meth="repeat">
-      <a:schemeClr val="lt1">
-        <a:alpha val="90000"/>
-      </a:schemeClr>
-    </dgm:fillClrLst>
-    <dgm:linClrLst meth="repeat">
-      <a:schemeClr val="accent2"/>
-    </dgm:linClrLst>
-    <dgm:effectClrLst/>
-    <dgm:txLinClrLst/>
-    <dgm:txFillClrLst meth="repeat">
-      <a:schemeClr val="dk1"/>
-    </dgm:txFillClrLst>
-    <dgm:txEffectClrLst/>
-  </dgm:styleLbl>
-  <dgm:styleLbl name="conFgAcc1">
-    <dgm:fillClrLst meth="repeat">
-      <a:schemeClr val="lt1">
-        <a:alpha val="90000"/>
-      </a:schemeClr>
-    </dgm:fillClrLst>
-    <dgm:linClrLst meth="repeat">
-      <a:schemeClr val="accent2"/>
-    </dgm:linClrLst>
-    <dgm:effectClrLst/>
-    <dgm:txLinClrLst/>
-    <dgm:txFillClrLst meth="repeat">
-      <a:schemeClr val="dk1"/>
-    </dgm:txFillClrLst>
-    <dgm:txEffectClrLst/>
-  </dgm:styleLbl>
-  <dgm:styleLbl name="alignAcc1">
-    <dgm:fillClrLst meth="repeat">
-      <a:schemeClr val="lt1">
-        <a:alpha val="90000"/>
-      </a:schemeClr>
-    </dgm:fillClrLst>
-    <dgm:linClrLst meth="repeat">
-      <a:schemeClr val="accent2"/>
-    </dgm:linClrLst>
-    <dgm:effectClrLst/>
-    <dgm:txLinClrLst/>
-    <dgm:txFillClrLst meth="repeat">
-      <a:schemeClr val="dk1"/>
-    </dgm:txFillClrLst>
-    <dgm:txEffectClrLst/>
-  </dgm:styleLbl>
-  <dgm:styleLbl name="trAlignAcc1">
-    <dgm:fillClrLst meth="repeat">
-      <a:schemeClr val="lt1">
-        <a:alpha val="40000"/>
-      </a:schemeClr>
-    </dgm:fillClrLst>
-    <dgm:linClrLst meth="repeat">
-      <a:schemeClr val="accent2"/>
-    </dgm:linClrLst>
-    <dgm:effectClrLst/>
-    <dgm:txLinClrLst/>
-    <dgm:txFillClrLst meth="repeat">
-      <a:schemeClr val="dk1"/>
-    </dgm:txFillClrLst>
-    <dgm:txEffectClrLst/>
-  </dgm:styleLbl>
-  <dgm:styleLbl name="bgAcc1">
-    <dgm:fillClrLst meth="repeat">
-      <a:schemeClr val="lt1">
-        <a:alpha val="90000"/>
-      </a:schemeClr>
-    </dgm:fillClrLst>
-    <dgm:linClrLst meth="repeat">
-      <a:schemeClr val="accent2"/>
-    </dgm:linClrLst>
-    <dgm:effectClrLst/>
-    <dgm:txLinClrLst/>
-    <dgm:txFillClrLst meth="repeat">
-      <a:schemeClr val="dk1"/>
-    </dgm:txFillClrLst>
-    <dgm:txEffectClrLst/>
-  </dgm:styleLbl>
-  <dgm:styleLbl name="solidFgAcc1">
-    <dgm:fillClrLst meth="repeat">
-      <a:schemeClr val="lt1"/>
-    </dgm:fillClrLst>
-    <dgm:linClrLst meth="repeat">
-      <a:schemeClr val="accent2"/>
-    </dgm:linClrLst>
-    <dgm:effectClrLst/>
-    <dgm:txLinClrLst/>
-    <dgm:txFillClrLst meth="repeat">
-      <a:schemeClr val="dk1"/>
-    </dgm:txFillClrLst>
-    <dgm:txEffectClrLst/>
-  </dgm:styleLbl>
-  <dgm:styleLbl name="solidAlignAcc1">
-    <dgm:fillClrLst meth="repeat">
-      <a:schemeClr val="lt1"/>
-    </dgm:fillClrLst>
-    <dgm:linClrLst meth="repeat">
-      <a:schemeClr val="accent2"/>
-    </dgm:linClrLst>
-    <dgm:effectClrLst/>
-    <dgm:txLinClrLst/>
-    <dgm:txFillClrLst meth="repeat">
-      <a:schemeClr val="dk1"/>
-    </dgm:txFillClrLst>
-    <dgm:txEffectClrLst/>
-  </dgm:styleLbl>
-  <dgm:styleLbl name="solidBgAcc1">
-    <dgm:fillClrLst meth="repeat">
-      <a:schemeClr val="lt1"/>
-    </dgm:fillClrLst>
-    <dgm:linClrLst meth="repeat">
-      <a:schemeClr val="accent2"/>
-    </dgm:linClrLst>
-    <dgm:effectClrLst/>
-    <dgm:txLinClrLst/>
-    <dgm:txFillClrLst meth="repeat">
-      <a:schemeClr val="dk1"/>
-    </dgm:txFillClrLst>
-    <dgm:txEffectClrLst/>
-  </dgm:styleLbl>
-  <dgm:styleLbl name="fgAccFollowNode1">
-    <dgm:fillClrLst meth="repeat">
-      <a:schemeClr val="accent2">
-        <a:alpha val="90000"/>
-        <a:tint val="40000"/>
-      </a:schemeClr>
-    </dgm:fillClrLst>
-    <dgm:linClrLst meth="repeat">
-      <a:schemeClr val="accent2">
-        <a:alpha val="90000"/>
-        <a:tint val="40000"/>
-      </a:schemeClr>
-    </dgm:linClrLst>
-    <dgm:effectClrLst/>
-    <dgm:txLinClrLst/>
-    <dgm:txFillClrLst meth="repeat">
-      <a:schemeClr val="dk1"/>
-    </dgm:txFillClrLst>
-    <dgm:txEffectClrLst/>
-  </dgm:styleLbl>
-  <dgm:styleLbl name="alignAccFollowNode1">
-    <dgm:fillClrLst meth="repeat">
-      <a:schemeClr val="accent2">
-        <a:alpha val="90000"/>
-        <a:tint val="40000"/>
-      </a:schemeClr>
-    </dgm:fillClrLst>
-    <dgm:linClrLst meth="repeat">
-      <a:schemeClr val="accent2">
-        <a:alpha val="90000"/>
-        <a:tint val="40000"/>
-      </a:schemeClr>
-    </dgm:linClrLst>
-    <dgm:effectClrLst/>
-    <dgm:txLinClrLst/>
-    <dgm:txFillClrLst meth="repeat">
-      <a:schemeClr val="dk1"/>
-    </dgm:txFillClrLst>
-    <dgm:txEffectClrLst/>
-  </dgm:styleLbl>
-  <dgm:styleLbl name="bgAccFollowNode1">
-    <dgm:fillClrLst meth="repeat">
-      <a:schemeClr val="accent2">
-        <a:alpha val="90000"/>
-        <a:tint val="40000"/>
-      </a:schemeClr>
-    </dgm:fillClrLst>
-    <dgm:linClrLst meth="repeat">
-      <a:schemeClr val="accent2">
-        <a:alpha val="90000"/>
-        <a:tint val="40000"/>
-      </a:schemeClr>
-    </dgm:linClrLst>
-    <dgm:effectClrLst/>
-    <dgm:txLinClrLst/>
-    <dgm:txFillClrLst meth="repeat">
-      <a:schemeClr val="dk1"/>
-    </dgm:txFillClrLst>
-    <dgm:txEffectClrLst/>
-  </dgm:styleLbl>
-  <dgm:styleLbl name="fgAcc0">
-    <dgm:fillClrLst meth="repeat">
-      <a:schemeClr val="lt1">
-        <a:alpha val="90000"/>
-      </a:schemeClr>
-    </dgm:fillClrLst>
-    <dgm:linClrLst meth="repeat">
-      <a:schemeClr val="accent2"/>
-    </dgm:linClrLst>
-    <dgm:effectClrLst/>
-    <dgm:txLinClrLst/>
-    <dgm:txFillClrLst meth="repeat">
-      <a:schemeClr val="dk1"/>
-    </dgm:txFillClrLst>
-    <dgm:txEffectClrLst/>
-  </dgm:styleLbl>
-  <dgm:styleLbl name="fgAcc2">
-    <dgm:fillClrLst meth="repeat">
-      <a:schemeClr val="lt1">
-        <a:alpha val="90000"/>
-      </a:schemeClr>
-    </dgm:fillClrLst>
-    <dgm:linClrLst meth="repeat">
-      <a:schemeClr val="accent2"/>
-    </dgm:linClrLst>
-    <dgm:effectClrLst/>
-    <dgm:txLinClrLst/>
-    <dgm:txFillClrLst meth="repeat">
-      <a:schemeClr val="dk1"/>
-    </dgm:txFillClrLst>
-    <dgm:txEffectClrLst/>
-  </dgm:styleLbl>
-  <dgm:styleLbl name="fgAcc3">
-    <dgm:fillClrLst meth="repeat">
-      <a:schemeClr val="lt1">
-        <a:alpha val="90000"/>
-      </a:schemeClr>
-    </dgm:fillClrLst>
-    <dgm:linClrLst meth="repeat">
-      <a:schemeClr val="accent2"/>
-    </dgm:linClrLst>
-    <dgm:effectClrLst/>
-    <dgm:txLinClrLst/>
-    <dgm:txFillClrLst meth="repeat">
-      <a:schemeClr val="dk1"/>
-    </dgm:txFillClrLst>
-    <dgm:txEffectClrLst/>
-  </dgm:styleLbl>
-  <dgm:styleLbl name="fgAcc4">
-    <dgm:fillClrLst meth="repeat">
-      <a:schemeClr val="lt1">
-        <a:alpha val="90000"/>
-      </a:schemeClr>
-    </dgm:fillClrLst>
-    <dgm:linClrLst meth="repeat">
-      <a:schemeClr val="accent2"/>
-    </dgm:linClrLst>
-    <dgm:effectClrLst/>
-    <dgm:txLinClrLst/>
-    <dgm:txFillClrLst meth="repeat">
-      <a:schemeClr val="dk1"/>
-    </dgm:txFillClrLst>
-    <dgm:txEffectClrLst/>
-  </dgm:styleLbl>
-  <dgm:styleLbl name="bgShp">
-    <dgm:fillClrLst meth="repeat">
-      <a:schemeClr val="accent2">
-        <a:tint val="40000"/>
-      </a:schemeClr>
-    </dgm:fillClrLst>
-    <dgm:linClrLst meth="repeat">
-      <a:schemeClr val="accent2"/>
-    </dgm:linClrLst>
-    <dgm:effectClrLst/>
-    <dgm:txLinClrLst/>
-    <dgm:txFillClrLst meth="repeat">
-      <a:schemeClr val="dk1"/>
-    </dgm:txFillClrLst>
-    <dgm:txEffectClrLst/>
-  </dgm:styleLbl>
-  <dgm:styleLbl name="dkBgShp">
-    <dgm:fillClrLst meth="repeat">
-      <a:schemeClr val="accent2">
-        <a:shade val="80000"/>
-      </a:schemeClr>
-    </dgm:fillClrLst>
-    <dgm:linClrLst meth="repeat">
-      <a:schemeClr val="accent2"/>
-    </dgm:linClrLst>
-    <dgm:effectClrLst/>
-    <dgm:txLinClrLst/>
-    <dgm:txFillClrLst meth="repeat">
-      <a:schemeClr val="lt1"/>
-    </dgm:txFillClrLst>
-    <dgm:txEffectClrLst/>
-  </dgm:styleLbl>
-  <dgm:styleLbl name="trBgShp">
-    <dgm:fillClrLst meth="repeat">
-      <a:schemeClr val="accent2">
-        <a:tint val="50000"/>
-        <a:alpha val="40000"/>
-      </a:schemeClr>
-    </dgm:fillClrLst>
-    <dgm:linClrLst meth="repeat">
-      <a:schemeClr val="accent2"/>
-    </dgm:linClrLst>
-    <dgm:effectClrLst/>
-    <dgm:txLinClrLst/>
-    <dgm:txFillClrLst meth="repeat">
-      <a:schemeClr val="lt1"/>
-    </dgm:txFillClrLst>
-    <dgm:txEffectClrLst/>
-  </dgm:styleLbl>
-  <dgm:styleLbl name="fgShp">
-    <dgm:fillClrLst meth="repeat">
-      <a:schemeClr val="accent2">
         <a:tint val="60000"/>
       </a:schemeClr>
     </dgm:fillClrLst>
@@ -7795,412 +7043,6 @@
     <dgm:cxn modelId="{C7FC0562-6D1B-1D4E-A777-EFD0270A932C}" type="presParOf" srcId="{40DD5704-41F9-8345-AFAF-4680E1D01F53}" destId="{E867D001-3EF0-5048-8BE5-882773F68F36}" srcOrd="1" destOrd="0" presId="urn:microsoft.com/office/officeart/2005/8/layout/process1"/>
     <dgm:cxn modelId="{6AF48ACB-E2B5-4E44-9EA4-567E4492158E}" type="presParOf" srcId="{E867D001-3EF0-5048-8BE5-882773F68F36}" destId="{FF3445DA-242B-BD46-B8A0-30B62D5DA9D3}" srcOrd="0" destOrd="0" presId="urn:microsoft.com/office/officeart/2005/8/layout/process1"/>
     <dgm:cxn modelId="{BAF839F2-9537-EE48-AB9D-7F007F35052B}" type="presParOf" srcId="{40DD5704-41F9-8345-AFAF-4680E1D01F53}" destId="{2BCE1C91-3703-CE46-B641-0AEE4C09B82A}" srcOrd="2" destOrd="0" presId="urn:microsoft.com/office/officeart/2005/8/layout/process1"/>
-  </dgm:cxnLst>
-  <dgm:bg/>
-  <dgm:whole/>
-  <dgm:extLst>
-    <a:ext uri="http://schemas.microsoft.com/office/drawing/2008/diagram">
-      <dsp:dataModelExt xmlns:dsp="http://schemas.microsoft.com/office/drawing/2008/diagram" relId="rId6" minVer="http://schemas.openxmlformats.org/drawingml/2006/diagram"/>
-    </a:ext>
-  </dgm:extLst>
-</dgm:dataModel>
-</file>
-
-<file path=ppt/diagrams/data10.xml><?xml version="1.0" encoding="utf-8"?>
-<dgm:dataModel xmlns:dgm="http://schemas.openxmlformats.org/drawingml/2006/diagram" xmlns:a="http://schemas.openxmlformats.org/drawingml/2006/main">
-  <dgm:ptLst>
-    <dgm:pt modelId="{0799EDCE-BE0C-427E-9D07-11040C13AD65}" type="doc">
-      <dgm:prSet loTypeId="urn:microsoft.com/office/officeart/2018/2/layout/IconVerticalSolidList" loCatId="icon" qsTypeId="urn:microsoft.com/office/officeart/2005/8/quickstyle/simple1" qsCatId="simple" csTypeId="urn:microsoft.com/office/officeart/2005/8/colors/accent2_2" csCatId="accent2" phldr="1"/>
-      <dgm:spPr/>
-      <dgm:t>
-        <a:bodyPr/>
-        <a:lstStyle/>
-        <a:p>
-          <a:endParaRPr lang="en-US"/>
-        </a:p>
-      </dgm:t>
-    </dgm:pt>
-    <dgm:pt modelId="{35B12983-EE32-4C8F-B16C-7D9AE354198B}">
-      <dgm:prSet/>
-      <dgm:spPr/>
-      <dgm:t>
-        <a:bodyPr/>
-        <a:lstStyle/>
-        <a:p>
-          <a:r>
-            <a:rPr lang="en-US"/>
-            <a:t>prev_size: Overlap backwards </a:t>
-          </a:r>
-        </a:p>
-      </dgm:t>
-    </dgm:pt>
-    <dgm:pt modelId="{E89EC115-EB5F-41CC-A41E-675C3402AC9D}" type="parTrans" cxnId="{40B103CA-9E88-478A-BFE4-BD95EE135E44}">
-      <dgm:prSet/>
-      <dgm:spPr/>
-      <dgm:t>
-        <a:bodyPr/>
-        <a:lstStyle/>
-        <a:p>
-          <a:endParaRPr lang="en-US"/>
-        </a:p>
-      </dgm:t>
-    </dgm:pt>
-    <dgm:pt modelId="{D6851907-94C9-47C9-AA71-A0B1AD9981D2}" type="sibTrans" cxnId="{40B103CA-9E88-478A-BFE4-BD95EE135E44}">
-      <dgm:prSet/>
-      <dgm:spPr/>
-      <dgm:t>
-        <a:bodyPr/>
-        <a:lstStyle/>
-        <a:p>
-          <a:endParaRPr lang="en-US"/>
-        </a:p>
-      </dgm:t>
-    </dgm:pt>
-    <dgm:pt modelId="{3EC02906-5054-4FE6-BC21-A3B7A7434C1B}">
-      <dgm:prSet/>
-      <dgm:spPr/>
-      <dgm:t>
-        <a:bodyPr/>
-        <a:lstStyle/>
-        <a:p>
-          <a:r>
-            <a:rPr lang="en-US"/>
-            <a:t>Size: Overlap forwards</a:t>
-          </a:r>
-        </a:p>
-      </dgm:t>
-    </dgm:pt>
-    <dgm:pt modelId="{935B8DE1-01A9-4F6A-90ED-AF8F4DD1A223}" type="parTrans" cxnId="{A5818B76-5B81-404E-8CF4-D4BE585D7C8B}">
-      <dgm:prSet/>
-      <dgm:spPr/>
-      <dgm:t>
-        <a:bodyPr/>
-        <a:lstStyle/>
-        <a:p>
-          <a:endParaRPr lang="en-US"/>
-        </a:p>
-      </dgm:t>
-    </dgm:pt>
-    <dgm:pt modelId="{D45DE726-0D3F-481D-84D5-43E8DB09D627}" type="sibTrans" cxnId="{A5818B76-5B81-404E-8CF4-D4BE585D7C8B}">
-      <dgm:prSet/>
-      <dgm:spPr/>
-      <dgm:t>
-        <a:bodyPr/>
-        <a:lstStyle/>
-        <a:p>
-          <a:endParaRPr lang="en-US"/>
-        </a:p>
-      </dgm:t>
-    </dgm:pt>
-    <dgm:pt modelId="{B67D6A7B-3389-4CAA-AE02-E625B9B204D5}">
-      <dgm:prSet/>
-      <dgm:spPr/>
-      <dgm:t>
-        <a:bodyPr/>
-        <a:lstStyle/>
-        <a:p>
-          <a:r>
-            <a:rPr lang="en-US"/>
-            <a:t>Crashes: </a:t>
-          </a:r>
-        </a:p>
-      </dgm:t>
-    </dgm:pt>
-    <dgm:pt modelId="{CECE0048-8608-430B-A177-DC08EFE1F234}" type="parTrans" cxnId="{8EB7E302-4D7E-4D98-8D8C-79E71C4308D8}">
-      <dgm:prSet/>
-      <dgm:spPr/>
-      <dgm:t>
-        <a:bodyPr/>
-        <a:lstStyle/>
-        <a:p>
-          <a:endParaRPr lang="en-US"/>
-        </a:p>
-      </dgm:t>
-    </dgm:pt>
-    <dgm:pt modelId="{09D202C0-87DC-4C66-B592-A795D463609D}" type="sibTrans" cxnId="{8EB7E302-4D7E-4D98-8D8C-79E71C4308D8}">
-      <dgm:prSet/>
-      <dgm:spPr/>
-      <dgm:t>
-        <a:bodyPr/>
-        <a:lstStyle/>
-        <a:p>
-          <a:endParaRPr lang="en-US"/>
-        </a:p>
-      </dgm:t>
-    </dgm:pt>
-    <dgm:pt modelId="{BF10E1E8-8EF7-4592-9063-969F65EACC1D}">
-      <dgm:prSet/>
-      <dgm:spPr/>
-      <dgm:t>
-        <a:bodyPr/>
-        <a:lstStyle/>
-        <a:p>
-          <a:r>
-            <a:rPr lang="en-US"/>
-            <a:t>Munmap unmaps the memory!</a:t>
-          </a:r>
-        </a:p>
-      </dgm:t>
-    </dgm:pt>
-    <dgm:pt modelId="{B24B5D2E-48E1-439F-B2A1-78F6A3903B54}" type="parTrans" cxnId="{014F89D8-9E7B-48A5-8487-04C7E9620C7B}">
-      <dgm:prSet/>
-      <dgm:spPr/>
-      <dgm:t>
-        <a:bodyPr/>
-        <a:lstStyle/>
-        <a:p>
-          <a:endParaRPr lang="en-US"/>
-        </a:p>
-      </dgm:t>
-    </dgm:pt>
-    <dgm:pt modelId="{1430FB23-D254-4396-8422-D5395650D2A0}" type="sibTrans" cxnId="{014F89D8-9E7B-48A5-8487-04C7E9620C7B}">
-      <dgm:prSet/>
-      <dgm:spPr/>
-      <dgm:t>
-        <a:bodyPr/>
-        <a:lstStyle/>
-        <a:p>
-          <a:endParaRPr lang="en-US"/>
-        </a:p>
-      </dgm:t>
-    </dgm:pt>
-    <dgm:pt modelId="{7D0A6D8C-FA66-420E-8CC1-98B4E8DA2413}">
-      <dgm:prSet/>
-      <dgm:spPr/>
-      <dgm:t>
-        <a:bodyPr/>
-        <a:lstStyle/>
-        <a:p>
-          <a:r>
-            <a:rPr lang="en-US"/>
-            <a:t>Cannot write/read from this location prior to reallocating</a:t>
-          </a:r>
-        </a:p>
-      </dgm:t>
-    </dgm:pt>
-    <dgm:pt modelId="{1948FF45-1BCF-4F0C-861E-4C4DDC59DB2D}" type="parTrans" cxnId="{56EB3B25-7EF3-43EA-8877-DAED902E7331}">
-      <dgm:prSet/>
-      <dgm:spPr/>
-      <dgm:t>
-        <a:bodyPr/>
-        <a:lstStyle/>
-        <a:p>
-          <a:endParaRPr lang="en-US"/>
-        </a:p>
-      </dgm:t>
-    </dgm:pt>
-    <dgm:pt modelId="{82B84D12-1DCF-4385-B6D8-7BE0D0923F8B}" type="sibTrans" cxnId="{56EB3B25-7EF3-43EA-8877-DAED902E7331}">
-      <dgm:prSet/>
-      <dgm:spPr/>
-      <dgm:t>
-        <a:bodyPr/>
-        <a:lstStyle/>
-        <a:p>
-          <a:endParaRPr lang="en-US"/>
-        </a:p>
-      </dgm:t>
-    </dgm:pt>
-    <dgm:pt modelId="{F63E56C6-487F-4B68-A698-D148791668B7}" type="pres">
-      <dgm:prSet presAssocID="{0799EDCE-BE0C-427E-9D07-11040C13AD65}" presName="root" presStyleCnt="0">
-        <dgm:presLayoutVars>
-          <dgm:dir/>
-          <dgm:resizeHandles val="exact"/>
-        </dgm:presLayoutVars>
-      </dgm:prSet>
-      <dgm:spPr/>
-    </dgm:pt>
-    <dgm:pt modelId="{6B42ADEF-83BC-445E-838E-CD53117C5CE9}" type="pres">
-      <dgm:prSet presAssocID="{35B12983-EE32-4C8F-B16C-7D9AE354198B}" presName="compNode" presStyleCnt="0"/>
-      <dgm:spPr/>
-    </dgm:pt>
-    <dgm:pt modelId="{4EED9C19-FD48-4669-8258-B340ED1B8E52}" type="pres">
-      <dgm:prSet presAssocID="{35B12983-EE32-4C8F-B16C-7D9AE354198B}" presName="bgRect" presStyleLbl="bgShp" presStyleIdx="0" presStyleCnt="3"/>
-      <dgm:spPr/>
-    </dgm:pt>
-    <dgm:pt modelId="{D645C023-3F5E-4590-90B7-BB7E585EC076}" type="pres">
-      <dgm:prSet presAssocID="{35B12983-EE32-4C8F-B16C-7D9AE354198B}" presName="iconRect" presStyleLbl="node1" presStyleIdx="0" presStyleCnt="3"/>
-      <dgm:spPr>
-        <a:blipFill>
-          <a:blip xmlns:r="http://schemas.openxmlformats.org/officeDocument/2006/relationships" r:embed="rId1">
-            <a:extLst>
-              <a:ext uri="{28A0092B-C50C-407E-A947-70E740481C1C}">
-                <a14:useLocalDpi xmlns:a14="http://schemas.microsoft.com/office/drawing/2010/main" val="0"/>
-              </a:ext>
-              <a:ext uri="{96DAC541-7B7A-43D3-8B79-37D633B846F1}">
-                <asvg:svgBlip xmlns:asvg="http://schemas.microsoft.com/office/drawing/2016/SVG/main" r:embed="rId2"/>
-              </a:ext>
-            </a:extLst>
-          </a:blip>
-          <a:stretch>
-            <a:fillRect/>
-          </a:stretch>
-        </a:blipFill>
-        <a:ln>
-          <a:noFill/>
-        </a:ln>
-      </dgm:spPr>
-      <dgm:extLst>
-        <a:ext uri="{E40237B7-FDA0-4F09-8148-C483321AD2D9}">
-          <dgm14:cNvPr xmlns:dgm14="http://schemas.microsoft.com/office/drawing/2010/diagram" id="0" name="" descr="Back"/>
-        </a:ext>
-      </dgm:extLst>
-    </dgm:pt>
-    <dgm:pt modelId="{358AF685-7F16-47EE-B195-7FB7D42FCB7A}" type="pres">
-      <dgm:prSet presAssocID="{35B12983-EE32-4C8F-B16C-7D9AE354198B}" presName="spaceRect" presStyleCnt="0"/>
-      <dgm:spPr/>
-    </dgm:pt>
-    <dgm:pt modelId="{8734BC71-291D-4511-AE01-7237D99AFF4D}" type="pres">
-      <dgm:prSet presAssocID="{35B12983-EE32-4C8F-B16C-7D9AE354198B}" presName="parTx" presStyleLbl="revTx" presStyleIdx="0" presStyleCnt="4">
-        <dgm:presLayoutVars>
-          <dgm:chMax val="0"/>
-          <dgm:chPref val="0"/>
-        </dgm:presLayoutVars>
-      </dgm:prSet>
-      <dgm:spPr/>
-    </dgm:pt>
-    <dgm:pt modelId="{73473154-E7EF-4DE6-B18E-D76B5CBE5CC4}" type="pres">
-      <dgm:prSet presAssocID="{D6851907-94C9-47C9-AA71-A0B1AD9981D2}" presName="sibTrans" presStyleCnt="0"/>
-      <dgm:spPr/>
-    </dgm:pt>
-    <dgm:pt modelId="{182C0A5E-1B22-4D1C-9307-D38AACBEFAC2}" type="pres">
-      <dgm:prSet presAssocID="{3EC02906-5054-4FE6-BC21-A3B7A7434C1B}" presName="compNode" presStyleCnt="0"/>
-      <dgm:spPr/>
-    </dgm:pt>
-    <dgm:pt modelId="{BD05CC7B-76A3-4B9C-A90D-916C71767924}" type="pres">
-      <dgm:prSet presAssocID="{3EC02906-5054-4FE6-BC21-A3B7A7434C1B}" presName="bgRect" presStyleLbl="bgShp" presStyleIdx="1" presStyleCnt="3"/>
-      <dgm:spPr/>
-    </dgm:pt>
-    <dgm:pt modelId="{6B2E588D-7DF4-4FAD-B036-D66769C128A2}" type="pres">
-      <dgm:prSet presAssocID="{3EC02906-5054-4FE6-BC21-A3B7A7434C1B}" presName="iconRect" presStyleLbl="node1" presStyleIdx="1" presStyleCnt="3" custAng="10800000"/>
-      <dgm:spPr>
-        <a:blipFill>
-          <a:blip xmlns:r="http://schemas.openxmlformats.org/officeDocument/2006/relationships" r:embed="rId3">
-            <a:extLst>
-              <a:ext uri="{28A0092B-C50C-407E-A947-70E740481C1C}">
-                <a14:useLocalDpi xmlns:a14="http://schemas.microsoft.com/office/drawing/2010/main" val="0"/>
-              </a:ext>
-              <a:ext uri="{96DAC541-7B7A-43D3-8B79-37D633B846F1}">
-                <asvg:svgBlip xmlns:asvg="http://schemas.microsoft.com/office/drawing/2016/SVG/main" r:embed="rId4"/>
-              </a:ext>
-            </a:extLst>
-          </a:blip>
-          <a:stretch>
-            <a:fillRect/>
-          </a:stretch>
-        </a:blipFill>
-        <a:ln>
-          <a:noFill/>
-        </a:ln>
-      </dgm:spPr>
-      <dgm:extLst>
-        <a:ext uri="{E40237B7-FDA0-4F09-8148-C483321AD2D9}">
-          <dgm14:cNvPr xmlns:dgm14="http://schemas.microsoft.com/office/drawing/2010/diagram" id="0" name="" descr="Line Arrow: Straight"/>
-        </a:ext>
-      </dgm:extLst>
-    </dgm:pt>
-    <dgm:pt modelId="{D3844027-CC79-456C-AD62-1F60A2CD3B6D}" type="pres">
-      <dgm:prSet presAssocID="{3EC02906-5054-4FE6-BC21-A3B7A7434C1B}" presName="spaceRect" presStyleCnt="0"/>
-      <dgm:spPr/>
-    </dgm:pt>
-    <dgm:pt modelId="{9B0A80FC-17B5-480C-A8B8-1109C6DC3003}" type="pres">
-      <dgm:prSet presAssocID="{3EC02906-5054-4FE6-BC21-A3B7A7434C1B}" presName="parTx" presStyleLbl="revTx" presStyleIdx="1" presStyleCnt="4">
-        <dgm:presLayoutVars>
-          <dgm:chMax val="0"/>
-          <dgm:chPref val="0"/>
-        </dgm:presLayoutVars>
-      </dgm:prSet>
-      <dgm:spPr/>
-    </dgm:pt>
-    <dgm:pt modelId="{7F85CA11-D317-4200-A926-608E02792496}" type="pres">
-      <dgm:prSet presAssocID="{D45DE726-0D3F-481D-84D5-43E8DB09D627}" presName="sibTrans" presStyleCnt="0"/>
-      <dgm:spPr/>
-    </dgm:pt>
-    <dgm:pt modelId="{CAB32CDD-5D0D-41EF-81E5-E6B8C6C2A55A}" type="pres">
-      <dgm:prSet presAssocID="{B67D6A7B-3389-4CAA-AE02-E625B9B204D5}" presName="compNode" presStyleCnt="0"/>
-      <dgm:spPr/>
-    </dgm:pt>
-    <dgm:pt modelId="{E67CC9EB-E713-41F7-91A2-CCCA9D8664B9}" type="pres">
-      <dgm:prSet presAssocID="{B67D6A7B-3389-4CAA-AE02-E625B9B204D5}" presName="bgRect" presStyleLbl="bgShp" presStyleIdx="2" presStyleCnt="3"/>
-      <dgm:spPr/>
-    </dgm:pt>
-    <dgm:pt modelId="{A46C6802-6909-4137-82F2-31E9DA17A699}" type="pres">
-      <dgm:prSet presAssocID="{B67D6A7B-3389-4CAA-AE02-E625B9B204D5}" presName="iconRect" presStyleLbl="node1" presStyleIdx="2" presStyleCnt="3"/>
-      <dgm:spPr>
-        <a:blipFill>
-          <a:blip xmlns:r="http://schemas.openxmlformats.org/officeDocument/2006/relationships" r:embed="rId5">
-            <a:extLst>
-              <a:ext uri="{28A0092B-C50C-407E-A947-70E740481C1C}">
-                <a14:useLocalDpi xmlns:a14="http://schemas.microsoft.com/office/drawing/2010/main" val="0"/>
-              </a:ext>
-              <a:ext uri="{96DAC541-7B7A-43D3-8B79-37D633B846F1}">
-                <asvg:svgBlip xmlns:asvg="http://schemas.microsoft.com/office/drawing/2016/SVG/main" r:embed="rId6"/>
-              </a:ext>
-            </a:extLst>
-          </a:blip>
-          <a:stretch>
-            <a:fillRect/>
-          </a:stretch>
-        </a:blipFill>
-        <a:ln>
-          <a:noFill/>
-        </a:ln>
-      </dgm:spPr>
-      <dgm:extLst>
-        <a:ext uri="{E40237B7-FDA0-4F09-8148-C483321AD2D9}">
-          <dgm14:cNvPr xmlns:dgm14="http://schemas.microsoft.com/office/drawing/2010/diagram" id="0" name="" descr="Brain in head"/>
-        </a:ext>
-      </dgm:extLst>
-    </dgm:pt>
-    <dgm:pt modelId="{D641CA3F-27EB-4BED-B228-FC4D90A39FDA}" type="pres">
-      <dgm:prSet presAssocID="{B67D6A7B-3389-4CAA-AE02-E625B9B204D5}" presName="spaceRect" presStyleCnt="0"/>
-      <dgm:spPr/>
-    </dgm:pt>
-    <dgm:pt modelId="{5752B21C-A17C-40DA-BF34-60F3F17E4597}" type="pres">
-      <dgm:prSet presAssocID="{B67D6A7B-3389-4CAA-AE02-E625B9B204D5}" presName="parTx" presStyleLbl="revTx" presStyleIdx="2" presStyleCnt="4">
-        <dgm:presLayoutVars>
-          <dgm:chMax val="0"/>
-          <dgm:chPref val="0"/>
-        </dgm:presLayoutVars>
-      </dgm:prSet>
-      <dgm:spPr/>
-    </dgm:pt>
-    <dgm:pt modelId="{8AADA0AD-BD39-49A0-B85B-9C54A75EF3D6}" type="pres">
-      <dgm:prSet presAssocID="{B67D6A7B-3389-4CAA-AE02-E625B9B204D5}" presName="desTx" presStyleLbl="revTx" presStyleIdx="3" presStyleCnt="4">
-        <dgm:presLayoutVars/>
-      </dgm:prSet>
-      <dgm:spPr/>
-    </dgm:pt>
-  </dgm:ptLst>
-  <dgm:cxnLst>
-    <dgm:cxn modelId="{8EB7E302-4D7E-4D98-8D8C-79E71C4308D8}" srcId="{0799EDCE-BE0C-427E-9D07-11040C13AD65}" destId="{B67D6A7B-3389-4CAA-AE02-E625B9B204D5}" srcOrd="2" destOrd="0" parTransId="{CECE0048-8608-430B-A177-DC08EFE1F234}" sibTransId="{09D202C0-87DC-4C66-B592-A795D463609D}"/>
-    <dgm:cxn modelId="{56EB3B25-7EF3-43EA-8877-DAED902E7331}" srcId="{B67D6A7B-3389-4CAA-AE02-E625B9B204D5}" destId="{7D0A6D8C-FA66-420E-8CC1-98B4E8DA2413}" srcOrd="1" destOrd="0" parTransId="{1948FF45-1BCF-4F0C-861E-4C4DDC59DB2D}" sibTransId="{82B84D12-1DCF-4385-B6D8-7BE0D0923F8B}"/>
-    <dgm:cxn modelId="{6B172645-CDB3-458D-8326-E4AB6F388210}" type="presOf" srcId="{0799EDCE-BE0C-427E-9D07-11040C13AD65}" destId="{F63E56C6-487F-4B68-A698-D148791668B7}" srcOrd="0" destOrd="0" presId="urn:microsoft.com/office/officeart/2018/2/layout/IconVerticalSolidList"/>
-    <dgm:cxn modelId="{ACC9486A-450A-496F-82F8-FA24293E8EC7}" type="presOf" srcId="{7D0A6D8C-FA66-420E-8CC1-98B4E8DA2413}" destId="{8AADA0AD-BD39-49A0-B85B-9C54A75EF3D6}" srcOrd="0" destOrd="1" presId="urn:microsoft.com/office/officeart/2018/2/layout/IconVerticalSolidList"/>
-    <dgm:cxn modelId="{806DEA6F-AAB6-4BB4-947E-5F1D5161BE74}" type="presOf" srcId="{35B12983-EE32-4C8F-B16C-7D9AE354198B}" destId="{8734BC71-291D-4511-AE01-7237D99AFF4D}" srcOrd="0" destOrd="0" presId="urn:microsoft.com/office/officeart/2018/2/layout/IconVerticalSolidList"/>
-    <dgm:cxn modelId="{A5818B76-5B81-404E-8CF4-D4BE585D7C8B}" srcId="{0799EDCE-BE0C-427E-9D07-11040C13AD65}" destId="{3EC02906-5054-4FE6-BC21-A3B7A7434C1B}" srcOrd="1" destOrd="0" parTransId="{935B8DE1-01A9-4F6A-90ED-AF8F4DD1A223}" sibTransId="{D45DE726-0D3F-481D-84D5-43E8DB09D627}"/>
-    <dgm:cxn modelId="{F9BAAFA1-9822-468A-BA9D-DDB8F0F3698A}" type="presOf" srcId="{3EC02906-5054-4FE6-BC21-A3B7A7434C1B}" destId="{9B0A80FC-17B5-480C-A8B8-1109C6DC3003}" srcOrd="0" destOrd="0" presId="urn:microsoft.com/office/officeart/2018/2/layout/IconVerticalSolidList"/>
-    <dgm:cxn modelId="{8A0C80C0-C6B2-43AC-9E24-4036E2AFE669}" type="presOf" srcId="{BF10E1E8-8EF7-4592-9063-969F65EACC1D}" destId="{8AADA0AD-BD39-49A0-B85B-9C54A75EF3D6}" srcOrd="0" destOrd="0" presId="urn:microsoft.com/office/officeart/2018/2/layout/IconVerticalSolidList"/>
-    <dgm:cxn modelId="{40B103CA-9E88-478A-BFE4-BD95EE135E44}" srcId="{0799EDCE-BE0C-427E-9D07-11040C13AD65}" destId="{35B12983-EE32-4C8F-B16C-7D9AE354198B}" srcOrd="0" destOrd="0" parTransId="{E89EC115-EB5F-41CC-A41E-675C3402AC9D}" sibTransId="{D6851907-94C9-47C9-AA71-A0B1AD9981D2}"/>
-    <dgm:cxn modelId="{014F89D8-9E7B-48A5-8487-04C7E9620C7B}" srcId="{B67D6A7B-3389-4CAA-AE02-E625B9B204D5}" destId="{BF10E1E8-8EF7-4592-9063-969F65EACC1D}" srcOrd="0" destOrd="0" parTransId="{B24B5D2E-48E1-439F-B2A1-78F6A3903B54}" sibTransId="{1430FB23-D254-4396-8422-D5395650D2A0}"/>
-    <dgm:cxn modelId="{9654EDF9-1692-4BA1-B17C-14CF65DC614D}" type="presOf" srcId="{B67D6A7B-3389-4CAA-AE02-E625B9B204D5}" destId="{5752B21C-A17C-40DA-BF34-60F3F17E4597}" srcOrd="0" destOrd="0" presId="urn:microsoft.com/office/officeart/2018/2/layout/IconVerticalSolidList"/>
-    <dgm:cxn modelId="{56D80718-557E-4B4A-8569-398D3AEFBC8A}" type="presParOf" srcId="{F63E56C6-487F-4B68-A698-D148791668B7}" destId="{6B42ADEF-83BC-445E-838E-CD53117C5CE9}" srcOrd="0" destOrd="0" presId="urn:microsoft.com/office/officeart/2018/2/layout/IconVerticalSolidList"/>
-    <dgm:cxn modelId="{25CCAF7A-7FE5-4070-BCD8-94D02C8A6223}" type="presParOf" srcId="{6B42ADEF-83BC-445E-838E-CD53117C5CE9}" destId="{4EED9C19-FD48-4669-8258-B340ED1B8E52}" srcOrd="0" destOrd="0" presId="urn:microsoft.com/office/officeart/2018/2/layout/IconVerticalSolidList"/>
-    <dgm:cxn modelId="{0F3D6C05-7F9A-41DE-A2DD-275D95EC5243}" type="presParOf" srcId="{6B42ADEF-83BC-445E-838E-CD53117C5CE9}" destId="{D645C023-3F5E-4590-90B7-BB7E585EC076}" srcOrd="1" destOrd="0" presId="urn:microsoft.com/office/officeart/2018/2/layout/IconVerticalSolidList"/>
-    <dgm:cxn modelId="{C21AF1F1-D077-41A5-8592-DD5312347F84}" type="presParOf" srcId="{6B42ADEF-83BC-445E-838E-CD53117C5CE9}" destId="{358AF685-7F16-47EE-B195-7FB7D42FCB7A}" srcOrd="2" destOrd="0" presId="urn:microsoft.com/office/officeart/2018/2/layout/IconVerticalSolidList"/>
-    <dgm:cxn modelId="{34686341-28E7-4E73-9373-1AB84697379D}" type="presParOf" srcId="{6B42ADEF-83BC-445E-838E-CD53117C5CE9}" destId="{8734BC71-291D-4511-AE01-7237D99AFF4D}" srcOrd="3" destOrd="0" presId="urn:microsoft.com/office/officeart/2018/2/layout/IconVerticalSolidList"/>
-    <dgm:cxn modelId="{39B8F189-926D-4796-A993-4F8075BED3F4}" type="presParOf" srcId="{F63E56C6-487F-4B68-A698-D148791668B7}" destId="{73473154-E7EF-4DE6-B18E-D76B5CBE5CC4}" srcOrd="1" destOrd="0" presId="urn:microsoft.com/office/officeart/2018/2/layout/IconVerticalSolidList"/>
-    <dgm:cxn modelId="{CE7094BF-246C-4E7F-8281-6406626338E5}" type="presParOf" srcId="{F63E56C6-487F-4B68-A698-D148791668B7}" destId="{182C0A5E-1B22-4D1C-9307-D38AACBEFAC2}" srcOrd="2" destOrd="0" presId="urn:microsoft.com/office/officeart/2018/2/layout/IconVerticalSolidList"/>
-    <dgm:cxn modelId="{4A168E92-31DA-49E4-9F6C-12F44DF2F337}" type="presParOf" srcId="{182C0A5E-1B22-4D1C-9307-D38AACBEFAC2}" destId="{BD05CC7B-76A3-4B9C-A90D-916C71767924}" srcOrd="0" destOrd="0" presId="urn:microsoft.com/office/officeart/2018/2/layout/IconVerticalSolidList"/>
-    <dgm:cxn modelId="{64CFDA47-01B4-4579-8E65-46E8220B5D60}" type="presParOf" srcId="{182C0A5E-1B22-4D1C-9307-D38AACBEFAC2}" destId="{6B2E588D-7DF4-4FAD-B036-D66769C128A2}" srcOrd="1" destOrd="0" presId="urn:microsoft.com/office/officeart/2018/2/layout/IconVerticalSolidList"/>
-    <dgm:cxn modelId="{27D516DA-08A5-4080-A4DB-2983712116B5}" type="presParOf" srcId="{182C0A5E-1B22-4D1C-9307-D38AACBEFAC2}" destId="{D3844027-CC79-456C-AD62-1F60A2CD3B6D}" srcOrd="2" destOrd="0" presId="urn:microsoft.com/office/officeart/2018/2/layout/IconVerticalSolidList"/>
-    <dgm:cxn modelId="{83674A7F-BFD4-48D7-B432-2E8EC8260DFB}" type="presParOf" srcId="{182C0A5E-1B22-4D1C-9307-D38AACBEFAC2}" destId="{9B0A80FC-17B5-480C-A8B8-1109C6DC3003}" srcOrd="3" destOrd="0" presId="urn:microsoft.com/office/officeart/2018/2/layout/IconVerticalSolidList"/>
-    <dgm:cxn modelId="{D636322E-9F1C-47F2-94B5-6771E375151C}" type="presParOf" srcId="{F63E56C6-487F-4B68-A698-D148791668B7}" destId="{7F85CA11-D317-4200-A926-608E02792496}" srcOrd="3" destOrd="0" presId="urn:microsoft.com/office/officeart/2018/2/layout/IconVerticalSolidList"/>
-    <dgm:cxn modelId="{4D2B5993-285B-42F6-80D5-526AB65745EB}" type="presParOf" srcId="{F63E56C6-487F-4B68-A698-D148791668B7}" destId="{CAB32CDD-5D0D-41EF-81E5-E6B8C6C2A55A}" srcOrd="4" destOrd="0" presId="urn:microsoft.com/office/officeart/2018/2/layout/IconVerticalSolidList"/>
-    <dgm:cxn modelId="{A395A053-7388-41A8-AE8B-685C0423F18C}" type="presParOf" srcId="{CAB32CDD-5D0D-41EF-81E5-E6B8C6C2A55A}" destId="{E67CC9EB-E713-41F7-91A2-CCCA9D8664B9}" srcOrd="0" destOrd="0" presId="urn:microsoft.com/office/officeart/2018/2/layout/IconVerticalSolidList"/>
-    <dgm:cxn modelId="{E9262F43-A4D9-4CF5-BD21-B44E7C03F910}" type="presParOf" srcId="{CAB32CDD-5D0D-41EF-81E5-E6B8C6C2A55A}" destId="{A46C6802-6909-4137-82F2-31E9DA17A699}" srcOrd="1" destOrd="0" presId="urn:microsoft.com/office/officeart/2018/2/layout/IconVerticalSolidList"/>
-    <dgm:cxn modelId="{FF7B6387-C67D-46D1-8269-F3DA8E3EA610}" type="presParOf" srcId="{CAB32CDD-5D0D-41EF-81E5-E6B8C6C2A55A}" destId="{D641CA3F-27EB-4BED-B228-FC4D90A39FDA}" srcOrd="2" destOrd="0" presId="urn:microsoft.com/office/officeart/2018/2/layout/IconVerticalSolidList"/>
-    <dgm:cxn modelId="{23010B58-B15C-448A-94FB-AB9C8E9D5B18}" type="presParOf" srcId="{CAB32CDD-5D0D-41EF-81E5-E6B8C6C2A55A}" destId="{5752B21C-A17C-40DA-BF34-60F3F17E4597}" srcOrd="3" destOrd="0" presId="urn:microsoft.com/office/officeart/2018/2/layout/IconVerticalSolidList"/>
-    <dgm:cxn modelId="{3FEFBDDF-759A-41BC-B462-7760456B5C32}" type="presParOf" srcId="{CAB32CDD-5D0D-41EF-81E5-E6B8C6C2A55A}" destId="{8AADA0AD-BD39-49A0-B85B-9C54A75EF3D6}" srcOrd="4" destOrd="0" presId="urn:microsoft.com/office/officeart/2018/2/layout/IconVerticalSolidList"/>
   </dgm:cxnLst>
   <dgm:bg/>
   <dgm:whole/>
@@ -11285,552 +10127,6 @@
       <dsp:txXfrm>
         <a:off x="4658044" y="704025"/>
         <a:ext cx="3169389" cy="1855452"/>
-      </dsp:txXfrm>
-    </dsp:sp>
-  </dsp:spTree>
-</dsp:drawing>
-</file>
-
-<file path=ppt/diagrams/drawing10.xml><?xml version="1.0" encoding="utf-8"?>
-<dsp:drawing xmlns:dgm="http://schemas.openxmlformats.org/drawingml/2006/diagram" xmlns:dsp="http://schemas.microsoft.com/office/drawing/2008/diagram" xmlns:a="http://schemas.openxmlformats.org/drawingml/2006/main">
-  <dsp:spTree>
-    <dsp:nvGrpSpPr>
-      <dsp:cNvPr id="0" name=""/>
-      <dsp:cNvGrpSpPr/>
-    </dsp:nvGrpSpPr>
-    <dsp:grpSpPr/>
-    <dsp:sp modelId="{4EED9C19-FD48-4669-8258-B340ED1B8E52}">
-      <dsp:nvSpPr>
-        <dsp:cNvPr id="0" name=""/>
-        <dsp:cNvSpPr/>
-      </dsp:nvSpPr>
-      <dsp:spPr>
-        <a:xfrm>
-          <a:off x="0" y="398"/>
-          <a:ext cx="7886700" cy="932202"/>
-        </a:xfrm>
-        <a:prstGeom prst="roundRect">
-          <a:avLst>
-            <a:gd name="adj" fmla="val 10000"/>
-          </a:avLst>
-        </a:prstGeom>
-        <a:solidFill>
-          <a:schemeClr val="accent2">
-            <a:tint val="40000"/>
-            <a:hueOff val="0"/>
-            <a:satOff val="0"/>
-            <a:lumOff val="0"/>
-            <a:alphaOff val="0"/>
-          </a:schemeClr>
-        </a:solidFill>
-        <a:ln>
-          <a:noFill/>
-        </a:ln>
-        <a:effectLst/>
-      </dsp:spPr>
-      <dsp:style>
-        <a:lnRef idx="0">
-          <a:scrgbClr r="0" g="0" b="0"/>
-        </a:lnRef>
-        <a:fillRef idx="1">
-          <a:scrgbClr r="0" g="0" b="0"/>
-        </a:fillRef>
-        <a:effectRef idx="0">
-          <a:scrgbClr r="0" g="0" b="0"/>
-        </a:effectRef>
-        <a:fontRef idx="minor"/>
-      </dsp:style>
-    </dsp:sp>
-    <dsp:sp modelId="{D645C023-3F5E-4590-90B7-BB7E585EC076}">
-      <dsp:nvSpPr>
-        <dsp:cNvPr id="0" name=""/>
-        <dsp:cNvSpPr/>
-      </dsp:nvSpPr>
-      <dsp:spPr>
-        <a:xfrm>
-          <a:off x="281991" y="210143"/>
-          <a:ext cx="512711" cy="512711"/>
-        </a:xfrm>
-        <a:prstGeom prst="rect">
-          <a:avLst/>
-        </a:prstGeom>
-        <a:blipFill>
-          <a:blip xmlns:r="http://schemas.openxmlformats.org/officeDocument/2006/relationships" r:embed="rId1">
-            <a:extLst>
-              <a:ext uri="{28A0092B-C50C-407E-A947-70E740481C1C}">
-                <a14:useLocalDpi xmlns:a14="http://schemas.microsoft.com/office/drawing/2010/main" val="0"/>
-              </a:ext>
-              <a:ext uri="{96DAC541-7B7A-43D3-8B79-37D633B846F1}">
-                <asvg:svgBlip xmlns:asvg="http://schemas.microsoft.com/office/drawing/2016/SVG/main" r:embed="rId2"/>
-              </a:ext>
-            </a:extLst>
-          </a:blip>
-          <a:stretch>
-            <a:fillRect/>
-          </a:stretch>
-        </a:blipFill>
-        <a:ln w="12700" cap="flat" cmpd="sng" algn="ctr">
-          <a:noFill/>
-          <a:prstDash val="solid"/>
-          <a:miter lim="800000"/>
-        </a:ln>
-        <a:effectLst/>
-      </dsp:spPr>
-      <dsp:style>
-        <a:lnRef idx="2">
-          <a:scrgbClr r="0" g="0" b="0"/>
-        </a:lnRef>
-        <a:fillRef idx="1">
-          <a:scrgbClr r="0" g="0" b="0"/>
-        </a:fillRef>
-        <a:effectRef idx="0">
-          <a:scrgbClr r="0" g="0" b="0"/>
-        </a:effectRef>
-        <a:fontRef idx="minor">
-          <a:schemeClr val="lt1"/>
-        </a:fontRef>
-      </dsp:style>
-    </dsp:sp>
-    <dsp:sp modelId="{8734BC71-291D-4511-AE01-7237D99AFF4D}">
-      <dsp:nvSpPr>
-        <dsp:cNvPr id="0" name=""/>
-        <dsp:cNvSpPr/>
-      </dsp:nvSpPr>
-      <dsp:spPr>
-        <a:xfrm>
-          <a:off x="1076693" y="398"/>
-          <a:ext cx="6810006" cy="932202"/>
-        </a:xfrm>
-        <a:prstGeom prst="rect">
-          <a:avLst/>
-        </a:prstGeom>
-        <a:noFill/>
-        <a:ln>
-          <a:noFill/>
-        </a:ln>
-        <a:effectLst/>
-      </dsp:spPr>
-      <dsp:style>
-        <a:lnRef idx="0">
-          <a:scrgbClr r="0" g="0" b="0"/>
-        </a:lnRef>
-        <a:fillRef idx="0">
-          <a:scrgbClr r="0" g="0" b="0"/>
-        </a:fillRef>
-        <a:effectRef idx="0">
-          <a:scrgbClr r="0" g="0" b="0"/>
-        </a:effectRef>
-        <a:fontRef idx="minor"/>
-      </dsp:style>
-      <dsp:txBody>
-        <a:bodyPr spcFirstLastPara="0" vert="horz" wrap="square" lIns="98658" tIns="98658" rIns="98658" bIns="98658" numCol="1" spcCol="1270" anchor="ctr" anchorCtr="0">
-          <a:noAutofit/>
-        </a:bodyPr>
-        <a:lstStyle/>
-        <a:p>
-          <a:pPr marL="0" lvl="0" indent="0" algn="l" defTabSz="1111250">
-            <a:lnSpc>
-              <a:spcPct val="90000"/>
-            </a:lnSpc>
-            <a:spcBef>
-              <a:spcPct val="0"/>
-            </a:spcBef>
-            <a:spcAft>
-              <a:spcPct val="35000"/>
-            </a:spcAft>
-            <a:buNone/>
-          </a:pPr>
-          <a:r>
-            <a:rPr lang="en-US" sz="2500" kern="1200"/>
-            <a:t>prev_size: Overlap backwards </a:t>
-          </a:r>
-        </a:p>
-      </dsp:txBody>
-      <dsp:txXfrm>
-        <a:off x="1076693" y="398"/>
-        <a:ext cx="6810006" cy="932202"/>
-      </dsp:txXfrm>
-    </dsp:sp>
-    <dsp:sp modelId="{BD05CC7B-76A3-4B9C-A90D-916C71767924}">
-      <dsp:nvSpPr>
-        <dsp:cNvPr id="0" name=""/>
-        <dsp:cNvSpPr/>
-      </dsp:nvSpPr>
-      <dsp:spPr>
-        <a:xfrm>
-          <a:off x="0" y="1165650"/>
-          <a:ext cx="7886700" cy="932202"/>
-        </a:xfrm>
-        <a:prstGeom prst="roundRect">
-          <a:avLst>
-            <a:gd name="adj" fmla="val 10000"/>
-          </a:avLst>
-        </a:prstGeom>
-        <a:solidFill>
-          <a:schemeClr val="accent2">
-            <a:tint val="40000"/>
-            <a:hueOff val="0"/>
-            <a:satOff val="0"/>
-            <a:lumOff val="0"/>
-            <a:alphaOff val="0"/>
-          </a:schemeClr>
-        </a:solidFill>
-        <a:ln>
-          <a:noFill/>
-        </a:ln>
-        <a:effectLst/>
-      </dsp:spPr>
-      <dsp:style>
-        <a:lnRef idx="0">
-          <a:scrgbClr r="0" g="0" b="0"/>
-        </a:lnRef>
-        <a:fillRef idx="1">
-          <a:scrgbClr r="0" g="0" b="0"/>
-        </a:fillRef>
-        <a:effectRef idx="0">
-          <a:scrgbClr r="0" g="0" b="0"/>
-        </a:effectRef>
-        <a:fontRef idx="minor"/>
-      </dsp:style>
-    </dsp:sp>
-    <dsp:sp modelId="{6B2E588D-7DF4-4FAD-B036-D66769C128A2}">
-      <dsp:nvSpPr>
-        <dsp:cNvPr id="0" name=""/>
-        <dsp:cNvSpPr/>
-      </dsp:nvSpPr>
-      <dsp:spPr>
-        <a:xfrm rot="10800000">
-          <a:off x="281991" y="1375396"/>
-          <a:ext cx="512711" cy="512711"/>
-        </a:xfrm>
-        <a:prstGeom prst="rect">
-          <a:avLst/>
-        </a:prstGeom>
-        <a:blipFill>
-          <a:blip xmlns:r="http://schemas.openxmlformats.org/officeDocument/2006/relationships" r:embed="rId3">
-            <a:extLst>
-              <a:ext uri="{28A0092B-C50C-407E-A947-70E740481C1C}">
-                <a14:useLocalDpi xmlns:a14="http://schemas.microsoft.com/office/drawing/2010/main" val="0"/>
-              </a:ext>
-              <a:ext uri="{96DAC541-7B7A-43D3-8B79-37D633B846F1}">
-                <asvg:svgBlip xmlns:asvg="http://schemas.microsoft.com/office/drawing/2016/SVG/main" r:embed="rId4"/>
-              </a:ext>
-            </a:extLst>
-          </a:blip>
-          <a:stretch>
-            <a:fillRect/>
-          </a:stretch>
-        </a:blipFill>
-        <a:ln w="12700" cap="flat" cmpd="sng" algn="ctr">
-          <a:noFill/>
-          <a:prstDash val="solid"/>
-          <a:miter lim="800000"/>
-        </a:ln>
-        <a:effectLst/>
-      </dsp:spPr>
-      <dsp:style>
-        <a:lnRef idx="2">
-          <a:scrgbClr r="0" g="0" b="0"/>
-        </a:lnRef>
-        <a:fillRef idx="1">
-          <a:scrgbClr r="0" g="0" b="0"/>
-        </a:fillRef>
-        <a:effectRef idx="0">
-          <a:scrgbClr r="0" g="0" b="0"/>
-        </a:effectRef>
-        <a:fontRef idx="minor">
-          <a:schemeClr val="lt1"/>
-        </a:fontRef>
-      </dsp:style>
-    </dsp:sp>
-    <dsp:sp modelId="{9B0A80FC-17B5-480C-A8B8-1109C6DC3003}">
-      <dsp:nvSpPr>
-        <dsp:cNvPr id="0" name=""/>
-        <dsp:cNvSpPr/>
-      </dsp:nvSpPr>
-      <dsp:spPr>
-        <a:xfrm>
-          <a:off x="1076693" y="1165650"/>
-          <a:ext cx="6810006" cy="932202"/>
-        </a:xfrm>
-        <a:prstGeom prst="rect">
-          <a:avLst/>
-        </a:prstGeom>
-        <a:noFill/>
-        <a:ln>
-          <a:noFill/>
-        </a:ln>
-        <a:effectLst/>
-      </dsp:spPr>
-      <dsp:style>
-        <a:lnRef idx="0">
-          <a:scrgbClr r="0" g="0" b="0"/>
-        </a:lnRef>
-        <a:fillRef idx="0">
-          <a:scrgbClr r="0" g="0" b="0"/>
-        </a:fillRef>
-        <a:effectRef idx="0">
-          <a:scrgbClr r="0" g="0" b="0"/>
-        </a:effectRef>
-        <a:fontRef idx="minor"/>
-      </dsp:style>
-      <dsp:txBody>
-        <a:bodyPr spcFirstLastPara="0" vert="horz" wrap="square" lIns="98658" tIns="98658" rIns="98658" bIns="98658" numCol="1" spcCol="1270" anchor="ctr" anchorCtr="0">
-          <a:noAutofit/>
-        </a:bodyPr>
-        <a:lstStyle/>
-        <a:p>
-          <a:pPr marL="0" lvl="0" indent="0" algn="l" defTabSz="1111250">
-            <a:lnSpc>
-              <a:spcPct val="90000"/>
-            </a:lnSpc>
-            <a:spcBef>
-              <a:spcPct val="0"/>
-            </a:spcBef>
-            <a:spcAft>
-              <a:spcPct val="35000"/>
-            </a:spcAft>
-            <a:buNone/>
-          </a:pPr>
-          <a:r>
-            <a:rPr lang="en-US" sz="2500" kern="1200"/>
-            <a:t>Size: Overlap forwards</a:t>
-          </a:r>
-        </a:p>
-      </dsp:txBody>
-      <dsp:txXfrm>
-        <a:off x="1076693" y="1165650"/>
-        <a:ext cx="6810006" cy="932202"/>
-      </dsp:txXfrm>
-    </dsp:sp>
-    <dsp:sp modelId="{E67CC9EB-E713-41F7-91A2-CCCA9D8664B9}">
-      <dsp:nvSpPr>
-        <dsp:cNvPr id="0" name=""/>
-        <dsp:cNvSpPr/>
-      </dsp:nvSpPr>
-      <dsp:spPr>
-        <a:xfrm>
-          <a:off x="0" y="2330903"/>
-          <a:ext cx="7886700" cy="932202"/>
-        </a:xfrm>
-        <a:prstGeom prst="roundRect">
-          <a:avLst>
-            <a:gd name="adj" fmla="val 10000"/>
-          </a:avLst>
-        </a:prstGeom>
-        <a:solidFill>
-          <a:schemeClr val="accent2">
-            <a:tint val="40000"/>
-            <a:hueOff val="0"/>
-            <a:satOff val="0"/>
-            <a:lumOff val="0"/>
-            <a:alphaOff val="0"/>
-          </a:schemeClr>
-        </a:solidFill>
-        <a:ln>
-          <a:noFill/>
-        </a:ln>
-        <a:effectLst/>
-      </dsp:spPr>
-      <dsp:style>
-        <a:lnRef idx="0">
-          <a:scrgbClr r="0" g="0" b="0"/>
-        </a:lnRef>
-        <a:fillRef idx="1">
-          <a:scrgbClr r="0" g="0" b="0"/>
-        </a:fillRef>
-        <a:effectRef idx="0">
-          <a:scrgbClr r="0" g="0" b="0"/>
-        </a:effectRef>
-        <a:fontRef idx="minor"/>
-      </dsp:style>
-    </dsp:sp>
-    <dsp:sp modelId="{A46C6802-6909-4137-82F2-31E9DA17A699}">
-      <dsp:nvSpPr>
-        <dsp:cNvPr id="0" name=""/>
-        <dsp:cNvSpPr/>
-      </dsp:nvSpPr>
-      <dsp:spPr>
-        <a:xfrm>
-          <a:off x="281991" y="2540649"/>
-          <a:ext cx="512711" cy="512711"/>
-        </a:xfrm>
-        <a:prstGeom prst="rect">
-          <a:avLst/>
-        </a:prstGeom>
-        <a:blipFill>
-          <a:blip xmlns:r="http://schemas.openxmlformats.org/officeDocument/2006/relationships" r:embed="rId5">
-            <a:extLst>
-              <a:ext uri="{28A0092B-C50C-407E-A947-70E740481C1C}">
-                <a14:useLocalDpi xmlns:a14="http://schemas.microsoft.com/office/drawing/2010/main" val="0"/>
-              </a:ext>
-              <a:ext uri="{96DAC541-7B7A-43D3-8B79-37D633B846F1}">
-                <asvg:svgBlip xmlns:asvg="http://schemas.microsoft.com/office/drawing/2016/SVG/main" r:embed="rId6"/>
-              </a:ext>
-            </a:extLst>
-          </a:blip>
-          <a:stretch>
-            <a:fillRect/>
-          </a:stretch>
-        </a:blipFill>
-        <a:ln w="12700" cap="flat" cmpd="sng" algn="ctr">
-          <a:noFill/>
-          <a:prstDash val="solid"/>
-          <a:miter lim="800000"/>
-        </a:ln>
-        <a:effectLst/>
-      </dsp:spPr>
-      <dsp:style>
-        <a:lnRef idx="2">
-          <a:scrgbClr r="0" g="0" b="0"/>
-        </a:lnRef>
-        <a:fillRef idx="1">
-          <a:scrgbClr r="0" g="0" b="0"/>
-        </a:fillRef>
-        <a:effectRef idx="0">
-          <a:scrgbClr r="0" g="0" b="0"/>
-        </a:effectRef>
-        <a:fontRef idx="minor">
-          <a:schemeClr val="lt1"/>
-        </a:fontRef>
-      </dsp:style>
-    </dsp:sp>
-    <dsp:sp modelId="{5752B21C-A17C-40DA-BF34-60F3F17E4597}">
-      <dsp:nvSpPr>
-        <dsp:cNvPr id="0" name=""/>
-        <dsp:cNvSpPr/>
-      </dsp:nvSpPr>
-      <dsp:spPr>
-        <a:xfrm>
-          <a:off x="1076693" y="2330903"/>
-          <a:ext cx="3549015" cy="932202"/>
-        </a:xfrm>
-        <a:prstGeom prst="rect">
-          <a:avLst/>
-        </a:prstGeom>
-        <a:noFill/>
-        <a:ln>
-          <a:noFill/>
-        </a:ln>
-        <a:effectLst/>
-      </dsp:spPr>
-      <dsp:style>
-        <a:lnRef idx="0">
-          <a:scrgbClr r="0" g="0" b="0"/>
-        </a:lnRef>
-        <a:fillRef idx="0">
-          <a:scrgbClr r="0" g="0" b="0"/>
-        </a:fillRef>
-        <a:effectRef idx="0">
-          <a:scrgbClr r="0" g="0" b="0"/>
-        </a:effectRef>
-        <a:fontRef idx="minor"/>
-      </dsp:style>
-      <dsp:txBody>
-        <a:bodyPr spcFirstLastPara="0" vert="horz" wrap="square" lIns="98658" tIns="98658" rIns="98658" bIns="98658" numCol="1" spcCol="1270" anchor="ctr" anchorCtr="0">
-          <a:noAutofit/>
-        </a:bodyPr>
-        <a:lstStyle/>
-        <a:p>
-          <a:pPr marL="0" lvl="0" indent="0" algn="l" defTabSz="1111250">
-            <a:lnSpc>
-              <a:spcPct val="90000"/>
-            </a:lnSpc>
-            <a:spcBef>
-              <a:spcPct val="0"/>
-            </a:spcBef>
-            <a:spcAft>
-              <a:spcPct val="35000"/>
-            </a:spcAft>
-            <a:buNone/>
-          </a:pPr>
-          <a:r>
-            <a:rPr lang="en-US" sz="2500" kern="1200"/>
-            <a:t>Crashes: </a:t>
-          </a:r>
-        </a:p>
-      </dsp:txBody>
-      <dsp:txXfrm>
-        <a:off x="1076693" y="2330903"/>
-        <a:ext cx="3549015" cy="932202"/>
-      </dsp:txXfrm>
-    </dsp:sp>
-    <dsp:sp modelId="{8AADA0AD-BD39-49A0-B85B-9C54A75EF3D6}">
-      <dsp:nvSpPr>
-        <dsp:cNvPr id="0" name=""/>
-        <dsp:cNvSpPr/>
-      </dsp:nvSpPr>
-      <dsp:spPr>
-        <a:xfrm>
-          <a:off x="4625708" y="2330903"/>
-          <a:ext cx="3260991" cy="932202"/>
-        </a:xfrm>
-        <a:prstGeom prst="rect">
-          <a:avLst/>
-        </a:prstGeom>
-        <a:noFill/>
-        <a:ln>
-          <a:noFill/>
-        </a:ln>
-        <a:effectLst/>
-      </dsp:spPr>
-      <dsp:style>
-        <a:lnRef idx="0">
-          <a:scrgbClr r="0" g="0" b="0"/>
-        </a:lnRef>
-        <a:fillRef idx="0">
-          <a:scrgbClr r="0" g="0" b="0"/>
-        </a:fillRef>
-        <a:effectRef idx="0">
-          <a:scrgbClr r="0" g="0" b="0"/>
-        </a:effectRef>
-        <a:fontRef idx="minor"/>
-      </dsp:style>
-      <dsp:txBody>
-        <a:bodyPr spcFirstLastPara="0" vert="horz" wrap="square" lIns="98658" tIns="98658" rIns="98658" bIns="98658" numCol="1" spcCol="1270" anchor="ctr" anchorCtr="0">
-          <a:noAutofit/>
-        </a:bodyPr>
-        <a:lstStyle/>
-        <a:p>
-          <a:pPr marL="0" lvl="0" indent="0" algn="l" defTabSz="666750">
-            <a:lnSpc>
-              <a:spcPct val="90000"/>
-            </a:lnSpc>
-            <a:spcBef>
-              <a:spcPct val="0"/>
-            </a:spcBef>
-            <a:spcAft>
-              <a:spcPct val="35000"/>
-            </a:spcAft>
-            <a:buNone/>
-          </a:pPr>
-          <a:r>
-            <a:rPr lang="en-US" sz="1500" kern="1200"/>
-            <a:t>Munmap unmaps the memory!</a:t>
-          </a:r>
-        </a:p>
-        <a:p>
-          <a:pPr marL="0" lvl="0" indent="0" algn="l" defTabSz="666750">
-            <a:lnSpc>
-              <a:spcPct val="90000"/>
-            </a:lnSpc>
-            <a:spcBef>
-              <a:spcPct val="0"/>
-            </a:spcBef>
-            <a:spcAft>
-              <a:spcPct val="35000"/>
-            </a:spcAft>
-            <a:buNone/>
-          </a:pPr>
-          <a:r>
-            <a:rPr lang="en-US" sz="1500" kern="1200"/>
-            <a:t>Cannot write/read from this location prior to reallocating</a:t>
-          </a:r>
-        </a:p>
-      </dsp:txBody>
-      <dsp:txXfrm>
-        <a:off x="4625708" y="2330903"/>
-        <a:ext cx="3260991" cy="932202"/>
       </dsp:txXfrm>
     </dsp:sp>
   </dsp:spTree>
@@ -16028,300 +14324,6 @@
 </dgm:layoutDef>
 </file>
 
-<file path=ppt/diagrams/layout10.xml><?xml version="1.0" encoding="utf-8"?>
-<dgm:layoutDef xmlns:dgm="http://schemas.openxmlformats.org/drawingml/2006/diagram" xmlns:a="http://schemas.openxmlformats.org/drawingml/2006/main" uniqueId="urn:microsoft.com/office/officeart/2018/2/layout/IconVerticalSolidList">
-  <dgm:title val="Icon Vertical Solid List"/>
-  <dgm:desc val="Use to show a series of visuals from top to bottom with Level 1 or Level 1 and Level 2 text grouped in a shape. Works best with icons or small pictures with lengthier descriptions."/>
-  <dgm:catLst>
-    <dgm:cat type="icon" pri="500"/>
-  </dgm:catLst>
-  <dgm:sampData useDef="1">
-    <dgm:dataModel>
-      <dgm:ptLst/>
-      <dgm:bg/>
-      <dgm:whole/>
-    </dgm:dataModel>
-  </dgm:sampData>
-  <dgm:styleData useDef="1">
-    <dgm:dataModel>
-      <dgm:ptLst/>
-      <dgm:bg/>
-      <dgm:whole/>
-    </dgm:dataModel>
-  </dgm:styleData>
-  <dgm:clrData useDef="1">
-    <dgm:dataModel>
-      <dgm:ptLst/>
-      <dgm:bg/>
-      <dgm:whole/>
-    </dgm:dataModel>
-  </dgm:clrData>
-  <dgm:layoutNode name="root">
-    <dgm:varLst>
-      <dgm:dir/>
-      <dgm:resizeHandles val="exact"/>
-    </dgm:varLst>
-    <dgm:choose name="Name0">
-      <dgm:if name="Name1" axis="self" func="var" arg="dir" op="equ" val="norm">
-        <dgm:alg type="lin">
-          <dgm:param type="linDir" val="fromT"/>
-          <dgm:param type="nodeHorzAlign" val="l"/>
-        </dgm:alg>
-      </dgm:if>
-      <dgm:else name="Name2">
-        <dgm:alg type="lin">
-          <dgm:param type="linDir" val="fromT"/>
-          <dgm:param type="nodeHorzAlign" val="r"/>
-        </dgm:alg>
-      </dgm:else>
-    </dgm:choose>
-    <dgm:shape xmlns:r="http://schemas.openxmlformats.org/officeDocument/2006/relationships" r:blip="">
-      <dgm:adjLst/>
-    </dgm:shape>
-    <dgm:presOf/>
-    <dgm:choose name="Name3">
-      <dgm:if name="Name4" axis="ch" ptType="node" func="cnt" op="lte" val="3">
-        <dgm:constrLst>
-          <dgm:constr type="h" for="ch" forName="compNode" refType="h" fact="0.3"/>
-          <dgm:constr type="w" for="ch" forName="compNode" refType="w"/>
-          <dgm:constr type="h" for="ch" forName="sibTrans" refType="h" refFor="ch" refForName="compNode" fact="0.25"/>
-          <dgm:constr type="primFontSz" for="des" forName="parTx" val="25"/>
-          <dgm:constr type="primFontSz" for="des" forName="desTx" refType="primFontSz" refFor="des" refForName="parTx" op="lte" fact="0.75"/>
-          <dgm:constr type="h" for="des" forName="compNode" op="equ"/>
-          <dgm:constr type="h" for="des" forName="bgRect" op="equ"/>
-          <dgm:constr type="h" for="des" forName="iconRect" op="equ"/>
-          <dgm:constr type="w" for="des" forName="iconRect" op="equ"/>
-          <dgm:constr type="h" for="des" forName="spaceRect" op="equ"/>
-          <dgm:constr type="h" for="des" forName="parTx" op="equ"/>
-          <dgm:constr type="h" for="des" forName="desTx" op="equ"/>
-        </dgm:constrLst>
-      </dgm:if>
-      <dgm:if name="Name5" axis="ch" ptType="node" func="cnt" op="lte" val="4">
-        <dgm:constrLst>
-          <dgm:constr type="h" for="ch" forName="compNode" refType="h" fact="0.3"/>
-          <dgm:constr type="w" for="ch" forName="compNode" refType="w"/>
-          <dgm:constr type="h" for="ch" forName="sibTrans" refType="h" refFor="ch" refForName="compNode" fact="0.25"/>
-          <dgm:constr type="primFontSz" for="des" forName="parTx" val="22"/>
-          <dgm:constr type="primFontSz" for="des" forName="desTx" refType="primFontSz" refFor="des" refForName="parTx" op="lte" fact="0.75"/>
-          <dgm:constr type="h" for="des" forName="compNode" op="equ"/>
-          <dgm:constr type="h" for="des" forName="bgRect" op="equ"/>
-          <dgm:constr type="h" for="des" forName="iconRect" op="equ"/>
-          <dgm:constr type="w" for="des" forName="iconRect" op="equ"/>
-          <dgm:constr type="h" for="des" forName="spaceRect" op="equ"/>
-          <dgm:constr type="h" for="des" forName="parTx" op="equ"/>
-          <dgm:constr type="h" for="des" forName="desTx" op="equ"/>
-        </dgm:constrLst>
-      </dgm:if>
-      <dgm:if name="Name6" axis="ch" ptType="node" func="cnt" op="lte" val="6">
-        <dgm:constrLst>
-          <dgm:constr type="h" for="ch" forName="compNode" refType="h" fact="0.3"/>
-          <dgm:constr type="w" for="ch" forName="compNode" refType="w"/>
-          <dgm:constr type="h" for="ch" forName="sibTrans" refType="h" refFor="ch" refForName="compNode" fact="0.25"/>
-          <dgm:constr type="primFontSz" for="des" forName="parTx" val="19"/>
-          <dgm:constr type="primFontSz" for="des" forName="desTx" refType="primFontSz" refFor="des" refForName="parTx" op="lte" fact="0.75"/>
-          <dgm:constr type="h" for="des" forName="compNode" op="equ"/>
-          <dgm:constr type="h" for="des" forName="bgRect" op="equ"/>
-          <dgm:constr type="h" for="des" forName="iconRect" op="equ"/>
-          <dgm:constr type="w" for="des" forName="iconRect" op="equ"/>
-          <dgm:constr type="h" for="des" forName="spaceRect" op="equ"/>
-          <dgm:constr type="h" for="des" forName="parTx" op="equ"/>
-          <dgm:constr type="h" for="des" forName="desTx" op="equ"/>
-        </dgm:constrLst>
-      </dgm:if>
-      <dgm:else name="Name7">
-        <dgm:constrLst>
-          <dgm:constr type="h" for="ch" forName="compNode" refType="h" fact="0.3"/>
-          <dgm:constr type="w" for="ch" forName="compNode" refType="w"/>
-          <dgm:constr type="h" for="ch" forName="sibTrans" refType="h" refFor="ch" refForName="compNode" fact="0.25"/>
-          <dgm:constr type="primFontSz" for="des" forName="parTx" val="16"/>
-          <dgm:constr type="primFontSz" for="des" forName="desTx" refType="primFontSz" refFor="des" refForName="parTx" op="lte" fact="0.75"/>
-          <dgm:constr type="h" for="des" forName="compNode" op="equ"/>
-          <dgm:constr type="h" for="des" forName="bgRect" op="equ"/>
-          <dgm:constr type="h" for="des" forName="iconRect" op="equ"/>
-          <dgm:constr type="w" for="des" forName="iconRect" op="equ"/>
-          <dgm:constr type="h" for="des" forName="spaceRect" op="equ"/>
-          <dgm:constr type="h" for="des" forName="parTx" op="equ"/>
-          <dgm:constr type="h" for="des" forName="desTx" op="equ"/>
-        </dgm:constrLst>
-      </dgm:else>
-    </dgm:choose>
-    <dgm:ruleLst>
-      <dgm:rule type="h" for="ch" forName="compNode" val="0" fact="NaN" max="NaN"/>
-    </dgm:ruleLst>
-    <dgm:forEach name="Name8" axis="ch" ptType="node">
-      <dgm:layoutNode name="compNode">
-        <dgm:alg type="composite"/>
-        <dgm:shape xmlns:r="http://schemas.openxmlformats.org/officeDocument/2006/relationships" r:blip="">
-          <dgm:adjLst/>
-        </dgm:shape>
-        <dgm:presOf axis="self"/>
-        <dgm:choose name="Name9">
-          <dgm:if name="Name10" axis="ch" ptType="node" func="cnt" op="gte" val="1">
-            <dgm:constrLst>
-              <dgm:constr type="w" for="ch" forName="bgRect" refType="w"/>
-              <dgm:constr type="h" for="ch" forName="bgRect" refType="h"/>
-              <dgm:constr type="l" for="ch" forName="bgRect"/>
-              <dgm:constr type="t" for="ch" forName="bgRect"/>
-              <dgm:constr type="h" for="ch" forName="iconRect" refType="h" fact="0.55"/>
-              <dgm:constr type="w" for="ch" forName="iconRect" refType="h" refFor="ch" refForName="iconRect"/>
-              <dgm:constr type="l" for="ch" forName="iconRect" refType="h" refFor="ch" refForName="iconRect" fact="0.55"/>
-              <dgm:constr type="ctrY" for="ch" forName="iconRect" refType="ctrY" refFor="ch" refForName="bgRect"/>
-              <dgm:constr type="w" for="ch" forName="spaceRect" refType="l" refFor="ch" refForName="iconRect"/>
-              <dgm:constr type="h" for="ch" forName="spaceRect" refType="h"/>
-              <dgm:constr type="l" for="ch" forName="spaceRect" refType="r" refFor="ch" refForName="iconRect"/>
-              <dgm:constr type="t" for="ch" forName="spaceRect"/>
-              <dgm:constr type="w" for="ch" forName="parTx" refType="w" fact="0.45"/>
-              <dgm:constr type="h" for="ch" forName="parTx" refType="h"/>
-              <dgm:constr type="l" for="ch" forName="parTx" refType="r" refFor="ch" refForName="spaceRect"/>
-              <dgm:constr type="t" for="ch" forName="parTx"/>
-              <dgm:constr type="h" for="ch" forName="desTx" refType="h"/>
-              <dgm:constr type="l" for="ch" forName="desTx" refType="r" refFor="ch" refForName="parTx"/>
-              <dgm:constr type="t" for="ch" forName="desTx"/>
-            </dgm:constrLst>
-          </dgm:if>
-          <dgm:else name="Name11">
-            <dgm:constrLst>
-              <dgm:constr type="w" for="ch" forName="bgRect" refType="w"/>
-              <dgm:constr type="h" for="ch" forName="bgRect" refType="h"/>
-              <dgm:constr type="l" for="ch" forName="bgRect"/>
-              <dgm:constr type="t" for="ch" forName="bgRect"/>
-              <dgm:constr type="h" for="ch" forName="iconRect" refType="h" fact="0.55"/>
-              <dgm:constr type="w" for="ch" forName="iconRect" refType="h" refFor="ch" refForName="iconRect"/>
-              <dgm:constr type="l" for="ch" forName="iconRect" refType="h" refFor="ch" refForName="iconRect" fact="0.55"/>
-              <dgm:constr type="ctrY" for="ch" forName="iconRect" refType="ctrY" refFor="ch" refForName="bgRect"/>
-              <dgm:constr type="w" for="ch" forName="spaceRect" refType="l" refFor="ch" refForName="iconRect"/>
-              <dgm:constr type="h" for="ch" forName="spaceRect" refType="h"/>
-              <dgm:constr type="l" for="ch" forName="spaceRect" refType="r" refFor="ch" refForName="iconRect"/>
-              <dgm:constr type="t" for="ch" forName="spaceRect"/>
-              <dgm:constr type="h" for="ch" forName="parTx" refType="h"/>
-              <dgm:constr type="l" for="ch" forName="parTx" refType="r" refFor="ch" refForName="spaceRect"/>
-              <dgm:constr type="t" for="ch" forName="parTx"/>
-            </dgm:constrLst>
-          </dgm:else>
-        </dgm:choose>
-        <dgm:ruleLst>
-          <dgm:rule type="h" val="INF" fact="NaN" max="NaN"/>
-        </dgm:ruleLst>
-        <dgm:layoutNode name="bgRect" styleLbl="bgShp">
-          <dgm:alg type="sp"/>
-          <dgm:shape xmlns:r="http://schemas.openxmlformats.org/officeDocument/2006/relationships" type="roundRect" r:blip="">
-            <dgm:adjLst>
-              <dgm:adj idx="1" val="0.1"/>
-            </dgm:adjLst>
-          </dgm:shape>
-          <dgm:presOf/>
-          <dgm:constrLst/>
-          <dgm:ruleLst/>
-        </dgm:layoutNode>
-        <dgm:layoutNode name="iconRect" styleLbl="node1">
-          <dgm:alg type="sp"/>
-          <dgm:shape xmlns:r="http://schemas.openxmlformats.org/officeDocument/2006/relationships" type="rect" r:blip="" blipPhldr="1">
-            <dgm:adjLst/>
-          </dgm:shape>
-          <dgm:presOf/>
-          <dgm:constrLst/>
-          <dgm:ruleLst/>
-        </dgm:layoutNode>
-        <dgm:layoutNode name="spaceRect">
-          <dgm:alg type="sp"/>
-          <dgm:shape xmlns:r="http://schemas.openxmlformats.org/officeDocument/2006/relationships" r:blip="">
-            <dgm:adjLst/>
-          </dgm:shape>
-          <dgm:presOf/>
-          <dgm:constrLst/>
-          <dgm:ruleLst/>
-        </dgm:layoutNode>
-        <dgm:layoutNode name="parTx" styleLbl="revTx">
-          <dgm:varLst>
-            <dgm:chMax val="0"/>
-            <dgm:chPref val="0"/>
-          </dgm:varLst>
-          <dgm:alg type="tx">
-            <dgm:param type="txAnchorVert" val="mid"/>
-            <dgm:param type="parTxLTRAlign" val="l"/>
-            <dgm:param type="shpTxLTRAlignCh" val="l"/>
-            <dgm:param type="parTxRTLAlign" val="r"/>
-            <dgm:param type="shpTxRTLAlignCh" val="r"/>
-          </dgm:alg>
-          <dgm:shape xmlns:r="http://schemas.openxmlformats.org/officeDocument/2006/relationships" type="rect" r:blip="">
-            <dgm:adjLst/>
-          </dgm:shape>
-          <dgm:presOf axis="self" ptType="node"/>
-          <dgm:constrLst>
-            <dgm:constr type="lMarg" refType="h" fact="0.3"/>
-            <dgm:constr type="rMarg" refType="h" fact="0.3"/>
-            <dgm:constr type="tMarg" refType="h" fact="0.3"/>
-            <dgm:constr type="bMarg" refType="h" fact="0.3"/>
-          </dgm:constrLst>
-          <dgm:ruleLst>
-            <dgm:rule type="primFontSz" val="14" fact="NaN" max="NaN"/>
-            <dgm:rule type="h" val="INF" fact="NaN" max="NaN"/>
-          </dgm:ruleLst>
-        </dgm:layoutNode>
-        <dgm:choose name="Name12">
-          <dgm:if name="Name13" axis="ch" ptType="node" func="cnt" op="gte" val="1">
-            <dgm:layoutNode name="desTx" styleLbl="revTx">
-              <dgm:varLst/>
-              <dgm:alg type="tx">
-                <dgm:param type="txAnchorVertCh" val="mid"/>
-                <dgm:param type="parTxLTRAlign" val="l"/>
-                <dgm:param type="shpTxLTRAlignCh" val="l"/>
-                <dgm:param type="parTxRTLAlign" val="r"/>
-                <dgm:param type="shpTxRTLAlignCh" val="r"/>
-                <dgm:param type="stBulletLvl" val="0"/>
-              </dgm:alg>
-              <dgm:shape xmlns:r="http://schemas.openxmlformats.org/officeDocument/2006/relationships" type="rect" r:blip="">
-                <dgm:adjLst/>
-              </dgm:shape>
-              <dgm:presOf axis="des" ptType="node"/>
-              <dgm:constrLst>
-                <dgm:constr type="primFontSz" val="18"/>
-                <dgm:constr type="secFontSz" refType="primFontSz"/>
-                <dgm:constr type="lMarg" refType="h" fact="0.3"/>
-                <dgm:constr type="rMarg" refType="h" fact="0.3"/>
-                <dgm:constr type="tMarg" refType="h" fact="0.3"/>
-                <dgm:constr type="bMarg" refType="h" fact="0.3"/>
-              </dgm:constrLst>
-              <dgm:ruleLst>
-                <dgm:rule type="primFontSz" val="11" fact="NaN" max="NaN"/>
-              </dgm:ruleLst>
-            </dgm:layoutNode>
-          </dgm:if>
-          <dgm:else name="Name14"/>
-        </dgm:choose>
-      </dgm:layoutNode>
-      <dgm:forEach name="Name15" axis="followSib" ptType="sibTrans" cnt="1">
-        <dgm:layoutNode name="sibTrans">
-          <dgm:alg type="sp"/>
-          <dgm:shape xmlns:r="http://schemas.openxmlformats.org/officeDocument/2006/relationships" r:blip="">
-            <dgm:adjLst/>
-          </dgm:shape>
-          <dgm:presOf axis="self"/>
-          <dgm:constrLst/>
-          <dgm:ruleLst/>
-        </dgm:layoutNode>
-      </dgm:forEach>
-    </dgm:forEach>
-  </dgm:layoutNode>
-  <dgm:extLst>
-    <a:ext uri="{68A01E43-0DF5-4B5B-8FA6-DAF915123BFB}">
-      <dgm1612:lstStyle xmlns:dgm1612="http://schemas.microsoft.com/office/drawing/2016/12/diagram">
-        <a:lvl1pPr>
-          <a:lnSpc>
-            <a:spcPct val="100000"/>
-          </a:lnSpc>
-        </a:lvl1pPr>
-        <a:lvl2pPr>
-          <a:lnSpc>
-            <a:spcPct val="100000"/>
-          </a:lnSpc>
-        </a:lvl2pPr>
-      </dgm1612:lstStyle>
-    </a:ext>
-  </dgm:extLst>
-</dgm:layoutDef>
-</file>
-
 <file path=ppt/diagrams/layout2.xml><?xml version="1.0" encoding="utf-8"?>
 <dgm:layoutDef xmlns:dgm="http://schemas.openxmlformats.org/drawingml/2006/diagram" xmlns:a="http://schemas.openxmlformats.org/drawingml/2006/main" uniqueId="urn:microsoft.com/office/officeart/2016/7/layout/BasicLinearProcessNumbered">
   <dgm:title val="Basic Linear Process Numbered"/>
@@ -19181,1040 +17183,6 @@
 </dgm:styleDef>
 </file>
 
-<file path=ppt/diagrams/quickStyle10.xml><?xml version="1.0" encoding="utf-8"?>
-<dgm:styleDef xmlns:dgm="http://schemas.openxmlformats.org/drawingml/2006/diagram" xmlns:a="http://schemas.openxmlformats.org/drawingml/2006/main" uniqueId="urn:microsoft.com/office/officeart/2005/8/quickstyle/simple1">
-  <dgm:title val=""/>
-  <dgm:desc val=""/>
-  <dgm:catLst>
-    <dgm:cat type="simple" pri="10100"/>
-  </dgm:catLst>
-  <dgm:scene3d>
-    <a:camera prst="orthographicFront"/>
-    <a:lightRig rig="threePt" dir="t"/>
-  </dgm:scene3d>
-  <dgm:styleLbl name="node0">
-    <dgm:scene3d>
-      <a:camera prst="orthographicFront"/>
-      <a:lightRig rig="threePt" dir="t"/>
-    </dgm:scene3d>
-    <dgm:sp3d/>
-    <dgm:txPr/>
-    <dgm:style>
-      <a:lnRef idx="2">
-        <a:scrgbClr r="0" g="0" b="0"/>
-      </a:lnRef>
-      <a:fillRef idx="1">
-        <a:scrgbClr r="0" g="0" b="0"/>
-      </a:fillRef>
-      <a:effectRef idx="0">
-        <a:scrgbClr r="0" g="0" b="0"/>
-      </a:effectRef>
-      <a:fontRef idx="minor">
-        <a:schemeClr val="lt1"/>
-      </a:fontRef>
-    </dgm:style>
-  </dgm:styleLbl>
-  <dgm:styleLbl name="lnNode1">
-    <dgm:scene3d>
-      <a:camera prst="orthographicFront"/>
-      <a:lightRig rig="threePt" dir="t"/>
-    </dgm:scene3d>
-    <dgm:sp3d/>
-    <dgm:txPr/>
-    <dgm:style>
-      <a:lnRef idx="2">
-        <a:scrgbClr r="0" g="0" b="0"/>
-      </a:lnRef>
-      <a:fillRef idx="1">
-        <a:scrgbClr r="0" g="0" b="0"/>
-      </a:fillRef>
-      <a:effectRef idx="0">
-        <a:scrgbClr r="0" g="0" b="0"/>
-      </a:effectRef>
-      <a:fontRef idx="minor">
-        <a:schemeClr val="lt1"/>
-      </a:fontRef>
-    </dgm:style>
-  </dgm:styleLbl>
-  <dgm:styleLbl name="vennNode1">
-    <dgm:scene3d>
-      <a:camera prst="orthographicFront"/>
-      <a:lightRig rig="threePt" dir="t"/>
-    </dgm:scene3d>
-    <dgm:sp3d/>
-    <dgm:txPr/>
-    <dgm:style>
-      <a:lnRef idx="2">
-        <a:scrgbClr r="0" g="0" b="0"/>
-      </a:lnRef>
-      <a:fillRef idx="1">
-        <a:scrgbClr r="0" g="0" b="0"/>
-      </a:fillRef>
-      <a:effectRef idx="0">
-        <a:scrgbClr r="0" g="0" b="0"/>
-      </a:effectRef>
-      <a:fontRef idx="minor">
-        <a:schemeClr val="tx1"/>
-      </a:fontRef>
-    </dgm:style>
-  </dgm:styleLbl>
-  <dgm:styleLbl name="alignNode1">
-    <dgm:scene3d>
-      <a:camera prst="orthographicFront"/>
-      <a:lightRig rig="threePt" dir="t"/>
-    </dgm:scene3d>
-    <dgm:sp3d/>
-    <dgm:txPr/>
-    <dgm:style>
-      <a:lnRef idx="2">
-        <a:scrgbClr r="0" g="0" b="0"/>
-      </a:lnRef>
-      <a:fillRef idx="1">
-        <a:scrgbClr r="0" g="0" b="0"/>
-      </a:fillRef>
-      <a:effectRef idx="0">
-        <a:scrgbClr r="0" g="0" b="0"/>
-      </a:effectRef>
-      <a:fontRef idx="minor">
-        <a:schemeClr val="lt1"/>
-      </a:fontRef>
-    </dgm:style>
-  </dgm:styleLbl>
-  <dgm:styleLbl name="node1">
-    <dgm:scene3d>
-      <a:camera prst="orthographicFront"/>
-      <a:lightRig rig="threePt" dir="t"/>
-    </dgm:scene3d>
-    <dgm:sp3d/>
-    <dgm:txPr/>
-    <dgm:style>
-      <a:lnRef idx="2">
-        <a:scrgbClr r="0" g="0" b="0"/>
-      </a:lnRef>
-      <a:fillRef idx="1">
-        <a:scrgbClr r="0" g="0" b="0"/>
-      </a:fillRef>
-      <a:effectRef idx="0">
-        <a:scrgbClr r="0" g="0" b="0"/>
-      </a:effectRef>
-      <a:fontRef idx="minor">
-        <a:schemeClr val="lt1"/>
-      </a:fontRef>
-    </dgm:style>
-  </dgm:styleLbl>
-  <dgm:styleLbl name="node2">
-    <dgm:scene3d>
-      <a:camera prst="orthographicFront"/>
-      <a:lightRig rig="threePt" dir="t"/>
-    </dgm:scene3d>
-    <dgm:sp3d/>
-    <dgm:txPr/>
-    <dgm:style>
-      <a:lnRef idx="2">
-        <a:scrgbClr r="0" g="0" b="0"/>
-      </a:lnRef>
-      <a:fillRef idx="1">
-        <a:scrgbClr r="0" g="0" b="0"/>
-      </a:fillRef>
-      <a:effectRef idx="0">
-        <a:scrgbClr r="0" g="0" b="0"/>
-      </a:effectRef>
-      <a:fontRef idx="minor">
-        <a:schemeClr val="lt1"/>
-      </a:fontRef>
-    </dgm:style>
-  </dgm:styleLbl>
-  <dgm:styleLbl name="node3">
-    <dgm:scene3d>
-      <a:camera prst="orthographicFront"/>
-      <a:lightRig rig="threePt" dir="t"/>
-    </dgm:scene3d>
-    <dgm:sp3d/>
-    <dgm:txPr/>
-    <dgm:style>
-      <a:lnRef idx="2">
-        <a:scrgbClr r="0" g="0" b="0"/>
-      </a:lnRef>
-      <a:fillRef idx="1">
-        <a:scrgbClr r="0" g="0" b="0"/>
-      </a:fillRef>
-      <a:effectRef idx="0">
-        <a:scrgbClr r="0" g="0" b="0"/>
-      </a:effectRef>
-      <a:fontRef idx="minor">
-        <a:schemeClr val="lt1"/>
-      </a:fontRef>
-    </dgm:style>
-  </dgm:styleLbl>
-  <dgm:styleLbl name="node4">
-    <dgm:scene3d>
-      <a:camera prst="orthographicFront"/>
-      <a:lightRig rig="threePt" dir="t"/>
-    </dgm:scene3d>
-    <dgm:sp3d/>
-    <dgm:txPr/>
-    <dgm:style>
-      <a:lnRef idx="2">
-        <a:scrgbClr r="0" g="0" b="0"/>
-      </a:lnRef>
-      <a:fillRef idx="1">
-        <a:scrgbClr r="0" g="0" b="0"/>
-      </a:fillRef>
-      <a:effectRef idx="0">
-        <a:scrgbClr r="0" g="0" b="0"/>
-      </a:effectRef>
-      <a:fontRef idx="minor">
-        <a:schemeClr val="lt1"/>
-      </a:fontRef>
-    </dgm:style>
-  </dgm:styleLbl>
-  <dgm:styleLbl name="fgImgPlace1">
-    <dgm:scene3d>
-      <a:camera prst="orthographicFront"/>
-      <a:lightRig rig="threePt" dir="t"/>
-    </dgm:scene3d>
-    <dgm:sp3d/>
-    <dgm:txPr/>
-    <dgm:style>
-      <a:lnRef idx="2">
-        <a:scrgbClr r="0" g="0" b="0"/>
-      </a:lnRef>
-      <a:fillRef idx="1">
-        <a:scrgbClr r="0" g="0" b="0"/>
-      </a:fillRef>
-      <a:effectRef idx="0">
-        <a:scrgbClr r="0" g="0" b="0"/>
-      </a:effectRef>
-      <a:fontRef idx="minor"/>
-    </dgm:style>
-  </dgm:styleLbl>
-  <dgm:styleLbl name="alignImgPlace1">
-    <dgm:scene3d>
-      <a:camera prst="orthographicFront"/>
-      <a:lightRig rig="threePt" dir="t"/>
-    </dgm:scene3d>
-    <dgm:sp3d/>
-    <dgm:txPr/>
-    <dgm:style>
-      <a:lnRef idx="2">
-        <a:scrgbClr r="0" g="0" b="0"/>
-      </a:lnRef>
-      <a:fillRef idx="1">
-        <a:scrgbClr r="0" g="0" b="0"/>
-      </a:fillRef>
-      <a:effectRef idx="0">
-        <a:scrgbClr r="0" g="0" b="0"/>
-      </a:effectRef>
-      <a:fontRef idx="minor"/>
-    </dgm:style>
-  </dgm:styleLbl>
-  <dgm:styleLbl name="bgImgPlace1">
-    <dgm:scene3d>
-      <a:camera prst="orthographicFront"/>
-      <a:lightRig rig="threePt" dir="t"/>
-    </dgm:scene3d>
-    <dgm:sp3d/>
-    <dgm:txPr/>
-    <dgm:style>
-      <a:lnRef idx="2">
-        <a:scrgbClr r="0" g="0" b="0"/>
-      </a:lnRef>
-      <a:fillRef idx="1">
-        <a:scrgbClr r="0" g="0" b="0"/>
-      </a:fillRef>
-      <a:effectRef idx="0">
-        <a:scrgbClr r="0" g="0" b="0"/>
-      </a:effectRef>
-      <a:fontRef idx="minor"/>
-    </dgm:style>
-  </dgm:styleLbl>
-  <dgm:styleLbl name="sibTrans2D1">
-    <dgm:scene3d>
-      <a:camera prst="orthographicFront"/>
-      <a:lightRig rig="threePt" dir="t"/>
-    </dgm:scene3d>
-    <dgm:sp3d/>
-    <dgm:txPr/>
-    <dgm:style>
-      <a:lnRef idx="0">
-        <a:scrgbClr r="0" g="0" b="0"/>
-      </a:lnRef>
-      <a:fillRef idx="1">
-        <a:scrgbClr r="0" g="0" b="0"/>
-      </a:fillRef>
-      <a:effectRef idx="0">
-        <a:scrgbClr r="0" g="0" b="0"/>
-      </a:effectRef>
-      <a:fontRef idx="minor">
-        <a:schemeClr val="lt1"/>
-      </a:fontRef>
-    </dgm:style>
-  </dgm:styleLbl>
-  <dgm:styleLbl name="fgSibTrans2D1">
-    <dgm:scene3d>
-      <a:camera prst="orthographicFront"/>
-      <a:lightRig rig="threePt" dir="t"/>
-    </dgm:scene3d>
-    <dgm:sp3d/>
-    <dgm:txPr/>
-    <dgm:style>
-      <a:lnRef idx="0">
-        <a:scrgbClr r="0" g="0" b="0"/>
-      </a:lnRef>
-      <a:fillRef idx="1">
-        <a:scrgbClr r="0" g="0" b="0"/>
-      </a:fillRef>
-      <a:effectRef idx="0">
-        <a:scrgbClr r="0" g="0" b="0"/>
-      </a:effectRef>
-      <a:fontRef idx="minor">
-        <a:schemeClr val="lt1"/>
-      </a:fontRef>
-    </dgm:style>
-  </dgm:styleLbl>
-  <dgm:styleLbl name="bgSibTrans2D1">
-    <dgm:scene3d>
-      <a:camera prst="orthographicFront"/>
-      <a:lightRig rig="threePt" dir="t"/>
-    </dgm:scene3d>
-    <dgm:sp3d/>
-    <dgm:txPr/>
-    <dgm:style>
-      <a:lnRef idx="0">
-        <a:scrgbClr r="0" g="0" b="0"/>
-      </a:lnRef>
-      <a:fillRef idx="1">
-        <a:scrgbClr r="0" g="0" b="0"/>
-      </a:fillRef>
-      <a:effectRef idx="0">
-        <a:scrgbClr r="0" g="0" b="0"/>
-      </a:effectRef>
-      <a:fontRef idx="minor">
-        <a:schemeClr val="lt1"/>
-      </a:fontRef>
-    </dgm:style>
-  </dgm:styleLbl>
-  <dgm:styleLbl name="sibTrans1D1">
-    <dgm:scene3d>
-      <a:camera prst="orthographicFront"/>
-      <a:lightRig rig="threePt" dir="t"/>
-    </dgm:scene3d>
-    <dgm:sp3d/>
-    <dgm:txPr/>
-    <dgm:style>
-      <a:lnRef idx="1">
-        <a:scrgbClr r="0" g="0" b="0"/>
-      </a:lnRef>
-      <a:fillRef idx="0">
-        <a:scrgbClr r="0" g="0" b="0"/>
-      </a:fillRef>
-      <a:effectRef idx="0">
-        <a:scrgbClr r="0" g="0" b="0"/>
-      </a:effectRef>
-      <a:fontRef idx="minor"/>
-    </dgm:style>
-  </dgm:styleLbl>
-  <dgm:styleLbl name="callout">
-    <dgm:scene3d>
-      <a:camera prst="orthographicFront"/>
-      <a:lightRig rig="threePt" dir="t"/>
-    </dgm:scene3d>
-    <dgm:sp3d/>
-    <dgm:txPr/>
-    <dgm:style>
-      <a:lnRef idx="2">
-        <a:scrgbClr r="0" g="0" b="0"/>
-      </a:lnRef>
-      <a:fillRef idx="1">
-        <a:scrgbClr r="0" g="0" b="0"/>
-      </a:fillRef>
-      <a:effectRef idx="0">
-        <a:scrgbClr r="0" g="0" b="0"/>
-      </a:effectRef>
-      <a:fontRef idx="minor"/>
-    </dgm:style>
-  </dgm:styleLbl>
-  <dgm:styleLbl name="asst0">
-    <dgm:scene3d>
-      <a:camera prst="orthographicFront"/>
-      <a:lightRig rig="threePt" dir="t"/>
-    </dgm:scene3d>
-    <dgm:sp3d/>
-    <dgm:txPr/>
-    <dgm:style>
-      <a:lnRef idx="2">
-        <a:scrgbClr r="0" g="0" b="0"/>
-      </a:lnRef>
-      <a:fillRef idx="1">
-        <a:scrgbClr r="0" g="0" b="0"/>
-      </a:fillRef>
-      <a:effectRef idx="0">
-        <a:scrgbClr r="0" g="0" b="0"/>
-      </a:effectRef>
-      <a:fontRef idx="minor">
-        <a:schemeClr val="lt1"/>
-      </a:fontRef>
-    </dgm:style>
-  </dgm:styleLbl>
-  <dgm:styleLbl name="asst1">
-    <dgm:scene3d>
-      <a:camera prst="orthographicFront"/>
-      <a:lightRig rig="threePt" dir="t"/>
-    </dgm:scene3d>
-    <dgm:sp3d/>
-    <dgm:txPr/>
-    <dgm:style>
-      <a:lnRef idx="2">
-        <a:scrgbClr r="0" g="0" b="0"/>
-      </a:lnRef>
-      <a:fillRef idx="1">
-        <a:scrgbClr r="0" g="0" b="0"/>
-      </a:fillRef>
-      <a:effectRef idx="0">
-        <a:scrgbClr r="0" g="0" b="0"/>
-      </a:effectRef>
-      <a:fontRef idx="minor">
-        <a:schemeClr val="lt1"/>
-      </a:fontRef>
-    </dgm:style>
-  </dgm:styleLbl>
-  <dgm:styleLbl name="asst2">
-    <dgm:scene3d>
-      <a:camera prst="orthographicFront"/>
-      <a:lightRig rig="threePt" dir="t"/>
-    </dgm:scene3d>
-    <dgm:sp3d/>
-    <dgm:txPr/>
-    <dgm:style>
-      <a:lnRef idx="2">
-        <a:scrgbClr r="0" g="0" b="0"/>
-      </a:lnRef>
-      <a:fillRef idx="1">
-        <a:scrgbClr r="0" g="0" b="0"/>
-      </a:fillRef>
-      <a:effectRef idx="0">
-        <a:scrgbClr r="0" g="0" b="0"/>
-      </a:effectRef>
-      <a:fontRef idx="minor">
-        <a:schemeClr val="lt1"/>
-      </a:fontRef>
-    </dgm:style>
-  </dgm:styleLbl>
-  <dgm:styleLbl name="asst3">
-    <dgm:scene3d>
-      <a:camera prst="orthographicFront"/>
-      <a:lightRig rig="threePt" dir="t"/>
-    </dgm:scene3d>
-    <dgm:sp3d/>
-    <dgm:txPr/>
-    <dgm:style>
-      <a:lnRef idx="2">
-        <a:scrgbClr r="0" g="0" b="0"/>
-      </a:lnRef>
-      <a:fillRef idx="1">
-        <a:scrgbClr r="0" g="0" b="0"/>
-      </a:fillRef>
-      <a:effectRef idx="0">
-        <a:scrgbClr r="0" g="0" b="0"/>
-      </a:effectRef>
-      <a:fontRef idx="minor">
-        <a:schemeClr val="lt1"/>
-      </a:fontRef>
-    </dgm:style>
-  </dgm:styleLbl>
-  <dgm:styleLbl name="asst4">
-    <dgm:scene3d>
-      <a:camera prst="orthographicFront"/>
-      <a:lightRig rig="threePt" dir="t"/>
-    </dgm:scene3d>
-    <dgm:sp3d/>
-    <dgm:txPr/>
-    <dgm:style>
-      <a:lnRef idx="2">
-        <a:scrgbClr r="0" g="0" b="0"/>
-      </a:lnRef>
-      <a:fillRef idx="1">
-        <a:scrgbClr r="0" g="0" b="0"/>
-      </a:fillRef>
-      <a:effectRef idx="0">
-        <a:scrgbClr r="0" g="0" b="0"/>
-      </a:effectRef>
-      <a:fontRef idx="minor">
-        <a:schemeClr val="lt1"/>
-      </a:fontRef>
-    </dgm:style>
-  </dgm:styleLbl>
-  <dgm:styleLbl name="parChTrans2D1">
-    <dgm:scene3d>
-      <a:camera prst="orthographicFront"/>
-      <a:lightRig rig="threePt" dir="t"/>
-    </dgm:scene3d>
-    <dgm:sp3d/>
-    <dgm:txPr/>
-    <dgm:style>
-      <a:lnRef idx="2">
-        <a:scrgbClr r="0" g="0" b="0"/>
-      </a:lnRef>
-      <a:fillRef idx="1">
-        <a:scrgbClr r="0" g="0" b="0"/>
-      </a:fillRef>
-      <a:effectRef idx="0">
-        <a:scrgbClr r="0" g="0" b="0"/>
-      </a:effectRef>
-      <a:fontRef idx="minor">
-        <a:schemeClr val="lt1"/>
-      </a:fontRef>
-    </dgm:style>
-  </dgm:styleLbl>
-  <dgm:styleLbl name="parChTrans2D2">
-    <dgm:scene3d>
-      <a:camera prst="orthographicFront"/>
-      <a:lightRig rig="threePt" dir="t"/>
-    </dgm:scene3d>
-    <dgm:sp3d/>
-    <dgm:txPr/>
-    <dgm:style>
-      <a:lnRef idx="2">
-        <a:scrgbClr r="0" g="0" b="0"/>
-      </a:lnRef>
-      <a:fillRef idx="1">
-        <a:scrgbClr r="0" g="0" b="0"/>
-      </a:fillRef>
-      <a:effectRef idx="0">
-        <a:scrgbClr r="0" g="0" b="0"/>
-      </a:effectRef>
-      <a:fontRef idx="minor">
-        <a:schemeClr val="lt1"/>
-      </a:fontRef>
-    </dgm:style>
-  </dgm:styleLbl>
-  <dgm:styleLbl name="parChTrans2D3">
-    <dgm:scene3d>
-      <a:camera prst="orthographicFront"/>
-      <a:lightRig rig="threePt" dir="t"/>
-    </dgm:scene3d>
-    <dgm:sp3d/>
-    <dgm:txPr/>
-    <dgm:style>
-      <a:lnRef idx="2">
-        <a:scrgbClr r="0" g="0" b="0"/>
-      </a:lnRef>
-      <a:fillRef idx="1">
-        <a:scrgbClr r="0" g="0" b="0"/>
-      </a:fillRef>
-      <a:effectRef idx="0">
-        <a:scrgbClr r="0" g="0" b="0"/>
-      </a:effectRef>
-      <a:fontRef idx="minor">
-        <a:schemeClr val="lt1"/>
-      </a:fontRef>
-    </dgm:style>
-  </dgm:styleLbl>
-  <dgm:styleLbl name="parChTrans2D4">
-    <dgm:scene3d>
-      <a:camera prst="orthographicFront"/>
-      <a:lightRig rig="threePt" dir="t"/>
-    </dgm:scene3d>
-    <dgm:sp3d/>
-    <dgm:txPr/>
-    <dgm:style>
-      <a:lnRef idx="2">
-        <a:scrgbClr r="0" g="0" b="0"/>
-      </a:lnRef>
-      <a:fillRef idx="1">
-        <a:scrgbClr r="0" g="0" b="0"/>
-      </a:fillRef>
-      <a:effectRef idx="0">
-        <a:scrgbClr r="0" g="0" b="0"/>
-      </a:effectRef>
-      <a:fontRef idx="minor">
-        <a:schemeClr val="lt1"/>
-      </a:fontRef>
-    </dgm:style>
-  </dgm:styleLbl>
-  <dgm:styleLbl name="parChTrans1D1">
-    <dgm:scene3d>
-      <a:camera prst="orthographicFront"/>
-      <a:lightRig rig="threePt" dir="t"/>
-    </dgm:scene3d>
-    <dgm:sp3d/>
-    <dgm:txPr/>
-    <dgm:style>
-      <a:lnRef idx="2">
-        <a:scrgbClr r="0" g="0" b="0"/>
-      </a:lnRef>
-      <a:fillRef idx="0">
-        <a:scrgbClr r="0" g="0" b="0"/>
-      </a:fillRef>
-      <a:effectRef idx="0">
-        <a:scrgbClr r="0" g="0" b="0"/>
-      </a:effectRef>
-      <a:fontRef idx="minor"/>
-    </dgm:style>
-  </dgm:styleLbl>
-  <dgm:styleLbl name="parChTrans1D2">
-    <dgm:scene3d>
-      <a:camera prst="orthographicFront"/>
-      <a:lightRig rig="threePt" dir="t"/>
-    </dgm:scene3d>
-    <dgm:sp3d/>
-    <dgm:txPr/>
-    <dgm:style>
-      <a:lnRef idx="2">
-        <a:scrgbClr r="0" g="0" b="0"/>
-      </a:lnRef>
-      <a:fillRef idx="0">
-        <a:scrgbClr r="0" g="0" b="0"/>
-      </a:fillRef>
-      <a:effectRef idx="0">
-        <a:scrgbClr r="0" g="0" b="0"/>
-      </a:effectRef>
-      <a:fontRef idx="minor"/>
-    </dgm:style>
-  </dgm:styleLbl>
-  <dgm:styleLbl name="parChTrans1D3">
-    <dgm:scene3d>
-      <a:camera prst="orthographicFront"/>
-      <a:lightRig rig="threePt" dir="t"/>
-    </dgm:scene3d>
-    <dgm:sp3d/>
-    <dgm:txPr/>
-    <dgm:style>
-      <a:lnRef idx="2">
-        <a:scrgbClr r="0" g="0" b="0"/>
-      </a:lnRef>
-      <a:fillRef idx="0">
-        <a:scrgbClr r="0" g="0" b="0"/>
-      </a:fillRef>
-      <a:effectRef idx="0">
-        <a:scrgbClr r="0" g="0" b="0"/>
-      </a:effectRef>
-      <a:fontRef idx="minor"/>
-    </dgm:style>
-  </dgm:styleLbl>
-  <dgm:styleLbl name="parChTrans1D4">
-    <dgm:scene3d>
-      <a:camera prst="orthographicFront"/>
-      <a:lightRig rig="threePt" dir="t"/>
-    </dgm:scene3d>
-    <dgm:sp3d/>
-    <dgm:txPr/>
-    <dgm:style>
-      <a:lnRef idx="2">
-        <a:scrgbClr r="0" g="0" b="0"/>
-      </a:lnRef>
-      <a:fillRef idx="0">
-        <a:scrgbClr r="0" g="0" b="0"/>
-      </a:fillRef>
-      <a:effectRef idx="0">
-        <a:scrgbClr r="0" g="0" b="0"/>
-      </a:effectRef>
-      <a:fontRef idx="minor"/>
-    </dgm:style>
-  </dgm:styleLbl>
-  <dgm:styleLbl name="fgAcc1">
-    <dgm:scene3d>
-      <a:camera prst="orthographicFront"/>
-      <a:lightRig rig="threePt" dir="t"/>
-    </dgm:scene3d>
-    <dgm:sp3d/>
-    <dgm:txPr/>
-    <dgm:style>
-      <a:lnRef idx="2">
-        <a:scrgbClr r="0" g="0" b="0"/>
-      </a:lnRef>
-      <a:fillRef idx="1">
-        <a:scrgbClr r="0" g="0" b="0"/>
-      </a:fillRef>
-      <a:effectRef idx="0">
-        <a:scrgbClr r="0" g="0" b="0"/>
-      </a:effectRef>
-      <a:fontRef idx="minor"/>
-    </dgm:style>
-  </dgm:styleLbl>
-  <dgm:styleLbl name="conFgAcc1">
-    <dgm:scene3d>
-      <a:camera prst="orthographicFront"/>
-      <a:lightRig rig="threePt" dir="t"/>
-    </dgm:scene3d>
-    <dgm:sp3d/>
-    <dgm:txPr/>
-    <dgm:style>
-      <a:lnRef idx="2">
-        <a:scrgbClr r="0" g="0" b="0"/>
-      </a:lnRef>
-      <a:fillRef idx="1">
-        <a:scrgbClr r="0" g="0" b="0"/>
-      </a:fillRef>
-      <a:effectRef idx="0">
-        <a:scrgbClr r="0" g="0" b="0"/>
-      </a:effectRef>
-      <a:fontRef idx="minor"/>
-    </dgm:style>
-  </dgm:styleLbl>
-  <dgm:styleLbl name="alignAcc1">
-    <dgm:scene3d>
-      <a:camera prst="orthographicFront"/>
-      <a:lightRig rig="threePt" dir="t"/>
-    </dgm:scene3d>
-    <dgm:sp3d/>
-    <dgm:txPr/>
-    <dgm:style>
-      <a:lnRef idx="2">
-        <a:scrgbClr r="0" g="0" b="0"/>
-      </a:lnRef>
-      <a:fillRef idx="1">
-        <a:scrgbClr r="0" g="0" b="0"/>
-      </a:fillRef>
-      <a:effectRef idx="0">
-        <a:scrgbClr r="0" g="0" b="0"/>
-      </a:effectRef>
-      <a:fontRef idx="minor"/>
-    </dgm:style>
-  </dgm:styleLbl>
-  <dgm:styleLbl name="trAlignAcc1">
-    <dgm:scene3d>
-      <a:camera prst="orthographicFront"/>
-      <a:lightRig rig="threePt" dir="t"/>
-    </dgm:scene3d>
-    <dgm:sp3d/>
-    <dgm:txPr/>
-    <dgm:style>
-      <a:lnRef idx="1">
-        <a:scrgbClr r="0" g="0" b="0"/>
-      </a:lnRef>
-      <a:fillRef idx="1">
-        <a:scrgbClr r="0" g="0" b="0"/>
-      </a:fillRef>
-      <a:effectRef idx="0">
-        <a:scrgbClr r="0" g="0" b="0"/>
-      </a:effectRef>
-      <a:fontRef idx="minor"/>
-    </dgm:style>
-  </dgm:styleLbl>
-  <dgm:styleLbl name="bgAcc1">
-    <dgm:scene3d>
-      <a:camera prst="orthographicFront"/>
-      <a:lightRig rig="threePt" dir="t"/>
-    </dgm:scene3d>
-    <dgm:sp3d/>
-    <dgm:txPr/>
-    <dgm:style>
-      <a:lnRef idx="2">
-        <a:scrgbClr r="0" g="0" b="0"/>
-      </a:lnRef>
-      <a:fillRef idx="1">
-        <a:scrgbClr r="0" g="0" b="0"/>
-      </a:fillRef>
-      <a:effectRef idx="0">
-        <a:scrgbClr r="0" g="0" b="0"/>
-      </a:effectRef>
-      <a:fontRef idx="minor"/>
-    </dgm:style>
-  </dgm:styleLbl>
-  <dgm:styleLbl name="solidFgAcc1">
-    <dgm:scene3d>
-      <a:camera prst="orthographicFront"/>
-      <a:lightRig rig="threePt" dir="t"/>
-    </dgm:scene3d>
-    <dgm:sp3d/>
-    <dgm:txPr/>
-    <dgm:style>
-      <a:lnRef idx="2">
-        <a:scrgbClr r="0" g="0" b="0"/>
-      </a:lnRef>
-      <a:fillRef idx="1">
-        <a:scrgbClr r="0" g="0" b="0"/>
-      </a:fillRef>
-      <a:effectRef idx="0">
-        <a:scrgbClr r="0" g="0" b="0"/>
-      </a:effectRef>
-      <a:fontRef idx="minor"/>
-    </dgm:style>
-  </dgm:styleLbl>
-  <dgm:styleLbl name="solidAlignAcc1">
-    <dgm:scene3d>
-      <a:camera prst="orthographicFront"/>
-      <a:lightRig rig="threePt" dir="t"/>
-    </dgm:scene3d>
-    <dgm:sp3d/>
-    <dgm:txPr/>
-    <dgm:style>
-      <a:lnRef idx="2">
-        <a:scrgbClr r="0" g="0" b="0"/>
-      </a:lnRef>
-      <a:fillRef idx="1">
-        <a:scrgbClr r="0" g="0" b="0"/>
-      </a:fillRef>
-      <a:effectRef idx="0">
-        <a:scrgbClr r="0" g="0" b="0"/>
-      </a:effectRef>
-      <a:fontRef idx="minor"/>
-    </dgm:style>
-  </dgm:styleLbl>
-  <dgm:styleLbl name="solidBgAcc1">
-    <dgm:scene3d>
-      <a:camera prst="orthographicFront"/>
-      <a:lightRig rig="threePt" dir="t"/>
-    </dgm:scene3d>
-    <dgm:sp3d/>
-    <dgm:txPr/>
-    <dgm:style>
-      <a:lnRef idx="2">
-        <a:scrgbClr r="0" g="0" b="0"/>
-      </a:lnRef>
-      <a:fillRef idx="1">
-        <a:scrgbClr r="0" g="0" b="0"/>
-      </a:fillRef>
-      <a:effectRef idx="0">
-        <a:scrgbClr r="0" g="0" b="0"/>
-      </a:effectRef>
-      <a:fontRef idx="minor"/>
-    </dgm:style>
-  </dgm:styleLbl>
-  <dgm:styleLbl name="fgAccFollowNode1">
-    <dgm:scene3d>
-      <a:camera prst="orthographicFront"/>
-      <a:lightRig rig="threePt" dir="t"/>
-    </dgm:scene3d>
-    <dgm:sp3d/>
-    <dgm:txPr/>
-    <dgm:style>
-      <a:lnRef idx="2">
-        <a:scrgbClr r="0" g="0" b="0"/>
-      </a:lnRef>
-      <a:fillRef idx="1">
-        <a:scrgbClr r="0" g="0" b="0"/>
-      </a:fillRef>
-      <a:effectRef idx="0">
-        <a:scrgbClr r="0" g="0" b="0"/>
-      </a:effectRef>
-      <a:fontRef idx="minor"/>
-    </dgm:style>
-  </dgm:styleLbl>
-  <dgm:styleLbl name="alignAccFollowNode1">
-    <dgm:scene3d>
-      <a:camera prst="orthographicFront"/>
-      <a:lightRig rig="threePt" dir="t"/>
-    </dgm:scene3d>
-    <dgm:sp3d/>
-    <dgm:txPr/>
-    <dgm:style>
-      <a:lnRef idx="2">
-        <a:scrgbClr r="0" g="0" b="0"/>
-      </a:lnRef>
-      <a:fillRef idx="1">
-        <a:scrgbClr r="0" g="0" b="0"/>
-      </a:fillRef>
-      <a:effectRef idx="0">
-        <a:scrgbClr r="0" g="0" b="0"/>
-      </a:effectRef>
-      <a:fontRef idx="minor"/>
-    </dgm:style>
-  </dgm:styleLbl>
-  <dgm:styleLbl name="bgAccFollowNode1">
-    <dgm:scene3d>
-      <a:camera prst="orthographicFront"/>
-      <a:lightRig rig="threePt" dir="t"/>
-    </dgm:scene3d>
-    <dgm:sp3d/>
-    <dgm:txPr/>
-    <dgm:style>
-      <a:lnRef idx="2">
-        <a:scrgbClr r="0" g="0" b="0"/>
-      </a:lnRef>
-      <a:fillRef idx="1">
-        <a:scrgbClr r="0" g="0" b="0"/>
-      </a:fillRef>
-      <a:effectRef idx="0">
-        <a:scrgbClr r="0" g="0" b="0"/>
-      </a:effectRef>
-      <a:fontRef idx="minor"/>
-    </dgm:style>
-  </dgm:styleLbl>
-  <dgm:styleLbl name="fgAcc0">
-    <dgm:scene3d>
-      <a:camera prst="orthographicFront"/>
-      <a:lightRig rig="threePt" dir="t"/>
-    </dgm:scene3d>
-    <dgm:sp3d/>
-    <dgm:txPr/>
-    <dgm:style>
-      <a:lnRef idx="2">
-        <a:scrgbClr r="0" g="0" b="0"/>
-      </a:lnRef>
-      <a:fillRef idx="1">
-        <a:scrgbClr r="0" g="0" b="0"/>
-      </a:fillRef>
-      <a:effectRef idx="0">
-        <a:scrgbClr r="0" g="0" b="0"/>
-      </a:effectRef>
-      <a:fontRef idx="minor"/>
-    </dgm:style>
-  </dgm:styleLbl>
-  <dgm:styleLbl name="fgAcc2">
-    <dgm:scene3d>
-      <a:camera prst="orthographicFront"/>
-      <a:lightRig rig="threePt" dir="t"/>
-    </dgm:scene3d>
-    <dgm:sp3d/>
-    <dgm:txPr/>
-    <dgm:style>
-      <a:lnRef idx="2">
-        <a:scrgbClr r="0" g="0" b="0"/>
-      </a:lnRef>
-      <a:fillRef idx="1">
-        <a:scrgbClr r="0" g="0" b="0"/>
-      </a:fillRef>
-      <a:effectRef idx="0">
-        <a:scrgbClr r="0" g="0" b="0"/>
-      </a:effectRef>
-      <a:fontRef idx="minor"/>
-    </dgm:style>
-  </dgm:styleLbl>
-  <dgm:styleLbl name="fgAcc3">
-    <dgm:scene3d>
-      <a:camera prst="orthographicFront"/>
-      <a:lightRig rig="threePt" dir="t"/>
-    </dgm:scene3d>
-    <dgm:sp3d/>
-    <dgm:txPr/>
-    <dgm:style>
-      <a:lnRef idx="2">
-        <a:scrgbClr r="0" g="0" b="0"/>
-      </a:lnRef>
-      <a:fillRef idx="1">
-        <a:scrgbClr r="0" g="0" b="0"/>
-      </a:fillRef>
-      <a:effectRef idx="0">
-        <a:scrgbClr r="0" g="0" b="0"/>
-      </a:effectRef>
-      <a:fontRef idx="minor"/>
-    </dgm:style>
-  </dgm:styleLbl>
-  <dgm:styleLbl name="fgAcc4">
-    <dgm:scene3d>
-      <a:camera prst="orthographicFront"/>
-      <a:lightRig rig="threePt" dir="t"/>
-    </dgm:scene3d>
-    <dgm:sp3d/>
-    <dgm:txPr/>
-    <dgm:style>
-      <a:lnRef idx="2">
-        <a:scrgbClr r="0" g="0" b="0"/>
-      </a:lnRef>
-      <a:fillRef idx="1">
-        <a:scrgbClr r="0" g="0" b="0"/>
-      </a:fillRef>
-      <a:effectRef idx="0">
-        <a:scrgbClr r="0" g="0" b="0"/>
-      </a:effectRef>
-      <a:fontRef idx="minor"/>
-    </dgm:style>
-  </dgm:styleLbl>
-  <dgm:styleLbl name="bgShp">
-    <dgm:scene3d>
-      <a:camera prst="orthographicFront"/>
-      <a:lightRig rig="threePt" dir="t"/>
-    </dgm:scene3d>
-    <dgm:sp3d/>
-    <dgm:txPr/>
-    <dgm:style>
-      <a:lnRef idx="0">
-        <a:scrgbClr r="0" g="0" b="0"/>
-      </a:lnRef>
-      <a:fillRef idx="1">
-        <a:scrgbClr r="0" g="0" b="0"/>
-      </a:fillRef>
-      <a:effectRef idx="0">
-        <a:scrgbClr r="0" g="0" b="0"/>
-      </a:effectRef>
-      <a:fontRef idx="minor"/>
-    </dgm:style>
-  </dgm:styleLbl>
-  <dgm:styleLbl name="dkBgShp">
-    <dgm:scene3d>
-      <a:camera prst="orthographicFront"/>
-      <a:lightRig rig="threePt" dir="t"/>
-    </dgm:scene3d>
-    <dgm:sp3d/>
-    <dgm:txPr/>
-    <dgm:style>
-      <a:lnRef idx="0">
-        <a:scrgbClr r="0" g="0" b="0"/>
-      </a:lnRef>
-      <a:fillRef idx="1">
-        <a:scrgbClr r="0" g="0" b="0"/>
-      </a:fillRef>
-      <a:effectRef idx="0">
-        <a:scrgbClr r="0" g="0" b="0"/>
-      </a:effectRef>
-      <a:fontRef idx="minor"/>
-    </dgm:style>
-  </dgm:styleLbl>
-  <dgm:styleLbl name="trBgShp">
-    <dgm:scene3d>
-      <a:camera prst="orthographicFront"/>
-      <a:lightRig rig="threePt" dir="t"/>
-    </dgm:scene3d>
-    <dgm:sp3d/>
-    <dgm:txPr/>
-    <dgm:style>
-      <a:lnRef idx="0">
-        <a:scrgbClr r="0" g="0" b="0"/>
-      </a:lnRef>
-      <a:fillRef idx="1">
-        <a:scrgbClr r="0" g="0" b="0"/>
-      </a:fillRef>
-      <a:effectRef idx="0">
-        <a:scrgbClr r="0" g="0" b="0"/>
-      </a:effectRef>
-      <a:fontRef idx="minor"/>
-    </dgm:style>
-  </dgm:styleLbl>
-  <dgm:styleLbl name="fgShp">
-    <dgm:scene3d>
-      <a:camera prst="orthographicFront"/>
-      <a:lightRig rig="threePt" dir="t"/>
-    </dgm:scene3d>
-    <dgm:sp3d/>
-    <dgm:txPr/>
-    <dgm:style>
-      <a:lnRef idx="2">
-        <a:scrgbClr r="0" g="0" b="0"/>
-      </a:lnRef>
-      <a:fillRef idx="1">
-        <a:scrgbClr r="0" g="0" b="0"/>
-      </a:fillRef>
-      <a:effectRef idx="0">
-        <a:scrgbClr r="0" g="0" b="0"/>
-      </a:effectRef>
-      <a:fontRef idx="minor"/>
-    </dgm:style>
-  </dgm:styleLbl>
-  <dgm:styleLbl name="revTx">
-    <dgm:scene3d>
-      <a:camera prst="orthographicFront"/>
-      <a:lightRig rig="threePt" dir="t"/>
-    </dgm:scene3d>
-    <dgm:sp3d/>
-    <dgm:txPr/>
-    <dgm:style>
-      <a:lnRef idx="0">
-        <a:scrgbClr r="0" g="0" b="0"/>
-      </a:lnRef>
-      <a:fillRef idx="0">
-        <a:scrgbClr r="0" g="0" b="0"/>
-      </a:fillRef>
-      <a:effectRef idx="0">
-        <a:scrgbClr r="0" g="0" b="0"/>
-      </a:effectRef>
-      <a:fontRef idx="minor"/>
-    </dgm:style>
-  </dgm:styleLbl>
-</dgm:styleDef>
-</file>
-
 <file path=ppt/diagrams/quickStyle2.xml><?xml version="1.0" encoding="utf-8"?>
 <dgm:styleDef xmlns:dgm="http://schemas.openxmlformats.org/drawingml/2006/diagram" xmlns:a="http://schemas.openxmlformats.org/drawingml/2006/main" uniqueId="urn:microsoft.com/office/officeart/2005/8/quickstyle/simple2">
   <dgm:title val=""/>
@@ -28569,7 +25537,7 @@
           <a:p>
             <a:fld id="{2DA23E8D-1792-1541-9147-970A8DD8A355}" type="datetimeFigureOut">
               <a:rPr lang="en-US" smtClean="0"/>
-              <a:t>6/25/21</a:t>
+              <a:t>7/2/21</a:t>
             </a:fld>
             <a:endParaRPr lang="en-US" dirty="0"/>
           </a:p>
@@ -29126,7 +26094,7 @@
                 <a:latin typeface="Calibri"/>
               </a:rPr>
               <a:pPr/>
-              <a:t>6/25/21</a:t>
+              <a:t>7/2/21</a:t>
             </a:fld>
             <a:endParaRPr lang="en-US" dirty="0">
               <a:solidFill>
@@ -29379,7 +26347,7 @@
                 <a:latin typeface="Calibri"/>
               </a:rPr>
               <a:pPr/>
-              <a:t>6/25/21</a:t>
+              <a:t>7/2/21</a:t>
             </a:fld>
             <a:endParaRPr lang="en-US" dirty="0">
               <a:solidFill>
@@ -29594,7 +26562,7 @@
                 <a:latin typeface="Calibri"/>
               </a:rPr>
               <a:pPr/>
-              <a:t>6/25/21</a:t>
+              <a:t>7/2/21</a:t>
             </a:fld>
             <a:endParaRPr lang="en-US" dirty="0">
               <a:solidFill>
@@ -29878,7 +26846,7 @@
                 <a:latin typeface="Calibri"/>
               </a:rPr>
               <a:pPr/>
-              <a:t>6/25/21</a:t>
+              <a:t>7/2/21</a:t>
             </a:fld>
             <a:endParaRPr lang="en-US" dirty="0">
               <a:solidFill>
@@ -30220,7 +27188,7 @@
                 <a:latin typeface="Calibri"/>
               </a:rPr>
               <a:pPr/>
-              <a:t>6/25/21</a:t>
+              <a:t>7/2/21</a:t>
             </a:fld>
             <a:endParaRPr lang="en-US" dirty="0">
               <a:solidFill>
@@ -30548,7 +27516,7 @@
                 <a:latin typeface="Calibri"/>
               </a:rPr>
               <a:pPr/>
-              <a:t>6/25/21</a:t>
+              <a:t>7/2/21</a:t>
             </a:fld>
             <a:endParaRPr lang="en-US" dirty="0">
               <a:solidFill>
@@ -31037,7 +28005,7 @@
                 <a:latin typeface="Calibri"/>
               </a:rPr>
               <a:pPr/>
-              <a:t>6/25/21</a:t>
+              <a:t>7/2/21</a:t>
             </a:fld>
             <a:endParaRPr lang="en-US" dirty="0">
               <a:solidFill>
@@ -31220,7 +28188,7 @@
                 <a:latin typeface="Calibri"/>
               </a:rPr>
               <a:pPr/>
-              <a:t>6/25/21</a:t>
+              <a:t>7/2/21</a:t>
             </a:fld>
             <a:endParaRPr lang="en-US" dirty="0">
               <a:solidFill>
@@ -31466,7 +28434,7 @@
                 <a:latin typeface="Calibri"/>
               </a:rPr>
               <a:pPr/>
-              <a:t>6/25/21</a:t>
+              <a:t>7/2/21</a:t>
             </a:fld>
             <a:endParaRPr lang="en-US" dirty="0">
               <a:solidFill>
@@ -31808,7 +28776,7 @@
                 <a:latin typeface="Calibri"/>
               </a:rPr>
               <a:pPr/>
-              <a:t>6/25/21</a:t>
+              <a:t>7/2/21</a:t>
             </a:fld>
             <a:endParaRPr lang="en-US" dirty="0">
               <a:solidFill>
@@ -32100,7 +29068,7 @@
                 <a:latin typeface="Calibri"/>
               </a:rPr>
               <a:pPr/>
-              <a:t>6/25/21</a:t>
+              <a:t>7/2/21</a:t>
             </a:fld>
             <a:endParaRPr lang="en-US" dirty="0">
               <a:solidFill>
@@ -32350,7 +29318,7 @@
                 <a:latin typeface="Calibri"/>
               </a:rPr>
               <a:pPr defTabSz="914400"/>
-              <a:t>6/25/21</a:t>
+              <a:t>7/2/21</a:t>
             </a:fld>
             <a:endParaRPr lang="en-US" dirty="0">
               <a:solidFill>
@@ -41693,7 +38661,7 @@
         </p:blipFill>
         <p:spPr>
           <a:xfrm>
-            <a:off x="4656083" y="1364397"/>
+            <a:off x="4469652" y="1236541"/>
             <a:ext cx="4296998" cy="3135648"/>
           </a:xfrm>
           <a:prstGeom prst="rect">
@@ -42035,7 +39003,7 @@
         </p:nvCxnSpPr>
         <p:spPr>
           <a:xfrm>
-            <a:off x="4572000" y="2461218"/>
+            <a:off x="4469652" y="2345808"/>
             <a:ext cx="909233" cy="0"/>
           </a:xfrm>
           <a:prstGeom prst="line">
@@ -43952,7 +40920,30 @@
           <a:p>
             <a:r>
               <a:rPr lang="en-US" dirty="0"/>
-              <a:t>Write 0x100 bytes of filler</a:t>
+              <a:t>Write 0x100 bytes of filler:</a:t>
+            </a:r>
+          </a:p>
+          <a:p>
+            <a:pPr lvl="1"/>
+            <a:r>
+              <a:rPr lang="en-US" dirty="0"/>
+              <a:t>0xf0 of ‘second’ and 0x10 of ‘</a:t>
+            </a:r>
+            <a:r>
+              <a:rPr lang="en-US" i="1" dirty="0"/>
+              <a:t>third’ </a:t>
+            </a:r>
+            <a:r>
+              <a:rPr lang="en-US" dirty="0"/>
+              <a:t>prior to the </a:t>
+            </a:r>
+            <a:r>
+              <a:rPr lang="en-US" i="1" dirty="0"/>
+              <a:t>string</a:t>
+            </a:r>
+            <a:r>
+              <a:rPr lang="en-US" dirty="0"/>
+              <a:t>. </a:t>
             </a:r>
           </a:p>
           <a:p>
@@ -44098,8 +41089,55 @@
         </p:blipFill>
         <p:spPr bwMode="auto">
           <a:xfrm>
-            <a:off x="3139089" y="373295"/>
-            <a:ext cx="5376261" cy="4116200"/>
+            <a:off x="4652732" y="1216575"/>
+            <a:ext cx="3948344" cy="3022951"/>
+          </a:xfrm>
+          <a:prstGeom prst="rect">
+            <a:avLst/>
+          </a:prstGeom>
+          <a:noFill/>
+          <a:extLst>
+            <a:ext uri="{909E8E84-426E-40DD-AFC4-6F175D3DCCD1}">
+              <a14:hiddenFill xmlns:a14="http://schemas.microsoft.com/office/drawing/2010/main">
+                <a:solidFill>
+                  <a:srgbClr val="FFFFFF"/>
+                </a:solidFill>
+              </a14:hiddenFill>
+            </a:ext>
+          </a:extLst>
+        </p:spPr>
+      </p:pic>
+      <p:pic>
+        <p:nvPicPr>
+          <p:cNvPr id="1028" name="Picture 4" descr="Ron Burgundy Meme |  THIS JUST IN... HOUSTON, YOU'VE BEEN PWNED | image tagged in memes,ron burgundy | made w/ Imgflip meme maker">
+            <a:extLst>
+              <a:ext uri="{FF2B5EF4-FFF2-40B4-BE49-F238E27FC236}">
+                <a16:creationId xmlns:a16="http://schemas.microsoft.com/office/drawing/2014/main" id="{D660D71C-3D5B-7B45-9F7D-932EC877FF97}"/>
+              </a:ext>
+            </a:extLst>
+          </p:cNvPr>
+          <p:cNvPicPr>
+            <a:picLocks noChangeAspect="1" noChangeArrowheads="1"/>
+          </p:cNvPicPr>
+          <p:nvPr/>
+        </p:nvPicPr>
+        <p:blipFill>
+          <a:blip r:embed="rId3">
+            <a:extLst>
+              <a:ext uri="{28A0092B-C50C-407E-A947-70E740481C1C}">
+                <a14:useLocalDpi xmlns:a14="http://schemas.microsoft.com/office/drawing/2010/main" val="0"/>
+              </a:ext>
+            </a:extLst>
+          </a:blip>
+          <a:srcRect/>
+          <a:stretch>
+            <a:fillRect/>
+          </a:stretch>
+        </p:blipFill>
+        <p:spPr bwMode="auto">
+          <a:xfrm>
+            <a:off x="2849245" y="843280"/>
+            <a:ext cx="5666105" cy="3777403"/>
           </a:xfrm>
           <a:prstGeom prst="rect">
             <a:avLst/>
@@ -44960,7 +41998,7 @@
 </file>
 
 <file path=ppt/slides/slide45.xml><?xml version="1.0" encoding="utf-8"?>
-<p:sld xmlns:a="http://schemas.openxmlformats.org/drawingml/2006/main" xmlns:r="http://schemas.openxmlformats.org/officeDocument/2006/relationships" xmlns:p="http://schemas.openxmlformats.org/presentationml/2006/main" show="0">
+<p:sld xmlns:a="http://schemas.openxmlformats.org/drawingml/2006/main" xmlns:r="http://schemas.openxmlformats.org/officeDocument/2006/relationships" xmlns:p="http://schemas.openxmlformats.org/presentationml/2006/main">
   <p:cSld>
     <p:spTree>
       <p:nvGrpSpPr>
@@ -44981,7 +42019,7 @@
           <p:cNvPr id="2" name="Title 1">
             <a:extLst>
               <a:ext uri="{FF2B5EF4-FFF2-40B4-BE49-F238E27FC236}">
-                <a16:creationId xmlns:a16="http://schemas.microsoft.com/office/drawing/2014/main" id="{6923B639-8CCB-CD48-8107-A5EE92024BAA}"/>
+                <a16:creationId xmlns:a16="http://schemas.microsoft.com/office/drawing/2014/main" id="{87FC5B4D-9793-8144-9CF9-BFE54BBB82FC}"/>
               </a:ext>
             </a:extLst>
           </p:cNvPr>
@@ -44998,12 +42036,8 @@
           <a:lstStyle/>
           <a:p>
             <a:r>
-              <a:rPr lang="en-US" dirty="0" err="1"/>
-              <a:t>Mmap</a:t>
-            </a:r>
-            <a:r>
               <a:rPr lang="en-US" dirty="0"/>
-              <a:t> Metadata – Review </a:t>
+              <a:t>Resources</a:t>
             </a:r>
           </a:p>
         </p:txBody>
@@ -45013,7 +42047,7 @@
           <p:cNvPr id="3" name="Content Placeholder 2">
             <a:extLst>
               <a:ext uri="{FF2B5EF4-FFF2-40B4-BE49-F238E27FC236}">
-                <a16:creationId xmlns:a16="http://schemas.microsoft.com/office/drawing/2014/main" id="{368AFBA9-6B50-D644-8592-1AC6DAD3973E}"/>
+                <a16:creationId xmlns:a16="http://schemas.microsoft.com/office/drawing/2014/main" id="{C412E38E-6C8C-E44A-8AA5-07115B6A328D}"/>
               </a:ext>
             </a:extLst>
           </p:cNvPr>
@@ -45024,285 +42058,63 @@
             <p:ph idx="1"/>
           </p:nvPr>
         </p:nvSpPr>
-        <p:spPr>
-          <a:xfrm>
-            <a:off x="628650" y="1236541"/>
-            <a:ext cx="6103423" cy="3263504"/>
-          </a:xfrm>
-        </p:spPr>
+        <p:spPr/>
         <p:txBody>
-          <a:bodyPr/>
+          <a:bodyPr>
+            <a:normAutofit fontScale="92500"/>
+          </a:bodyPr>
           <a:lstStyle/>
           <a:p>
             <a:r>
-              <a:rPr lang="en-US" dirty="0"/>
-              <a:t>…</a:t>
+              <a:rPr lang="en-US" dirty="0">
+                <a:hlinkClick r:id="rId2"/>
+              </a:rPr>
+              <a:t>https://blog.infosectcbr.com.au/2019/08/linux-heap-overlapping-chunks.html?m=1</a:t>
             </a:r>
           </a:p>
           <a:p>
             <a:r>
-              <a:rPr lang="en-US" b="1" dirty="0"/>
-              <a:t>M: Is an </a:t>
-            </a:r>
-            <a:r>
-              <a:rPr lang="en-US" b="1" dirty="0" err="1"/>
-              <a:t>mmap</a:t>
-            </a:r>
-            <a:r>
-              <a:rPr lang="en-US" b="1" dirty="0"/>
-              <a:t> chunk or not? </a:t>
+              <a:rPr lang="en-US" dirty="0">
+                <a:hlinkClick r:id="rId2"/>
+              </a:rPr>
+              <a:t>https://pwning.tech/2021/01/21/overlapping-chunks-tcache/</a:t>
             </a:r>
           </a:p>
           <a:p>
             <a:r>
-              <a:rPr lang="en-US" dirty="0"/>
-              <a:t>…</a:t>
+              <a:rPr lang="en-US" dirty="0">
+                <a:hlinkClick r:id="rId2"/>
+              </a:rPr>
+              <a:t>https://heap-exploitation.dhavalkapil.com/attacks/shrinking_free_chunks</a:t>
             </a:r>
           </a:p>
           <a:p>
-            <a:pPr lvl="1"/>
-            <a:endParaRPr lang="en-US" dirty="0"/>
+            <a:r>
+              <a:rPr lang="en-US" dirty="0">
+                <a:hlinkClick r:id="rId2"/>
+              </a:rPr>
+              <a:t>http://tukan.farm/2016/07/27/munmap-madness/ </a:t>
+            </a:r>
           </a:p>
           <a:p>
-            <a:pPr lvl="1"/>
-            <a:endParaRPr lang="en-US" dirty="0"/>
-          </a:p>
-        </p:txBody>
-      </p:sp>
-      <p:pic>
-        <p:nvPicPr>
-          <p:cNvPr id="4" name="Picture 3" descr="Table&#10;&#10;Description automatically generated">
-            <a:extLst>
-              <a:ext uri="{FF2B5EF4-FFF2-40B4-BE49-F238E27FC236}">
-                <a16:creationId xmlns:a16="http://schemas.microsoft.com/office/drawing/2014/main" id="{E6D2E34C-5402-F840-A80B-F7BF9AF1995A}"/>
-              </a:ext>
-            </a:extLst>
-          </p:cNvPr>
-          <p:cNvPicPr>
-            <a:picLocks noChangeAspect="1"/>
-          </p:cNvPicPr>
-          <p:nvPr/>
-        </p:nvPicPr>
-        <p:blipFill>
-          <a:blip r:embed="rId2"/>
-          <a:stretch>
-            <a:fillRect/>
-          </a:stretch>
-        </p:blipFill>
-        <p:spPr>
-          <a:xfrm>
-            <a:off x="6838998" y="1131826"/>
-            <a:ext cx="1963519" cy="3263504"/>
-          </a:xfrm>
-          <a:prstGeom prst="rect">
-            <a:avLst/>
-          </a:prstGeom>
-          <a:noFill/>
-        </p:spPr>
-      </p:pic>
-      <p:cxnSp>
-        <p:nvCxnSpPr>
-          <p:cNvPr id="6" name="Straight Connector 5">
-            <a:extLst>
-              <a:ext uri="{FF2B5EF4-FFF2-40B4-BE49-F238E27FC236}">
-                <a16:creationId xmlns:a16="http://schemas.microsoft.com/office/drawing/2014/main" id="{EA7C5BC1-CA45-7D40-A74F-1B6FC81F453D}"/>
-              </a:ext>
-            </a:extLst>
-          </p:cNvPr>
-          <p:cNvCxnSpPr>
-            <a:cxnSpLocks/>
-          </p:cNvCxnSpPr>
-          <p:nvPr/>
-        </p:nvCxnSpPr>
-        <p:spPr>
-          <a:xfrm>
-            <a:off x="8221784" y="2426189"/>
-            <a:ext cx="293566" cy="0"/>
-          </a:xfrm>
-          <a:prstGeom prst="line">
-            <a:avLst/>
-          </a:prstGeom>
-          <a:ln w="38100">
-            <a:solidFill>
-              <a:srgbClr val="FF0000"/>
-            </a:solidFill>
-          </a:ln>
-        </p:spPr>
-        <p:style>
-          <a:lnRef idx="1">
-            <a:schemeClr val="accent1"/>
-          </a:lnRef>
-          <a:fillRef idx="0">
-            <a:schemeClr val="accent1"/>
-          </a:fillRef>
-          <a:effectRef idx="0">
-            <a:schemeClr val="accent1"/>
-          </a:effectRef>
-          <a:fontRef idx="minor">
-            <a:schemeClr val="tx1"/>
-          </a:fontRef>
-        </p:style>
-      </p:cxnSp>
-    </p:spTree>
-    <p:extLst>
-      <p:ext uri="{BB962C8B-B14F-4D97-AF65-F5344CB8AC3E}">
-        <p14:creationId xmlns:p14="http://schemas.microsoft.com/office/powerpoint/2010/main" val="776663175"/>
-      </p:ext>
-    </p:extLst>
-  </p:cSld>
-  <p:clrMapOvr>
-    <a:masterClrMapping/>
-  </p:clrMapOvr>
-</p:sld>
-</file>
-
-<file path=ppt/slides/slide46.xml><?xml version="1.0" encoding="utf-8"?>
-<p:sld xmlns:a="http://schemas.openxmlformats.org/drawingml/2006/main" xmlns:r="http://schemas.openxmlformats.org/officeDocument/2006/relationships" xmlns:p="http://schemas.openxmlformats.org/presentationml/2006/main" show="0">
-  <p:cSld>
-    <p:spTree>
-      <p:nvGrpSpPr>
-        <p:cNvPr id="1" name=""/>
-        <p:cNvGrpSpPr/>
-        <p:nvPr/>
-      </p:nvGrpSpPr>
-      <p:grpSpPr>
-        <a:xfrm>
-          <a:off x="0" y="0"/>
-          <a:ext cx="0" cy="0"/>
-          <a:chOff x="0" y="0"/>
-          <a:chExt cx="0" cy="0"/>
-        </a:xfrm>
-      </p:grpSpPr>
-      <p:sp>
-        <p:nvSpPr>
-          <p:cNvPr id="2" name="Title 1">
-            <a:extLst>
-              <a:ext uri="{FF2B5EF4-FFF2-40B4-BE49-F238E27FC236}">
-                <a16:creationId xmlns:a16="http://schemas.microsoft.com/office/drawing/2014/main" id="{AFAE832B-18DC-574D-B223-07BA3584FE44}"/>
-              </a:ext>
-            </a:extLst>
-          </p:cNvPr>
-          <p:cNvSpPr>
-            <a:spLocks noGrp="1"/>
-          </p:cNvSpPr>
-          <p:nvPr>
-            <p:ph type="title"/>
-          </p:nvPr>
-        </p:nvSpPr>
-        <p:spPr>
-          <a:xfrm>
-            <a:off x="628650" y="273847"/>
-            <a:ext cx="7886700" cy="994172"/>
-          </a:xfrm>
-        </p:spPr>
-        <p:txBody>
-          <a:bodyPr anchor="ctr">
-            <a:normAutofit/>
-          </a:bodyPr>
-          <a:lstStyle/>
-          <a:p>
             <a:r>
-              <a:rPr lang="en-US" dirty="0" err="1"/>
-              <a:t>MMap</a:t>
-            </a:r>
-            <a:r>
-              <a:rPr lang="en-US" dirty="0"/>
-              <a:t> Chunks – 1 </a:t>
-            </a:r>
-          </a:p>
-        </p:txBody>
-      </p:sp>
-      <p:sp>
-        <p:nvSpPr>
-          <p:cNvPr id="3" name="Content Placeholder 2">
-            <a:extLst>
-              <a:ext uri="{FF2B5EF4-FFF2-40B4-BE49-F238E27FC236}">
-                <a16:creationId xmlns:a16="http://schemas.microsoft.com/office/drawing/2014/main" id="{33A8528B-4F75-7146-A55B-4C3517B8083B}"/>
-              </a:ext>
-            </a:extLst>
-          </p:cNvPr>
-          <p:cNvSpPr>
-            <a:spLocks noGrp="1"/>
-          </p:cNvSpPr>
-          <p:nvPr>
-            <p:ph sz="half" idx="1"/>
-          </p:nvPr>
-        </p:nvSpPr>
-        <p:spPr>
-          <a:xfrm>
-            <a:off x="628649" y="1369219"/>
-            <a:ext cx="4842119" cy="3263504"/>
-          </a:xfrm>
-        </p:spPr>
-        <p:txBody>
-          <a:bodyPr>
-            <a:normAutofit/>
-          </a:bodyPr>
-          <a:lstStyle/>
-          <a:p>
-            <a:r>
-              <a:rPr lang="en-US" dirty="0"/>
-              <a:t>Allocates chunk directly with </a:t>
-            </a:r>
-            <a:r>
-              <a:rPr lang="en-US" b="1" i="1" dirty="0" err="1"/>
-              <a:t>mmap</a:t>
-            </a:r>
-            <a:r>
-              <a:rPr lang="en-US" dirty="0"/>
-              <a:t> </a:t>
-            </a:r>
-            <a:r>
-              <a:rPr lang="en-US" dirty="0" err="1"/>
-              <a:t>syscall</a:t>
-            </a:r>
-            <a:endParaRPr lang="en-US" dirty="0"/>
-          </a:p>
-          <a:p>
-            <a:pPr lvl="1"/>
-            <a:r>
-              <a:rPr lang="en-US" dirty="0"/>
-              <a:t>Allocates next to </a:t>
-            </a:r>
-            <a:r>
-              <a:rPr lang="en-US" dirty="0" err="1"/>
-              <a:t>LibC</a:t>
+              <a:rPr lang="en-US" dirty="0">
+                <a:hlinkClick r:id="rId2"/>
+              </a:rPr>
+              <a:t>https://maxwelldulin.com/BlogPost?post=6967456768</a:t>
             </a:r>
             <a:endParaRPr lang="en-US" dirty="0"/>
           </a:p>
           <a:p>
             <a:r>
-              <a:rPr lang="en-US" dirty="0"/>
-              <a:t>Freed via </a:t>
-            </a:r>
-            <a:r>
-              <a:rPr lang="en-US" b="1" i="1" dirty="0" err="1"/>
-              <a:t>munmap</a:t>
+              <a:rPr lang="en-US" dirty="0">
+                <a:hlinkClick r:id="rId3"/>
+              </a:rPr>
+              <a:t>https://googleprojectzero.blogspot.com/2014/08/the-poisoned-nul-byte-2014-edition.html</a:t>
             </a:r>
             <a:r>
               <a:rPr lang="en-US" dirty="0"/>
-              <a:t> </a:t>
-            </a:r>
-            <a:r>
-              <a:rPr lang="en-US" dirty="0" err="1"/>
-              <a:t>syscall</a:t>
-            </a:r>
-            <a:r>
-              <a:rPr lang="en-US" dirty="0"/>
-              <a:t>: </a:t>
-            </a:r>
-          </a:p>
-          <a:p>
-            <a:pPr lvl="1"/>
-            <a:r>
-              <a:rPr lang="en-US" dirty="0"/>
-              <a:t>Makes memory inaccessible</a:t>
-            </a:r>
-          </a:p>
-          <a:p>
-            <a:r>
-              <a:rPr lang="en-US" dirty="0"/>
-              <a:t>Pre-filled with 0s</a:t>
+              <a:t>  </a:t>
             </a:r>
           </a:p>
         </p:txBody>
@@ -45310,534 +42122,7 @@
     </p:spTree>
     <p:extLst>
       <p:ext uri="{BB962C8B-B14F-4D97-AF65-F5344CB8AC3E}">
-        <p14:creationId xmlns:p14="http://schemas.microsoft.com/office/powerpoint/2010/main" val="331864613"/>
-      </p:ext>
-    </p:extLst>
-  </p:cSld>
-  <p:clrMapOvr>
-    <a:masterClrMapping/>
-  </p:clrMapOvr>
-</p:sld>
-</file>
-
-<file path=ppt/slides/slide47.xml><?xml version="1.0" encoding="utf-8"?>
-<p:sld xmlns:a="http://schemas.openxmlformats.org/drawingml/2006/main" xmlns:r="http://schemas.openxmlformats.org/officeDocument/2006/relationships" xmlns:p="http://schemas.openxmlformats.org/presentationml/2006/main" show="0">
-  <p:cSld>
-    <p:spTree>
-      <p:nvGrpSpPr>
-        <p:cNvPr id="1" name=""/>
-        <p:cNvGrpSpPr/>
-        <p:nvPr/>
-      </p:nvGrpSpPr>
-      <p:grpSpPr>
-        <a:xfrm>
-          <a:off x="0" y="0"/>
-          <a:ext cx="0" cy="0"/>
-          <a:chOff x="0" y="0"/>
-          <a:chExt cx="0" cy="0"/>
-        </a:xfrm>
-      </p:grpSpPr>
-      <p:sp>
-        <p:nvSpPr>
-          <p:cNvPr id="2" name="Title 1">
-            <a:extLst>
-              <a:ext uri="{FF2B5EF4-FFF2-40B4-BE49-F238E27FC236}">
-                <a16:creationId xmlns:a16="http://schemas.microsoft.com/office/drawing/2014/main" id="{AFAE832B-18DC-574D-B223-07BA3584FE44}"/>
-              </a:ext>
-            </a:extLst>
-          </p:cNvPr>
-          <p:cNvSpPr>
-            <a:spLocks noGrp="1"/>
-          </p:cNvSpPr>
-          <p:nvPr>
-            <p:ph type="title"/>
-          </p:nvPr>
-        </p:nvSpPr>
-        <p:spPr/>
-        <p:txBody>
-          <a:bodyPr/>
-          <a:lstStyle/>
-          <a:p>
-            <a:r>
-              <a:rPr lang="en-US" dirty="0" err="1"/>
-              <a:t>MMap</a:t>
-            </a:r>
-            <a:r>
-              <a:rPr lang="en-US" dirty="0"/>
-              <a:t> Chunks – 2 (fields) </a:t>
-            </a:r>
-          </a:p>
-        </p:txBody>
-      </p:sp>
-      <p:sp>
-        <p:nvSpPr>
-          <p:cNvPr id="3" name="Content Placeholder 2">
-            <a:extLst>
-              <a:ext uri="{FF2B5EF4-FFF2-40B4-BE49-F238E27FC236}">
-                <a16:creationId xmlns:a16="http://schemas.microsoft.com/office/drawing/2014/main" id="{33A8528B-4F75-7146-A55B-4C3517B8083B}"/>
-              </a:ext>
-            </a:extLst>
-          </p:cNvPr>
-          <p:cNvSpPr>
-            <a:spLocks noGrp="1"/>
-          </p:cNvSpPr>
-          <p:nvPr>
-            <p:ph idx="1"/>
-          </p:nvPr>
-        </p:nvSpPr>
-        <p:spPr>
-          <a:xfrm>
-            <a:off x="628650" y="1236540"/>
-            <a:ext cx="6210348" cy="3906957"/>
-          </a:xfrm>
-        </p:spPr>
-        <p:txBody>
-          <a:bodyPr/>
-          <a:lstStyle/>
-          <a:p>
-            <a:r>
-              <a:rPr lang="en-US" dirty="0"/>
-              <a:t>Allocations larger than </a:t>
-            </a:r>
-            <a:r>
-              <a:rPr lang="en-US" i="1" dirty="0" err="1"/>
-              <a:t>mmap_threshold</a:t>
-            </a:r>
-            <a:endParaRPr lang="en-US" i="1" dirty="0"/>
-          </a:p>
-          <a:p>
-            <a:pPr lvl="1"/>
-            <a:r>
-              <a:rPr lang="en-US" b="1" dirty="0"/>
-              <a:t>Very LARGE</a:t>
-            </a:r>
-            <a:r>
-              <a:rPr lang="en-US" dirty="0"/>
-              <a:t> allocations</a:t>
-            </a:r>
-          </a:p>
-          <a:p>
-            <a:r>
-              <a:rPr lang="en-US" dirty="0"/>
-              <a:t>Size: </a:t>
-            </a:r>
-          </a:p>
-          <a:p>
-            <a:pPr lvl="1"/>
-            <a:r>
-              <a:rPr lang="en-US" dirty="0"/>
-              <a:t>Sets </a:t>
-            </a:r>
-            <a:r>
-              <a:rPr lang="en-US" dirty="0" err="1"/>
-              <a:t>mmap</a:t>
-            </a:r>
-            <a:r>
-              <a:rPr lang="en-US" dirty="0"/>
-              <a:t> bit (#2) for these chunks</a:t>
-            </a:r>
-          </a:p>
-          <a:p>
-            <a:r>
-              <a:rPr lang="en-US" dirty="0"/>
-              <a:t>Prev_size: </a:t>
-            </a:r>
-          </a:p>
-          <a:p>
-            <a:pPr lvl="1"/>
-            <a:r>
-              <a:rPr lang="en-US" dirty="0"/>
-              <a:t>NOT the previous chunks size!</a:t>
-            </a:r>
-          </a:p>
-          <a:p>
-            <a:pPr lvl="1"/>
-            <a:r>
-              <a:rPr lang="en-US" dirty="0"/>
-              <a:t>It’s data leftover in the allocation for the chunk</a:t>
-            </a:r>
-          </a:p>
-          <a:p>
-            <a:pPr lvl="1"/>
-            <a:r>
-              <a:rPr lang="en-US" dirty="0"/>
-              <a:t>For instance: </a:t>
-            </a:r>
-          </a:p>
-          <a:p>
-            <a:pPr lvl="2"/>
-            <a:r>
-              <a:rPr lang="en-US" dirty="0"/>
-              <a:t>0x10100 sized chunk but only 0x10070 is used</a:t>
-            </a:r>
-          </a:p>
-          <a:p>
-            <a:pPr lvl="2"/>
-            <a:r>
-              <a:rPr lang="en-US" i="1" dirty="0"/>
-              <a:t>prev_size </a:t>
-            </a:r>
-            <a:r>
-              <a:rPr lang="en-US" dirty="0"/>
-              <a:t>is 0x90 (0x10100 - 0x10070 = 0x90) </a:t>
-            </a:r>
-          </a:p>
-          <a:p>
-            <a:endParaRPr lang="en-US" dirty="0"/>
-          </a:p>
-        </p:txBody>
-      </p:sp>
-      <p:pic>
-        <p:nvPicPr>
-          <p:cNvPr id="4" name="Picture 3" descr="Table&#10;&#10;Description automatically generated">
-            <a:extLst>
-              <a:ext uri="{FF2B5EF4-FFF2-40B4-BE49-F238E27FC236}">
-                <a16:creationId xmlns:a16="http://schemas.microsoft.com/office/drawing/2014/main" id="{9F383545-4E5D-764C-A654-48336E9448F6}"/>
-              </a:ext>
-            </a:extLst>
-          </p:cNvPr>
-          <p:cNvPicPr>
-            <a:picLocks noChangeAspect="1"/>
-          </p:cNvPicPr>
-          <p:nvPr/>
-        </p:nvPicPr>
-        <p:blipFill>
-          <a:blip r:embed="rId2"/>
-          <a:stretch>
-            <a:fillRect/>
-          </a:stretch>
-        </p:blipFill>
-        <p:spPr>
-          <a:xfrm>
-            <a:off x="6838998" y="1131826"/>
-            <a:ext cx="1963519" cy="3263504"/>
-          </a:xfrm>
-          <a:prstGeom prst="rect">
-            <a:avLst/>
-          </a:prstGeom>
-          <a:noFill/>
-        </p:spPr>
-      </p:pic>
-      <p:cxnSp>
-        <p:nvCxnSpPr>
-          <p:cNvPr id="5" name="Straight Connector 4">
-            <a:extLst>
-              <a:ext uri="{FF2B5EF4-FFF2-40B4-BE49-F238E27FC236}">
-                <a16:creationId xmlns:a16="http://schemas.microsoft.com/office/drawing/2014/main" id="{4BA6E469-8EB1-2F42-A1B8-CE3975E0B047}"/>
-              </a:ext>
-            </a:extLst>
-          </p:cNvPr>
-          <p:cNvCxnSpPr>
-            <a:cxnSpLocks/>
-          </p:cNvCxnSpPr>
-          <p:nvPr/>
-        </p:nvCxnSpPr>
-        <p:spPr>
-          <a:xfrm>
-            <a:off x="8229600" y="2457450"/>
-            <a:ext cx="285750" cy="0"/>
-          </a:xfrm>
-          <a:prstGeom prst="line">
-            <a:avLst/>
-          </a:prstGeom>
-          <a:ln w="38100">
-            <a:solidFill>
-              <a:srgbClr val="FF0000"/>
-            </a:solidFill>
-          </a:ln>
-        </p:spPr>
-        <p:style>
-          <a:lnRef idx="1">
-            <a:schemeClr val="accent1"/>
-          </a:lnRef>
-          <a:fillRef idx="0">
-            <a:schemeClr val="accent1"/>
-          </a:fillRef>
-          <a:effectRef idx="0">
-            <a:schemeClr val="accent1"/>
-          </a:effectRef>
-          <a:fontRef idx="minor">
-            <a:schemeClr val="tx1"/>
-          </a:fontRef>
-        </p:style>
-      </p:cxnSp>
-    </p:spTree>
-    <p:extLst>
-      <p:ext uri="{BB962C8B-B14F-4D97-AF65-F5344CB8AC3E}">
-        <p14:creationId xmlns:p14="http://schemas.microsoft.com/office/powerpoint/2010/main" val="2971054776"/>
-      </p:ext>
-    </p:extLst>
-  </p:cSld>
-  <p:clrMapOvr>
-    <a:masterClrMapping/>
-  </p:clrMapOvr>
-</p:sld>
-</file>
-
-<file path=ppt/slides/slide48.xml><?xml version="1.0" encoding="utf-8"?>
-<p:sld xmlns:a="http://schemas.openxmlformats.org/drawingml/2006/main" xmlns:r="http://schemas.openxmlformats.org/officeDocument/2006/relationships" xmlns:p="http://schemas.openxmlformats.org/presentationml/2006/main" show="0">
-  <p:cSld>
-    <p:spTree>
-      <p:nvGrpSpPr>
-        <p:cNvPr id="1" name=""/>
-        <p:cNvGrpSpPr/>
-        <p:nvPr/>
-      </p:nvGrpSpPr>
-      <p:grpSpPr>
-        <a:xfrm>
-          <a:off x="0" y="0"/>
-          <a:ext cx="0" cy="0"/>
-          <a:chOff x="0" y="0"/>
-          <a:chExt cx="0" cy="0"/>
-        </a:xfrm>
-      </p:grpSpPr>
-      <p:sp>
-        <p:nvSpPr>
-          <p:cNvPr id="2" name="Title 1">
-            <a:extLst>
-              <a:ext uri="{FF2B5EF4-FFF2-40B4-BE49-F238E27FC236}">
-                <a16:creationId xmlns:a16="http://schemas.microsoft.com/office/drawing/2014/main" id="{DDF5F23A-D774-B945-9343-36541D9716B2}"/>
-              </a:ext>
-            </a:extLst>
-          </p:cNvPr>
-          <p:cNvSpPr>
-            <a:spLocks noGrp="1"/>
-          </p:cNvSpPr>
-          <p:nvPr>
-            <p:ph type="title"/>
-          </p:nvPr>
-        </p:nvSpPr>
-        <p:spPr>
-          <a:xfrm>
-            <a:off x="628650" y="273847"/>
-            <a:ext cx="7886700" cy="994172"/>
-          </a:xfrm>
-        </p:spPr>
-        <p:txBody>
-          <a:bodyPr anchor="ctr">
-            <a:normAutofit/>
-          </a:bodyPr>
-          <a:lstStyle/>
-          <a:p>
-            <a:r>
-              <a:rPr lang="en-US" dirty="0"/>
-              <a:t>Overlapping </a:t>
-            </a:r>
-            <a:r>
-              <a:rPr lang="en-US" dirty="0" err="1"/>
-              <a:t>MMap</a:t>
-            </a:r>
-            <a:r>
-              <a:rPr lang="en-US" dirty="0"/>
-              <a:t> Chunks</a:t>
-            </a:r>
-          </a:p>
-        </p:txBody>
-      </p:sp>
-      <p:graphicFrame>
-        <p:nvGraphicFramePr>
-          <p:cNvPr id="5" name="Content Placeholder 2">
-            <a:extLst>
-              <a:ext uri="{FF2B5EF4-FFF2-40B4-BE49-F238E27FC236}">
-                <a16:creationId xmlns:a16="http://schemas.microsoft.com/office/drawing/2014/main" id="{90EDF976-8885-421E-A28A-37DD6926A597}"/>
-              </a:ext>
-            </a:extLst>
-          </p:cNvPr>
-          <p:cNvGraphicFramePr>
-            <a:graphicFrameLocks noGrp="1"/>
-          </p:cNvGraphicFramePr>
-          <p:nvPr>
-            <p:ph idx="1"/>
-            <p:extLst>
-              <p:ext uri="{D42A27DB-BD31-4B8C-83A1-F6EECF244321}">
-                <p14:modId xmlns:p14="http://schemas.microsoft.com/office/powerpoint/2010/main" val="4225740651"/>
-              </p:ext>
-            </p:extLst>
-          </p:nvPr>
-        </p:nvGraphicFramePr>
-        <p:xfrm>
-          <a:off x="628650" y="1236541"/>
-          <a:ext cx="7886700" cy="3263504"/>
-        </p:xfrm>
-        <a:graphic>
-          <a:graphicData uri="http://schemas.openxmlformats.org/drawingml/2006/diagram">
-            <dgm:relIds xmlns:dgm="http://schemas.openxmlformats.org/drawingml/2006/diagram" xmlns:r="http://schemas.openxmlformats.org/officeDocument/2006/relationships" r:dm="rId2" r:lo="rId3" r:qs="rId4" r:cs="rId5"/>
-          </a:graphicData>
-        </a:graphic>
-      </p:graphicFrame>
-    </p:spTree>
-    <p:extLst>
-      <p:ext uri="{BB962C8B-B14F-4D97-AF65-F5344CB8AC3E}">
-        <p14:creationId xmlns:p14="http://schemas.microsoft.com/office/powerpoint/2010/main" val="3493929948"/>
-      </p:ext>
-    </p:extLst>
-  </p:cSld>
-  <p:clrMapOvr>
-    <a:masterClrMapping/>
-  </p:clrMapOvr>
-</p:sld>
-</file>
-
-<file path=ppt/slides/slide49.xml><?xml version="1.0" encoding="utf-8"?>
-<p:sld xmlns:a="http://schemas.openxmlformats.org/drawingml/2006/main" xmlns:r="http://schemas.openxmlformats.org/officeDocument/2006/relationships" xmlns:p="http://schemas.openxmlformats.org/presentationml/2006/main" show="0">
-  <p:cSld>
-    <p:spTree>
-      <p:nvGrpSpPr>
-        <p:cNvPr id="1" name=""/>
-        <p:cNvGrpSpPr/>
-        <p:nvPr/>
-      </p:nvGrpSpPr>
-      <p:grpSpPr>
-        <a:xfrm>
-          <a:off x="0" y="0"/>
-          <a:ext cx="0" cy="0"/>
-          <a:chOff x="0" y="0"/>
-          <a:chExt cx="0" cy="0"/>
-        </a:xfrm>
-      </p:grpSpPr>
-      <p:sp>
-        <p:nvSpPr>
-          <p:cNvPr id="2" name="Title 1">
-            <a:extLst>
-              <a:ext uri="{FF2B5EF4-FFF2-40B4-BE49-F238E27FC236}">
-                <a16:creationId xmlns:a16="http://schemas.microsoft.com/office/drawing/2014/main" id="{5EFCA649-4F1B-F04C-9F98-3EAC39ABBCDB}"/>
-              </a:ext>
-            </a:extLst>
-          </p:cNvPr>
-          <p:cNvSpPr>
-            <a:spLocks noGrp="1"/>
-          </p:cNvSpPr>
-          <p:nvPr>
-            <p:ph type="title"/>
-          </p:nvPr>
-        </p:nvSpPr>
-        <p:spPr>
-          <a:xfrm>
-            <a:off x="628650" y="273847"/>
-            <a:ext cx="7886700" cy="994172"/>
-          </a:xfrm>
-        </p:spPr>
-        <p:txBody>
-          <a:bodyPr anchor="ctr">
-            <a:normAutofit/>
-          </a:bodyPr>
-          <a:lstStyle/>
-          <a:p>
-            <a:r>
-              <a:rPr lang="en-US" dirty="0"/>
-              <a:t>House of </a:t>
-            </a:r>
-            <a:r>
-              <a:rPr lang="en-US" dirty="0" err="1"/>
-              <a:t>Muney</a:t>
-            </a:r>
-            <a:endParaRPr lang="en-US" dirty="0"/>
-          </a:p>
-        </p:txBody>
-      </p:sp>
-      <p:sp>
-        <p:nvSpPr>
-          <p:cNvPr id="3" name="Content Placeholder 2">
-            <a:extLst>
-              <a:ext uri="{FF2B5EF4-FFF2-40B4-BE49-F238E27FC236}">
-                <a16:creationId xmlns:a16="http://schemas.microsoft.com/office/drawing/2014/main" id="{85E378CE-E544-FF47-B3D1-3C6D3F5DF4F7}"/>
-              </a:ext>
-            </a:extLst>
-          </p:cNvPr>
-          <p:cNvSpPr>
-            <a:spLocks noGrp="1"/>
-          </p:cNvSpPr>
-          <p:nvPr>
-            <p:ph sz="half" idx="1"/>
-          </p:nvPr>
-        </p:nvSpPr>
-        <p:spPr>
-          <a:xfrm>
-            <a:off x="628650" y="1369219"/>
-            <a:ext cx="3886200" cy="3263504"/>
-          </a:xfrm>
-        </p:spPr>
-        <p:txBody>
-          <a:bodyPr>
-            <a:normAutofit/>
-          </a:bodyPr>
-          <a:lstStyle/>
-          <a:p>
-            <a:r>
-              <a:rPr lang="en-US" dirty="0" err="1"/>
-              <a:t>Leakless</a:t>
-            </a:r>
-            <a:r>
-              <a:rPr lang="en-US" dirty="0"/>
-              <a:t> </a:t>
-            </a:r>
-            <a:r>
-              <a:rPr lang="en-US" dirty="0" err="1"/>
-              <a:t>mmap</a:t>
-            </a:r>
-            <a:r>
-              <a:rPr lang="en-US" dirty="0"/>
-              <a:t> code execution technique </a:t>
-            </a:r>
-          </a:p>
-          <a:p>
-            <a:r>
-              <a:rPr lang="en-US" dirty="0"/>
-              <a:t>Overwrite </a:t>
-            </a:r>
-            <a:r>
-              <a:rPr lang="en-US" dirty="0" err="1"/>
-              <a:t>LibC</a:t>
-            </a:r>
-            <a:r>
-              <a:rPr lang="en-US" dirty="0"/>
-              <a:t> ELF mapping to rewrite symbol tables to pop a shell</a:t>
-            </a:r>
-          </a:p>
-        </p:txBody>
-      </p:sp>
-      <p:pic>
-        <p:nvPicPr>
-          <p:cNvPr id="3074" name="Picture 2" descr="5 Things Every New Social Worker Needs To Know About Money -  SocialWorker.com">
-            <a:extLst>
-              <a:ext uri="{FF2B5EF4-FFF2-40B4-BE49-F238E27FC236}">
-                <a16:creationId xmlns:a16="http://schemas.microsoft.com/office/drawing/2014/main" id="{80E90FA3-10B9-D045-ADCA-A8563470043F}"/>
-              </a:ext>
-            </a:extLst>
-          </p:cNvPr>
-          <p:cNvPicPr>
-            <a:picLocks noChangeAspect="1" noChangeArrowheads="1"/>
-          </p:cNvPicPr>
-          <p:nvPr/>
-        </p:nvPicPr>
-        <p:blipFill rotWithShape="1">
-          <a:blip r:embed="rId2">
-            <a:extLst>
-              <a:ext uri="{28A0092B-C50C-407E-A947-70E740481C1C}">
-                <a14:useLocalDpi xmlns:a14="http://schemas.microsoft.com/office/drawing/2010/main" val="0"/>
-              </a:ext>
-            </a:extLst>
-          </a:blip>
-          <a:srcRect l="10743" r="10013" b="-2"/>
-          <a:stretch/>
-        </p:blipFill>
-        <p:spPr bwMode="auto">
-          <a:xfrm>
-            <a:off x="4629150" y="1369219"/>
-            <a:ext cx="3886200" cy="3263504"/>
-          </a:xfrm>
-          <a:prstGeom prst="rect">
-            <a:avLst/>
-          </a:prstGeom>
-          <a:solidFill>
-            <a:srgbClr val="FFFFFF"/>
-          </a:solidFill>
-        </p:spPr>
-      </p:pic>
-    </p:spTree>
-    <p:extLst>
-      <p:ext uri="{BB962C8B-B14F-4D97-AF65-F5344CB8AC3E}">
-        <p14:creationId xmlns:p14="http://schemas.microsoft.com/office/powerpoint/2010/main" val="1132865555"/>
+        <p14:creationId xmlns:p14="http://schemas.microsoft.com/office/powerpoint/2010/main" val="4098492728"/>
       </p:ext>
     </p:extLst>
   </p:cSld>
@@ -45973,141 +42258,6 @@
     <p:extLst>
       <p:ext uri="{BB962C8B-B14F-4D97-AF65-F5344CB8AC3E}">
         <p14:creationId xmlns:p14="http://schemas.microsoft.com/office/powerpoint/2010/main" val="2593410451"/>
-      </p:ext>
-    </p:extLst>
-  </p:cSld>
-  <p:clrMapOvr>
-    <a:masterClrMapping/>
-  </p:clrMapOvr>
-</p:sld>
-</file>
-
-<file path=ppt/slides/slide50.xml><?xml version="1.0" encoding="utf-8"?>
-<p:sld xmlns:a="http://schemas.openxmlformats.org/drawingml/2006/main" xmlns:r="http://schemas.openxmlformats.org/officeDocument/2006/relationships" xmlns:p="http://schemas.openxmlformats.org/presentationml/2006/main">
-  <p:cSld>
-    <p:spTree>
-      <p:nvGrpSpPr>
-        <p:cNvPr id="1" name=""/>
-        <p:cNvGrpSpPr/>
-        <p:nvPr/>
-      </p:nvGrpSpPr>
-      <p:grpSpPr>
-        <a:xfrm>
-          <a:off x="0" y="0"/>
-          <a:ext cx="0" cy="0"/>
-          <a:chOff x="0" y="0"/>
-          <a:chExt cx="0" cy="0"/>
-        </a:xfrm>
-      </p:grpSpPr>
-      <p:sp>
-        <p:nvSpPr>
-          <p:cNvPr id="2" name="Title 1">
-            <a:extLst>
-              <a:ext uri="{FF2B5EF4-FFF2-40B4-BE49-F238E27FC236}">
-                <a16:creationId xmlns:a16="http://schemas.microsoft.com/office/drawing/2014/main" id="{87FC5B4D-9793-8144-9CF9-BFE54BBB82FC}"/>
-              </a:ext>
-            </a:extLst>
-          </p:cNvPr>
-          <p:cNvSpPr>
-            <a:spLocks noGrp="1"/>
-          </p:cNvSpPr>
-          <p:nvPr>
-            <p:ph type="title"/>
-          </p:nvPr>
-        </p:nvSpPr>
-        <p:spPr/>
-        <p:txBody>
-          <a:bodyPr/>
-          <a:lstStyle/>
-          <a:p>
-            <a:r>
-              <a:rPr lang="en-US" dirty="0"/>
-              <a:t>Resources</a:t>
-            </a:r>
-          </a:p>
-        </p:txBody>
-      </p:sp>
-      <p:sp>
-        <p:nvSpPr>
-          <p:cNvPr id="3" name="Content Placeholder 2">
-            <a:extLst>
-              <a:ext uri="{FF2B5EF4-FFF2-40B4-BE49-F238E27FC236}">
-                <a16:creationId xmlns:a16="http://schemas.microsoft.com/office/drawing/2014/main" id="{C412E38E-6C8C-E44A-8AA5-07115B6A328D}"/>
-              </a:ext>
-            </a:extLst>
-          </p:cNvPr>
-          <p:cNvSpPr>
-            <a:spLocks noGrp="1"/>
-          </p:cNvSpPr>
-          <p:nvPr>
-            <p:ph idx="1"/>
-          </p:nvPr>
-        </p:nvSpPr>
-        <p:spPr/>
-        <p:txBody>
-          <a:bodyPr>
-            <a:normAutofit fontScale="92500"/>
-          </a:bodyPr>
-          <a:lstStyle/>
-          <a:p>
-            <a:r>
-              <a:rPr lang="en-US" dirty="0">
-                <a:hlinkClick r:id="rId2"/>
-              </a:rPr>
-              <a:t>https://blog.infosectcbr.com.au/2019/08/linux-heap-overlapping-chunks.html?m=1</a:t>
-            </a:r>
-          </a:p>
-          <a:p>
-            <a:r>
-              <a:rPr lang="en-US" dirty="0">
-                <a:hlinkClick r:id="rId2"/>
-              </a:rPr>
-              <a:t>https://pwning.tech/2021/01/21/overlapping-chunks-tcache/</a:t>
-            </a:r>
-          </a:p>
-          <a:p>
-            <a:r>
-              <a:rPr lang="en-US" dirty="0">
-                <a:hlinkClick r:id="rId2"/>
-              </a:rPr>
-              <a:t>https://heap-exploitation.dhavalkapil.com/attacks/shrinking_free_chunks</a:t>
-            </a:r>
-          </a:p>
-          <a:p>
-            <a:r>
-              <a:rPr lang="en-US" dirty="0">
-                <a:hlinkClick r:id="rId2"/>
-              </a:rPr>
-              <a:t>http://tukan.farm/2016/07/27/munmap-madness/ </a:t>
-            </a:r>
-          </a:p>
-          <a:p>
-            <a:r>
-              <a:rPr lang="en-US" dirty="0">
-                <a:hlinkClick r:id="rId2"/>
-              </a:rPr>
-              <a:t>https://maxwelldulin.com/BlogPost?post=6967456768</a:t>
-            </a:r>
-            <a:endParaRPr lang="en-US" dirty="0"/>
-          </a:p>
-          <a:p>
-            <a:r>
-              <a:rPr lang="en-US" dirty="0">
-                <a:hlinkClick r:id="rId3"/>
-              </a:rPr>
-              <a:t>https://googleprojectzero.blogspot.com/2014/08/the-poisoned-nul-byte-2014-edition.html</a:t>
-            </a:r>
-            <a:r>
-              <a:rPr lang="en-US" dirty="0"/>
-              <a:t>  </a:t>
-            </a:r>
-          </a:p>
-        </p:txBody>
-      </p:sp>
-    </p:spTree>
-    <p:extLst>
-      <p:ext uri="{BB962C8B-B14F-4D97-AF65-F5344CB8AC3E}">
-        <p14:creationId xmlns:p14="http://schemas.microsoft.com/office/powerpoint/2010/main" val="4098492728"/>
       </p:ext>
     </p:extLst>
   </p:cSld>

--- a/modules/overlapping_chunks/OverlappingChunks.pptx
+++ b/modules/overlapping_chunks/OverlappingChunks.pptx
@@ -48,10 +48,10 @@
     <p:sldId id="494" r:id="rId39"/>
     <p:sldId id="495" r:id="rId40"/>
     <p:sldId id="506" r:id="rId41"/>
-    <p:sldId id="504" r:id="rId42"/>
-    <p:sldId id="468" r:id="rId43"/>
-    <p:sldId id="502" r:id="rId44"/>
-    <p:sldId id="503" r:id="rId45"/>
+    <p:sldId id="468" r:id="rId42"/>
+    <p:sldId id="502" r:id="rId43"/>
+    <p:sldId id="503" r:id="rId44"/>
+    <p:sldId id="507" r:id="rId45"/>
     <p:sldId id="501" r:id="rId46"/>
   </p:sldIdLst>
   <p:sldSz cx="9144000" cy="5143500" type="screen16x9"/>
@@ -25537,7 +25537,7 @@
           <a:p>
             <a:fld id="{2DA23E8D-1792-1541-9147-970A8DD8A355}" type="datetimeFigureOut">
               <a:rPr lang="en-US" smtClean="0"/>
-              <a:t>7/2/21</a:t>
+              <a:t>7/24/21</a:t>
             </a:fld>
             <a:endParaRPr lang="en-US" dirty="0"/>
           </a:p>
@@ -26094,7 +26094,7 @@
                 <a:latin typeface="Calibri"/>
               </a:rPr>
               <a:pPr/>
-              <a:t>7/2/21</a:t>
+              <a:t>7/24/21</a:t>
             </a:fld>
             <a:endParaRPr lang="en-US" dirty="0">
               <a:solidFill>
@@ -26347,7 +26347,7 @@
                 <a:latin typeface="Calibri"/>
               </a:rPr>
               <a:pPr/>
-              <a:t>7/2/21</a:t>
+              <a:t>7/24/21</a:t>
             </a:fld>
             <a:endParaRPr lang="en-US" dirty="0">
               <a:solidFill>
@@ -26562,7 +26562,7 @@
                 <a:latin typeface="Calibri"/>
               </a:rPr>
               <a:pPr/>
-              <a:t>7/2/21</a:t>
+              <a:t>7/24/21</a:t>
             </a:fld>
             <a:endParaRPr lang="en-US" dirty="0">
               <a:solidFill>
@@ -26846,7 +26846,7 @@
                 <a:latin typeface="Calibri"/>
               </a:rPr>
               <a:pPr/>
-              <a:t>7/2/21</a:t>
+              <a:t>7/24/21</a:t>
             </a:fld>
             <a:endParaRPr lang="en-US" dirty="0">
               <a:solidFill>
@@ -27188,7 +27188,7 @@
                 <a:latin typeface="Calibri"/>
               </a:rPr>
               <a:pPr/>
-              <a:t>7/2/21</a:t>
+              <a:t>7/24/21</a:t>
             </a:fld>
             <a:endParaRPr lang="en-US" dirty="0">
               <a:solidFill>
@@ -27516,7 +27516,7 @@
                 <a:latin typeface="Calibri"/>
               </a:rPr>
               <a:pPr/>
-              <a:t>7/2/21</a:t>
+              <a:t>7/24/21</a:t>
             </a:fld>
             <a:endParaRPr lang="en-US" dirty="0">
               <a:solidFill>
@@ -28005,7 +28005,7 @@
                 <a:latin typeface="Calibri"/>
               </a:rPr>
               <a:pPr/>
-              <a:t>7/2/21</a:t>
+              <a:t>7/24/21</a:t>
             </a:fld>
             <a:endParaRPr lang="en-US" dirty="0">
               <a:solidFill>
@@ -28188,7 +28188,7 @@
                 <a:latin typeface="Calibri"/>
               </a:rPr>
               <a:pPr/>
-              <a:t>7/2/21</a:t>
+              <a:t>7/24/21</a:t>
             </a:fld>
             <a:endParaRPr lang="en-US" dirty="0">
               <a:solidFill>
@@ -28434,7 +28434,7 @@
                 <a:latin typeface="Calibri"/>
               </a:rPr>
               <a:pPr/>
-              <a:t>7/2/21</a:t>
+              <a:t>7/24/21</a:t>
             </a:fld>
             <a:endParaRPr lang="en-US" dirty="0">
               <a:solidFill>
@@ -28776,7 +28776,7 @@
                 <a:latin typeface="Calibri"/>
               </a:rPr>
               <a:pPr/>
-              <a:t>7/2/21</a:t>
+              <a:t>7/24/21</a:t>
             </a:fld>
             <a:endParaRPr lang="en-US" dirty="0">
               <a:solidFill>
@@ -29068,7 +29068,7 @@
                 <a:latin typeface="Calibri"/>
               </a:rPr>
               <a:pPr/>
-              <a:t>7/2/21</a:t>
+              <a:t>7/24/21</a:t>
             </a:fld>
             <a:endParaRPr lang="en-US" dirty="0">
               <a:solidFill>
@@ -29318,7 +29318,7 @@
                 <a:latin typeface="Calibri"/>
               </a:rPr>
               <a:pPr defTabSz="914400"/>
-              <a:t>7/2/21</a:t>
+              <a:t>7/24/21</a:t>
             </a:fld>
             <a:endParaRPr lang="en-US" dirty="0">
               <a:solidFill>
@@ -41399,7 +41399,7 @@
           <a:p>
             <a:r>
               <a:rPr lang="en-US" dirty="0"/>
-              <a:t>Multiple Variations of Attack</a:t>
+              <a:t>Other Variations of Attack</a:t>
             </a:r>
           </a:p>
         </p:txBody>
@@ -41422,53 +41422,108 @@
         </p:nvSpPr>
         <p:spPr/>
         <p:txBody>
-          <a:bodyPr/>
+          <a:bodyPr>
+            <a:normAutofit fontScale="92500" lnSpcReduction="10000"/>
+          </a:bodyPr>
           <a:lstStyle/>
           <a:p>
             <a:r>
+              <a:rPr lang="en-US" b="1" dirty="0" err="1"/>
+              <a:t>Fastbin</a:t>
+            </a:r>
+            <a:r>
               <a:rPr lang="en-US" b="1" dirty="0"/>
-              <a:t>TCache (No Validations): </a:t>
+              <a:t>: </a:t>
             </a:r>
           </a:p>
           <a:p>
             <a:pPr lvl="1"/>
             <a:r>
-              <a:rPr lang="en-US" b="1" dirty="0"/>
-              <a:t>Focus of this workshop</a:t>
+              <a:rPr lang="en-US" dirty="0"/>
+              <a:t>Validations on </a:t>
             </a:r>
-            <a:endParaRPr lang="en-US" dirty="0"/>
-          </a:p>
-          <a:p>
             <a:r>
               <a:rPr lang="en-US" dirty="0" err="1"/>
-              <a:t>Fastbin</a:t>
+              <a:t>nextsize</a:t>
             </a:r>
             <a:r>
               <a:rPr lang="en-US" dirty="0"/>
-              <a:t> (Some Validations) </a:t>
+              <a:t> and next-next size</a:t>
             </a:r>
           </a:p>
           <a:p>
             <a:r>
+              <a:rPr lang="en-US" b="1" dirty="0"/>
+              <a:t>Unsorted Bin:</a:t>
+            </a:r>
+          </a:p>
+          <a:p>
+            <a:pPr lvl="1"/>
+            <a:r>
               <a:rPr lang="en-US" dirty="0"/>
-              <a:t>Unsorted Bin/Large bin/Small Bin (Lots of validations)</a:t>
+              <a:t>Validations on </a:t>
+            </a:r>
+            <a:r>
+              <a:rPr lang="en-US" dirty="0" err="1"/>
+              <a:t>nextsize</a:t>
+            </a:r>
+            <a:r>
+              <a:rPr lang="en-US" dirty="0"/>
+              <a:t> and next-next size</a:t>
+            </a:r>
+          </a:p>
+          <a:p>
+            <a:pPr lvl="1"/>
+            <a:r>
+              <a:rPr lang="en-US" dirty="0"/>
+              <a:t>Done while in the bin itself</a:t>
             </a:r>
           </a:p>
           <a:p>
             <a:r>
+              <a:rPr lang="en-US" b="1" dirty="0"/>
+              <a:t>Shrinking to Overlap later/Null Byte Overwrite</a:t>
+            </a:r>
+            <a:r>
               <a:rPr lang="en-US" dirty="0"/>
-              <a:t>Shrinking to Overlap</a:t>
+              <a:t>: </a:t>
+            </a:r>
+            <a:endParaRPr lang="en-US" b="1" dirty="0"/>
+          </a:p>
+          <a:p>
+            <a:pPr lvl="1"/>
+            <a:r>
+              <a:rPr lang="en-US" dirty="0"/>
+              <a:t>Mess with the metadata of chunks</a:t>
+            </a:r>
+          </a:p>
+          <a:p>
+            <a:pPr lvl="1"/>
+            <a:r>
+              <a:rPr lang="en-US" b="1" dirty="0">
+                <a:hlinkClick r:id="rId2"/>
+              </a:rPr>
+              <a:t>https://heap-exploitation.dhavalkapil.com/attacks/shrinking_free_chunks</a:t>
+            </a:r>
+            <a:r>
+              <a:rPr lang="en-US" b="1" dirty="0"/>
+              <a:t> </a:t>
             </a:r>
           </a:p>
           <a:p>
             <a:r>
-              <a:rPr lang="en-US" dirty="0" err="1"/>
+              <a:rPr lang="en-US" b="1" dirty="0" err="1"/>
               <a:t>Mmap</a:t>
             </a:r>
             <a:r>
+              <a:rPr lang="en-US" b="1" dirty="0"/>
+              <a:t> Chunks</a:t>
+            </a:r>
+            <a:r>
               <a:rPr lang="en-US" dirty="0"/>
-              <a:t> Chunks (No Validations) </a:t>
+              <a:t> (No Validations) </a:t>
             </a:r>
+            <a:endParaRPr lang="en-US" b="1" dirty="0"/>
           </a:p>
         </p:txBody>
       </p:sp>
@@ -41486,172 +41541,6 @@
 </file>
 
 <file path=ppt/slides/slide41.xml><?xml version="1.0" encoding="utf-8"?>
-<p:sld xmlns:a="http://schemas.openxmlformats.org/drawingml/2006/main" xmlns:r="http://schemas.openxmlformats.org/officeDocument/2006/relationships" xmlns:p="http://schemas.openxmlformats.org/presentationml/2006/main" show="0">
-  <p:cSld>
-    <p:spTree>
-      <p:nvGrpSpPr>
-        <p:cNvPr id="1" name=""/>
-        <p:cNvGrpSpPr/>
-        <p:nvPr/>
-      </p:nvGrpSpPr>
-      <p:grpSpPr>
-        <a:xfrm>
-          <a:off x="0" y="0"/>
-          <a:ext cx="0" cy="0"/>
-          <a:chOff x="0" y="0"/>
-          <a:chExt cx="0" cy="0"/>
-        </a:xfrm>
-      </p:grpSpPr>
-      <p:sp>
-        <p:nvSpPr>
-          <p:cNvPr id="2" name="Title 1">
-            <a:extLst>
-              <a:ext uri="{FF2B5EF4-FFF2-40B4-BE49-F238E27FC236}">
-                <a16:creationId xmlns:a16="http://schemas.microsoft.com/office/drawing/2014/main" id="{84D7CFFD-6C83-4342-902B-43959B666278}"/>
-              </a:ext>
-            </a:extLst>
-          </p:cNvPr>
-          <p:cNvSpPr>
-            <a:spLocks noGrp="1"/>
-          </p:cNvSpPr>
-          <p:nvPr>
-            <p:ph type="title"/>
-          </p:nvPr>
-        </p:nvSpPr>
-        <p:spPr>
-          <a:xfrm>
-            <a:off x="628650" y="273847"/>
-            <a:ext cx="7886700" cy="994172"/>
-          </a:xfrm>
-        </p:spPr>
-        <p:txBody>
-          <a:bodyPr anchor="ctr">
-            <a:normAutofit/>
-          </a:bodyPr>
-          <a:lstStyle/>
-          <a:p>
-            <a:r>
-              <a:rPr lang="en-US" dirty="0"/>
-              <a:t>Rapid Fire Description Time…</a:t>
-            </a:r>
-          </a:p>
-        </p:txBody>
-      </p:sp>
-      <p:pic>
-        <p:nvPicPr>
-          <p:cNvPr id="6146" name="Picture 2" descr="Amazon.com: Atomic Power Popper 12X - Rapid Fire Foam Ball Blaster Gun -  Shoots Up to 12 Foam Balls: Toys &amp; Games">
-            <a:extLst>
-              <a:ext uri="{FF2B5EF4-FFF2-40B4-BE49-F238E27FC236}">
-                <a16:creationId xmlns:a16="http://schemas.microsoft.com/office/drawing/2014/main" id="{CA2CC72B-F3B1-3C45-A9EC-E8EBD95AC3B8}"/>
-              </a:ext>
-            </a:extLst>
-          </p:cNvPr>
-          <p:cNvPicPr>
-            <a:picLocks noGrp="1" noChangeAspect="1" noChangeArrowheads="1"/>
-          </p:cNvPicPr>
-          <p:nvPr>
-            <p:ph sz="half" idx="1"/>
-          </p:nvPr>
-        </p:nvPicPr>
-        <p:blipFill>
-          <a:blip r:embed="rId2">
-            <a:extLst>
-              <a:ext uri="{28A0092B-C50C-407E-A947-70E740481C1C}">
-                <a14:useLocalDpi xmlns:a14="http://schemas.microsoft.com/office/drawing/2010/main" val="0"/>
-              </a:ext>
-            </a:extLst>
-          </a:blip>
-          <a:stretch>
-            <a:fillRect/>
-          </a:stretch>
-        </p:blipFill>
-        <p:spPr bwMode="auto">
-          <a:xfrm>
-            <a:off x="628650" y="1888759"/>
-            <a:ext cx="3886200" cy="2224424"/>
-          </a:xfrm>
-          <a:prstGeom prst="rect">
-            <a:avLst/>
-          </a:prstGeom>
-          <a:solidFill>
-            <a:srgbClr val="FFFFFF"/>
-          </a:solidFill>
-        </p:spPr>
-      </p:pic>
-      <p:sp>
-        <p:nvSpPr>
-          <p:cNvPr id="71" name="Content Placeholder 3">
-            <a:extLst>
-              <a:ext uri="{FF2B5EF4-FFF2-40B4-BE49-F238E27FC236}">
-                <a16:creationId xmlns:a16="http://schemas.microsoft.com/office/drawing/2014/main" id="{03398CF0-6A2C-497D-969D-CC534CC6BC46}"/>
-              </a:ext>
-            </a:extLst>
-          </p:cNvPr>
-          <p:cNvSpPr>
-            <a:spLocks noGrp="1"/>
-          </p:cNvSpPr>
-          <p:nvPr>
-            <p:ph sz="half" idx="2"/>
-          </p:nvPr>
-        </p:nvSpPr>
-        <p:spPr>
-          <a:xfrm>
-            <a:off x="4629150" y="1369219"/>
-            <a:ext cx="3886200" cy="3263504"/>
-          </a:xfrm>
-        </p:spPr>
-        <p:txBody>
-          <a:bodyPr/>
-          <a:lstStyle/>
-          <a:p>
-            <a:r>
-              <a:rPr lang="en-US" dirty="0"/>
-              <a:t>Unsorted Bins</a:t>
-            </a:r>
-          </a:p>
-          <a:p>
-            <a:r>
-              <a:rPr lang="en-US" dirty="0"/>
-              <a:t>Shrinking to Overlap </a:t>
-            </a:r>
-          </a:p>
-          <a:p>
-            <a:r>
-              <a:rPr lang="en-US" dirty="0" err="1"/>
-              <a:t>MMap</a:t>
-            </a:r>
-            <a:r>
-              <a:rPr lang="en-US" dirty="0"/>
-              <a:t> Overlapping</a:t>
-            </a:r>
-          </a:p>
-          <a:p>
-            <a:r>
-              <a:rPr lang="en-US" dirty="0"/>
-              <a:t>House of </a:t>
-            </a:r>
-            <a:r>
-              <a:rPr lang="en-US" dirty="0" err="1"/>
-              <a:t>Muney</a:t>
-            </a:r>
-            <a:endParaRPr lang="en-US" dirty="0"/>
-          </a:p>
-        </p:txBody>
-      </p:sp>
-    </p:spTree>
-    <p:extLst>
-      <p:ext uri="{BB962C8B-B14F-4D97-AF65-F5344CB8AC3E}">
-        <p14:creationId xmlns:p14="http://schemas.microsoft.com/office/powerpoint/2010/main" val="2661071320"/>
-      </p:ext>
-    </p:extLst>
-  </p:cSld>
-  <p:clrMapOvr>
-    <a:masterClrMapping/>
-  </p:clrMapOvr>
-</p:sld>
-</file>
-
-<file path=ppt/slides/slide42.xml><?xml version="1.0" encoding="utf-8"?>
 <p:sld xmlns:a="http://schemas.openxmlformats.org/drawingml/2006/main" xmlns:r="http://schemas.openxmlformats.org/officeDocument/2006/relationships" xmlns:p="http://schemas.openxmlformats.org/presentationml/2006/main" show="0">
   <p:cSld>
     <p:spTree>
@@ -41777,7 +41666,7 @@
 </p:sld>
 </file>
 
-<file path=ppt/slides/slide43.xml><?xml version="1.0" encoding="utf-8"?>
+<file path=ppt/slides/slide42.xml><?xml version="1.0" encoding="utf-8"?>
 <p:sld xmlns:a="http://schemas.openxmlformats.org/drawingml/2006/main" xmlns:r="http://schemas.openxmlformats.org/officeDocument/2006/relationships" xmlns:p="http://schemas.openxmlformats.org/presentationml/2006/main" show="0">
   <p:cSld>
     <p:spTree>
@@ -41918,7 +41807,7 @@
 </p:sld>
 </file>
 
-<file path=ppt/slides/slide44.xml><?xml version="1.0" encoding="utf-8"?>
+<file path=ppt/slides/slide43.xml><?xml version="1.0" encoding="utf-8"?>
 <p:sld xmlns:a="http://schemas.openxmlformats.org/drawingml/2006/main" xmlns:r="http://schemas.openxmlformats.org/officeDocument/2006/relationships" xmlns:p="http://schemas.openxmlformats.org/presentationml/2006/main" show="0">
   <p:cSld>
     <p:spTree>
@@ -41988,6 +41877,89 @@
     <p:extLst>
       <p:ext uri="{BB962C8B-B14F-4D97-AF65-F5344CB8AC3E}">
         <p14:creationId xmlns:p14="http://schemas.microsoft.com/office/powerpoint/2010/main" val="1340680877"/>
+      </p:ext>
+    </p:extLst>
+  </p:cSld>
+  <p:clrMapOvr>
+    <a:masterClrMapping/>
+  </p:clrMapOvr>
+</p:sld>
+</file>
+
+<file path=ppt/slides/slide44.xml><?xml version="1.0" encoding="utf-8"?>
+<p:sld xmlns:a="http://schemas.openxmlformats.org/drawingml/2006/main" xmlns:r="http://schemas.openxmlformats.org/officeDocument/2006/relationships" xmlns:p="http://schemas.openxmlformats.org/presentationml/2006/main">
+  <p:cSld>
+    <p:spTree>
+      <p:nvGrpSpPr>
+        <p:cNvPr id="1" name=""/>
+        <p:cNvGrpSpPr/>
+        <p:nvPr/>
+      </p:nvGrpSpPr>
+      <p:grpSpPr>
+        <a:xfrm>
+          <a:off x="0" y="0"/>
+          <a:ext cx="0" cy="0"/>
+          <a:chOff x="0" y="0"/>
+          <a:chExt cx="0" cy="0"/>
+        </a:xfrm>
+      </p:grpSpPr>
+      <p:sp>
+        <p:nvSpPr>
+          <p:cNvPr id="2" name="Title 1">
+            <a:extLst>
+              <a:ext uri="{FF2B5EF4-FFF2-40B4-BE49-F238E27FC236}">
+                <a16:creationId xmlns:a16="http://schemas.microsoft.com/office/drawing/2014/main" id="{5341F2AF-04FA-A34A-A2B4-196E0277D687}"/>
+              </a:ext>
+            </a:extLst>
+          </p:cNvPr>
+          <p:cNvSpPr>
+            <a:spLocks noGrp="1"/>
+          </p:cNvSpPr>
+          <p:nvPr>
+            <p:ph type="title"/>
+          </p:nvPr>
+        </p:nvSpPr>
+        <p:spPr/>
+        <p:txBody>
+          <a:bodyPr/>
+          <a:lstStyle/>
+          <a:p>
+            <a:r>
+              <a:rPr lang="en-US"/>
+              <a:t>This is the End!</a:t>
+            </a:r>
+          </a:p>
+        </p:txBody>
+      </p:sp>
+      <p:sp>
+        <p:nvSpPr>
+          <p:cNvPr id="3" name="Content Placeholder 2">
+            <a:extLst>
+              <a:ext uri="{FF2B5EF4-FFF2-40B4-BE49-F238E27FC236}">
+                <a16:creationId xmlns:a16="http://schemas.microsoft.com/office/drawing/2014/main" id="{6AC39392-FE28-874A-B3D8-1D1522C35504}"/>
+              </a:ext>
+            </a:extLst>
+          </p:cNvPr>
+          <p:cNvSpPr>
+            <a:spLocks noGrp="1"/>
+          </p:cNvSpPr>
+          <p:nvPr>
+            <p:ph idx="1"/>
+          </p:nvPr>
+        </p:nvSpPr>
+        <p:spPr/>
+        <p:txBody>
+          <a:bodyPr/>
+          <a:lstStyle/>
+          <a:p>
+            <a:endParaRPr lang="en-US"/>
+          </a:p>
+        </p:txBody>
+      </p:sp>
+    </p:spTree>
+    <p:extLst>
+      <p:ext uri="{BB962C8B-B14F-4D97-AF65-F5344CB8AC3E}">
+        <p14:creationId xmlns:p14="http://schemas.microsoft.com/office/powerpoint/2010/main" val="3496172784"/>
       </p:ext>
     </p:extLst>
   </p:cSld>

--- a/modules/overlapping_chunks/OverlappingChunks.pptx
+++ b/modules/overlapping_chunks/OverlappingChunks.pptx
@@ -5,7 +5,7 @@
     <p:sldMasterId id="2147483660" r:id="rId1"/>
   </p:sldMasterIdLst>
   <p:notesMasterIdLst>
-    <p:notesMasterId r:id="rId47"/>
+    <p:notesMasterId r:id="rId49"/>
   </p:notesMasterIdLst>
   <p:sldIdLst>
     <p:sldId id="327" r:id="rId2"/>
@@ -52,7 +52,9 @@
     <p:sldId id="502" r:id="rId43"/>
     <p:sldId id="503" r:id="rId44"/>
     <p:sldId id="507" r:id="rId45"/>
-    <p:sldId id="501" r:id="rId46"/>
+    <p:sldId id="508" r:id="rId46"/>
+    <p:sldId id="509" r:id="rId47"/>
+    <p:sldId id="501" r:id="rId48"/>
   </p:sldIdLst>
   <p:sldSz cx="9144000" cy="5143500" type="screen16x9"/>
   <p:notesSz cx="6858000" cy="9144000"/>
@@ -25537,7 +25539,7 @@
           <a:p>
             <a:fld id="{2DA23E8D-1792-1541-9147-970A8DD8A355}" type="datetimeFigureOut">
               <a:rPr lang="en-US" smtClean="0"/>
-              <a:t>7/24/21</a:t>
+              <a:t>7/26/21</a:t>
             </a:fld>
             <a:endParaRPr lang="en-US" dirty="0"/>
           </a:p>
@@ -25891,6 +25893,105 @@
 </p:notes>
 </file>
 
+<file path=ppt/notesSlides/notesSlide2.xml><?xml version="1.0" encoding="utf-8"?>
+<p:notes xmlns:a="http://schemas.openxmlformats.org/drawingml/2006/main" xmlns:r="http://schemas.openxmlformats.org/officeDocument/2006/relationships" xmlns:p="http://schemas.openxmlformats.org/presentationml/2006/main">
+  <p:cSld>
+    <p:spTree>
+      <p:nvGrpSpPr>
+        <p:cNvPr id="1" name=""/>
+        <p:cNvGrpSpPr/>
+        <p:nvPr/>
+      </p:nvGrpSpPr>
+      <p:grpSpPr>
+        <a:xfrm>
+          <a:off x="0" y="0"/>
+          <a:ext cx="0" cy="0"/>
+          <a:chOff x="0" y="0"/>
+          <a:chExt cx="0" cy="0"/>
+        </a:xfrm>
+      </p:grpSpPr>
+      <p:sp>
+        <p:nvSpPr>
+          <p:cNvPr id="2" name="Slide Image Placeholder 1"/>
+          <p:cNvSpPr>
+            <a:spLocks noGrp="1" noRot="1" noChangeAspect="1"/>
+          </p:cNvSpPr>
+          <p:nvPr>
+            <p:ph type="sldImg"/>
+          </p:nvPr>
+        </p:nvSpPr>
+        <p:spPr/>
+      </p:sp>
+      <p:sp>
+        <p:nvSpPr>
+          <p:cNvPr id="3" name="Notes Placeholder 2"/>
+          <p:cNvSpPr>
+            <a:spLocks noGrp="1"/>
+          </p:cNvSpPr>
+          <p:nvPr>
+            <p:ph type="body" idx="1"/>
+          </p:nvPr>
+        </p:nvSpPr>
+        <p:spPr/>
+        <p:txBody>
+          <a:bodyPr/>
+          <a:lstStyle/>
+          <a:p>
+            <a:r>
+              <a:rPr lang="en-US" dirty="0"/>
+              <a:t>You have broken through the wall! </a:t>
+            </a:r>
+          </a:p>
+          <a:p>
+            <a:r>
+              <a:rPr lang="en-US" dirty="0"/>
+              <a:t>The mystery of heap exploitation is no more. We have turned it into just another tool on your belt. </a:t>
+            </a:r>
+          </a:p>
+          <a:p>
+            <a:r>
+              <a:rPr lang="en-US" dirty="0"/>
+              <a:t>Break the content down to the simplest primitives and everything becomes much easier. </a:t>
+            </a:r>
+          </a:p>
+        </p:txBody>
+      </p:sp>
+      <p:sp>
+        <p:nvSpPr>
+          <p:cNvPr id="4" name="Slide Number Placeholder 3"/>
+          <p:cNvSpPr>
+            <a:spLocks noGrp="1"/>
+          </p:cNvSpPr>
+          <p:nvPr>
+            <p:ph type="sldNum" sz="quarter" idx="5"/>
+          </p:nvPr>
+        </p:nvSpPr>
+        <p:spPr/>
+        <p:txBody>
+          <a:bodyPr/>
+          <a:lstStyle/>
+          <a:p>
+            <a:fld id="{AC55928C-CD14-454C-B617-1AFCF9A58596}" type="slidenum">
+              <a:rPr lang="en-US" smtClean="0"/>
+              <a:t>46</a:t>
+            </a:fld>
+            <a:endParaRPr lang="en-US" dirty="0"/>
+          </a:p>
+        </p:txBody>
+      </p:sp>
+    </p:spTree>
+    <p:extLst>
+      <p:ext uri="{BB962C8B-B14F-4D97-AF65-F5344CB8AC3E}">
+        <p14:creationId xmlns:p14="http://schemas.microsoft.com/office/powerpoint/2010/main" val="314999600"/>
+      </p:ext>
+    </p:extLst>
+  </p:cSld>
+  <p:clrMapOvr>
+    <a:masterClrMapping/>
+  </p:clrMapOvr>
+</p:notes>
+</file>
+
 <file path=ppt/slideLayouts/slideLayout1.xml><?xml version="1.0" encoding="utf-8"?>
 <p:sldLayout xmlns:a="http://schemas.openxmlformats.org/drawingml/2006/main" xmlns:r="http://schemas.openxmlformats.org/officeDocument/2006/relationships" xmlns:p="http://schemas.openxmlformats.org/presentationml/2006/main" type="title" preserve="1">
   <p:cSld name="Title Slide">
@@ -26094,7 +26195,7 @@
                 <a:latin typeface="Calibri"/>
               </a:rPr>
               <a:pPr/>
-              <a:t>7/24/21</a:t>
+              <a:t>7/26/21</a:t>
             </a:fld>
             <a:endParaRPr lang="en-US" dirty="0">
               <a:solidFill>
@@ -26347,7 +26448,7 @@
                 <a:latin typeface="Calibri"/>
               </a:rPr>
               <a:pPr/>
-              <a:t>7/24/21</a:t>
+              <a:t>7/26/21</a:t>
             </a:fld>
             <a:endParaRPr lang="en-US" dirty="0">
               <a:solidFill>
@@ -26562,7 +26663,7 @@
                 <a:latin typeface="Calibri"/>
               </a:rPr>
               <a:pPr/>
-              <a:t>7/24/21</a:t>
+              <a:t>7/26/21</a:t>
             </a:fld>
             <a:endParaRPr lang="en-US" dirty="0">
               <a:solidFill>
@@ -26846,7 +26947,7 @@
                 <a:latin typeface="Calibri"/>
               </a:rPr>
               <a:pPr/>
-              <a:t>7/24/21</a:t>
+              <a:t>7/26/21</a:t>
             </a:fld>
             <a:endParaRPr lang="en-US" dirty="0">
               <a:solidFill>
@@ -27188,7 +27289,7 @@
                 <a:latin typeface="Calibri"/>
               </a:rPr>
               <a:pPr/>
-              <a:t>7/24/21</a:t>
+              <a:t>7/26/21</a:t>
             </a:fld>
             <a:endParaRPr lang="en-US" dirty="0">
               <a:solidFill>
@@ -27516,7 +27617,7 @@
                 <a:latin typeface="Calibri"/>
               </a:rPr>
               <a:pPr/>
-              <a:t>7/24/21</a:t>
+              <a:t>7/26/21</a:t>
             </a:fld>
             <a:endParaRPr lang="en-US" dirty="0">
               <a:solidFill>
@@ -28005,7 +28106,7 @@
                 <a:latin typeface="Calibri"/>
               </a:rPr>
               <a:pPr/>
-              <a:t>7/24/21</a:t>
+              <a:t>7/26/21</a:t>
             </a:fld>
             <a:endParaRPr lang="en-US" dirty="0">
               <a:solidFill>
@@ -28188,7 +28289,7 @@
                 <a:latin typeface="Calibri"/>
               </a:rPr>
               <a:pPr/>
-              <a:t>7/24/21</a:t>
+              <a:t>7/26/21</a:t>
             </a:fld>
             <a:endParaRPr lang="en-US" dirty="0">
               <a:solidFill>
@@ -28434,7 +28535,7 @@
                 <a:latin typeface="Calibri"/>
               </a:rPr>
               <a:pPr/>
-              <a:t>7/24/21</a:t>
+              <a:t>7/26/21</a:t>
             </a:fld>
             <a:endParaRPr lang="en-US" dirty="0">
               <a:solidFill>
@@ -28776,7 +28877,7 @@
                 <a:latin typeface="Calibri"/>
               </a:rPr>
               <a:pPr/>
-              <a:t>7/24/21</a:t>
+              <a:t>7/26/21</a:t>
             </a:fld>
             <a:endParaRPr lang="en-US" dirty="0">
               <a:solidFill>
@@ -29068,7 +29169,7 @@
                 <a:latin typeface="Calibri"/>
               </a:rPr>
               <a:pPr/>
-              <a:t>7/24/21</a:t>
+              <a:t>7/26/21</a:t>
             </a:fld>
             <a:endParaRPr lang="en-US" dirty="0">
               <a:solidFill>
@@ -29318,7 +29419,7 @@
                 <a:latin typeface="Calibri"/>
               </a:rPr>
               <a:pPr defTabSz="914400"/>
-              <a:t>7/24/21</a:t>
+              <a:t>7/26/21</a:t>
             </a:fld>
             <a:endParaRPr lang="en-US" dirty="0">
               <a:solidFill>
@@ -41919,9 +42020,16 @@
             <p:ph type="title"/>
           </p:nvPr>
         </p:nvSpPr>
-        <p:spPr/>
+        <p:spPr>
+          <a:xfrm>
+            <a:off x="628650" y="273847"/>
+            <a:ext cx="7886700" cy="994172"/>
+          </a:xfrm>
+        </p:spPr>
         <p:txBody>
-          <a:bodyPr/>
+          <a:bodyPr anchor="ctr">
+            <a:normAutofit/>
+          </a:bodyPr>
           <a:lstStyle/>
           <a:p>
             <a:r>
@@ -41931,12 +42039,59 @@
           </a:p>
         </p:txBody>
       </p:sp>
+      <p:pic>
+        <p:nvPicPr>
+          <p:cNvPr id="1026" name="Picture 2" descr="Kid Cudi - Man On The Moon II: The Legend Of Mr. Rager - Amazon.com Music">
+            <a:extLst>
+              <a:ext uri="{FF2B5EF4-FFF2-40B4-BE49-F238E27FC236}">
+                <a16:creationId xmlns:a16="http://schemas.microsoft.com/office/drawing/2014/main" id="{B66B8803-3511-854C-87F8-1C1788DD329D}"/>
+              </a:ext>
+            </a:extLst>
+          </p:cNvPr>
+          <p:cNvPicPr>
+            <a:picLocks noChangeAspect="1" noChangeArrowheads="1"/>
+          </p:cNvPicPr>
+          <p:nvPr/>
+        </p:nvPicPr>
+        <p:blipFill rotWithShape="1">
+          <a:blip r:embed="rId2">
+            <a:extLst>
+              <a:ext uri="{28A0092B-C50C-407E-A947-70E740481C1C}">
+                <a14:useLocalDpi xmlns:a14="http://schemas.microsoft.com/office/drawing/2010/main" val="0"/>
+              </a:ext>
+            </a:extLst>
+          </a:blip>
+          <a:srcRect b="16023"/>
+          <a:stretch/>
+        </p:blipFill>
+        <p:spPr bwMode="auto">
+          <a:xfrm>
+            <a:off x="628650" y="1369219"/>
+            <a:ext cx="3886200" cy="3263504"/>
+          </a:xfrm>
+          <a:prstGeom prst="rect">
+            <a:avLst/>
+          </a:prstGeom>
+          <a:solidFill>
+            <a:srgbClr val="FFFFFF"/>
+          </a:solidFill>
+          <a:extLst>
+            <a:ext uri="{909E8E84-426E-40DD-AFC4-6F175D3DCCD1}">
+              <a14:hiddenFill xmlns:a14="http://schemas.microsoft.com/office/drawing/2010/main">
+                <a:solidFill>
+                  <a:srgbClr val="FFFFFF"/>
+                </a:solidFill>
+              </a14:hiddenFill>
+            </a:ext>
+          </a:extLst>
+        </p:spPr>
+      </p:pic>
       <p:sp>
         <p:nvSpPr>
-          <p:cNvPr id="3" name="Content Placeholder 2">
+          <p:cNvPr id="71" name="Content Placeholder 3">
             <a:extLst>
               <a:ext uri="{FF2B5EF4-FFF2-40B4-BE49-F238E27FC236}">
-                <a16:creationId xmlns:a16="http://schemas.microsoft.com/office/drawing/2014/main" id="{6AC39392-FE28-874A-B3D8-1D1522C35504}"/>
+                <a16:creationId xmlns:a16="http://schemas.microsoft.com/office/drawing/2014/main" id="{356120E3-3173-4B03-8F91-EB26E21C92C3}"/>
               </a:ext>
             </a:extLst>
           </p:cNvPr>
@@ -41944,15 +42099,29 @@
             <a:spLocks noGrp="1"/>
           </p:cNvSpPr>
           <p:nvPr>
-            <p:ph idx="1"/>
+            <p:ph sz="half" idx="2"/>
           </p:nvPr>
         </p:nvSpPr>
-        <p:spPr/>
+        <p:spPr>
+          <a:xfrm>
+            <a:off x="4629150" y="1369219"/>
+            <a:ext cx="3886200" cy="3263504"/>
+          </a:xfrm>
+        </p:spPr>
         <p:txBody>
           <a:bodyPr/>
           <a:lstStyle/>
           <a:p>
-            <a:endParaRPr lang="en-US"/>
+            <a:r>
+              <a:rPr lang="en-US" dirty="0"/>
+              <a:t>The end of this workshop</a:t>
+            </a:r>
+          </a:p>
+          <a:p>
+            <a:r>
+              <a:rPr lang="en-US" dirty="0"/>
+              <a:t>But not the knowledge to be gained!</a:t>
+            </a:r>
           </a:p>
         </p:txBody>
       </p:sp>
@@ -41970,6 +42139,588 @@
 </file>
 
 <file path=ppt/slides/slide45.xml><?xml version="1.0" encoding="utf-8"?>
+<p:sld xmlns:a="http://schemas.openxmlformats.org/drawingml/2006/main" xmlns:r="http://schemas.openxmlformats.org/officeDocument/2006/relationships" xmlns:p="http://schemas.openxmlformats.org/presentationml/2006/main">
+  <p:cSld>
+    <p:spTree>
+      <p:nvGrpSpPr>
+        <p:cNvPr id="1" name=""/>
+        <p:cNvGrpSpPr/>
+        <p:nvPr/>
+      </p:nvGrpSpPr>
+      <p:grpSpPr>
+        <a:xfrm>
+          <a:off x="0" y="0"/>
+          <a:ext cx="0" cy="0"/>
+          <a:chOff x="0" y="0"/>
+          <a:chExt cx="0" cy="0"/>
+        </a:xfrm>
+      </p:grpSpPr>
+      <p:sp>
+        <p:nvSpPr>
+          <p:cNvPr id="2" name="Title 1">
+            <a:extLst>
+              <a:ext uri="{FF2B5EF4-FFF2-40B4-BE49-F238E27FC236}">
+                <a16:creationId xmlns:a16="http://schemas.microsoft.com/office/drawing/2014/main" id="{2237ECF9-600B-8E4A-8EE9-7D9E2FF44579}"/>
+              </a:ext>
+            </a:extLst>
+          </p:cNvPr>
+          <p:cNvSpPr>
+            <a:spLocks noGrp="1"/>
+          </p:cNvSpPr>
+          <p:nvPr>
+            <p:ph type="title"/>
+          </p:nvPr>
+        </p:nvSpPr>
+        <p:spPr/>
+        <p:txBody>
+          <a:bodyPr/>
+          <a:lstStyle/>
+          <a:p>
+            <a:r>
+              <a:rPr lang="en-US" dirty="0"/>
+              <a:t>Takeaways from the Workshop</a:t>
+            </a:r>
+          </a:p>
+        </p:txBody>
+      </p:sp>
+      <p:sp>
+        <p:nvSpPr>
+          <p:cNvPr id="3" name="Content Placeholder 2">
+            <a:extLst>
+              <a:ext uri="{FF2B5EF4-FFF2-40B4-BE49-F238E27FC236}">
+                <a16:creationId xmlns:a16="http://schemas.microsoft.com/office/drawing/2014/main" id="{E00CC37A-22B2-664B-9DEF-A70551EC71AC}"/>
+              </a:ext>
+            </a:extLst>
+          </p:cNvPr>
+          <p:cNvSpPr>
+            <a:spLocks noGrp="1"/>
+          </p:cNvSpPr>
+          <p:nvPr>
+            <p:ph idx="1"/>
+          </p:nvPr>
+        </p:nvSpPr>
+        <p:spPr>
+          <a:xfrm>
+            <a:off x="628650" y="1236541"/>
+            <a:ext cx="4103148" cy="3263504"/>
+          </a:xfrm>
+        </p:spPr>
+        <p:txBody>
+          <a:bodyPr/>
+          <a:lstStyle/>
+          <a:p>
+            <a:r>
+              <a:rPr lang="en-US" dirty="0"/>
+              <a:t>How Malloc Works: </a:t>
+            </a:r>
+          </a:p>
+          <a:p>
+            <a:pPr lvl="1"/>
+            <a:r>
+              <a:rPr lang="en-US" dirty="0"/>
+              <a:t>Chunks</a:t>
+            </a:r>
+          </a:p>
+          <a:p>
+            <a:pPr lvl="1"/>
+            <a:r>
+              <a:rPr lang="en-US" dirty="0"/>
+              <a:t>Bins</a:t>
+            </a:r>
+          </a:p>
+          <a:p>
+            <a:pPr lvl="1"/>
+            <a:r>
+              <a:rPr lang="en-US" dirty="0"/>
+              <a:t>Ordering</a:t>
+            </a:r>
+          </a:p>
+          <a:p>
+            <a:r>
+              <a:rPr lang="en-US" dirty="0"/>
+              <a:t>Vulnerability Classes: </a:t>
+            </a:r>
+          </a:p>
+          <a:p>
+            <a:pPr lvl="1"/>
+            <a:r>
+              <a:rPr lang="en-US" dirty="0"/>
+              <a:t>Heap based buffer overflow</a:t>
+            </a:r>
+          </a:p>
+          <a:p>
+            <a:pPr lvl="1"/>
+            <a:r>
+              <a:rPr lang="en-US" dirty="0"/>
+              <a:t>Use after free</a:t>
+            </a:r>
+          </a:p>
+          <a:p>
+            <a:pPr lvl="1"/>
+            <a:r>
+              <a:rPr lang="en-US" dirty="0"/>
+              <a:t>Double free</a:t>
+            </a:r>
+          </a:p>
+        </p:txBody>
+      </p:sp>
+      <p:sp>
+        <p:nvSpPr>
+          <p:cNvPr id="4" name="Content Placeholder 2">
+            <a:extLst>
+              <a:ext uri="{FF2B5EF4-FFF2-40B4-BE49-F238E27FC236}">
+                <a16:creationId xmlns:a16="http://schemas.microsoft.com/office/drawing/2014/main" id="{A107DE83-5DDC-B843-86CD-CF12D96CAE03}"/>
+              </a:ext>
+            </a:extLst>
+          </p:cNvPr>
+          <p:cNvSpPr txBox="1">
+            <a:spLocks/>
+          </p:cNvSpPr>
+          <p:nvPr/>
+        </p:nvSpPr>
+        <p:spPr>
+          <a:xfrm>
+            <a:off x="4731798" y="1236541"/>
+            <a:ext cx="4103148" cy="3263504"/>
+          </a:xfrm>
+          <a:prstGeom prst="rect">
+            <a:avLst/>
+          </a:prstGeom>
+        </p:spPr>
+        <p:txBody>
+          <a:bodyPr vert="horz" lIns="91440" tIns="45720" rIns="91440" bIns="45720" rtlCol="0">
+            <a:normAutofit/>
+          </a:bodyPr>
+          <a:lstStyle>
+            <a:lvl1pPr marL="228600" indent="-228600" algn="l" defTabSz="914400" rtl="0" eaLnBrk="1" latinLnBrk="0" hangingPunct="1">
+              <a:lnSpc>
+                <a:spcPct val="90000"/>
+              </a:lnSpc>
+              <a:spcBef>
+                <a:spcPts val="1000"/>
+              </a:spcBef>
+              <a:buFont typeface="Arial" panose="020B0604020202020204" pitchFamily="34" charset="0"/>
+              <a:buChar char="•"/>
+              <a:defRPr sz="2200" kern="1200">
+                <a:solidFill>
+                  <a:schemeClr val="tx1"/>
+                </a:solidFill>
+                <a:latin typeface="Avenir Book"/>
+                <a:ea typeface="+mn-ea"/>
+                <a:cs typeface="Avenir Book"/>
+              </a:defRPr>
+            </a:lvl1pPr>
+            <a:lvl2pPr marL="685800" indent="-228600" algn="l" defTabSz="914400" rtl="0" eaLnBrk="1" latinLnBrk="0" hangingPunct="1">
+              <a:lnSpc>
+                <a:spcPct val="90000"/>
+              </a:lnSpc>
+              <a:spcBef>
+                <a:spcPts val="500"/>
+              </a:spcBef>
+              <a:buFont typeface="Arial" panose="020B0604020202020204" pitchFamily="34" charset="0"/>
+              <a:buChar char="•"/>
+              <a:defRPr sz="2000" kern="1200">
+                <a:solidFill>
+                  <a:schemeClr val="tx1"/>
+                </a:solidFill>
+                <a:latin typeface="Avenir Book"/>
+                <a:ea typeface="+mn-ea"/>
+                <a:cs typeface="Avenir Book"/>
+              </a:defRPr>
+            </a:lvl2pPr>
+            <a:lvl3pPr marL="1143000" indent="-228600" algn="l" defTabSz="914400" rtl="0" eaLnBrk="1" latinLnBrk="0" hangingPunct="1">
+              <a:lnSpc>
+                <a:spcPct val="90000"/>
+              </a:lnSpc>
+              <a:spcBef>
+                <a:spcPts val="500"/>
+              </a:spcBef>
+              <a:buFont typeface="Arial" panose="020B0604020202020204" pitchFamily="34" charset="0"/>
+              <a:buChar char="•"/>
+              <a:defRPr sz="1800" kern="1200">
+                <a:solidFill>
+                  <a:schemeClr val="tx1"/>
+                </a:solidFill>
+                <a:latin typeface="Avenir Book"/>
+                <a:ea typeface="+mn-ea"/>
+                <a:cs typeface="Avenir Book"/>
+              </a:defRPr>
+            </a:lvl3pPr>
+            <a:lvl4pPr marL="1600200" indent="-228600" algn="l" defTabSz="914400" rtl="0" eaLnBrk="1" latinLnBrk="0" hangingPunct="1">
+              <a:lnSpc>
+                <a:spcPct val="90000"/>
+              </a:lnSpc>
+              <a:spcBef>
+                <a:spcPts val="500"/>
+              </a:spcBef>
+              <a:buFont typeface="Arial" panose="020B0604020202020204" pitchFamily="34" charset="0"/>
+              <a:buChar char="•"/>
+              <a:defRPr sz="2400" kern="1200">
+                <a:solidFill>
+                  <a:schemeClr val="tx1"/>
+                </a:solidFill>
+                <a:latin typeface="Avenir Book"/>
+                <a:ea typeface="+mn-ea"/>
+                <a:cs typeface="Avenir Book"/>
+              </a:defRPr>
+            </a:lvl4pPr>
+            <a:lvl5pPr marL="2057400" indent="-228600" algn="l" defTabSz="914400" rtl="0" eaLnBrk="1" latinLnBrk="0" hangingPunct="1">
+              <a:lnSpc>
+                <a:spcPct val="90000"/>
+              </a:lnSpc>
+              <a:spcBef>
+                <a:spcPts val="500"/>
+              </a:spcBef>
+              <a:buFont typeface="Arial" panose="020B0604020202020204" pitchFamily="34" charset="0"/>
+              <a:buChar char="•"/>
+              <a:defRPr sz="2400" kern="1200">
+                <a:solidFill>
+                  <a:schemeClr val="tx1"/>
+                </a:solidFill>
+                <a:latin typeface="Avenir Book"/>
+                <a:ea typeface="+mn-ea"/>
+                <a:cs typeface="Avenir Book"/>
+              </a:defRPr>
+            </a:lvl5pPr>
+            <a:lvl6pPr marL="2514600" indent="-228600" algn="l" defTabSz="914400" rtl="0" eaLnBrk="1" latinLnBrk="0" hangingPunct="1">
+              <a:lnSpc>
+                <a:spcPct val="90000"/>
+              </a:lnSpc>
+              <a:spcBef>
+                <a:spcPts val="500"/>
+              </a:spcBef>
+              <a:buFont typeface="Arial" panose="020B0604020202020204" pitchFamily="34" charset="0"/>
+              <a:buChar char="•"/>
+              <a:defRPr sz="1800" kern="1200">
+                <a:solidFill>
+                  <a:schemeClr val="tx1"/>
+                </a:solidFill>
+                <a:latin typeface="+mn-lt"/>
+                <a:ea typeface="+mn-ea"/>
+                <a:cs typeface="+mn-cs"/>
+              </a:defRPr>
+            </a:lvl6pPr>
+            <a:lvl7pPr marL="2971800" indent="-228600" algn="l" defTabSz="914400" rtl="0" eaLnBrk="1" latinLnBrk="0" hangingPunct="1">
+              <a:lnSpc>
+                <a:spcPct val="90000"/>
+              </a:lnSpc>
+              <a:spcBef>
+                <a:spcPts val="500"/>
+              </a:spcBef>
+              <a:buFont typeface="Arial" panose="020B0604020202020204" pitchFamily="34" charset="0"/>
+              <a:buChar char="•"/>
+              <a:defRPr sz="1800" kern="1200">
+                <a:solidFill>
+                  <a:schemeClr val="tx1"/>
+                </a:solidFill>
+                <a:latin typeface="+mn-lt"/>
+                <a:ea typeface="+mn-ea"/>
+                <a:cs typeface="+mn-cs"/>
+              </a:defRPr>
+            </a:lvl7pPr>
+            <a:lvl8pPr marL="3429000" indent="-228600" algn="l" defTabSz="914400" rtl="0" eaLnBrk="1" latinLnBrk="0" hangingPunct="1">
+              <a:lnSpc>
+                <a:spcPct val="90000"/>
+              </a:lnSpc>
+              <a:spcBef>
+                <a:spcPts val="500"/>
+              </a:spcBef>
+              <a:buFont typeface="Arial" panose="020B0604020202020204" pitchFamily="34" charset="0"/>
+              <a:buChar char="•"/>
+              <a:defRPr sz="1800" kern="1200">
+                <a:solidFill>
+                  <a:schemeClr val="tx1"/>
+                </a:solidFill>
+                <a:latin typeface="+mn-lt"/>
+                <a:ea typeface="+mn-ea"/>
+                <a:cs typeface="+mn-cs"/>
+              </a:defRPr>
+            </a:lvl8pPr>
+            <a:lvl9pPr marL="3886200" indent="-228600" algn="l" defTabSz="914400" rtl="0" eaLnBrk="1" latinLnBrk="0" hangingPunct="1">
+              <a:lnSpc>
+                <a:spcPct val="90000"/>
+              </a:lnSpc>
+              <a:spcBef>
+                <a:spcPts val="500"/>
+              </a:spcBef>
+              <a:buFont typeface="Arial" panose="020B0604020202020204" pitchFamily="34" charset="0"/>
+              <a:buChar char="•"/>
+              <a:defRPr sz="1800" kern="1200">
+                <a:solidFill>
+                  <a:schemeClr val="tx1"/>
+                </a:solidFill>
+                <a:latin typeface="+mn-lt"/>
+                <a:ea typeface="+mn-ea"/>
+                <a:cs typeface="+mn-cs"/>
+              </a:defRPr>
+            </a:lvl9pPr>
+          </a:lstStyle>
+          <a:p>
+            <a:r>
+              <a:rPr lang="en-US" dirty="0"/>
+              <a:t>Fd Poison: </a:t>
+            </a:r>
+          </a:p>
+          <a:p>
+            <a:pPr lvl="1"/>
+            <a:r>
+              <a:rPr lang="en-US" dirty="0"/>
+              <a:t>Controlled </a:t>
+            </a:r>
+            <a:r>
+              <a:rPr lang="en-US" i="1" dirty="0"/>
+              <a:t>fd</a:t>
+            </a:r>
+            <a:r>
+              <a:rPr lang="en-US" dirty="0"/>
+              <a:t> pointer to create arbitrary chunk</a:t>
+            </a:r>
+          </a:p>
+          <a:p>
+            <a:r>
+              <a:rPr lang="en-US" dirty="0"/>
+              <a:t>Unlink:</a:t>
+            </a:r>
+          </a:p>
+          <a:p>
+            <a:pPr lvl="1"/>
+            <a:r>
+              <a:rPr lang="en-US" i="1" dirty="0"/>
+              <a:t>Fd</a:t>
+            </a:r>
+            <a:r>
+              <a:rPr lang="en-US" dirty="0"/>
+              <a:t> and </a:t>
+            </a:r>
+            <a:r>
+              <a:rPr lang="en-US" i="1" dirty="0"/>
+              <a:t>Bk</a:t>
+            </a:r>
+            <a:r>
+              <a:rPr lang="en-US" dirty="0"/>
+              <a:t> pointer abuse</a:t>
+            </a:r>
+          </a:p>
+          <a:p>
+            <a:r>
+              <a:rPr lang="en-US" dirty="0"/>
+              <a:t>Overlapping Chunks: </a:t>
+            </a:r>
+          </a:p>
+          <a:p>
+            <a:pPr lvl="1"/>
+            <a:r>
+              <a:rPr lang="en-US" dirty="0"/>
+              <a:t>Changing size of chunks</a:t>
+            </a:r>
+          </a:p>
+        </p:txBody>
+      </p:sp>
+    </p:spTree>
+    <p:extLst>
+      <p:ext uri="{BB962C8B-B14F-4D97-AF65-F5344CB8AC3E}">
+        <p14:creationId xmlns:p14="http://schemas.microsoft.com/office/powerpoint/2010/main" val="736862816"/>
+      </p:ext>
+    </p:extLst>
+  </p:cSld>
+  <p:clrMapOvr>
+    <a:masterClrMapping/>
+  </p:clrMapOvr>
+</p:sld>
+</file>
+
+<file path=ppt/slides/slide46.xml><?xml version="1.0" encoding="utf-8"?>
+<p:sld xmlns:a="http://schemas.openxmlformats.org/drawingml/2006/main" xmlns:r="http://schemas.openxmlformats.org/officeDocument/2006/relationships" xmlns:p="http://schemas.openxmlformats.org/presentationml/2006/main">
+  <p:cSld>
+    <p:spTree>
+      <p:nvGrpSpPr>
+        <p:cNvPr id="1" name=""/>
+        <p:cNvGrpSpPr/>
+        <p:nvPr/>
+      </p:nvGrpSpPr>
+      <p:grpSpPr>
+        <a:xfrm>
+          <a:off x="0" y="0"/>
+          <a:ext cx="0" cy="0"/>
+          <a:chOff x="0" y="0"/>
+          <a:chExt cx="0" cy="0"/>
+        </a:xfrm>
+      </p:grpSpPr>
+      <p:sp>
+        <p:nvSpPr>
+          <p:cNvPr id="2" name="Title 1">
+            <a:extLst>
+              <a:ext uri="{FF2B5EF4-FFF2-40B4-BE49-F238E27FC236}">
+                <a16:creationId xmlns:a16="http://schemas.microsoft.com/office/drawing/2014/main" id="{2CF3D92C-4B78-114A-90EC-AEA81551D31B}"/>
+              </a:ext>
+            </a:extLst>
+          </p:cNvPr>
+          <p:cNvSpPr>
+            <a:spLocks noGrp="1"/>
+          </p:cNvSpPr>
+          <p:nvPr>
+            <p:ph type="title"/>
+          </p:nvPr>
+        </p:nvSpPr>
+        <p:spPr>
+          <a:xfrm>
+            <a:off x="628650" y="273847"/>
+            <a:ext cx="7886700" cy="994172"/>
+          </a:xfrm>
+        </p:spPr>
+        <p:txBody>
+          <a:bodyPr anchor="ctr">
+            <a:normAutofit/>
+          </a:bodyPr>
+          <a:lstStyle/>
+          <a:p>
+            <a:r>
+              <a:rPr lang="en-US" dirty="0"/>
+              <a:t>What Next?</a:t>
+            </a:r>
+          </a:p>
+        </p:txBody>
+      </p:sp>
+      <p:pic>
+        <p:nvPicPr>
+          <p:cNvPr id="2050" name="Picture 2" descr="What's Next Coaching - Home | Facebook">
+            <a:extLst>
+              <a:ext uri="{FF2B5EF4-FFF2-40B4-BE49-F238E27FC236}">
+                <a16:creationId xmlns:a16="http://schemas.microsoft.com/office/drawing/2014/main" id="{AED01BCF-DA2F-9A4B-B2B9-7374F8C61F42}"/>
+              </a:ext>
+            </a:extLst>
+          </p:cNvPr>
+          <p:cNvPicPr>
+            <a:picLocks noChangeAspect="1" noChangeArrowheads="1"/>
+          </p:cNvPicPr>
+          <p:nvPr/>
+        </p:nvPicPr>
+        <p:blipFill>
+          <a:blip r:embed="rId3">
+            <a:extLst>
+              <a:ext uri="{28A0092B-C50C-407E-A947-70E740481C1C}">
+                <a14:useLocalDpi xmlns:a14="http://schemas.microsoft.com/office/drawing/2010/main" val="0"/>
+              </a:ext>
+            </a:extLst>
+          </a:blip>
+          <a:stretch>
+            <a:fillRect/>
+          </a:stretch>
+        </p:blipFill>
+        <p:spPr bwMode="auto">
+          <a:xfrm>
+            <a:off x="628650" y="1545522"/>
+            <a:ext cx="3886200" cy="2910898"/>
+          </a:xfrm>
+          <a:prstGeom prst="rect">
+            <a:avLst/>
+          </a:prstGeom>
+          <a:solidFill>
+            <a:srgbClr val="FFFFFF"/>
+          </a:solidFill>
+          <a:extLst>
+            <a:ext uri="{909E8E84-426E-40DD-AFC4-6F175D3DCCD1}">
+              <a14:hiddenFill xmlns:a14="http://schemas.microsoft.com/office/drawing/2010/main">
+                <a:solidFill>
+                  <a:srgbClr val="FFFFFF"/>
+                </a:solidFill>
+              </a14:hiddenFill>
+            </a:ext>
+          </a:extLst>
+        </p:spPr>
+      </p:pic>
+      <p:sp>
+        <p:nvSpPr>
+          <p:cNvPr id="3" name="Content Placeholder 2">
+            <a:extLst>
+              <a:ext uri="{FF2B5EF4-FFF2-40B4-BE49-F238E27FC236}">
+                <a16:creationId xmlns:a16="http://schemas.microsoft.com/office/drawing/2014/main" id="{D30E1401-C635-FB4D-AAEA-E67AC7C58474}"/>
+              </a:ext>
+            </a:extLst>
+          </p:cNvPr>
+          <p:cNvSpPr>
+            <a:spLocks noGrp="1"/>
+          </p:cNvSpPr>
+          <p:nvPr>
+            <p:ph sz="half" idx="2"/>
+          </p:nvPr>
+        </p:nvSpPr>
+        <p:spPr>
+          <a:xfrm>
+            <a:off x="4629150" y="1369219"/>
+            <a:ext cx="3886200" cy="3263504"/>
+          </a:xfrm>
+        </p:spPr>
+        <p:txBody>
+          <a:bodyPr>
+            <a:normAutofit lnSpcReduction="10000"/>
+          </a:bodyPr>
+          <a:lstStyle/>
+          <a:p>
+            <a:r>
+              <a:rPr lang="en-US" dirty="0"/>
+              <a:t>More Techniques (30+): </a:t>
+            </a:r>
+          </a:p>
+          <a:p>
+            <a:pPr lvl="1"/>
+            <a:r>
+              <a:rPr lang="en-US" dirty="0"/>
+              <a:t>House of Force</a:t>
+            </a:r>
+          </a:p>
+          <a:p>
+            <a:pPr lvl="1"/>
+            <a:r>
+              <a:rPr lang="en-US" dirty="0"/>
+              <a:t>House of Spirit</a:t>
+            </a:r>
+          </a:p>
+          <a:p>
+            <a:pPr lvl="1"/>
+            <a:r>
+              <a:rPr lang="en-US" dirty="0"/>
+              <a:t>Unsorted Bin Attack  </a:t>
+            </a:r>
+          </a:p>
+          <a:p>
+            <a:r>
+              <a:rPr lang="en-US" dirty="0"/>
+              <a:t>Read the Malloc Source code (I’m serious) </a:t>
+            </a:r>
+          </a:p>
+          <a:p>
+            <a:r>
+              <a:rPr lang="en-US" dirty="0" err="1"/>
+              <a:t>Pwnable</a:t>
+            </a:r>
+            <a:r>
+              <a:rPr lang="en-US" dirty="0"/>
+              <a:t> challenges</a:t>
+            </a:r>
+          </a:p>
+          <a:p>
+            <a:r>
+              <a:rPr lang="en-US" dirty="0"/>
+              <a:t>Real world exploitation</a:t>
+            </a:r>
+          </a:p>
+        </p:txBody>
+      </p:sp>
+    </p:spTree>
+    <p:extLst>
+      <p:ext uri="{BB962C8B-B14F-4D97-AF65-F5344CB8AC3E}">
+        <p14:creationId xmlns:p14="http://schemas.microsoft.com/office/powerpoint/2010/main" val="172181179"/>
+      </p:ext>
+    </p:extLst>
+  </p:cSld>
+  <p:clrMapOvr>
+    <a:masterClrMapping/>
+  </p:clrMapOvr>
+</p:sld>
+</file>
+
+<file path=ppt/slides/slide47.xml><?xml version="1.0" encoding="utf-8"?>
 <p:sld xmlns:a="http://schemas.openxmlformats.org/drawingml/2006/main" xmlns:r="http://schemas.openxmlformats.org/officeDocument/2006/relationships" xmlns:p="http://schemas.openxmlformats.org/presentationml/2006/main">
   <p:cSld>
     <p:spTree>

--- a/modules/overlapping_chunks/OverlappingChunks.pptx
+++ b/modules/overlapping_chunks/OverlappingChunks.pptx
@@ -8653,8 +8653,8 @@
         <a:lstStyle/>
         <a:p>
           <a:r>
-            <a:rPr lang="en-US"/>
-            <a:t>Even a single controlled buffer overflow can work!</a:t>
+            <a:rPr lang="en-US" dirty="0"/>
+            <a:t>Even a single byte controlled buffer overflow can work!</a:t>
           </a:r>
         </a:p>
       </dgm:t>
@@ -12351,8 +12351,8 @@
             <a:buChar char="•"/>
           </a:pPr>
           <a:r>
-            <a:rPr lang="en-US" sz="1600" kern="1200"/>
-            <a:t>Even a single controlled buffer overflow can work!</a:t>
+            <a:rPr lang="en-US" sz="1600" kern="1200" dirty="0"/>
+            <a:t>Even a single byte controlled buffer overflow can work!</a:t>
           </a:r>
         </a:p>
       </dsp:txBody>
@@ -25539,7 +25539,7 @@
           <a:p>
             <a:fld id="{2DA23E8D-1792-1541-9147-970A8DD8A355}" type="datetimeFigureOut">
               <a:rPr lang="en-US" smtClean="0"/>
-              <a:t>7/26/21</a:t>
+              <a:t>7/28/21</a:t>
             </a:fld>
             <a:endParaRPr lang="en-US" dirty="0"/>
           </a:p>
@@ -26195,7 +26195,7 @@
                 <a:latin typeface="Calibri"/>
               </a:rPr>
               <a:pPr/>
-              <a:t>7/26/21</a:t>
+              <a:t>7/28/21</a:t>
             </a:fld>
             <a:endParaRPr lang="en-US" dirty="0">
               <a:solidFill>
@@ -26448,7 +26448,7 @@
                 <a:latin typeface="Calibri"/>
               </a:rPr>
               <a:pPr/>
-              <a:t>7/26/21</a:t>
+              <a:t>7/28/21</a:t>
             </a:fld>
             <a:endParaRPr lang="en-US" dirty="0">
               <a:solidFill>
@@ -26663,7 +26663,7 @@
                 <a:latin typeface="Calibri"/>
               </a:rPr>
               <a:pPr/>
-              <a:t>7/26/21</a:t>
+              <a:t>7/28/21</a:t>
             </a:fld>
             <a:endParaRPr lang="en-US" dirty="0">
               <a:solidFill>
@@ -26947,7 +26947,7 @@
                 <a:latin typeface="Calibri"/>
               </a:rPr>
               <a:pPr/>
-              <a:t>7/26/21</a:t>
+              <a:t>7/28/21</a:t>
             </a:fld>
             <a:endParaRPr lang="en-US" dirty="0">
               <a:solidFill>
@@ -27289,7 +27289,7 @@
                 <a:latin typeface="Calibri"/>
               </a:rPr>
               <a:pPr/>
-              <a:t>7/26/21</a:t>
+              <a:t>7/28/21</a:t>
             </a:fld>
             <a:endParaRPr lang="en-US" dirty="0">
               <a:solidFill>
@@ -27617,7 +27617,7 @@
                 <a:latin typeface="Calibri"/>
               </a:rPr>
               <a:pPr/>
-              <a:t>7/26/21</a:t>
+              <a:t>7/28/21</a:t>
             </a:fld>
             <a:endParaRPr lang="en-US" dirty="0">
               <a:solidFill>
@@ -28106,7 +28106,7 @@
                 <a:latin typeface="Calibri"/>
               </a:rPr>
               <a:pPr/>
-              <a:t>7/26/21</a:t>
+              <a:t>7/28/21</a:t>
             </a:fld>
             <a:endParaRPr lang="en-US" dirty="0">
               <a:solidFill>
@@ -28289,7 +28289,7 @@
                 <a:latin typeface="Calibri"/>
               </a:rPr>
               <a:pPr/>
-              <a:t>7/26/21</a:t>
+              <a:t>7/28/21</a:t>
             </a:fld>
             <a:endParaRPr lang="en-US" dirty="0">
               <a:solidFill>
@@ -28535,7 +28535,7 @@
                 <a:latin typeface="Calibri"/>
               </a:rPr>
               <a:pPr/>
-              <a:t>7/26/21</a:t>
+              <a:t>7/28/21</a:t>
             </a:fld>
             <a:endParaRPr lang="en-US" dirty="0">
               <a:solidFill>
@@ -28877,7 +28877,7 @@
                 <a:latin typeface="Calibri"/>
               </a:rPr>
               <a:pPr/>
-              <a:t>7/26/21</a:t>
+              <a:t>7/28/21</a:t>
             </a:fld>
             <a:endParaRPr lang="en-US" dirty="0">
               <a:solidFill>
@@ -29169,7 +29169,7 @@
                 <a:latin typeface="Calibri"/>
               </a:rPr>
               <a:pPr/>
-              <a:t>7/26/21</a:t>
+              <a:t>7/28/21</a:t>
             </a:fld>
             <a:endParaRPr lang="en-US" dirty="0">
               <a:solidFill>
@@ -29419,7 +29419,7 @@
                 <a:latin typeface="Calibri"/>
               </a:rPr>
               <a:pPr defTabSz="914400"/>
-              <a:t>7/26/21</a:t>
+              <a:t>7/28/21</a:t>
             </a:fld>
             <a:endParaRPr lang="en-US" dirty="0">
               <a:solidFill>
@@ -32713,7 +32713,23 @@
           <a:p>
             <a:r>
               <a:rPr lang="en-US" dirty="0"/>
-              <a:t>Chunk 1 believes it is size 0x80!</a:t>
+              <a:t>Allocated chunk believes it is </a:t>
+            </a:r>
+            <a:r>
+              <a:rPr lang="en-US" b="1" i="1" dirty="0"/>
+              <a:t>size</a:t>
+            </a:r>
+            <a:r>
+              <a:rPr lang="en-US" dirty="0"/>
+              <a:t> </a:t>
+            </a:r>
+            <a:r>
+              <a:rPr lang="en-US" b="1" i="1" dirty="0"/>
+              <a:t>0x80</a:t>
+            </a:r>
+            <a:r>
+              <a:rPr lang="en-US" dirty="0"/>
+              <a:t>!</a:t>
             </a:r>
           </a:p>
           <a:p>
@@ -34048,7 +34064,7 @@
             <p:ph idx="1"/>
             <p:extLst>
               <p:ext uri="{D42A27DB-BD31-4B8C-83A1-F6EECF244321}">
-                <p14:modId xmlns:p14="http://schemas.microsoft.com/office/powerpoint/2010/main" val="2002607757"/>
+                <p14:modId xmlns:p14="http://schemas.microsoft.com/office/powerpoint/2010/main" val="651571923"/>
               </p:ext>
             </p:extLst>
           </p:nvPr>
@@ -34212,7 +34228,7 @@
           <a:p>
             <a:r>
               <a:rPr lang="en-US" dirty="0"/>
-              <a:t>Challenge</a:t>
+              <a:t>Exercise</a:t>
             </a:r>
           </a:p>
         </p:txBody>
@@ -42075,15 +42091,6 @@
           <a:solidFill>
             <a:srgbClr val="FFFFFF"/>
           </a:solidFill>
-          <a:extLst>
-            <a:ext uri="{909E8E84-426E-40DD-AFC4-6F175D3DCCD1}">
-              <a14:hiddenFill xmlns:a14="http://schemas.microsoft.com/office/drawing/2010/main">
-                <a:solidFill>
-                  <a:srgbClr val="FFFFFF"/>
-                </a:solidFill>
-              </a14:hiddenFill>
-            </a:ext>
-          </a:extLst>
         </p:spPr>
       </p:pic>
       <p:sp>
@@ -42618,15 +42625,6 @@
           <a:solidFill>
             <a:srgbClr val="FFFFFF"/>
           </a:solidFill>
-          <a:extLst>
-            <a:ext uri="{909E8E84-426E-40DD-AFC4-6F175D3DCCD1}">
-              <a14:hiddenFill xmlns:a14="http://schemas.microsoft.com/office/drawing/2010/main">
-                <a:solidFill>
-                  <a:srgbClr val="FFFFFF"/>
-                </a:solidFill>
-              </a14:hiddenFill>
-            </a:ext>
-          </a:extLst>
         </p:spPr>
       </p:pic>
       <p:sp>

--- a/modules/overlapping_chunks/OverlappingChunks.pptx
+++ b/modules/overlapping_chunks/OverlappingChunks.pptx
@@ -5,7 +5,7 @@
     <p:sldMasterId id="2147483660" r:id="rId1"/>
   </p:sldMasterIdLst>
   <p:notesMasterIdLst>
-    <p:notesMasterId r:id="rId49"/>
+    <p:notesMasterId r:id="rId50"/>
   </p:notesMasterIdLst>
   <p:sldIdLst>
     <p:sldId id="327" r:id="rId2"/>
@@ -51,10 +51,11 @@
     <p:sldId id="468" r:id="rId42"/>
     <p:sldId id="502" r:id="rId43"/>
     <p:sldId id="503" r:id="rId44"/>
-    <p:sldId id="507" r:id="rId45"/>
+    <p:sldId id="501" r:id="rId45"/>
     <p:sldId id="508" r:id="rId46"/>
-    <p:sldId id="509" r:id="rId47"/>
-    <p:sldId id="501" r:id="rId48"/>
+    <p:sldId id="510" r:id="rId47"/>
+    <p:sldId id="509" r:id="rId48"/>
+    <p:sldId id="507" r:id="rId49"/>
   </p:sldIdLst>
   <p:sldSz cx="9144000" cy="5143500" type="screen16x9"/>
   <p:notesSz cx="6858000" cy="9144000"/>
@@ -8554,8 +8555,8 @@
   <dgm:cxnLst>
     <dgm:cxn modelId="{77F8C411-C6F7-954F-ACB3-61E1E437A3A2}" type="presOf" srcId="{4D01C8A9-D548-4BA4-BD3D-8D2FA3854878}" destId="{8DCC8843-BC2A-3148-A040-3135C165986B}" srcOrd="0" destOrd="0" presId="urn:microsoft.com/office/officeart/2005/8/layout/vList2"/>
     <dgm:cxn modelId="{6BF84A18-9514-4C92-852F-B0AC7457BC2E}" srcId="{BEECF209-E3F8-4BE6-8232-2A2722474E1C}" destId="{3B79851E-5D84-4952-93E1-BDBBB5524751}" srcOrd="3" destOrd="0" parTransId="{8751386B-84B6-4633-BDA6-213E96077FF5}" sibTransId="{872A0B22-B5FF-4A2D-81F1-E72C481CA75B}"/>
+    <dgm:cxn modelId="{CA1BD45B-1657-574C-BF55-51D1900B2F25}" type="presOf" srcId="{F014046B-A73D-47A0-A1CF-0F9D9BB01F64}" destId="{0B8B636F-008B-9142-84D5-E381F07998A4}" srcOrd="0" destOrd="0" presId="urn:microsoft.com/office/officeart/2005/8/layout/vList2"/>
     <dgm:cxn modelId="{F638774D-79F2-4A77-9407-A5C73D5B67AD}" srcId="{BEECF209-E3F8-4BE6-8232-2A2722474E1C}" destId="{AC019E91-2C27-4253-B9B3-E918C941685B}" srcOrd="0" destOrd="0" parTransId="{61D98091-0121-49F5-B8BA-CC1D1A48A42B}" sibTransId="{4CC43A4C-24A6-4F58-8087-33D23E19A2A7}"/>
-    <dgm:cxn modelId="{CA1BD45B-1657-574C-BF55-51D1900B2F25}" type="presOf" srcId="{F014046B-A73D-47A0-A1CF-0F9D9BB01F64}" destId="{0B8B636F-008B-9142-84D5-E381F07998A4}" srcOrd="0" destOrd="0" presId="urn:microsoft.com/office/officeart/2005/8/layout/vList2"/>
     <dgm:cxn modelId="{9509B082-7876-F64E-A371-141AE472D7D0}" type="presOf" srcId="{4EA50EEC-9454-4797-A13A-4325C5867340}" destId="{6F99C41C-919A-0544-B4D7-F31BF4C99512}" srcOrd="0" destOrd="0" presId="urn:microsoft.com/office/officeart/2005/8/layout/vList2"/>
     <dgm:cxn modelId="{B4024890-FB66-4A3C-B1E1-B20542B12AB1}" srcId="{BEECF209-E3F8-4BE6-8232-2A2722474E1C}" destId="{906064D1-FFA1-444F-9886-662661D33E8D}" srcOrd="2" destOrd="0" parTransId="{E9FCC281-53BE-4903-A7BB-CE83AD19FE83}" sibTransId="{A3F21158-3C44-44BD-A01B-345BB0AA5D6C}"/>
     <dgm:cxn modelId="{C272C192-F1EF-4F07-9A40-1608D6F6C8F3}" srcId="{4EA50EEC-9454-4797-A13A-4325C5867340}" destId="{C198D9C5-7BF4-4A98-8F1E-BE8428997C82}" srcOrd="2" destOrd="0" parTransId="{35177B02-4117-492D-BACA-1414A38B573E}" sibTransId="{A8B4373C-3328-4146-9566-1D2F1C50F916}"/>
@@ -8920,8 +8921,8 @@
     <dgm:cxn modelId="{07CA3231-13D5-F14D-A5DA-5EDBED98EDB9}" type="presOf" srcId="{E802312F-9B3D-3741-81EE-C7AC1E44DA3C}" destId="{CBB16295-62D6-5940-BAFE-CF51A3DB87EE}" srcOrd="0" destOrd="0" presId="urn:microsoft.com/office/officeart/2005/8/layout/list1"/>
     <dgm:cxn modelId="{2898313C-2CAC-4D55-8EE7-296010AC25CC}" srcId="{96FCB8DC-A5C5-4AD2-B541-D2201410D619}" destId="{6FE5A3A1-31A7-4617-988B-2E169C892AFD}" srcOrd="0" destOrd="0" parTransId="{AEB0F21B-3A3E-465B-B78E-1E547311FD1F}" sibTransId="{0234F5A0-E399-4BE9-8A93-166C601CFFB1}"/>
     <dgm:cxn modelId="{9F4BA34F-048E-4E9C-927D-B5120B11346E}" srcId="{96FCB8DC-A5C5-4AD2-B541-D2201410D619}" destId="{B315C563-25AC-4059-A5C3-ACB814EEE7B2}" srcOrd="1" destOrd="0" parTransId="{1AD4F175-E02D-431E-B574-9E69D0F443E7}" sibTransId="{4E094300-0CEF-404A-9C2E-690F15E2044F}"/>
+    <dgm:cxn modelId="{295F1A71-2F34-F24F-AAB8-0120A62BFD06}" srcId="{96FCB8DC-A5C5-4AD2-B541-D2201410D619}" destId="{E802312F-9B3D-3741-81EE-C7AC1E44DA3C}" srcOrd="3" destOrd="0" parTransId="{8EB05139-373B-524D-9B57-E33E0E680E00}" sibTransId="{7A39C05C-61C7-0B4A-AA76-D570CE82EC85}"/>
     <dgm:cxn modelId="{93E8A055-269F-4955-B720-8EE8D119002F}" srcId="{96FCB8DC-A5C5-4AD2-B541-D2201410D619}" destId="{AAF37966-8F4E-4F41-AD64-1BC2227EDCA6}" srcOrd="2" destOrd="0" parTransId="{8BDB60AC-85AE-48F8-9E82-A960ABBBDC55}" sibTransId="{3C44DA59-A00F-4FA8-B19A-9303E9D5490B}"/>
-    <dgm:cxn modelId="{295F1A71-2F34-F24F-AAB8-0120A62BFD06}" srcId="{96FCB8DC-A5C5-4AD2-B541-D2201410D619}" destId="{E802312F-9B3D-3741-81EE-C7AC1E44DA3C}" srcOrd="3" destOrd="0" parTransId="{8EB05139-373B-524D-9B57-E33E0E680E00}" sibTransId="{7A39C05C-61C7-0B4A-AA76-D570CE82EC85}"/>
     <dgm:cxn modelId="{15CFF275-DD63-1843-A9F3-A75E2CA8B8EF}" type="presOf" srcId="{96FCB8DC-A5C5-4AD2-B541-D2201410D619}" destId="{9A9C0E2F-DD6C-D94B-82A8-B6FB20D77A77}" srcOrd="0" destOrd="0" presId="urn:microsoft.com/office/officeart/2005/8/layout/list1"/>
     <dgm:cxn modelId="{8CA37089-8E15-3249-A46B-9D55C800632D}" type="presOf" srcId="{6FE5A3A1-31A7-4617-988B-2E169C892AFD}" destId="{F8BD6819-7194-BA4F-B22A-F9469331C7A6}" srcOrd="0" destOrd="0" presId="urn:microsoft.com/office/officeart/2005/8/layout/list1"/>
     <dgm:cxn modelId="{5FC91EAF-8AE0-154A-AD69-B62FA3E9C6DE}" type="presOf" srcId="{A10E7682-FF7C-4C1D-BE53-C9FBBAC5DD53}" destId="{D60CC2F1-EDFE-1143-8CF8-47C5758F723A}" srcOrd="0" destOrd="0" presId="urn:microsoft.com/office/officeart/2005/8/layout/list1"/>
@@ -9534,9 +9535,9 @@
   </dgm:ptLst>
   <dgm:cxnLst>
     <dgm:cxn modelId="{11891E0C-3D4C-B64B-B873-C3AF8ADACE62}" type="presOf" srcId="{B9DBA713-7C82-4BE5-B910-D4F7F4AB5B4C}" destId="{7FA815B1-E52C-554C-B36F-979786D5E620}" srcOrd="0" destOrd="0" presId="urn:microsoft.com/office/officeart/2016/7/layout/BasicLinearProcessNumbered"/>
-    <dgm:cxn modelId="{8C3A3356-EEB1-A341-85A2-1202146735A9}" type="presOf" srcId="{7A6C7D34-F228-42B1-8E32-D90461CA767D}" destId="{9EC22EB9-1B91-0A4D-8ED3-0654199A5020}" srcOrd="0" destOrd="0" presId="urn:microsoft.com/office/officeart/2016/7/layout/BasicLinearProcessNumbered"/>
     <dgm:cxn modelId="{39389064-BF1C-7141-8B06-3A57CF271872}" type="presOf" srcId="{B9DBA713-7C82-4BE5-B910-D4F7F4AB5B4C}" destId="{7BA0193D-9729-1B4A-9BAA-1197999217A9}" srcOrd="1" destOrd="0" presId="urn:microsoft.com/office/officeart/2016/7/layout/BasicLinearProcessNumbered"/>
     <dgm:cxn modelId="{A2A61174-98BB-46EC-B364-7EDCC12B8B3A}" srcId="{7A6C7D34-F228-42B1-8E32-D90461CA767D}" destId="{68BE255B-92E2-4682-803F-4C2AAA61039D}" srcOrd="2" destOrd="0" parTransId="{BEDFB26C-92C5-4105-BA0D-B44867B9E001}" sibTransId="{2DFE985D-C936-49A5-909E-33ABAE9D2127}"/>
+    <dgm:cxn modelId="{8C3A3356-EEB1-A341-85A2-1202146735A9}" type="presOf" srcId="{7A6C7D34-F228-42B1-8E32-D90461CA767D}" destId="{9EC22EB9-1B91-0A4D-8ED3-0654199A5020}" srcOrd="0" destOrd="0" presId="urn:microsoft.com/office/officeart/2016/7/layout/BasicLinearProcessNumbered"/>
     <dgm:cxn modelId="{ABCEF68B-A739-47DA-9775-DB406A5BD419}" srcId="{7A6C7D34-F228-42B1-8E32-D90461CA767D}" destId="{B9DBA713-7C82-4BE5-B910-D4F7F4AB5B4C}" srcOrd="0" destOrd="0" parTransId="{B8128DD9-9539-4E54-A3FD-71870B7FFBFA}" sibTransId="{6DAA490B-20C2-472D-807A-4D49C1653F4E}"/>
     <dgm:cxn modelId="{0AE71CA3-11C9-FE45-96ED-71EBF4CB1F78}" type="presOf" srcId="{B04CE0F1-BA9B-4F2D-81A6-A47C190DA85D}" destId="{B98D4BB5-A4C0-FF4A-8760-20615E911E42}" srcOrd="0" destOrd="0" presId="urn:microsoft.com/office/officeart/2016/7/layout/BasicLinearProcessNumbered"/>
     <dgm:cxn modelId="{C775BFBB-5092-AD4E-974E-152008819290}" type="presOf" srcId="{850C4174-8C0D-41D1-B72E-67A23680C82C}" destId="{7AC0A8D3-6635-354D-9FB0-043350C61516}" srcOrd="0" destOrd="0" presId="urn:microsoft.com/office/officeart/2016/7/layout/BasicLinearProcessNumbered"/>
@@ -25539,7 +25540,7 @@
           <a:p>
             <a:fld id="{2DA23E8D-1792-1541-9147-970A8DD8A355}" type="datetimeFigureOut">
               <a:rPr lang="en-US" smtClean="0"/>
-              <a:t>7/28/21</a:t>
+              <a:t>8/2/2021</a:t>
             </a:fld>
             <a:endParaRPr lang="en-US" dirty="0"/>
           </a:p>
@@ -25937,22 +25938,7 @@
           <a:bodyPr/>
           <a:lstStyle/>
           <a:p>
-            <a:r>
-              <a:rPr lang="en-US" dirty="0"/>
-              <a:t>You have broken through the wall! </a:t>
-            </a:r>
-          </a:p>
-          <a:p>
-            <a:r>
-              <a:rPr lang="en-US" dirty="0"/>
-              <a:t>The mystery of heap exploitation is no more. We have turned it into just another tool on your belt. </a:t>
-            </a:r>
-          </a:p>
-          <a:p>
-            <a:r>
-              <a:rPr lang="en-US" dirty="0"/>
-              <a:t>Break the content down to the simplest primitives and everything becomes much easier. </a:t>
-            </a:r>
+            <a:endParaRPr lang="en-US" dirty="0"/>
           </a:p>
         </p:txBody>
       </p:sp>
@@ -25973,7 +25959,7 @@
           <a:p>
             <a:fld id="{AC55928C-CD14-454C-B617-1AFCF9A58596}" type="slidenum">
               <a:rPr lang="en-US" smtClean="0"/>
-              <a:t>46</a:t>
+              <a:t>47</a:t>
             </a:fld>
             <a:endParaRPr lang="en-US" dirty="0"/>
           </a:p>
@@ -25983,6 +25969,113 @@
     <p:extLst>
       <p:ext uri="{BB962C8B-B14F-4D97-AF65-F5344CB8AC3E}">
         <p14:creationId xmlns:p14="http://schemas.microsoft.com/office/powerpoint/2010/main" val="314999600"/>
+      </p:ext>
+    </p:extLst>
+  </p:cSld>
+  <p:clrMapOvr>
+    <a:masterClrMapping/>
+  </p:clrMapOvr>
+</p:notes>
+</file>
+
+<file path=ppt/notesSlides/notesSlide3.xml><?xml version="1.0" encoding="utf-8"?>
+<p:notes xmlns:a="http://schemas.openxmlformats.org/drawingml/2006/main" xmlns:r="http://schemas.openxmlformats.org/officeDocument/2006/relationships" xmlns:p="http://schemas.openxmlformats.org/presentationml/2006/main">
+  <p:cSld>
+    <p:spTree>
+      <p:nvGrpSpPr>
+        <p:cNvPr id="1" name=""/>
+        <p:cNvGrpSpPr/>
+        <p:nvPr/>
+      </p:nvGrpSpPr>
+      <p:grpSpPr>
+        <a:xfrm>
+          <a:off x="0" y="0"/>
+          <a:ext cx="0" cy="0"/>
+          <a:chOff x="0" y="0"/>
+          <a:chExt cx="0" cy="0"/>
+        </a:xfrm>
+      </p:grpSpPr>
+      <p:sp>
+        <p:nvSpPr>
+          <p:cNvPr id="2" name="Slide Image Placeholder 1"/>
+          <p:cNvSpPr>
+            <a:spLocks noGrp="1" noRot="1" noChangeAspect="1"/>
+          </p:cNvSpPr>
+          <p:nvPr>
+            <p:ph type="sldImg"/>
+          </p:nvPr>
+        </p:nvSpPr>
+        <p:spPr/>
+      </p:sp>
+      <p:sp>
+        <p:nvSpPr>
+          <p:cNvPr id="3" name="Notes Placeholder 2"/>
+          <p:cNvSpPr>
+            <a:spLocks noGrp="1"/>
+          </p:cNvSpPr>
+          <p:nvPr>
+            <p:ph type="body" idx="1"/>
+          </p:nvPr>
+        </p:nvSpPr>
+        <p:spPr/>
+        <p:txBody>
+          <a:bodyPr/>
+          <a:lstStyle/>
+          <a:p>
+            <a:pPr marL="0" marR="0" lvl="0" indent="0" algn="l" defTabSz="457200" rtl="0" eaLnBrk="1" fontAlgn="auto" latinLnBrk="0" hangingPunct="1">
+              <a:lnSpc>
+                <a:spcPct val="100000"/>
+              </a:lnSpc>
+              <a:spcBef>
+                <a:spcPts val="0"/>
+              </a:spcBef>
+              <a:spcAft>
+                <a:spcPts val="0"/>
+              </a:spcAft>
+              <a:buClrTx/>
+              <a:buSzTx/>
+              <a:buFontTx/>
+              <a:buNone/>
+              <a:tabLst/>
+              <a:defRPr/>
+            </a:pPr>
+            <a:r>
+              <a:rPr lang="en-US" dirty="0"/>
+              <a:t>Today, you have broken through the wall! You’ve ran the 4 minute mile, gotten the first job and now understand the basics of heap exploitation. We’ve tore through the complexity and difficulty by diving into the weeds of the allocator. What’s next for you guys? My advice: keep reading and keep understanding how things work; if you do this, you’ll go far. Now, go forth with this knowledge and hack the planet! </a:t>
+            </a:r>
+          </a:p>
+          <a:p>
+            <a:endParaRPr lang="en-US" dirty="0"/>
+          </a:p>
+        </p:txBody>
+      </p:sp>
+      <p:sp>
+        <p:nvSpPr>
+          <p:cNvPr id="4" name="Slide Number Placeholder 3"/>
+          <p:cNvSpPr>
+            <a:spLocks noGrp="1"/>
+          </p:cNvSpPr>
+          <p:nvPr>
+            <p:ph type="sldNum" sz="quarter" idx="5"/>
+          </p:nvPr>
+        </p:nvSpPr>
+        <p:spPr/>
+        <p:txBody>
+          <a:bodyPr/>
+          <a:lstStyle/>
+          <a:p>
+            <a:fld id="{AC55928C-CD14-454C-B617-1AFCF9A58596}" type="slidenum">
+              <a:rPr lang="en-US" smtClean="0"/>
+              <a:t>48</a:t>
+            </a:fld>
+            <a:endParaRPr lang="en-US" dirty="0"/>
+          </a:p>
+        </p:txBody>
+      </p:sp>
+    </p:spTree>
+    <p:extLst>
+      <p:ext uri="{BB962C8B-B14F-4D97-AF65-F5344CB8AC3E}">
+        <p14:creationId xmlns:p14="http://schemas.microsoft.com/office/powerpoint/2010/main" val="4085897967"/>
       </p:ext>
     </p:extLst>
   </p:cSld>
@@ -26195,7 +26288,7 @@
                 <a:latin typeface="Calibri"/>
               </a:rPr>
               <a:pPr/>
-              <a:t>7/28/21</a:t>
+              <a:t>8/2/2021</a:t>
             </a:fld>
             <a:endParaRPr lang="en-US" dirty="0">
               <a:solidFill>
@@ -26448,7 +26541,7 @@
                 <a:latin typeface="Calibri"/>
               </a:rPr>
               <a:pPr/>
-              <a:t>7/28/21</a:t>
+              <a:t>8/2/2021</a:t>
             </a:fld>
             <a:endParaRPr lang="en-US" dirty="0">
               <a:solidFill>
@@ -26663,7 +26756,7 @@
                 <a:latin typeface="Calibri"/>
               </a:rPr>
               <a:pPr/>
-              <a:t>7/28/21</a:t>
+              <a:t>8/2/2021</a:t>
             </a:fld>
             <a:endParaRPr lang="en-US" dirty="0">
               <a:solidFill>
@@ -26947,7 +27040,7 @@
                 <a:latin typeface="Calibri"/>
               </a:rPr>
               <a:pPr/>
-              <a:t>7/28/21</a:t>
+              <a:t>8/2/2021</a:t>
             </a:fld>
             <a:endParaRPr lang="en-US" dirty="0">
               <a:solidFill>
@@ -27289,7 +27382,7 @@
                 <a:latin typeface="Calibri"/>
               </a:rPr>
               <a:pPr/>
-              <a:t>7/28/21</a:t>
+              <a:t>8/2/2021</a:t>
             </a:fld>
             <a:endParaRPr lang="en-US" dirty="0">
               <a:solidFill>
@@ -27617,7 +27710,7 @@
                 <a:latin typeface="Calibri"/>
               </a:rPr>
               <a:pPr/>
-              <a:t>7/28/21</a:t>
+              <a:t>8/2/2021</a:t>
             </a:fld>
             <a:endParaRPr lang="en-US" dirty="0">
               <a:solidFill>
@@ -28106,7 +28199,7 @@
                 <a:latin typeface="Calibri"/>
               </a:rPr>
               <a:pPr/>
-              <a:t>7/28/21</a:t>
+              <a:t>8/2/2021</a:t>
             </a:fld>
             <a:endParaRPr lang="en-US" dirty="0">
               <a:solidFill>
@@ -28289,7 +28382,7 @@
                 <a:latin typeface="Calibri"/>
               </a:rPr>
               <a:pPr/>
-              <a:t>7/28/21</a:t>
+              <a:t>8/2/2021</a:t>
             </a:fld>
             <a:endParaRPr lang="en-US" dirty="0">
               <a:solidFill>
@@ -28535,7 +28628,7 @@
                 <a:latin typeface="Calibri"/>
               </a:rPr>
               <a:pPr/>
-              <a:t>7/28/21</a:t>
+              <a:t>8/2/2021</a:t>
             </a:fld>
             <a:endParaRPr lang="en-US" dirty="0">
               <a:solidFill>
@@ -28877,7 +28970,7 @@
                 <a:latin typeface="Calibri"/>
               </a:rPr>
               <a:pPr/>
-              <a:t>7/28/21</a:t>
+              <a:t>8/2/2021</a:t>
             </a:fld>
             <a:endParaRPr lang="en-US" dirty="0">
               <a:solidFill>
@@ -29169,7 +29262,7 @@
                 <a:latin typeface="Calibri"/>
               </a:rPr>
               <a:pPr/>
-              <a:t>7/28/21</a:t>
+              <a:t>8/2/2021</a:t>
             </a:fld>
             <a:endParaRPr lang="en-US" dirty="0">
               <a:solidFill>
@@ -29419,7 +29512,7 @@
                 <a:latin typeface="Calibri"/>
               </a:rPr>
               <a:pPr defTabSz="914400"/>
-              <a:t>7/28/21</a:t>
+              <a:t>8/2/2021</a:t>
             </a:fld>
             <a:endParaRPr lang="en-US" dirty="0">
               <a:solidFill>
@@ -33793,7 +33886,7 @@
         </p:spPr>
         <p:txBody>
           <a:bodyPr>
-            <a:normAutofit fontScale="90000"/>
+            <a:normAutofit/>
           </a:bodyPr>
           <a:lstStyle/>
           <a:p>
@@ -34389,7 +34482,7 @@
         </p:spPr>
         <p:txBody>
           <a:bodyPr vert="horz" lIns="91440" tIns="45720" rIns="91440" bIns="45720" rtlCol="0">
-            <a:normAutofit fontScale="92500"/>
+            <a:normAutofit/>
           </a:bodyPr>
           <a:lstStyle>
             <a:lvl1pPr marL="228600" indent="-228600" algn="l" defTabSz="914400" rtl="0" eaLnBrk="1" latinLnBrk="0" hangingPunct="1">
@@ -34807,6 +34900,214 @@
           </a:prstGeom>
         </p:spPr>
       </p:pic>
+      <p:sp>
+        <p:nvSpPr>
+          <p:cNvPr id="9" name="Content Placeholder 2">
+            <a:extLst>
+              <a:ext uri="{FF2B5EF4-FFF2-40B4-BE49-F238E27FC236}">
+                <a16:creationId xmlns:a16="http://schemas.microsoft.com/office/drawing/2014/main" id="{6F50B502-29B1-454A-986B-1560A8A5A981}"/>
+              </a:ext>
+            </a:extLst>
+          </p:cNvPr>
+          <p:cNvSpPr txBox="1">
+            <a:spLocks/>
+          </p:cNvSpPr>
+          <p:nvPr/>
+        </p:nvSpPr>
+        <p:spPr>
+          <a:xfrm>
+            <a:off x="6591159" y="3410319"/>
+            <a:ext cx="1388068" cy="535840"/>
+          </a:xfrm>
+          <a:prstGeom prst="rect">
+            <a:avLst/>
+          </a:prstGeom>
+        </p:spPr>
+        <p:txBody>
+          <a:bodyPr vert="horz" lIns="91440" tIns="45720" rIns="91440" bIns="45720" rtlCol="0">
+            <a:normAutofit/>
+          </a:bodyPr>
+          <a:lstStyle>
+            <a:lvl1pPr marL="228600" indent="-228600" algn="l" defTabSz="914400" rtl="0" eaLnBrk="1" latinLnBrk="0" hangingPunct="1">
+              <a:lnSpc>
+                <a:spcPct val="90000"/>
+              </a:lnSpc>
+              <a:spcBef>
+                <a:spcPts val="1000"/>
+              </a:spcBef>
+              <a:buFont typeface="Arial" panose="020B0604020202020204" pitchFamily="34" charset="0"/>
+              <a:buChar char="•"/>
+              <a:defRPr sz="2200" kern="1200">
+                <a:solidFill>
+                  <a:schemeClr val="tx1"/>
+                </a:solidFill>
+                <a:latin typeface="Avenir Book"/>
+                <a:ea typeface="+mn-ea"/>
+                <a:cs typeface="Avenir Book"/>
+              </a:defRPr>
+            </a:lvl1pPr>
+            <a:lvl2pPr marL="685800" indent="-228600" algn="l" defTabSz="914400" rtl="0" eaLnBrk="1" latinLnBrk="0" hangingPunct="1">
+              <a:lnSpc>
+                <a:spcPct val="90000"/>
+              </a:lnSpc>
+              <a:spcBef>
+                <a:spcPts val="500"/>
+              </a:spcBef>
+              <a:buFont typeface="Arial" panose="020B0604020202020204" pitchFamily="34" charset="0"/>
+              <a:buChar char="•"/>
+              <a:defRPr sz="2000" kern="1200">
+                <a:solidFill>
+                  <a:schemeClr val="tx1"/>
+                </a:solidFill>
+                <a:latin typeface="Avenir Book"/>
+                <a:ea typeface="+mn-ea"/>
+                <a:cs typeface="Avenir Book"/>
+              </a:defRPr>
+            </a:lvl2pPr>
+            <a:lvl3pPr marL="1143000" indent="-228600" algn="l" defTabSz="914400" rtl="0" eaLnBrk="1" latinLnBrk="0" hangingPunct="1">
+              <a:lnSpc>
+                <a:spcPct val="90000"/>
+              </a:lnSpc>
+              <a:spcBef>
+                <a:spcPts val="500"/>
+              </a:spcBef>
+              <a:buFont typeface="Arial" panose="020B0604020202020204" pitchFamily="34" charset="0"/>
+              <a:buChar char="•"/>
+              <a:defRPr sz="1800" kern="1200">
+                <a:solidFill>
+                  <a:schemeClr val="tx1"/>
+                </a:solidFill>
+                <a:latin typeface="Avenir Book"/>
+                <a:ea typeface="+mn-ea"/>
+                <a:cs typeface="Avenir Book"/>
+              </a:defRPr>
+            </a:lvl3pPr>
+            <a:lvl4pPr marL="1600200" indent="-228600" algn="l" defTabSz="914400" rtl="0" eaLnBrk="1" latinLnBrk="0" hangingPunct="1">
+              <a:lnSpc>
+                <a:spcPct val="90000"/>
+              </a:lnSpc>
+              <a:spcBef>
+                <a:spcPts val="500"/>
+              </a:spcBef>
+              <a:buFont typeface="Arial" panose="020B0604020202020204" pitchFamily="34" charset="0"/>
+              <a:buChar char="•"/>
+              <a:defRPr sz="2400" kern="1200">
+                <a:solidFill>
+                  <a:schemeClr val="tx1"/>
+                </a:solidFill>
+                <a:latin typeface="Avenir Book"/>
+                <a:ea typeface="+mn-ea"/>
+                <a:cs typeface="Avenir Book"/>
+              </a:defRPr>
+            </a:lvl4pPr>
+            <a:lvl5pPr marL="2057400" indent="-228600" algn="l" defTabSz="914400" rtl="0" eaLnBrk="1" latinLnBrk="0" hangingPunct="1">
+              <a:lnSpc>
+                <a:spcPct val="90000"/>
+              </a:lnSpc>
+              <a:spcBef>
+                <a:spcPts val="500"/>
+              </a:spcBef>
+              <a:buFont typeface="Arial" panose="020B0604020202020204" pitchFamily="34" charset="0"/>
+              <a:buChar char="•"/>
+              <a:defRPr sz="2400" kern="1200">
+                <a:solidFill>
+                  <a:schemeClr val="tx1"/>
+                </a:solidFill>
+                <a:latin typeface="Avenir Book"/>
+                <a:ea typeface="+mn-ea"/>
+                <a:cs typeface="Avenir Book"/>
+              </a:defRPr>
+            </a:lvl5pPr>
+            <a:lvl6pPr marL="2514600" indent="-228600" algn="l" defTabSz="914400" rtl="0" eaLnBrk="1" latinLnBrk="0" hangingPunct="1">
+              <a:lnSpc>
+                <a:spcPct val="90000"/>
+              </a:lnSpc>
+              <a:spcBef>
+                <a:spcPts val="500"/>
+              </a:spcBef>
+              <a:buFont typeface="Arial" panose="020B0604020202020204" pitchFamily="34" charset="0"/>
+              <a:buChar char="•"/>
+              <a:defRPr sz="1800" kern="1200">
+                <a:solidFill>
+                  <a:schemeClr val="tx1"/>
+                </a:solidFill>
+                <a:latin typeface="+mn-lt"/>
+                <a:ea typeface="+mn-ea"/>
+                <a:cs typeface="+mn-cs"/>
+              </a:defRPr>
+            </a:lvl6pPr>
+            <a:lvl7pPr marL="2971800" indent="-228600" algn="l" defTabSz="914400" rtl="0" eaLnBrk="1" latinLnBrk="0" hangingPunct="1">
+              <a:lnSpc>
+                <a:spcPct val="90000"/>
+              </a:lnSpc>
+              <a:spcBef>
+                <a:spcPts val="500"/>
+              </a:spcBef>
+              <a:buFont typeface="Arial" panose="020B0604020202020204" pitchFamily="34" charset="0"/>
+              <a:buChar char="•"/>
+              <a:defRPr sz="1800" kern="1200">
+                <a:solidFill>
+                  <a:schemeClr val="tx1"/>
+                </a:solidFill>
+                <a:latin typeface="+mn-lt"/>
+                <a:ea typeface="+mn-ea"/>
+                <a:cs typeface="+mn-cs"/>
+              </a:defRPr>
+            </a:lvl7pPr>
+            <a:lvl8pPr marL="3429000" indent="-228600" algn="l" defTabSz="914400" rtl="0" eaLnBrk="1" latinLnBrk="0" hangingPunct="1">
+              <a:lnSpc>
+                <a:spcPct val="90000"/>
+              </a:lnSpc>
+              <a:spcBef>
+                <a:spcPts val="500"/>
+              </a:spcBef>
+              <a:buFont typeface="Arial" panose="020B0604020202020204" pitchFamily="34" charset="0"/>
+              <a:buChar char="•"/>
+              <a:defRPr sz="1800" kern="1200">
+                <a:solidFill>
+                  <a:schemeClr val="tx1"/>
+                </a:solidFill>
+                <a:latin typeface="+mn-lt"/>
+                <a:ea typeface="+mn-ea"/>
+                <a:cs typeface="+mn-cs"/>
+              </a:defRPr>
+            </a:lvl8pPr>
+            <a:lvl9pPr marL="3886200" indent="-228600" algn="l" defTabSz="914400" rtl="0" eaLnBrk="1" latinLnBrk="0" hangingPunct="1">
+              <a:lnSpc>
+                <a:spcPct val="90000"/>
+              </a:lnSpc>
+              <a:spcBef>
+                <a:spcPts val="500"/>
+              </a:spcBef>
+              <a:buFont typeface="Arial" panose="020B0604020202020204" pitchFamily="34" charset="0"/>
+              <a:buChar char="•"/>
+              <a:defRPr sz="1800" kern="1200">
+                <a:solidFill>
+                  <a:schemeClr val="tx1"/>
+                </a:solidFill>
+                <a:latin typeface="+mn-lt"/>
+                <a:ea typeface="+mn-ea"/>
+                <a:cs typeface="+mn-cs"/>
+              </a:defRPr>
+            </a:lvl9pPr>
+          </a:lstStyle>
+          <a:p>
+            <a:pPr marL="0" indent="0">
+              <a:buNone/>
+            </a:pPr>
+            <a:r>
+              <a:rPr lang="en-US" b="1" dirty="0">
+                <a:solidFill>
+                  <a:srgbClr val="00B050"/>
+                </a:solidFill>
+                <a:latin typeface="Hiragino Kaku Gothic Std W8" panose="020B0800000000000000" pitchFamily="34" charset="-128"/>
+                <a:ea typeface="Hiragino Kaku Gothic Std W8" panose="020B0800000000000000" pitchFamily="34" charset="-128"/>
+              </a:rPr>
+              <a:t>String</a:t>
+            </a:r>
+          </a:p>
+        </p:txBody>
+      </p:sp>
     </p:spTree>
     <p:extLst>
       <p:ext uri="{BB962C8B-B14F-4D97-AF65-F5344CB8AC3E}">
@@ -42004,7 +42305,7 @@
 </file>
 
 <file path=ppt/slides/slide44.xml><?xml version="1.0" encoding="utf-8"?>
-<p:sld xmlns:a="http://schemas.openxmlformats.org/drawingml/2006/main" xmlns:r="http://schemas.openxmlformats.org/officeDocument/2006/relationships" xmlns:p="http://schemas.openxmlformats.org/presentationml/2006/main">
+<p:sld xmlns:a="http://schemas.openxmlformats.org/drawingml/2006/main" xmlns:r="http://schemas.openxmlformats.org/officeDocument/2006/relationships" xmlns:p="http://schemas.openxmlformats.org/presentationml/2006/main" show="0">
   <p:cSld>
     <p:spTree>
       <p:nvGrpSpPr>
@@ -42025,7 +42326,7 @@
           <p:cNvPr id="2" name="Title 1">
             <a:extLst>
               <a:ext uri="{FF2B5EF4-FFF2-40B4-BE49-F238E27FC236}">
-                <a16:creationId xmlns:a16="http://schemas.microsoft.com/office/drawing/2014/main" id="{5341F2AF-04FA-A34A-A2B4-196E0277D687}"/>
+                <a16:creationId xmlns:a16="http://schemas.microsoft.com/office/drawing/2014/main" id="{87FC5B4D-9793-8144-9CF9-BFE54BBB82FC}"/>
               </a:ext>
             </a:extLst>
           </p:cNvPr>
@@ -42036,69 +42337,24 @@
             <p:ph type="title"/>
           </p:nvPr>
         </p:nvSpPr>
-        <p:spPr>
-          <a:xfrm>
-            <a:off x="628650" y="273847"/>
-            <a:ext cx="7886700" cy="994172"/>
-          </a:xfrm>
-        </p:spPr>
+        <p:spPr/>
         <p:txBody>
-          <a:bodyPr anchor="ctr">
-            <a:normAutofit/>
-          </a:bodyPr>
+          <a:bodyPr/>
           <a:lstStyle/>
           <a:p>
             <a:r>
-              <a:rPr lang="en-US"/>
-              <a:t>This is the End!</a:t>
+              <a:rPr lang="en-US" dirty="0"/>
+              <a:t>Resources</a:t>
             </a:r>
           </a:p>
         </p:txBody>
       </p:sp>
-      <p:pic>
-        <p:nvPicPr>
-          <p:cNvPr id="1026" name="Picture 2" descr="Kid Cudi - Man On The Moon II: The Legend Of Mr. Rager - Amazon.com Music">
+      <p:sp>
+        <p:nvSpPr>
+          <p:cNvPr id="3" name="Content Placeholder 2">
             <a:extLst>
               <a:ext uri="{FF2B5EF4-FFF2-40B4-BE49-F238E27FC236}">
-                <a16:creationId xmlns:a16="http://schemas.microsoft.com/office/drawing/2014/main" id="{B66B8803-3511-854C-87F8-1C1788DD329D}"/>
-              </a:ext>
-            </a:extLst>
-          </p:cNvPr>
-          <p:cNvPicPr>
-            <a:picLocks noChangeAspect="1" noChangeArrowheads="1"/>
-          </p:cNvPicPr>
-          <p:nvPr/>
-        </p:nvPicPr>
-        <p:blipFill rotWithShape="1">
-          <a:blip r:embed="rId2">
-            <a:extLst>
-              <a:ext uri="{28A0092B-C50C-407E-A947-70E740481C1C}">
-                <a14:useLocalDpi xmlns:a14="http://schemas.microsoft.com/office/drawing/2010/main" val="0"/>
-              </a:ext>
-            </a:extLst>
-          </a:blip>
-          <a:srcRect b="16023"/>
-          <a:stretch/>
-        </p:blipFill>
-        <p:spPr bwMode="auto">
-          <a:xfrm>
-            <a:off x="628650" y="1369219"/>
-            <a:ext cx="3886200" cy="3263504"/>
-          </a:xfrm>
-          <a:prstGeom prst="rect">
-            <a:avLst/>
-          </a:prstGeom>
-          <a:solidFill>
-            <a:srgbClr val="FFFFFF"/>
-          </a:solidFill>
-        </p:spPr>
-      </p:pic>
-      <p:sp>
-        <p:nvSpPr>
-          <p:cNvPr id="71" name="Content Placeholder 3">
-            <a:extLst>
-              <a:ext uri="{FF2B5EF4-FFF2-40B4-BE49-F238E27FC236}">
-                <a16:creationId xmlns:a16="http://schemas.microsoft.com/office/drawing/2014/main" id="{356120E3-3173-4B03-8F91-EB26E21C92C3}"/>
+                <a16:creationId xmlns:a16="http://schemas.microsoft.com/office/drawing/2014/main" id="{C412E38E-6C8C-E44A-8AA5-07115B6A328D}"/>
               </a:ext>
             </a:extLst>
           </p:cNvPr>
@@ -42106,28 +42362,66 @@
             <a:spLocks noGrp="1"/>
           </p:cNvSpPr>
           <p:nvPr>
-            <p:ph sz="half" idx="2"/>
+            <p:ph idx="1"/>
           </p:nvPr>
         </p:nvSpPr>
-        <p:spPr>
-          <a:xfrm>
-            <a:off x="4629150" y="1369219"/>
-            <a:ext cx="3886200" cy="3263504"/>
-          </a:xfrm>
-        </p:spPr>
+        <p:spPr/>
         <p:txBody>
-          <a:bodyPr/>
+          <a:bodyPr>
+            <a:normAutofit lnSpcReduction="10000"/>
+          </a:bodyPr>
           <a:lstStyle/>
           <a:p>
             <a:r>
-              <a:rPr lang="en-US" dirty="0"/>
-              <a:t>The end of this workshop</a:t>
+              <a:rPr lang="en-US" dirty="0">
+                <a:hlinkClick r:id="rId2"/>
+              </a:rPr>
+              <a:t>https://blog.infosectcbr.com.au/2019/08/linux-heap-overlapping-chunks.html?m=1</a:t>
             </a:r>
           </a:p>
           <a:p>
             <a:r>
+              <a:rPr lang="en-US" dirty="0">
+                <a:hlinkClick r:id="rId2"/>
+              </a:rPr>
+              <a:t>https://pwning.tech/2021/01/21/overlapping-chunks-tcache/</a:t>
+            </a:r>
+          </a:p>
+          <a:p>
+            <a:r>
+              <a:rPr lang="en-US" dirty="0">
+                <a:hlinkClick r:id="rId2"/>
+              </a:rPr>
+              <a:t>https://heap-exploitation.dhavalkapil.com/attacks/shrinking_free_chunks</a:t>
+            </a:r>
+          </a:p>
+          <a:p>
+            <a:r>
+              <a:rPr lang="en-US" dirty="0">
+                <a:hlinkClick r:id="rId2"/>
+              </a:rPr>
+              <a:t>http://tukan.farm/2016/07/27/munmap-madness/ </a:t>
+            </a:r>
+          </a:p>
+          <a:p>
+            <a:r>
+              <a:rPr lang="en-US" dirty="0">
+                <a:hlinkClick r:id="rId2"/>
+              </a:rPr>
+              <a:t>https://maxwelldulin.com/BlogPost?post=6967456768</a:t>
+            </a:r>
+            <a:endParaRPr lang="en-US" dirty="0"/>
+          </a:p>
+          <a:p>
+            <a:r>
+              <a:rPr lang="en-US" dirty="0">
+                <a:hlinkClick r:id="rId3"/>
+              </a:rPr>
+              <a:t>https://googleprojectzero.blogspot.com/2014/08/the-poisoned-nul-byte-2014-edition.html</a:t>
+            </a:r>
+            <a:r>
               <a:rPr lang="en-US" dirty="0"/>
-              <a:t>But not the knowledge to be gained!</a:t>
+              <a:t>  </a:t>
             </a:r>
           </a:p>
         </p:txBody>
@@ -42135,7 +42429,7 @@
     </p:spTree>
     <p:extLst>
       <p:ext uri="{BB962C8B-B14F-4D97-AF65-F5344CB8AC3E}">
-        <p14:creationId xmlns:p14="http://schemas.microsoft.com/office/powerpoint/2010/main" val="3496172784"/>
+        <p14:creationId xmlns:p14="http://schemas.microsoft.com/office/powerpoint/2010/main" val="2240832914"/>
       </p:ext>
     </p:extLst>
   </p:cSld>
@@ -42558,6 +42852,145 @@
           <p:cNvPr id="2" name="Title 1">
             <a:extLst>
               <a:ext uri="{FF2B5EF4-FFF2-40B4-BE49-F238E27FC236}">
+                <a16:creationId xmlns:a16="http://schemas.microsoft.com/office/drawing/2014/main" id="{A43E1719-5CEE-4FC8-B6F0-9C5E3E3AE56D}"/>
+              </a:ext>
+            </a:extLst>
+          </p:cNvPr>
+          <p:cNvSpPr>
+            <a:spLocks noGrp="1"/>
+          </p:cNvSpPr>
+          <p:nvPr>
+            <p:ph type="title"/>
+          </p:nvPr>
+        </p:nvSpPr>
+        <p:spPr/>
+        <p:txBody>
+          <a:bodyPr/>
+          <a:lstStyle/>
+          <a:p>
+            <a:r>
+              <a:rPr lang="en-US" dirty="0"/>
+              <a:t>Want to Test Your New </a:t>
+            </a:r>
+            <a:r>
+              <a:rPr lang="en-US" dirty="0" err="1"/>
+              <a:t>Skillz</a:t>
+            </a:r>
+            <a:r>
+              <a:rPr lang="en-US" dirty="0"/>
+              <a:t>?</a:t>
+            </a:r>
+          </a:p>
+        </p:txBody>
+      </p:sp>
+      <p:sp>
+        <p:nvSpPr>
+          <p:cNvPr id="3" name="Content Placeholder 2">
+            <a:extLst>
+              <a:ext uri="{FF2B5EF4-FFF2-40B4-BE49-F238E27FC236}">
+                <a16:creationId xmlns:a16="http://schemas.microsoft.com/office/drawing/2014/main" id="{8AC90FE5-6544-47C7-A69C-365AC436DC9D}"/>
+              </a:ext>
+            </a:extLst>
+          </p:cNvPr>
+          <p:cNvSpPr>
+            <a:spLocks noGrp="1"/>
+          </p:cNvSpPr>
+          <p:nvPr>
+            <p:ph idx="1"/>
+          </p:nvPr>
+        </p:nvSpPr>
+        <p:spPr/>
+        <p:txBody>
+          <a:bodyPr/>
+          <a:lstStyle/>
+          <a:p>
+            <a:r>
+              <a:rPr lang="en-US" b="1" i="1" dirty="0" err="1"/>
+              <a:t>fd_poison</a:t>
+            </a:r>
+            <a:r>
+              <a:rPr lang="en-US" b="1" i="1" dirty="0"/>
+              <a:t>/challenge1</a:t>
+            </a:r>
+          </a:p>
+          <a:p>
+            <a:r>
+              <a:rPr lang="en-US" dirty="0"/>
+              <a:t>Real pwnable: </a:t>
+            </a:r>
+          </a:p>
+          <a:p>
+            <a:pPr lvl="1"/>
+            <a:r>
+              <a:rPr lang="en-US" dirty="0"/>
+              <a:t>Find the vulnerability </a:t>
+            </a:r>
+          </a:p>
+          <a:p>
+            <a:pPr lvl="1"/>
+            <a:r>
+              <a:rPr lang="en-US" dirty="0"/>
+              <a:t>Exploit vuln for information leak</a:t>
+            </a:r>
+          </a:p>
+          <a:p>
+            <a:pPr lvl="1"/>
+            <a:r>
+              <a:rPr lang="en-US" dirty="0"/>
+              <a:t>Exploit vuln for code execution</a:t>
+            </a:r>
+          </a:p>
+          <a:p>
+            <a:r>
+              <a:rPr lang="en-US" dirty="0"/>
+              <a:t>Can try this in stages via the </a:t>
+            </a:r>
+            <a:r>
+              <a:rPr lang="en-US" b="1" i="1" dirty="0"/>
+              <a:t>grab </a:t>
+            </a:r>
+            <a:r>
+              <a:rPr lang="en-US" dirty="0"/>
+              <a:t>command </a:t>
+            </a:r>
+          </a:p>
+        </p:txBody>
+      </p:sp>
+    </p:spTree>
+    <p:extLst>
+      <p:ext uri="{BB962C8B-B14F-4D97-AF65-F5344CB8AC3E}">
+        <p14:creationId xmlns:p14="http://schemas.microsoft.com/office/powerpoint/2010/main" val="828915048"/>
+      </p:ext>
+    </p:extLst>
+  </p:cSld>
+  <p:clrMapOvr>
+    <a:masterClrMapping/>
+  </p:clrMapOvr>
+</p:sld>
+</file>
+
+<file path=ppt/slides/slide47.xml><?xml version="1.0" encoding="utf-8"?>
+<p:sld xmlns:a="http://schemas.openxmlformats.org/drawingml/2006/main" xmlns:r="http://schemas.openxmlformats.org/officeDocument/2006/relationships" xmlns:p="http://schemas.openxmlformats.org/presentationml/2006/main">
+  <p:cSld>
+    <p:spTree>
+      <p:nvGrpSpPr>
+        <p:cNvPr id="1" name=""/>
+        <p:cNvGrpSpPr/>
+        <p:nvPr/>
+      </p:nvGrpSpPr>
+      <p:grpSpPr>
+        <a:xfrm>
+          <a:off x="0" y="0"/>
+          <a:ext cx="0" cy="0"/>
+          <a:chOff x="0" y="0"/>
+          <a:chExt cx="0" cy="0"/>
+        </a:xfrm>
+      </p:grpSpPr>
+      <p:sp>
+        <p:nvSpPr>
+          <p:cNvPr id="2" name="Title 1">
+            <a:extLst>
+              <a:ext uri="{FF2B5EF4-FFF2-40B4-BE49-F238E27FC236}">
                 <a16:creationId xmlns:a16="http://schemas.microsoft.com/office/drawing/2014/main" id="{2CF3D92C-4B78-114A-90EC-AEA81551D31B}"/>
               </a:ext>
             </a:extLst>
@@ -42718,7 +43151,7 @@
 </p:sld>
 </file>
 
-<file path=ppt/slides/slide47.xml><?xml version="1.0" encoding="utf-8"?>
+<file path=ppt/slides/slide48.xml><?xml version="1.0" encoding="utf-8"?>
 <p:sld xmlns:a="http://schemas.openxmlformats.org/drawingml/2006/main" xmlns:r="http://schemas.openxmlformats.org/officeDocument/2006/relationships" xmlns:p="http://schemas.openxmlformats.org/presentationml/2006/main">
   <p:cSld>
     <p:spTree>
@@ -42740,7 +43173,7 @@
           <p:cNvPr id="2" name="Title 1">
             <a:extLst>
               <a:ext uri="{FF2B5EF4-FFF2-40B4-BE49-F238E27FC236}">
-                <a16:creationId xmlns:a16="http://schemas.microsoft.com/office/drawing/2014/main" id="{87FC5B4D-9793-8144-9CF9-BFE54BBB82FC}"/>
+                <a16:creationId xmlns:a16="http://schemas.microsoft.com/office/drawing/2014/main" id="{5341F2AF-04FA-A34A-A2B4-196E0277D687}"/>
               </a:ext>
             </a:extLst>
           </p:cNvPr>
@@ -42751,24 +43184,69 @@
             <p:ph type="title"/>
           </p:nvPr>
         </p:nvSpPr>
-        <p:spPr/>
+        <p:spPr>
+          <a:xfrm>
+            <a:off x="628650" y="273847"/>
+            <a:ext cx="7886700" cy="994172"/>
+          </a:xfrm>
+        </p:spPr>
         <p:txBody>
-          <a:bodyPr/>
+          <a:bodyPr anchor="ctr">
+            <a:normAutofit/>
+          </a:bodyPr>
           <a:lstStyle/>
           <a:p>
             <a:r>
-              <a:rPr lang="en-US" dirty="0"/>
-              <a:t>Resources</a:t>
+              <a:rPr lang="en-US"/>
+              <a:t>This is the End!</a:t>
             </a:r>
           </a:p>
         </p:txBody>
       </p:sp>
+      <p:pic>
+        <p:nvPicPr>
+          <p:cNvPr id="1026" name="Picture 2" descr="Kid Cudi - Man On The Moon II: The Legend Of Mr. Rager - Amazon.com Music">
+            <a:extLst>
+              <a:ext uri="{FF2B5EF4-FFF2-40B4-BE49-F238E27FC236}">
+                <a16:creationId xmlns:a16="http://schemas.microsoft.com/office/drawing/2014/main" id="{B66B8803-3511-854C-87F8-1C1788DD329D}"/>
+              </a:ext>
+            </a:extLst>
+          </p:cNvPr>
+          <p:cNvPicPr>
+            <a:picLocks noChangeAspect="1" noChangeArrowheads="1"/>
+          </p:cNvPicPr>
+          <p:nvPr/>
+        </p:nvPicPr>
+        <p:blipFill rotWithShape="1">
+          <a:blip r:embed="rId3">
+            <a:extLst>
+              <a:ext uri="{28A0092B-C50C-407E-A947-70E740481C1C}">
+                <a14:useLocalDpi xmlns:a14="http://schemas.microsoft.com/office/drawing/2010/main" val="0"/>
+              </a:ext>
+            </a:extLst>
+          </a:blip>
+          <a:srcRect b="16023"/>
+          <a:stretch/>
+        </p:blipFill>
+        <p:spPr bwMode="auto">
+          <a:xfrm>
+            <a:off x="628650" y="1369219"/>
+            <a:ext cx="3886200" cy="3263504"/>
+          </a:xfrm>
+          <a:prstGeom prst="rect">
+            <a:avLst/>
+          </a:prstGeom>
+          <a:solidFill>
+            <a:srgbClr val="FFFFFF"/>
+          </a:solidFill>
+        </p:spPr>
+      </p:pic>
       <p:sp>
         <p:nvSpPr>
-          <p:cNvPr id="3" name="Content Placeholder 2">
+          <p:cNvPr id="71" name="Content Placeholder 3">
             <a:extLst>
               <a:ext uri="{FF2B5EF4-FFF2-40B4-BE49-F238E27FC236}">
-                <a16:creationId xmlns:a16="http://schemas.microsoft.com/office/drawing/2014/main" id="{C412E38E-6C8C-E44A-8AA5-07115B6A328D}"/>
+                <a16:creationId xmlns:a16="http://schemas.microsoft.com/office/drawing/2014/main" id="{356120E3-3173-4B03-8F91-EB26E21C92C3}"/>
               </a:ext>
             </a:extLst>
           </p:cNvPr>
@@ -42776,66 +43254,55 @@
             <a:spLocks noGrp="1"/>
           </p:cNvSpPr>
           <p:nvPr>
-            <p:ph idx="1"/>
+            <p:ph sz="half" idx="2"/>
           </p:nvPr>
         </p:nvSpPr>
-        <p:spPr/>
+        <p:spPr>
+          <a:xfrm>
+            <a:off x="4629150" y="1369219"/>
+            <a:ext cx="3886200" cy="3263504"/>
+          </a:xfrm>
+        </p:spPr>
         <p:txBody>
-          <a:bodyPr>
-            <a:normAutofit fontScale="92500"/>
-          </a:bodyPr>
+          <a:bodyPr/>
           <a:lstStyle/>
           <a:p>
             <a:r>
-              <a:rPr lang="en-US" dirty="0">
-                <a:hlinkClick r:id="rId2"/>
-              </a:rPr>
-              <a:t>https://blog.infosectcbr.com.au/2019/08/linux-heap-overlapping-chunks.html?m=1</a:t>
+              <a:rPr lang="en-US" dirty="0"/>
+              <a:t>Instructors: </a:t>
             </a:r>
           </a:p>
           <a:p>
+            <a:pPr lvl="1"/>
             <a:r>
-              <a:rPr lang="en-US" dirty="0">
-                <a:hlinkClick r:id="rId2"/>
-              </a:rPr>
-              <a:t>https://pwning.tech/2021/01/21/overlapping-chunks-tcache/</a:t>
+              <a:rPr lang="en-US" dirty="0"/>
+              <a:t>Maxwell Dulin </a:t>
             </a:r>
           </a:p>
           <a:p>
+            <a:pPr lvl="1"/>
             <a:r>
-              <a:rPr lang="en-US" dirty="0">
-                <a:hlinkClick r:id="rId2"/>
-              </a:rPr>
-              <a:t>https://heap-exploitation.dhavalkapil.com/attacks/shrinking_free_chunks</a:t>
+              <a:rPr lang="en-US" dirty="0"/>
+              <a:t>James Dolan </a:t>
             </a:r>
           </a:p>
           <a:p>
+            <a:pPr lvl="1"/>
             <a:r>
-              <a:rPr lang="en-US" dirty="0">
-                <a:hlinkClick r:id="rId2"/>
-              </a:rPr>
-              <a:t>http://tukan.farm/2016/07/27/munmap-madness/ </a:t>
+              <a:rPr lang="en-US" dirty="0"/>
+              <a:t>Zach </a:t>
             </a:r>
-          </a:p>
-          <a:p>
             <a:r>
-              <a:rPr lang="en-US" dirty="0">
-                <a:hlinkClick r:id="rId2"/>
-              </a:rPr>
-              <a:t>https://maxwelldulin.com/BlogPost?post=6967456768</a:t>
+              <a:rPr lang="en-US" dirty="0" err="1"/>
+              <a:t>Minneker</a:t>
             </a:r>
             <a:endParaRPr lang="en-US" dirty="0"/>
           </a:p>
           <a:p>
-            <a:r>
-              <a:rPr lang="en-US" dirty="0">
-                <a:hlinkClick r:id="rId3"/>
-              </a:rPr>
-              <a:t>https://googleprojectzero.blogspot.com/2014/08/the-poisoned-nul-byte-2014-edition.html</a:t>
-            </a:r>
+            <a:pPr lvl="1"/>
             <a:r>
               <a:rPr lang="en-US" dirty="0"/>
-              <a:t>  </a:t>
+              <a:t>Kevin Choi</a:t>
             </a:r>
           </a:p>
         </p:txBody>
@@ -42843,7 +43310,7 @@
     </p:spTree>
     <p:extLst>
       <p:ext uri="{BB962C8B-B14F-4D97-AF65-F5344CB8AC3E}">
-        <p14:creationId xmlns:p14="http://schemas.microsoft.com/office/powerpoint/2010/main" val="4098492728"/>
+        <p14:creationId xmlns:p14="http://schemas.microsoft.com/office/powerpoint/2010/main" val="3496172784"/>
       </p:ext>
     </p:extLst>
   </p:cSld>

--- a/modules/overlapping_chunks/OverlappingChunks.pptx
+++ b/modules/overlapping_chunks/OverlappingChunks.pptx
@@ -9265,7 +9265,7 @@
   <dgm:whole/>
   <dgm:extLst>
     <a:ext uri="http://schemas.microsoft.com/office/drawing/2008/diagram">
-      <dsp:dataModelExt xmlns:dsp="http://schemas.microsoft.com/office/drawing/2008/diagram" relId="rId6" minVer="http://schemas.openxmlformats.org/drawingml/2006/diagram"/>
+      <dsp:dataModelExt xmlns:dsp="http://schemas.microsoft.com/office/drawing/2008/diagram" relId="rId7" minVer="http://schemas.openxmlformats.org/drawingml/2006/diagram"/>
     </a:ext>
   </dgm:extLst>
 </dgm:dataModel>
@@ -25540,7 +25540,7 @@
           <a:p>
             <a:fld id="{2DA23E8D-1792-1541-9147-970A8DD8A355}" type="datetimeFigureOut">
               <a:rPr lang="en-US" smtClean="0"/>
-              <a:t>8/2/2021</a:t>
+              <a:t>8/3/2021</a:t>
             </a:fld>
             <a:endParaRPr lang="en-US" dirty="0"/>
           </a:p>
@@ -25938,6 +25938,93 @@
           <a:bodyPr/>
           <a:lstStyle/>
           <a:p>
+            <a:r>
+              <a:rPr lang="en-US" dirty="0"/>
+              <a:t>STOP HERE for questions!</a:t>
+            </a:r>
+          </a:p>
+        </p:txBody>
+      </p:sp>
+      <p:sp>
+        <p:nvSpPr>
+          <p:cNvPr id="4" name="Slide Number Placeholder 3"/>
+          <p:cNvSpPr>
+            <a:spLocks noGrp="1"/>
+          </p:cNvSpPr>
+          <p:nvPr>
+            <p:ph type="sldNum" sz="quarter" idx="5"/>
+          </p:nvPr>
+        </p:nvSpPr>
+        <p:spPr/>
+        <p:txBody>
+          <a:bodyPr/>
+          <a:lstStyle/>
+          <a:p>
+            <a:fld id="{AC55928C-CD14-454C-B617-1AFCF9A58596}" type="slidenum">
+              <a:rPr lang="en-US" smtClean="0"/>
+              <a:t>23</a:t>
+            </a:fld>
+            <a:endParaRPr lang="en-US" dirty="0"/>
+          </a:p>
+        </p:txBody>
+      </p:sp>
+    </p:spTree>
+    <p:extLst>
+      <p:ext uri="{BB962C8B-B14F-4D97-AF65-F5344CB8AC3E}">
+        <p14:creationId xmlns:p14="http://schemas.microsoft.com/office/powerpoint/2010/main" val="3546683814"/>
+      </p:ext>
+    </p:extLst>
+  </p:cSld>
+  <p:clrMapOvr>
+    <a:masterClrMapping/>
+  </p:clrMapOvr>
+</p:notes>
+</file>
+
+<file path=ppt/notesSlides/notesSlide3.xml><?xml version="1.0" encoding="utf-8"?>
+<p:notes xmlns:a="http://schemas.openxmlformats.org/drawingml/2006/main" xmlns:r="http://schemas.openxmlformats.org/officeDocument/2006/relationships" xmlns:p="http://schemas.openxmlformats.org/presentationml/2006/main">
+  <p:cSld>
+    <p:spTree>
+      <p:nvGrpSpPr>
+        <p:cNvPr id="1" name=""/>
+        <p:cNvGrpSpPr/>
+        <p:nvPr/>
+      </p:nvGrpSpPr>
+      <p:grpSpPr>
+        <a:xfrm>
+          <a:off x="0" y="0"/>
+          <a:ext cx="0" cy="0"/>
+          <a:chOff x="0" y="0"/>
+          <a:chExt cx="0" cy="0"/>
+        </a:xfrm>
+      </p:grpSpPr>
+      <p:sp>
+        <p:nvSpPr>
+          <p:cNvPr id="2" name="Slide Image Placeholder 1"/>
+          <p:cNvSpPr>
+            <a:spLocks noGrp="1" noRot="1" noChangeAspect="1"/>
+          </p:cNvSpPr>
+          <p:nvPr>
+            <p:ph type="sldImg"/>
+          </p:nvPr>
+        </p:nvSpPr>
+        <p:spPr/>
+      </p:sp>
+      <p:sp>
+        <p:nvSpPr>
+          <p:cNvPr id="3" name="Notes Placeholder 2"/>
+          <p:cNvSpPr>
+            <a:spLocks noGrp="1"/>
+          </p:cNvSpPr>
+          <p:nvPr>
+            <p:ph type="body" idx="1"/>
+          </p:nvPr>
+        </p:nvSpPr>
+        <p:spPr/>
+        <p:txBody>
+          <a:bodyPr/>
+          <a:lstStyle/>
+          <a:p>
             <a:endParaRPr lang="en-US" dirty="0"/>
           </a:p>
         </p:txBody>
@@ -25978,7 +26065,7 @@
 </p:notes>
 </file>
 
-<file path=ppt/notesSlides/notesSlide3.xml><?xml version="1.0" encoding="utf-8"?>
+<file path=ppt/notesSlides/notesSlide4.xml><?xml version="1.0" encoding="utf-8"?>
 <p:notes xmlns:a="http://schemas.openxmlformats.org/drawingml/2006/main" xmlns:r="http://schemas.openxmlformats.org/officeDocument/2006/relationships" xmlns:p="http://schemas.openxmlformats.org/presentationml/2006/main">
   <p:cSld>
     <p:spTree>
@@ -26041,10 +26128,16 @@
             </a:pPr>
             <a:r>
               <a:rPr lang="en-US" dirty="0"/>
-              <a:t>Today, you have broken through the wall! You’ve ran the 4 minute mile, gotten the first job and now understand the basics of heap exploitation. We’ve tore through the complexity and difficulty by diving into the weeds of the allocator. What’s next for you guys? My advice: keep reading and keep understanding how things work; if you do this, you’ll go far. Now, go forth with this knowledge and hack the planet! </a:t>
+              <a:t>Today, you have broken through the wall! You’ve ran the 4 minute mile, gotten the first job and now understand the basics of heap exploitation. We’ve tore through the complexity and difficulty by diving into the weeds of the allocator. What’s next for you guys? My advice: understand systems deeply; most of the difficultly/complexity in heap exploitation comes from not fully understanding how the allocator works. The more you understand how something works, the easier it is to </a:t>
             </a:r>
-          </a:p>
-          <a:p>
+            <a:r>
+              <a:rPr lang="en-US" dirty="0" err="1"/>
+              <a:t>pwn</a:t>
+            </a:r>
+            <a:r>
+              <a:rPr lang="en-US"/>
+              <a:t>. </a:t>
+            </a:r>
             <a:endParaRPr lang="en-US" dirty="0"/>
           </a:p>
         </p:txBody>
@@ -26288,7 +26381,7 @@
                 <a:latin typeface="Calibri"/>
               </a:rPr>
               <a:pPr/>
-              <a:t>8/2/2021</a:t>
+              <a:t>8/3/2021</a:t>
             </a:fld>
             <a:endParaRPr lang="en-US" dirty="0">
               <a:solidFill>
@@ -26541,7 +26634,7 @@
                 <a:latin typeface="Calibri"/>
               </a:rPr>
               <a:pPr/>
-              <a:t>8/2/2021</a:t>
+              <a:t>8/3/2021</a:t>
             </a:fld>
             <a:endParaRPr lang="en-US" dirty="0">
               <a:solidFill>
@@ -26756,7 +26849,7 @@
                 <a:latin typeface="Calibri"/>
               </a:rPr>
               <a:pPr/>
-              <a:t>8/2/2021</a:t>
+              <a:t>8/3/2021</a:t>
             </a:fld>
             <a:endParaRPr lang="en-US" dirty="0">
               <a:solidFill>
@@ -27040,7 +27133,7 @@
                 <a:latin typeface="Calibri"/>
               </a:rPr>
               <a:pPr/>
-              <a:t>8/2/2021</a:t>
+              <a:t>8/3/2021</a:t>
             </a:fld>
             <a:endParaRPr lang="en-US" dirty="0">
               <a:solidFill>
@@ -27382,7 +27475,7 @@
                 <a:latin typeface="Calibri"/>
               </a:rPr>
               <a:pPr/>
-              <a:t>8/2/2021</a:t>
+              <a:t>8/3/2021</a:t>
             </a:fld>
             <a:endParaRPr lang="en-US" dirty="0">
               <a:solidFill>
@@ -27710,7 +27803,7 @@
                 <a:latin typeface="Calibri"/>
               </a:rPr>
               <a:pPr/>
-              <a:t>8/2/2021</a:t>
+              <a:t>8/3/2021</a:t>
             </a:fld>
             <a:endParaRPr lang="en-US" dirty="0">
               <a:solidFill>
@@ -28199,7 +28292,7 @@
                 <a:latin typeface="Calibri"/>
               </a:rPr>
               <a:pPr/>
-              <a:t>8/2/2021</a:t>
+              <a:t>8/3/2021</a:t>
             </a:fld>
             <a:endParaRPr lang="en-US" dirty="0">
               <a:solidFill>
@@ -28382,7 +28475,7 @@
                 <a:latin typeface="Calibri"/>
               </a:rPr>
               <a:pPr/>
-              <a:t>8/2/2021</a:t>
+              <a:t>8/3/2021</a:t>
             </a:fld>
             <a:endParaRPr lang="en-US" dirty="0">
               <a:solidFill>
@@ -28628,7 +28721,7 @@
                 <a:latin typeface="Calibri"/>
               </a:rPr>
               <a:pPr/>
-              <a:t>8/2/2021</a:t>
+              <a:t>8/3/2021</a:t>
             </a:fld>
             <a:endParaRPr lang="en-US" dirty="0">
               <a:solidFill>
@@ -28970,7 +29063,7 @@
                 <a:latin typeface="Calibri"/>
               </a:rPr>
               <a:pPr/>
-              <a:t>8/2/2021</a:t>
+              <a:t>8/3/2021</a:t>
             </a:fld>
             <a:endParaRPr lang="en-US" dirty="0">
               <a:solidFill>
@@ -29262,7 +29355,7 @@
                 <a:latin typeface="Calibri"/>
               </a:rPr>
               <a:pPr/>
-              <a:t>8/2/2021</a:t>
+              <a:t>8/3/2021</a:t>
             </a:fld>
             <a:endParaRPr lang="en-US" dirty="0">
               <a:solidFill>
@@ -29512,7 +29605,7 @@
                 <a:latin typeface="Calibri"/>
               </a:rPr>
               <a:pPr defTabSz="914400"/>
-              <a:t>8/2/2021</a:t>
+              <a:t>8/3/2021</a:t>
             </a:fld>
             <a:endParaRPr lang="en-US" dirty="0">
               <a:solidFill>
@@ -34264,7 +34357,7 @@
         </p:xfrm>
         <a:graphic>
           <a:graphicData uri="http://schemas.openxmlformats.org/drawingml/2006/diagram">
-            <dgm:relIds xmlns:dgm="http://schemas.openxmlformats.org/drawingml/2006/diagram" xmlns:r="http://schemas.openxmlformats.org/officeDocument/2006/relationships" r:dm="rId2" r:lo="rId3" r:qs="rId4" r:cs="rId5"/>
+            <dgm:relIds xmlns:dgm="http://schemas.openxmlformats.org/drawingml/2006/diagram" xmlns:r="http://schemas.openxmlformats.org/officeDocument/2006/relationships" r:dm="rId3" r:lo="rId4" r:qs="rId5" r:cs="rId6"/>
           </a:graphicData>
         </a:graphic>
       </p:graphicFrame>
@@ -43260,7 +43353,7 @@
         <p:spPr>
           <a:xfrm>
             <a:off x="4629150" y="1369219"/>
-            <a:ext cx="3886200" cy="3263504"/>
+            <a:ext cx="4419434" cy="3263504"/>
           </a:xfrm>
         </p:spPr>
         <p:txBody>
@@ -43276,14 +43369,14 @@
             <a:pPr lvl="1"/>
             <a:r>
               <a:rPr lang="en-US" dirty="0"/>
-              <a:t>Maxwell Dulin </a:t>
+              <a:t>Maxwell Dulin - @dooflin5</a:t>
             </a:r>
           </a:p>
           <a:p>
             <a:pPr lvl="1"/>
             <a:r>
               <a:rPr lang="en-US" dirty="0"/>
-              <a:t>James Dolan </a:t>
+              <a:t>James Dolan - @jdolan503</a:t>
             </a:r>
           </a:p>
           <a:p>
@@ -43296,7 +43389,19 @@
               <a:rPr lang="en-US" dirty="0" err="1"/>
               <a:t>Minneker</a:t>
             </a:r>
-            <a:endParaRPr lang="en-US" dirty="0"/>
+            <a:r>
+              <a:rPr lang="en-US" dirty="0"/>
+              <a:t> - @seiranib (it’s </a:t>
+            </a:r>
+            <a:r>
+              <a:rPr lang="en-US" i="1" dirty="0"/>
+              <a:t>binaries </a:t>
+            </a:r>
+            <a:r>
+              <a:rPr lang="en-US" dirty="0"/>
+              <a:t>backwards) </a:t>
+            </a:r>
+            <a:endParaRPr lang="en-US" i="1" dirty="0"/>
           </a:p>
           <a:p>
             <a:pPr lvl="1"/>

--- a/modules/overlapping_chunks/OverlappingChunks.pptx
+++ b/modules/overlapping_chunks/OverlappingChunks.pptx
@@ -5,7 +5,7 @@
     <p:sldMasterId id="2147483660" r:id="rId1"/>
   </p:sldMasterIdLst>
   <p:notesMasterIdLst>
-    <p:notesMasterId r:id="rId47"/>
+    <p:notesMasterId r:id="rId51"/>
   </p:notesMasterIdLst>
   <p:sldIdLst>
     <p:sldId id="327" r:id="rId2"/>
@@ -47,12 +47,16 @@
     <p:sldId id="493" r:id="rId38"/>
     <p:sldId id="494" r:id="rId39"/>
     <p:sldId id="495" r:id="rId40"/>
-    <p:sldId id="506" r:id="rId41"/>
+    <p:sldId id="507" r:id="rId41"/>
     <p:sldId id="504" r:id="rId42"/>
     <p:sldId id="468" r:id="rId43"/>
     <p:sldId id="502" r:id="rId44"/>
     <p:sldId id="503" r:id="rId45"/>
-    <p:sldId id="501" r:id="rId46"/>
+    <p:sldId id="508" r:id="rId46"/>
+    <p:sldId id="510" r:id="rId47"/>
+    <p:sldId id="509" r:id="rId48"/>
+    <p:sldId id="511" r:id="rId49"/>
+    <p:sldId id="501" r:id="rId50"/>
   </p:sldIdLst>
   <p:sldSz cx="9144000" cy="5143500" type="screen16x9"/>
   <p:notesSz cx="6858000" cy="9144000"/>
@@ -25537,7 +25541,7 @@
           <a:p>
             <a:fld id="{2DA23E8D-1792-1541-9147-970A8DD8A355}" type="datetimeFigureOut">
               <a:rPr lang="en-US" smtClean="0"/>
-              <a:t>7/2/21</a:t>
+              <a:t>9/19/21</a:t>
             </a:fld>
             <a:endParaRPr lang="en-US" dirty="0"/>
           </a:p>
@@ -25891,6 +25895,203 @@
 </p:notes>
 </file>
 
+<file path=ppt/notesSlides/notesSlide2.xml><?xml version="1.0" encoding="utf-8"?>
+<p:notes xmlns:a="http://schemas.openxmlformats.org/drawingml/2006/main" xmlns:r="http://schemas.openxmlformats.org/officeDocument/2006/relationships" xmlns:p="http://schemas.openxmlformats.org/presentationml/2006/main">
+  <p:cSld>
+    <p:spTree>
+      <p:nvGrpSpPr>
+        <p:cNvPr id="1" name=""/>
+        <p:cNvGrpSpPr/>
+        <p:nvPr/>
+      </p:nvGrpSpPr>
+      <p:grpSpPr>
+        <a:xfrm>
+          <a:off x="0" y="0"/>
+          <a:ext cx="0" cy="0"/>
+          <a:chOff x="0" y="0"/>
+          <a:chExt cx="0" cy="0"/>
+        </a:xfrm>
+      </p:grpSpPr>
+      <p:sp>
+        <p:nvSpPr>
+          <p:cNvPr id="2" name="Slide Image Placeholder 1"/>
+          <p:cNvSpPr>
+            <a:spLocks noGrp="1" noRot="1" noChangeAspect="1"/>
+          </p:cNvSpPr>
+          <p:nvPr>
+            <p:ph type="sldImg"/>
+          </p:nvPr>
+        </p:nvSpPr>
+        <p:spPr/>
+      </p:sp>
+      <p:sp>
+        <p:nvSpPr>
+          <p:cNvPr id="3" name="Notes Placeholder 2"/>
+          <p:cNvSpPr>
+            <a:spLocks noGrp="1"/>
+          </p:cNvSpPr>
+          <p:nvPr>
+            <p:ph type="body" idx="1"/>
+          </p:nvPr>
+        </p:nvSpPr>
+        <p:spPr/>
+        <p:txBody>
+          <a:bodyPr/>
+          <a:lstStyle/>
+          <a:p>
+            <a:endParaRPr lang="en-US" dirty="0"/>
+          </a:p>
+        </p:txBody>
+      </p:sp>
+      <p:sp>
+        <p:nvSpPr>
+          <p:cNvPr id="4" name="Slide Number Placeholder 3"/>
+          <p:cNvSpPr>
+            <a:spLocks noGrp="1"/>
+          </p:cNvSpPr>
+          <p:nvPr>
+            <p:ph type="sldNum" sz="quarter" idx="5"/>
+          </p:nvPr>
+        </p:nvSpPr>
+        <p:spPr/>
+        <p:txBody>
+          <a:bodyPr/>
+          <a:lstStyle/>
+          <a:p>
+            <a:fld id="{AC55928C-CD14-454C-B617-1AFCF9A58596}" type="slidenum">
+              <a:rPr lang="en-US" smtClean="0"/>
+              <a:t>47</a:t>
+            </a:fld>
+            <a:endParaRPr lang="en-US" dirty="0"/>
+          </a:p>
+        </p:txBody>
+      </p:sp>
+    </p:spTree>
+    <p:extLst>
+      <p:ext uri="{BB962C8B-B14F-4D97-AF65-F5344CB8AC3E}">
+        <p14:creationId xmlns:p14="http://schemas.microsoft.com/office/powerpoint/2010/main" val="314999600"/>
+      </p:ext>
+    </p:extLst>
+  </p:cSld>
+  <p:clrMapOvr>
+    <a:masterClrMapping/>
+  </p:clrMapOvr>
+</p:notes>
+</file>
+
+<file path=ppt/notesSlides/notesSlide3.xml><?xml version="1.0" encoding="utf-8"?>
+<p:notes xmlns:a="http://schemas.openxmlformats.org/drawingml/2006/main" xmlns:r="http://schemas.openxmlformats.org/officeDocument/2006/relationships" xmlns:p="http://schemas.openxmlformats.org/presentationml/2006/main">
+  <p:cSld>
+    <p:spTree>
+      <p:nvGrpSpPr>
+        <p:cNvPr id="1" name=""/>
+        <p:cNvGrpSpPr/>
+        <p:nvPr/>
+      </p:nvGrpSpPr>
+      <p:grpSpPr>
+        <a:xfrm>
+          <a:off x="0" y="0"/>
+          <a:ext cx="0" cy="0"/>
+          <a:chOff x="0" y="0"/>
+          <a:chExt cx="0" cy="0"/>
+        </a:xfrm>
+      </p:grpSpPr>
+      <p:sp>
+        <p:nvSpPr>
+          <p:cNvPr id="2" name="Slide Image Placeholder 1"/>
+          <p:cNvSpPr>
+            <a:spLocks noGrp="1" noRot="1" noChangeAspect="1"/>
+          </p:cNvSpPr>
+          <p:nvPr>
+            <p:ph type="sldImg"/>
+          </p:nvPr>
+        </p:nvSpPr>
+        <p:spPr/>
+      </p:sp>
+      <p:sp>
+        <p:nvSpPr>
+          <p:cNvPr id="3" name="Notes Placeholder 2"/>
+          <p:cNvSpPr>
+            <a:spLocks noGrp="1"/>
+          </p:cNvSpPr>
+          <p:nvPr>
+            <p:ph type="body" idx="1"/>
+          </p:nvPr>
+        </p:nvSpPr>
+        <p:spPr/>
+        <p:txBody>
+          <a:bodyPr/>
+          <a:lstStyle/>
+          <a:p>
+            <a:pPr marL="0" marR="0" lvl="0" indent="0" algn="l" defTabSz="457200" rtl="0" eaLnBrk="1" fontAlgn="auto" latinLnBrk="0" hangingPunct="1">
+              <a:lnSpc>
+                <a:spcPct val="100000"/>
+              </a:lnSpc>
+              <a:spcBef>
+                <a:spcPts val="0"/>
+              </a:spcBef>
+              <a:spcAft>
+                <a:spcPts val="0"/>
+              </a:spcAft>
+              <a:buClrTx/>
+              <a:buSzTx/>
+              <a:buFontTx/>
+              <a:buNone/>
+              <a:tabLst/>
+              <a:defRPr/>
+            </a:pPr>
+            <a:r>
+              <a:rPr lang="en-US" dirty="0"/>
+              <a:t>Today, you have broken through the wall! You’ve ran the 4 minute mile, gotten the first job and now understand the basics of heap exploitation. We’ve tore through the complexity and difficulty by diving into the weeds of the allocator. What’s next for you guys? My advice: understand systems deeply; most of the difficultly/complexity in heap exploitation comes from not fully understanding how the allocator works. The more you understand how something works, the easier it is to </a:t>
+            </a:r>
+            <a:r>
+              <a:rPr lang="en-US" dirty="0" err="1"/>
+              <a:t>pwn</a:t>
+            </a:r>
+            <a:r>
+              <a:rPr lang="en-US"/>
+              <a:t>. </a:t>
+            </a:r>
+            <a:endParaRPr lang="en-US" dirty="0"/>
+          </a:p>
+        </p:txBody>
+      </p:sp>
+      <p:sp>
+        <p:nvSpPr>
+          <p:cNvPr id="4" name="Slide Number Placeholder 3"/>
+          <p:cNvSpPr>
+            <a:spLocks noGrp="1"/>
+          </p:cNvSpPr>
+          <p:nvPr>
+            <p:ph type="sldNum" sz="quarter" idx="5"/>
+          </p:nvPr>
+        </p:nvSpPr>
+        <p:spPr/>
+        <p:txBody>
+          <a:bodyPr/>
+          <a:lstStyle/>
+          <a:p>
+            <a:fld id="{AC55928C-CD14-454C-B617-1AFCF9A58596}" type="slidenum">
+              <a:rPr lang="en-US" smtClean="0"/>
+              <a:t>48</a:t>
+            </a:fld>
+            <a:endParaRPr lang="en-US" dirty="0"/>
+          </a:p>
+        </p:txBody>
+      </p:sp>
+    </p:spTree>
+    <p:extLst>
+      <p:ext uri="{BB962C8B-B14F-4D97-AF65-F5344CB8AC3E}">
+        <p14:creationId xmlns:p14="http://schemas.microsoft.com/office/powerpoint/2010/main" val="4085897967"/>
+      </p:ext>
+    </p:extLst>
+  </p:cSld>
+  <p:clrMapOvr>
+    <a:masterClrMapping/>
+  </p:clrMapOvr>
+</p:notes>
+</file>
+
 <file path=ppt/slideLayouts/slideLayout1.xml><?xml version="1.0" encoding="utf-8"?>
 <p:sldLayout xmlns:a="http://schemas.openxmlformats.org/drawingml/2006/main" xmlns:r="http://schemas.openxmlformats.org/officeDocument/2006/relationships" xmlns:p="http://schemas.openxmlformats.org/presentationml/2006/main" type="title" preserve="1">
   <p:cSld name="Title Slide">
@@ -26094,7 +26295,7 @@
                 <a:latin typeface="Calibri"/>
               </a:rPr>
               <a:pPr/>
-              <a:t>7/2/21</a:t>
+              <a:t>9/19/21</a:t>
             </a:fld>
             <a:endParaRPr lang="en-US" dirty="0">
               <a:solidFill>
@@ -26347,7 +26548,7 @@
                 <a:latin typeface="Calibri"/>
               </a:rPr>
               <a:pPr/>
-              <a:t>7/2/21</a:t>
+              <a:t>9/19/21</a:t>
             </a:fld>
             <a:endParaRPr lang="en-US" dirty="0">
               <a:solidFill>
@@ -26562,7 +26763,7 @@
                 <a:latin typeface="Calibri"/>
               </a:rPr>
               <a:pPr/>
-              <a:t>7/2/21</a:t>
+              <a:t>9/19/21</a:t>
             </a:fld>
             <a:endParaRPr lang="en-US" dirty="0">
               <a:solidFill>
@@ -26846,7 +27047,7 @@
                 <a:latin typeface="Calibri"/>
               </a:rPr>
               <a:pPr/>
-              <a:t>7/2/21</a:t>
+              <a:t>9/19/21</a:t>
             </a:fld>
             <a:endParaRPr lang="en-US" dirty="0">
               <a:solidFill>
@@ -27188,7 +27389,7 @@
                 <a:latin typeface="Calibri"/>
               </a:rPr>
               <a:pPr/>
-              <a:t>7/2/21</a:t>
+              <a:t>9/19/21</a:t>
             </a:fld>
             <a:endParaRPr lang="en-US" dirty="0">
               <a:solidFill>
@@ -27516,7 +27717,7 @@
                 <a:latin typeface="Calibri"/>
               </a:rPr>
               <a:pPr/>
-              <a:t>7/2/21</a:t>
+              <a:t>9/19/21</a:t>
             </a:fld>
             <a:endParaRPr lang="en-US" dirty="0">
               <a:solidFill>
@@ -28005,7 +28206,7 @@
                 <a:latin typeface="Calibri"/>
               </a:rPr>
               <a:pPr/>
-              <a:t>7/2/21</a:t>
+              <a:t>9/19/21</a:t>
             </a:fld>
             <a:endParaRPr lang="en-US" dirty="0">
               <a:solidFill>
@@ -28188,7 +28389,7 @@
                 <a:latin typeface="Calibri"/>
               </a:rPr>
               <a:pPr/>
-              <a:t>7/2/21</a:t>
+              <a:t>9/19/21</a:t>
             </a:fld>
             <a:endParaRPr lang="en-US" dirty="0">
               <a:solidFill>
@@ -28434,7 +28635,7 @@
                 <a:latin typeface="Calibri"/>
               </a:rPr>
               <a:pPr/>
-              <a:t>7/2/21</a:t>
+              <a:t>9/19/21</a:t>
             </a:fld>
             <a:endParaRPr lang="en-US" dirty="0">
               <a:solidFill>
@@ -28776,7 +28977,7 @@
                 <a:latin typeface="Calibri"/>
               </a:rPr>
               <a:pPr/>
-              <a:t>7/2/21</a:t>
+              <a:t>9/19/21</a:t>
             </a:fld>
             <a:endParaRPr lang="en-US" dirty="0">
               <a:solidFill>
@@ -29068,7 +29269,7 @@
                 <a:latin typeface="Calibri"/>
               </a:rPr>
               <a:pPr/>
-              <a:t>7/2/21</a:t>
+              <a:t>9/19/21</a:t>
             </a:fld>
             <a:endParaRPr lang="en-US" dirty="0">
               <a:solidFill>
@@ -29318,7 +29519,7 @@
                 <a:latin typeface="Calibri"/>
               </a:rPr>
               <a:pPr defTabSz="914400"/>
-              <a:t>7/2/21</a:t>
+              <a:t>9/19/21</a:t>
             </a:fld>
             <a:endParaRPr lang="en-US" dirty="0">
               <a:solidFill>
@@ -41399,7 +41600,7 @@
           <a:p>
             <a:r>
               <a:rPr lang="en-US" dirty="0"/>
-              <a:t>Multiple Variations of Attack</a:t>
+              <a:t>Other Variations of Attack</a:t>
             </a:r>
           </a:p>
         </p:txBody>
@@ -41422,60 +41623,115 @@
         </p:nvSpPr>
         <p:spPr/>
         <p:txBody>
-          <a:bodyPr/>
+          <a:bodyPr>
+            <a:normAutofit fontScale="92500" lnSpcReduction="10000"/>
+          </a:bodyPr>
           <a:lstStyle/>
           <a:p>
             <a:r>
+              <a:rPr lang="en-US" b="1" dirty="0" err="1"/>
+              <a:t>Fastbin</a:t>
+            </a:r>
+            <a:r>
               <a:rPr lang="en-US" b="1" dirty="0"/>
-              <a:t>TCache (No Validations): </a:t>
+              <a:t>: </a:t>
             </a:r>
           </a:p>
           <a:p>
             <a:pPr lvl="1"/>
             <a:r>
-              <a:rPr lang="en-US" b="1" dirty="0"/>
-              <a:t>Focus of this workshop</a:t>
+              <a:rPr lang="en-US" dirty="0"/>
+              <a:t>Validations on </a:t>
             </a:r>
-            <a:endParaRPr lang="en-US" dirty="0"/>
-          </a:p>
-          <a:p>
             <a:r>
               <a:rPr lang="en-US" dirty="0" err="1"/>
-              <a:t>Fastbin</a:t>
+              <a:t>nextsize</a:t>
             </a:r>
             <a:r>
               <a:rPr lang="en-US" dirty="0"/>
-              <a:t> (Some Validations) </a:t>
+              <a:t> and next-next size</a:t>
             </a:r>
           </a:p>
           <a:p>
             <a:r>
+              <a:rPr lang="en-US" b="1" dirty="0"/>
+              <a:t>Unsorted Bin:</a:t>
+            </a:r>
+          </a:p>
+          <a:p>
+            <a:pPr lvl="1"/>
+            <a:r>
               <a:rPr lang="en-US" dirty="0"/>
-              <a:t>Unsorted Bin/Large bin/Small Bin (Lots of validations)</a:t>
+              <a:t>Validations on </a:t>
+            </a:r>
+            <a:r>
+              <a:rPr lang="en-US" dirty="0" err="1"/>
+              <a:t>nextsize</a:t>
+            </a:r>
+            <a:r>
+              <a:rPr lang="en-US" dirty="0"/>
+              <a:t> and next-next size</a:t>
+            </a:r>
+          </a:p>
+          <a:p>
+            <a:pPr lvl="1"/>
+            <a:r>
+              <a:rPr lang="en-US" dirty="0"/>
+              <a:t>Done while in the bin itself instead of with a reallocation</a:t>
             </a:r>
           </a:p>
           <a:p>
             <a:r>
+              <a:rPr lang="en-US" b="1" dirty="0"/>
+              <a:t>Shrinking to Overlap later/Null Byte Overwrite</a:t>
+            </a:r>
+            <a:r>
               <a:rPr lang="en-US" dirty="0"/>
-              <a:t>Shrinking to Overlap</a:t>
+              <a:t>: </a:t>
+            </a:r>
+            <a:endParaRPr lang="en-US" b="1" dirty="0"/>
+          </a:p>
+          <a:p>
+            <a:pPr lvl="1"/>
+            <a:r>
+              <a:rPr lang="en-US" dirty="0"/>
+              <a:t>Mess with the metadata of chunks</a:t>
+            </a:r>
+          </a:p>
+          <a:p>
+            <a:pPr lvl="1"/>
+            <a:r>
+              <a:rPr lang="en-US" b="1" dirty="0">
+                <a:hlinkClick r:id="rId2"/>
+              </a:rPr>
+              <a:t>https://heap-exploitation.dhavalkapil.com/attacks/shrinking_free_chunks</a:t>
+            </a:r>
+            <a:r>
+              <a:rPr lang="en-US" b="1" dirty="0"/>
+              <a:t> </a:t>
             </a:r>
           </a:p>
           <a:p>
             <a:r>
-              <a:rPr lang="en-US" dirty="0" err="1"/>
+              <a:rPr lang="en-US" b="1" dirty="0" err="1"/>
               <a:t>Mmap</a:t>
             </a:r>
             <a:r>
+              <a:rPr lang="en-US" b="1" dirty="0"/>
+              <a:t> Chunks</a:t>
+            </a:r>
+            <a:r>
               <a:rPr lang="en-US" dirty="0"/>
-              <a:t> Chunks (No Validations) </a:t>
+              <a:t> (No Validations) </a:t>
             </a:r>
+            <a:endParaRPr lang="en-US" b="1" dirty="0"/>
           </a:p>
         </p:txBody>
       </p:sp>
     </p:spTree>
     <p:extLst>
       <p:ext uri="{BB962C8B-B14F-4D97-AF65-F5344CB8AC3E}">
-        <p14:creationId xmlns:p14="http://schemas.microsoft.com/office/powerpoint/2010/main" val="1528010730"/>
+        <p14:creationId xmlns:p14="http://schemas.microsoft.com/office/powerpoint/2010/main" val="4043180869"/>
       </p:ext>
     </p:extLst>
   </p:cSld>
@@ -41998,6 +42254,899 @@
 </file>
 
 <file path=ppt/slides/slide45.xml><?xml version="1.0" encoding="utf-8"?>
+<p:sld xmlns:a="http://schemas.openxmlformats.org/drawingml/2006/main" xmlns:r="http://schemas.openxmlformats.org/officeDocument/2006/relationships" xmlns:p="http://schemas.openxmlformats.org/presentationml/2006/main" show="0">
+  <p:cSld>
+    <p:spTree>
+      <p:nvGrpSpPr>
+        <p:cNvPr id="1" name=""/>
+        <p:cNvGrpSpPr/>
+        <p:nvPr/>
+      </p:nvGrpSpPr>
+      <p:grpSpPr>
+        <a:xfrm>
+          <a:off x="0" y="0"/>
+          <a:ext cx="0" cy="0"/>
+          <a:chOff x="0" y="0"/>
+          <a:chExt cx="0" cy="0"/>
+        </a:xfrm>
+      </p:grpSpPr>
+      <p:sp>
+        <p:nvSpPr>
+          <p:cNvPr id="2" name="Title 1">
+            <a:extLst>
+              <a:ext uri="{FF2B5EF4-FFF2-40B4-BE49-F238E27FC236}">
+                <a16:creationId xmlns:a16="http://schemas.microsoft.com/office/drawing/2014/main" id="{2237ECF9-600B-8E4A-8EE9-7D9E2FF44579}"/>
+              </a:ext>
+            </a:extLst>
+          </p:cNvPr>
+          <p:cNvSpPr>
+            <a:spLocks noGrp="1"/>
+          </p:cNvSpPr>
+          <p:nvPr>
+            <p:ph type="title"/>
+          </p:nvPr>
+        </p:nvSpPr>
+        <p:spPr/>
+        <p:txBody>
+          <a:bodyPr/>
+          <a:lstStyle/>
+          <a:p>
+            <a:r>
+              <a:rPr lang="en-US" dirty="0"/>
+              <a:t>Takeaways from the Workshop</a:t>
+            </a:r>
+          </a:p>
+        </p:txBody>
+      </p:sp>
+      <p:sp>
+        <p:nvSpPr>
+          <p:cNvPr id="3" name="Content Placeholder 2">
+            <a:extLst>
+              <a:ext uri="{FF2B5EF4-FFF2-40B4-BE49-F238E27FC236}">
+                <a16:creationId xmlns:a16="http://schemas.microsoft.com/office/drawing/2014/main" id="{E00CC37A-22B2-664B-9DEF-A70551EC71AC}"/>
+              </a:ext>
+            </a:extLst>
+          </p:cNvPr>
+          <p:cNvSpPr>
+            <a:spLocks noGrp="1"/>
+          </p:cNvSpPr>
+          <p:nvPr>
+            <p:ph idx="1"/>
+          </p:nvPr>
+        </p:nvSpPr>
+        <p:spPr>
+          <a:xfrm>
+            <a:off x="628650" y="1236541"/>
+            <a:ext cx="4103148" cy="3263504"/>
+          </a:xfrm>
+        </p:spPr>
+        <p:txBody>
+          <a:bodyPr/>
+          <a:lstStyle/>
+          <a:p>
+            <a:r>
+              <a:rPr lang="en-US" dirty="0"/>
+              <a:t>How Malloc Works: </a:t>
+            </a:r>
+          </a:p>
+          <a:p>
+            <a:pPr lvl="1"/>
+            <a:r>
+              <a:rPr lang="en-US" dirty="0"/>
+              <a:t>Chunks</a:t>
+            </a:r>
+          </a:p>
+          <a:p>
+            <a:pPr lvl="1"/>
+            <a:r>
+              <a:rPr lang="en-US" dirty="0"/>
+              <a:t>Bins</a:t>
+            </a:r>
+          </a:p>
+          <a:p>
+            <a:pPr lvl="1"/>
+            <a:r>
+              <a:rPr lang="en-US" dirty="0"/>
+              <a:t>Ordering</a:t>
+            </a:r>
+          </a:p>
+          <a:p>
+            <a:r>
+              <a:rPr lang="en-US" dirty="0"/>
+              <a:t>Vulnerability Classes: </a:t>
+            </a:r>
+          </a:p>
+          <a:p>
+            <a:pPr lvl="1"/>
+            <a:r>
+              <a:rPr lang="en-US" dirty="0"/>
+              <a:t>Heap based buffer overflow</a:t>
+            </a:r>
+          </a:p>
+          <a:p>
+            <a:pPr lvl="1"/>
+            <a:r>
+              <a:rPr lang="en-US" dirty="0"/>
+              <a:t>Use after free</a:t>
+            </a:r>
+          </a:p>
+          <a:p>
+            <a:pPr lvl="1"/>
+            <a:r>
+              <a:rPr lang="en-US" dirty="0"/>
+              <a:t>Double free</a:t>
+            </a:r>
+          </a:p>
+        </p:txBody>
+      </p:sp>
+      <p:sp>
+        <p:nvSpPr>
+          <p:cNvPr id="4" name="Content Placeholder 2">
+            <a:extLst>
+              <a:ext uri="{FF2B5EF4-FFF2-40B4-BE49-F238E27FC236}">
+                <a16:creationId xmlns:a16="http://schemas.microsoft.com/office/drawing/2014/main" id="{A107DE83-5DDC-B843-86CD-CF12D96CAE03}"/>
+              </a:ext>
+            </a:extLst>
+          </p:cNvPr>
+          <p:cNvSpPr txBox="1">
+            <a:spLocks/>
+          </p:cNvSpPr>
+          <p:nvPr/>
+        </p:nvSpPr>
+        <p:spPr>
+          <a:xfrm>
+            <a:off x="4731798" y="1236541"/>
+            <a:ext cx="4103148" cy="3263504"/>
+          </a:xfrm>
+          <a:prstGeom prst="rect">
+            <a:avLst/>
+          </a:prstGeom>
+        </p:spPr>
+        <p:txBody>
+          <a:bodyPr vert="horz" lIns="91440" tIns="45720" rIns="91440" bIns="45720" rtlCol="0">
+            <a:normAutofit/>
+          </a:bodyPr>
+          <a:lstStyle>
+            <a:lvl1pPr marL="228600" indent="-228600" algn="l" defTabSz="914400" rtl="0" eaLnBrk="1" latinLnBrk="0" hangingPunct="1">
+              <a:lnSpc>
+                <a:spcPct val="90000"/>
+              </a:lnSpc>
+              <a:spcBef>
+                <a:spcPts val="1000"/>
+              </a:spcBef>
+              <a:buFont typeface="Arial" panose="020B0604020202020204" pitchFamily="34" charset="0"/>
+              <a:buChar char="•"/>
+              <a:defRPr sz="2200" kern="1200">
+                <a:solidFill>
+                  <a:schemeClr val="tx1"/>
+                </a:solidFill>
+                <a:latin typeface="Avenir Book"/>
+                <a:ea typeface="+mn-ea"/>
+                <a:cs typeface="Avenir Book"/>
+              </a:defRPr>
+            </a:lvl1pPr>
+            <a:lvl2pPr marL="685800" indent="-228600" algn="l" defTabSz="914400" rtl="0" eaLnBrk="1" latinLnBrk="0" hangingPunct="1">
+              <a:lnSpc>
+                <a:spcPct val="90000"/>
+              </a:lnSpc>
+              <a:spcBef>
+                <a:spcPts val="500"/>
+              </a:spcBef>
+              <a:buFont typeface="Arial" panose="020B0604020202020204" pitchFamily="34" charset="0"/>
+              <a:buChar char="•"/>
+              <a:defRPr sz="2000" kern="1200">
+                <a:solidFill>
+                  <a:schemeClr val="tx1"/>
+                </a:solidFill>
+                <a:latin typeface="Avenir Book"/>
+                <a:ea typeface="+mn-ea"/>
+                <a:cs typeface="Avenir Book"/>
+              </a:defRPr>
+            </a:lvl2pPr>
+            <a:lvl3pPr marL="1143000" indent="-228600" algn="l" defTabSz="914400" rtl="0" eaLnBrk="1" latinLnBrk="0" hangingPunct="1">
+              <a:lnSpc>
+                <a:spcPct val="90000"/>
+              </a:lnSpc>
+              <a:spcBef>
+                <a:spcPts val="500"/>
+              </a:spcBef>
+              <a:buFont typeface="Arial" panose="020B0604020202020204" pitchFamily="34" charset="0"/>
+              <a:buChar char="•"/>
+              <a:defRPr sz="1800" kern="1200">
+                <a:solidFill>
+                  <a:schemeClr val="tx1"/>
+                </a:solidFill>
+                <a:latin typeface="Avenir Book"/>
+                <a:ea typeface="+mn-ea"/>
+                <a:cs typeface="Avenir Book"/>
+              </a:defRPr>
+            </a:lvl3pPr>
+            <a:lvl4pPr marL="1600200" indent="-228600" algn="l" defTabSz="914400" rtl="0" eaLnBrk="1" latinLnBrk="0" hangingPunct="1">
+              <a:lnSpc>
+                <a:spcPct val="90000"/>
+              </a:lnSpc>
+              <a:spcBef>
+                <a:spcPts val="500"/>
+              </a:spcBef>
+              <a:buFont typeface="Arial" panose="020B0604020202020204" pitchFamily="34" charset="0"/>
+              <a:buChar char="•"/>
+              <a:defRPr sz="2400" kern="1200">
+                <a:solidFill>
+                  <a:schemeClr val="tx1"/>
+                </a:solidFill>
+                <a:latin typeface="Avenir Book"/>
+                <a:ea typeface="+mn-ea"/>
+                <a:cs typeface="Avenir Book"/>
+              </a:defRPr>
+            </a:lvl4pPr>
+            <a:lvl5pPr marL="2057400" indent="-228600" algn="l" defTabSz="914400" rtl="0" eaLnBrk="1" latinLnBrk="0" hangingPunct="1">
+              <a:lnSpc>
+                <a:spcPct val="90000"/>
+              </a:lnSpc>
+              <a:spcBef>
+                <a:spcPts val="500"/>
+              </a:spcBef>
+              <a:buFont typeface="Arial" panose="020B0604020202020204" pitchFamily="34" charset="0"/>
+              <a:buChar char="•"/>
+              <a:defRPr sz="2400" kern="1200">
+                <a:solidFill>
+                  <a:schemeClr val="tx1"/>
+                </a:solidFill>
+                <a:latin typeface="Avenir Book"/>
+                <a:ea typeface="+mn-ea"/>
+                <a:cs typeface="Avenir Book"/>
+              </a:defRPr>
+            </a:lvl5pPr>
+            <a:lvl6pPr marL="2514600" indent="-228600" algn="l" defTabSz="914400" rtl="0" eaLnBrk="1" latinLnBrk="0" hangingPunct="1">
+              <a:lnSpc>
+                <a:spcPct val="90000"/>
+              </a:lnSpc>
+              <a:spcBef>
+                <a:spcPts val="500"/>
+              </a:spcBef>
+              <a:buFont typeface="Arial" panose="020B0604020202020204" pitchFamily="34" charset="0"/>
+              <a:buChar char="•"/>
+              <a:defRPr sz="1800" kern="1200">
+                <a:solidFill>
+                  <a:schemeClr val="tx1"/>
+                </a:solidFill>
+                <a:latin typeface="+mn-lt"/>
+                <a:ea typeface="+mn-ea"/>
+                <a:cs typeface="+mn-cs"/>
+              </a:defRPr>
+            </a:lvl6pPr>
+            <a:lvl7pPr marL="2971800" indent="-228600" algn="l" defTabSz="914400" rtl="0" eaLnBrk="1" latinLnBrk="0" hangingPunct="1">
+              <a:lnSpc>
+                <a:spcPct val="90000"/>
+              </a:lnSpc>
+              <a:spcBef>
+                <a:spcPts val="500"/>
+              </a:spcBef>
+              <a:buFont typeface="Arial" panose="020B0604020202020204" pitchFamily="34" charset="0"/>
+              <a:buChar char="•"/>
+              <a:defRPr sz="1800" kern="1200">
+                <a:solidFill>
+                  <a:schemeClr val="tx1"/>
+                </a:solidFill>
+                <a:latin typeface="+mn-lt"/>
+                <a:ea typeface="+mn-ea"/>
+                <a:cs typeface="+mn-cs"/>
+              </a:defRPr>
+            </a:lvl7pPr>
+            <a:lvl8pPr marL="3429000" indent="-228600" algn="l" defTabSz="914400" rtl="0" eaLnBrk="1" latinLnBrk="0" hangingPunct="1">
+              <a:lnSpc>
+                <a:spcPct val="90000"/>
+              </a:lnSpc>
+              <a:spcBef>
+                <a:spcPts val="500"/>
+              </a:spcBef>
+              <a:buFont typeface="Arial" panose="020B0604020202020204" pitchFamily="34" charset="0"/>
+              <a:buChar char="•"/>
+              <a:defRPr sz="1800" kern="1200">
+                <a:solidFill>
+                  <a:schemeClr val="tx1"/>
+                </a:solidFill>
+                <a:latin typeface="+mn-lt"/>
+                <a:ea typeface="+mn-ea"/>
+                <a:cs typeface="+mn-cs"/>
+              </a:defRPr>
+            </a:lvl8pPr>
+            <a:lvl9pPr marL="3886200" indent="-228600" algn="l" defTabSz="914400" rtl="0" eaLnBrk="1" latinLnBrk="0" hangingPunct="1">
+              <a:lnSpc>
+                <a:spcPct val="90000"/>
+              </a:lnSpc>
+              <a:spcBef>
+                <a:spcPts val="500"/>
+              </a:spcBef>
+              <a:buFont typeface="Arial" panose="020B0604020202020204" pitchFamily="34" charset="0"/>
+              <a:buChar char="•"/>
+              <a:defRPr sz="1800" kern="1200">
+                <a:solidFill>
+                  <a:schemeClr val="tx1"/>
+                </a:solidFill>
+                <a:latin typeface="+mn-lt"/>
+                <a:ea typeface="+mn-ea"/>
+                <a:cs typeface="+mn-cs"/>
+              </a:defRPr>
+            </a:lvl9pPr>
+          </a:lstStyle>
+          <a:p>
+            <a:r>
+              <a:rPr lang="en-US" dirty="0"/>
+              <a:t>Fd Poison: </a:t>
+            </a:r>
+          </a:p>
+          <a:p>
+            <a:pPr lvl="1"/>
+            <a:r>
+              <a:rPr lang="en-US" dirty="0"/>
+              <a:t>Controlled </a:t>
+            </a:r>
+            <a:r>
+              <a:rPr lang="en-US" i="1" dirty="0"/>
+              <a:t>fd</a:t>
+            </a:r>
+            <a:r>
+              <a:rPr lang="en-US" dirty="0"/>
+              <a:t> pointer to create arbitrary chunk</a:t>
+            </a:r>
+          </a:p>
+          <a:p>
+            <a:r>
+              <a:rPr lang="en-US" dirty="0"/>
+              <a:t>Unlink:</a:t>
+            </a:r>
+          </a:p>
+          <a:p>
+            <a:pPr lvl="1"/>
+            <a:r>
+              <a:rPr lang="en-US" i="1" dirty="0"/>
+              <a:t>Fd</a:t>
+            </a:r>
+            <a:r>
+              <a:rPr lang="en-US" dirty="0"/>
+              <a:t> and </a:t>
+            </a:r>
+            <a:r>
+              <a:rPr lang="en-US" i="1" dirty="0"/>
+              <a:t>Bk</a:t>
+            </a:r>
+            <a:r>
+              <a:rPr lang="en-US" dirty="0"/>
+              <a:t> pointer abuse</a:t>
+            </a:r>
+          </a:p>
+          <a:p>
+            <a:r>
+              <a:rPr lang="en-US" dirty="0"/>
+              <a:t>Overlapping Chunks: </a:t>
+            </a:r>
+          </a:p>
+          <a:p>
+            <a:pPr lvl="1"/>
+            <a:r>
+              <a:rPr lang="en-US" dirty="0"/>
+              <a:t>Changing size of chunks</a:t>
+            </a:r>
+          </a:p>
+        </p:txBody>
+      </p:sp>
+    </p:spTree>
+    <p:extLst>
+      <p:ext uri="{BB962C8B-B14F-4D97-AF65-F5344CB8AC3E}">
+        <p14:creationId xmlns:p14="http://schemas.microsoft.com/office/powerpoint/2010/main" val="736862816"/>
+      </p:ext>
+    </p:extLst>
+  </p:cSld>
+  <p:clrMapOvr>
+    <a:masterClrMapping/>
+  </p:clrMapOvr>
+</p:sld>
+</file>
+
+<file path=ppt/slides/slide46.xml><?xml version="1.0" encoding="utf-8"?>
+<p:sld xmlns:a="http://schemas.openxmlformats.org/drawingml/2006/main" xmlns:r="http://schemas.openxmlformats.org/officeDocument/2006/relationships" xmlns:p="http://schemas.openxmlformats.org/presentationml/2006/main" show="0">
+  <p:cSld>
+    <p:spTree>
+      <p:nvGrpSpPr>
+        <p:cNvPr id="1" name=""/>
+        <p:cNvGrpSpPr/>
+        <p:nvPr/>
+      </p:nvGrpSpPr>
+      <p:grpSpPr>
+        <a:xfrm>
+          <a:off x="0" y="0"/>
+          <a:ext cx="0" cy="0"/>
+          <a:chOff x="0" y="0"/>
+          <a:chExt cx="0" cy="0"/>
+        </a:xfrm>
+      </p:grpSpPr>
+      <p:sp>
+        <p:nvSpPr>
+          <p:cNvPr id="2" name="Title 1">
+            <a:extLst>
+              <a:ext uri="{FF2B5EF4-FFF2-40B4-BE49-F238E27FC236}">
+                <a16:creationId xmlns:a16="http://schemas.microsoft.com/office/drawing/2014/main" id="{A43E1719-5CEE-4FC8-B6F0-9C5E3E3AE56D}"/>
+              </a:ext>
+            </a:extLst>
+          </p:cNvPr>
+          <p:cNvSpPr>
+            <a:spLocks noGrp="1"/>
+          </p:cNvSpPr>
+          <p:nvPr>
+            <p:ph type="title"/>
+          </p:nvPr>
+        </p:nvSpPr>
+        <p:spPr/>
+        <p:txBody>
+          <a:bodyPr/>
+          <a:lstStyle/>
+          <a:p>
+            <a:r>
+              <a:rPr lang="en-US" dirty="0"/>
+              <a:t>Want to Test Your New </a:t>
+            </a:r>
+            <a:r>
+              <a:rPr lang="en-US" dirty="0" err="1"/>
+              <a:t>Skillz</a:t>
+            </a:r>
+            <a:r>
+              <a:rPr lang="en-US" dirty="0"/>
+              <a:t>?</a:t>
+            </a:r>
+          </a:p>
+        </p:txBody>
+      </p:sp>
+      <p:sp>
+        <p:nvSpPr>
+          <p:cNvPr id="3" name="Content Placeholder 2">
+            <a:extLst>
+              <a:ext uri="{FF2B5EF4-FFF2-40B4-BE49-F238E27FC236}">
+                <a16:creationId xmlns:a16="http://schemas.microsoft.com/office/drawing/2014/main" id="{8AC90FE5-6544-47C7-A69C-365AC436DC9D}"/>
+              </a:ext>
+            </a:extLst>
+          </p:cNvPr>
+          <p:cNvSpPr>
+            <a:spLocks noGrp="1"/>
+          </p:cNvSpPr>
+          <p:nvPr>
+            <p:ph idx="1"/>
+          </p:nvPr>
+        </p:nvSpPr>
+        <p:spPr/>
+        <p:txBody>
+          <a:bodyPr/>
+          <a:lstStyle/>
+          <a:p>
+            <a:r>
+              <a:rPr lang="en-US" b="1" i="1" dirty="0" err="1"/>
+              <a:t>fd_poison</a:t>
+            </a:r>
+            <a:r>
+              <a:rPr lang="en-US" b="1" i="1" dirty="0"/>
+              <a:t>/challenge1</a:t>
+            </a:r>
+          </a:p>
+          <a:p>
+            <a:r>
+              <a:rPr lang="en-US" dirty="0"/>
+              <a:t>Real pwnable: </a:t>
+            </a:r>
+          </a:p>
+          <a:p>
+            <a:pPr lvl="1"/>
+            <a:r>
+              <a:rPr lang="en-US" dirty="0"/>
+              <a:t>Find the vulnerability </a:t>
+            </a:r>
+          </a:p>
+          <a:p>
+            <a:pPr lvl="1"/>
+            <a:r>
+              <a:rPr lang="en-US" dirty="0"/>
+              <a:t>Exploit vuln for information leak</a:t>
+            </a:r>
+          </a:p>
+          <a:p>
+            <a:pPr lvl="1"/>
+            <a:r>
+              <a:rPr lang="en-US" dirty="0"/>
+              <a:t>Exploit vuln for code execution</a:t>
+            </a:r>
+          </a:p>
+          <a:p>
+            <a:r>
+              <a:rPr lang="en-US" dirty="0"/>
+              <a:t>Can try this in stages via the </a:t>
+            </a:r>
+            <a:r>
+              <a:rPr lang="en-US" b="1" i="1" dirty="0"/>
+              <a:t>grab </a:t>
+            </a:r>
+            <a:r>
+              <a:rPr lang="en-US" dirty="0"/>
+              <a:t>command </a:t>
+            </a:r>
+          </a:p>
+        </p:txBody>
+      </p:sp>
+    </p:spTree>
+    <p:extLst>
+      <p:ext uri="{BB962C8B-B14F-4D97-AF65-F5344CB8AC3E}">
+        <p14:creationId xmlns:p14="http://schemas.microsoft.com/office/powerpoint/2010/main" val="828915048"/>
+      </p:ext>
+    </p:extLst>
+  </p:cSld>
+  <p:clrMapOvr>
+    <a:masterClrMapping/>
+  </p:clrMapOvr>
+</p:sld>
+</file>
+
+<file path=ppt/slides/slide47.xml><?xml version="1.0" encoding="utf-8"?>
+<p:sld xmlns:a="http://schemas.openxmlformats.org/drawingml/2006/main" xmlns:r="http://schemas.openxmlformats.org/officeDocument/2006/relationships" xmlns:p="http://schemas.openxmlformats.org/presentationml/2006/main" show="0">
+  <p:cSld>
+    <p:spTree>
+      <p:nvGrpSpPr>
+        <p:cNvPr id="1" name=""/>
+        <p:cNvGrpSpPr/>
+        <p:nvPr/>
+      </p:nvGrpSpPr>
+      <p:grpSpPr>
+        <a:xfrm>
+          <a:off x="0" y="0"/>
+          <a:ext cx="0" cy="0"/>
+          <a:chOff x="0" y="0"/>
+          <a:chExt cx="0" cy="0"/>
+        </a:xfrm>
+      </p:grpSpPr>
+      <p:sp>
+        <p:nvSpPr>
+          <p:cNvPr id="2" name="Title 1">
+            <a:extLst>
+              <a:ext uri="{FF2B5EF4-FFF2-40B4-BE49-F238E27FC236}">
+                <a16:creationId xmlns:a16="http://schemas.microsoft.com/office/drawing/2014/main" id="{2CF3D92C-4B78-114A-90EC-AEA81551D31B}"/>
+              </a:ext>
+            </a:extLst>
+          </p:cNvPr>
+          <p:cNvSpPr>
+            <a:spLocks noGrp="1"/>
+          </p:cNvSpPr>
+          <p:nvPr>
+            <p:ph type="title"/>
+          </p:nvPr>
+        </p:nvSpPr>
+        <p:spPr>
+          <a:xfrm>
+            <a:off x="628650" y="273847"/>
+            <a:ext cx="7886700" cy="994172"/>
+          </a:xfrm>
+        </p:spPr>
+        <p:txBody>
+          <a:bodyPr anchor="ctr">
+            <a:normAutofit/>
+          </a:bodyPr>
+          <a:lstStyle/>
+          <a:p>
+            <a:r>
+              <a:rPr lang="en-US" dirty="0"/>
+              <a:t>What Next?</a:t>
+            </a:r>
+          </a:p>
+        </p:txBody>
+      </p:sp>
+      <p:pic>
+        <p:nvPicPr>
+          <p:cNvPr id="2050" name="Picture 2" descr="What's Next Coaching - Home | Facebook">
+            <a:extLst>
+              <a:ext uri="{FF2B5EF4-FFF2-40B4-BE49-F238E27FC236}">
+                <a16:creationId xmlns:a16="http://schemas.microsoft.com/office/drawing/2014/main" id="{AED01BCF-DA2F-9A4B-B2B9-7374F8C61F42}"/>
+              </a:ext>
+            </a:extLst>
+          </p:cNvPr>
+          <p:cNvPicPr>
+            <a:picLocks noChangeAspect="1" noChangeArrowheads="1"/>
+          </p:cNvPicPr>
+          <p:nvPr/>
+        </p:nvPicPr>
+        <p:blipFill>
+          <a:blip r:embed="rId3">
+            <a:extLst>
+              <a:ext uri="{28A0092B-C50C-407E-A947-70E740481C1C}">
+                <a14:useLocalDpi xmlns:a14="http://schemas.microsoft.com/office/drawing/2010/main" val="0"/>
+              </a:ext>
+            </a:extLst>
+          </a:blip>
+          <a:stretch>
+            <a:fillRect/>
+          </a:stretch>
+        </p:blipFill>
+        <p:spPr bwMode="auto">
+          <a:xfrm>
+            <a:off x="628650" y="1545522"/>
+            <a:ext cx="3886200" cy="2910898"/>
+          </a:xfrm>
+          <a:prstGeom prst="rect">
+            <a:avLst/>
+          </a:prstGeom>
+          <a:solidFill>
+            <a:srgbClr val="FFFFFF"/>
+          </a:solidFill>
+        </p:spPr>
+      </p:pic>
+      <p:sp>
+        <p:nvSpPr>
+          <p:cNvPr id="3" name="Content Placeholder 2">
+            <a:extLst>
+              <a:ext uri="{FF2B5EF4-FFF2-40B4-BE49-F238E27FC236}">
+                <a16:creationId xmlns:a16="http://schemas.microsoft.com/office/drawing/2014/main" id="{D30E1401-C635-FB4D-AAEA-E67AC7C58474}"/>
+              </a:ext>
+            </a:extLst>
+          </p:cNvPr>
+          <p:cNvSpPr>
+            <a:spLocks noGrp="1"/>
+          </p:cNvSpPr>
+          <p:nvPr>
+            <p:ph sz="half" idx="2"/>
+          </p:nvPr>
+        </p:nvSpPr>
+        <p:spPr>
+          <a:xfrm>
+            <a:off x="4629150" y="1369219"/>
+            <a:ext cx="3886200" cy="3263504"/>
+          </a:xfrm>
+        </p:spPr>
+        <p:txBody>
+          <a:bodyPr>
+            <a:normAutofit lnSpcReduction="10000"/>
+          </a:bodyPr>
+          <a:lstStyle/>
+          <a:p>
+            <a:r>
+              <a:rPr lang="en-US" dirty="0"/>
+              <a:t>More Techniques (30+): </a:t>
+            </a:r>
+          </a:p>
+          <a:p>
+            <a:pPr lvl="1"/>
+            <a:r>
+              <a:rPr lang="en-US" dirty="0"/>
+              <a:t>House of Force</a:t>
+            </a:r>
+          </a:p>
+          <a:p>
+            <a:pPr lvl="1"/>
+            <a:r>
+              <a:rPr lang="en-US" dirty="0"/>
+              <a:t>House of Spirit</a:t>
+            </a:r>
+          </a:p>
+          <a:p>
+            <a:pPr lvl="1"/>
+            <a:r>
+              <a:rPr lang="en-US" dirty="0"/>
+              <a:t>Unsorted Bin Attack  </a:t>
+            </a:r>
+          </a:p>
+          <a:p>
+            <a:r>
+              <a:rPr lang="en-US" dirty="0"/>
+              <a:t>Read the Malloc Source code (I’m serious) </a:t>
+            </a:r>
+          </a:p>
+          <a:p>
+            <a:r>
+              <a:rPr lang="en-US" dirty="0" err="1"/>
+              <a:t>Pwnable</a:t>
+            </a:r>
+            <a:r>
+              <a:rPr lang="en-US" dirty="0"/>
+              <a:t> challenges</a:t>
+            </a:r>
+          </a:p>
+          <a:p>
+            <a:r>
+              <a:rPr lang="en-US" dirty="0"/>
+              <a:t>Real world exploitation</a:t>
+            </a:r>
+          </a:p>
+        </p:txBody>
+      </p:sp>
+    </p:spTree>
+    <p:extLst>
+      <p:ext uri="{BB962C8B-B14F-4D97-AF65-F5344CB8AC3E}">
+        <p14:creationId xmlns:p14="http://schemas.microsoft.com/office/powerpoint/2010/main" val="172181179"/>
+      </p:ext>
+    </p:extLst>
+  </p:cSld>
+  <p:clrMapOvr>
+    <a:masterClrMapping/>
+  </p:clrMapOvr>
+</p:sld>
+</file>
+
+<file path=ppt/slides/slide48.xml><?xml version="1.0" encoding="utf-8"?>
+<p:sld xmlns:a="http://schemas.openxmlformats.org/drawingml/2006/main" xmlns:r="http://schemas.openxmlformats.org/officeDocument/2006/relationships" xmlns:p="http://schemas.openxmlformats.org/presentationml/2006/main" show="0">
+  <p:cSld>
+    <p:spTree>
+      <p:nvGrpSpPr>
+        <p:cNvPr id="1" name=""/>
+        <p:cNvGrpSpPr/>
+        <p:nvPr/>
+      </p:nvGrpSpPr>
+      <p:grpSpPr>
+        <a:xfrm>
+          <a:off x="0" y="0"/>
+          <a:ext cx="0" cy="0"/>
+          <a:chOff x="0" y="0"/>
+          <a:chExt cx="0" cy="0"/>
+        </a:xfrm>
+      </p:grpSpPr>
+      <p:sp>
+        <p:nvSpPr>
+          <p:cNvPr id="2" name="Title 1">
+            <a:extLst>
+              <a:ext uri="{FF2B5EF4-FFF2-40B4-BE49-F238E27FC236}">
+                <a16:creationId xmlns:a16="http://schemas.microsoft.com/office/drawing/2014/main" id="{5341F2AF-04FA-A34A-A2B4-196E0277D687}"/>
+              </a:ext>
+            </a:extLst>
+          </p:cNvPr>
+          <p:cNvSpPr>
+            <a:spLocks noGrp="1"/>
+          </p:cNvSpPr>
+          <p:nvPr>
+            <p:ph type="title"/>
+          </p:nvPr>
+        </p:nvSpPr>
+        <p:spPr>
+          <a:xfrm>
+            <a:off x="628650" y="273847"/>
+            <a:ext cx="7886700" cy="994172"/>
+          </a:xfrm>
+        </p:spPr>
+        <p:txBody>
+          <a:bodyPr anchor="ctr">
+            <a:normAutofit/>
+          </a:bodyPr>
+          <a:lstStyle/>
+          <a:p>
+            <a:r>
+              <a:rPr lang="en-US"/>
+              <a:t>This is the End!</a:t>
+            </a:r>
+          </a:p>
+        </p:txBody>
+      </p:sp>
+      <p:pic>
+        <p:nvPicPr>
+          <p:cNvPr id="1026" name="Picture 2" descr="Kid Cudi - Man On The Moon II: The Legend Of Mr. Rager - Amazon.com Music">
+            <a:extLst>
+              <a:ext uri="{FF2B5EF4-FFF2-40B4-BE49-F238E27FC236}">
+                <a16:creationId xmlns:a16="http://schemas.microsoft.com/office/drawing/2014/main" id="{B66B8803-3511-854C-87F8-1C1788DD329D}"/>
+              </a:ext>
+            </a:extLst>
+          </p:cNvPr>
+          <p:cNvPicPr>
+            <a:picLocks noChangeAspect="1" noChangeArrowheads="1"/>
+          </p:cNvPicPr>
+          <p:nvPr/>
+        </p:nvPicPr>
+        <p:blipFill rotWithShape="1">
+          <a:blip r:embed="rId3">
+            <a:extLst>
+              <a:ext uri="{28A0092B-C50C-407E-A947-70E740481C1C}">
+                <a14:useLocalDpi xmlns:a14="http://schemas.microsoft.com/office/drawing/2010/main" val="0"/>
+              </a:ext>
+            </a:extLst>
+          </a:blip>
+          <a:srcRect b="16023"/>
+          <a:stretch/>
+        </p:blipFill>
+        <p:spPr bwMode="auto">
+          <a:xfrm>
+            <a:off x="628650" y="1369219"/>
+            <a:ext cx="3886200" cy="3263504"/>
+          </a:xfrm>
+          <a:prstGeom prst="rect">
+            <a:avLst/>
+          </a:prstGeom>
+          <a:solidFill>
+            <a:srgbClr val="FFFFFF"/>
+          </a:solidFill>
+        </p:spPr>
+      </p:pic>
+      <p:sp>
+        <p:nvSpPr>
+          <p:cNvPr id="71" name="Content Placeholder 3">
+            <a:extLst>
+              <a:ext uri="{FF2B5EF4-FFF2-40B4-BE49-F238E27FC236}">
+                <a16:creationId xmlns:a16="http://schemas.microsoft.com/office/drawing/2014/main" id="{356120E3-3173-4B03-8F91-EB26E21C92C3}"/>
+              </a:ext>
+            </a:extLst>
+          </p:cNvPr>
+          <p:cNvSpPr>
+            <a:spLocks noGrp="1"/>
+          </p:cNvSpPr>
+          <p:nvPr>
+            <p:ph sz="half" idx="2"/>
+          </p:nvPr>
+        </p:nvSpPr>
+        <p:spPr>
+          <a:xfrm>
+            <a:off x="4629150" y="1369219"/>
+            <a:ext cx="4419434" cy="3263504"/>
+          </a:xfrm>
+        </p:spPr>
+        <p:txBody>
+          <a:bodyPr/>
+          <a:lstStyle/>
+          <a:p>
+            <a:r>
+              <a:rPr lang="en-US" dirty="0"/>
+              <a:t>Instructors: </a:t>
+            </a:r>
+          </a:p>
+          <a:p>
+            <a:pPr lvl="1"/>
+            <a:r>
+              <a:rPr lang="en-US" dirty="0"/>
+              <a:t>Maxwell Dulin - @dooflin5</a:t>
+            </a:r>
+          </a:p>
+          <a:p>
+            <a:pPr lvl="1"/>
+            <a:r>
+              <a:rPr lang="en-US" dirty="0"/>
+              <a:t>James Dolan - @jdolan503</a:t>
+            </a:r>
+          </a:p>
+          <a:p>
+            <a:pPr lvl="1"/>
+            <a:r>
+              <a:rPr lang="en-US" dirty="0"/>
+              <a:t>Zach </a:t>
+            </a:r>
+            <a:r>
+              <a:rPr lang="en-US" dirty="0" err="1"/>
+              <a:t>Minneker</a:t>
+            </a:r>
+            <a:r>
+              <a:rPr lang="en-US" dirty="0"/>
+              <a:t> - @seiranib (it’s </a:t>
+            </a:r>
+            <a:r>
+              <a:rPr lang="en-US" i="1" dirty="0"/>
+              <a:t>binaries </a:t>
+            </a:r>
+            <a:r>
+              <a:rPr lang="en-US" dirty="0"/>
+              <a:t>backwards) </a:t>
+            </a:r>
+            <a:endParaRPr lang="en-US" i="1" dirty="0"/>
+          </a:p>
+          <a:p>
+            <a:pPr lvl="1"/>
+            <a:r>
+              <a:rPr lang="en-US" dirty="0"/>
+              <a:t>Kevin Choi</a:t>
+            </a:r>
+          </a:p>
+        </p:txBody>
+      </p:sp>
+    </p:spTree>
+    <p:extLst>
+      <p:ext uri="{BB962C8B-B14F-4D97-AF65-F5344CB8AC3E}">
+        <p14:creationId xmlns:p14="http://schemas.microsoft.com/office/powerpoint/2010/main" val="3496172784"/>
+      </p:ext>
+    </p:extLst>
+  </p:cSld>
+  <p:clrMapOvr>
+    <a:masterClrMapping/>
+  </p:clrMapOvr>
+</p:sld>
+</file>
+
+<file path=ppt/slides/slide49.xml><?xml version="1.0" encoding="utf-8"?>
 <p:sld xmlns:a="http://schemas.openxmlformats.org/drawingml/2006/main" xmlns:r="http://schemas.openxmlformats.org/officeDocument/2006/relationships" xmlns:p="http://schemas.openxmlformats.org/presentationml/2006/main">
   <p:cSld>
     <p:spTree>

--- a/modules/overlapping_chunks/OverlappingChunks.pptx
+++ b/modules/overlapping_chunks/OverlappingChunks.pptx
@@ -25541,7 +25541,7 @@
           <a:p>
             <a:fld id="{2DA23E8D-1792-1541-9147-970A8DD8A355}" type="datetimeFigureOut">
               <a:rPr lang="en-US" smtClean="0"/>
-              <a:t>9/19/21</a:t>
+              <a:t>9/30/21</a:t>
             </a:fld>
             <a:endParaRPr lang="en-US" dirty="0"/>
           </a:p>
@@ -26295,7 +26295,7 @@
                 <a:latin typeface="Calibri"/>
               </a:rPr>
               <a:pPr/>
-              <a:t>9/19/21</a:t>
+              <a:t>9/30/21</a:t>
             </a:fld>
             <a:endParaRPr lang="en-US" dirty="0">
               <a:solidFill>
@@ -26548,7 +26548,7 @@
                 <a:latin typeface="Calibri"/>
               </a:rPr>
               <a:pPr/>
-              <a:t>9/19/21</a:t>
+              <a:t>9/30/21</a:t>
             </a:fld>
             <a:endParaRPr lang="en-US" dirty="0">
               <a:solidFill>
@@ -26763,7 +26763,7 @@
                 <a:latin typeface="Calibri"/>
               </a:rPr>
               <a:pPr/>
-              <a:t>9/19/21</a:t>
+              <a:t>9/30/21</a:t>
             </a:fld>
             <a:endParaRPr lang="en-US" dirty="0">
               <a:solidFill>
@@ -27047,7 +27047,7 @@
                 <a:latin typeface="Calibri"/>
               </a:rPr>
               <a:pPr/>
-              <a:t>9/19/21</a:t>
+              <a:t>9/30/21</a:t>
             </a:fld>
             <a:endParaRPr lang="en-US" dirty="0">
               <a:solidFill>
@@ -27389,7 +27389,7 @@
                 <a:latin typeface="Calibri"/>
               </a:rPr>
               <a:pPr/>
-              <a:t>9/19/21</a:t>
+              <a:t>9/30/21</a:t>
             </a:fld>
             <a:endParaRPr lang="en-US" dirty="0">
               <a:solidFill>
@@ -27717,7 +27717,7 @@
                 <a:latin typeface="Calibri"/>
               </a:rPr>
               <a:pPr/>
-              <a:t>9/19/21</a:t>
+              <a:t>9/30/21</a:t>
             </a:fld>
             <a:endParaRPr lang="en-US" dirty="0">
               <a:solidFill>
@@ -28206,7 +28206,7 @@
                 <a:latin typeface="Calibri"/>
               </a:rPr>
               <a:pPr/>
-              <a:t>9/19/21</a:t>
+              <a:t>9/30/21</a:t>
             </a:fld>
             <a:endParaRPr lang="en-US" dirty="0">
               <a:solidFill>
@@ -28389,7 +28389,7 @@
                 <a:latin typeface="Calibri"/>
               </a:rPr>
               <a:pPr/>
-              <a:t>9/19/21</a:t>
+              <a:t>9/30/21</a:t>
             </a:fld>
             <a:endParaRPr lang="en-US" dirty="0">
               <a:solidFill>
@@ -28635,7 +28635,7 @@
                 <a:latin typeface="Calibri"/>
               </a:rPr>
               <a:pPr/>
-              <a:t>9/19/21</a:t>
+              <a:t>9/30/21</a:t>
             </a:fld>
             <a:endParaRPr lang="en-US" dirty="0">
               <a:solidFill>
@@ -28977,7 +28977,7 @@
                 <a:latin typeface="Calibri"/>
               </a:rPr>
               <a:pPr/>
-              <a:t>9/19/21</a:t>
+              <a:t>9/30/21</a:t>
             </a:fld>
             <a:endParaRPr lang="en-US" dirty="0">
               <a:solidFill>
@@ -29269,7 +29269,7 @@
                 <a:latin typeface="Calibri"/>
               </a:rPr>
               <a:pPr/>
-              <a:t>9/19/21</a:t>
+              <a:t>9/30/21</a:t>
             </a:fld>
             <a:endParaRPr lang="en-US" dirty="0">
               <a:solidFill>
@@ -29519,7 +29519,7 @@
                 <a:latin typeface="Calibri"/>
               </a:rPr>
               <a:pPr defTabSz="914400"/>
-              <a:t>9/19/21</a:t>
+              <a:t>9/30/21</a:t>
             </a:fld>
             <a:endParaRPr lang="en-US" dirty="0">
               <a:solidFill>
@@ -42966,7 +42966,7 @@
 </file>
 
 <file path=ppt/slides/slide48.xml><?xml version="1.0" encoding="utf-8"?>
-<p:sld xmlns:a="http://schemas.openxmlformats.org/drawingml/2006/main" xmlns:r="http://schemas.openxmlformats.org/officeDocument/2006/relationships" xmlns:p="http://schemas.openxmlformats.org/presentationml/2006/main" show="0">
+<p:sld xmlns:a="http://schemas.openxmlformats.org/drawingml/2006/main" xmlns:r="http://schemas.openxmlformats.org/officeDocument/2006/relationships" xmlns:p="http://schemas.openxmlformats.org/presentationml/2006/main">
   <p:cSld>
     <p:spTree>
       <p:nvGrpSpPr>

--- a/modules/overlapping_chunks/OverlappingChunks.pptx
+++ b/modules/overlapping_chunks/OverlappingChunks.pptx
@@ -25541,7 +25541,7 @@
           <a:p>
             <a:fld id="{2DA23E8D-1792-1541-9147-970A8DD8A355}" type="datetimeFigureOut">
               <a:rPr lang="en-US" smtClean="0"/>
-              <a:t>9/30/21</a:t>
+              <a:t>10/5/21</a:t>
             </a:fld>
             <a:endParaRPr lang="en-US" dirty="0"/>
           </a:p>
@@ -25939,6 +25939,93 @@
           <a:bodyPr/>
           <a:lstStyle/>
           <a:p>
+            <a:r>
+              <a:rPr lang="en-US" dirty="0"/>
+              <a:t>Prev_size value of Chunk C never gets fixed is the key to this technique</a:t>
+            </a:r>
+          </a:p>
+        </p:txBody>
+      </p:sp>
+      <p:sp>
+        <p:nvSpPr>
+          <p:cNvPr id="4" name="Slide Number Placeholder 3"/>
+          <p:cNvSpPr>
+            <a:spLocks noGrp="1"/>
+          </p:cNvSpPr>
+          <p:nvPr>
+            <p:ph type="sldNum" sz="quarter" idx="5"/>
+          </p:nvPr>
+        </p:nvSpPr>
+        <p:spPr/>
+        <p:txBody>
+          <a:bodyPr/>
+          <a:lstStyle/>
+          <a:p>
+            <a:fld id="{AC55928C-CD14-454C-B617-1AFCF9A58596}" type="slidenum">
+              <a:rPr lang="en-US" smtClean="0"/>
+              <a:t>44</a:t>
+            </a:fld>
+            <a:endParaRPr lang="en-US" dirty="0"/>
+          </a:p>
+        </p:txBody>
+      </p:sp>
+    </p:spTree>
+    <p:extLst>
+      <p:ext uri="{BB962C8B-B14F-4D97-AF65-F5344CB8AC3E}">
+        <p14:creationId xmlns:p14="http://schemas.microsoft.com/office/powerpoint/2010/main" val="902228115"/>
+      </p:ext>
+    </p:extLst>
+  </p:cSld>
+  <p:clrMapOvr>
+    <a:masterClrMapping/>
+  </p:clrMapOvr>
+</p:notes>
+</file>
+
+<file path=ppt/notesSlides/notesSlide3.xml><?xml version="1.0" encoding="utf-8"?>
+<p:notes xmlns:a="http://schemas.openxmlformats.org/drawingml/2006/main" xmlns:r="http://schemas.openxmlformats.org/officeDocument/2006/relationships" xmlns:p="http://schemas.openxmlformats.org/presentationml/2006/main">
+  <p:cSld>
+    <p:spTree>
+      <p:nvGrpSpPr>
+        <p:cNvPr id="1" name=""/>
+        <p:cNvGrpSpPr/>
+        <p:nvPr/>
+      </p:nvGrpSpPr>
+      <p:grpSpPr>
+        <a:xfrm>
+          <a:off x="0" y="0"/>
+          <a:ext cx="0" cy="0"/>
+          <a:chOff x="0" y="0"/>
+          <a:chExt cx="0" cy="0"/>
+        </a:xfrm>
+      </p:grpSpPr>
+      <p:sp>
+        <p:nvSpPr>
+          <p:cNvPr id="2" name="Slide Image Placeholder 1"/>
+          <p:cNvSpPr>
+            <a:spLocks noGrp="1" noRot="1" noChangeAspect="1"/>
+          </p:cNvSpPr>
+          <p:nvPr>
+            <p:ph type="sldImg"/>
+          </p:nvPr>
+        </p:nvSpPr>
+        <p:spPr/>
+      </p:sp>
+      <p:sp>
+        <p:nvSpPr>
+          <p:cNvPr id="3" name="Notes Placeholder 2"/>
+          <p:cNvSpPr>
+            <a:spLocks noGrp="1"/>
+          </p:cNvSpPr>
+          <p:nvPr>
+            <p:ph type="body" idx="1"/>
+          </p:nvPr>
+        </p:nvSpPr>
+        <p:spPr/>
+        <p:txBody>
+          <a:bodyPr/>
+          <a:lstStyle/>
+          <a:p>
             <a:endParaRPr lang="en-US" dirty="0"/>
           </a:p>
         </p:txBody>
@@ -25979,7 +26066,7 @@
 </p:notes>
 </file>
 
-<file path=ppt/notesSlides/notesSlide3.xml><?xml version="1.0" encoding="utf-8"?>
+<file path=ppt/notesSlides/notesSlide4.xml><?xml version="1.0" encoding="utf-8"?>
 <p:notes xmlns:a="http://schemas.openxmlformats.org/drawingml/2006/main" xmlns:r="http://schemas.openxmlformats.org/officeDocument/2006/relationships" xmlns:p="http://schemas.openxmlformats.org/presentationml/2006/main">
   <p:cSld>
     <p:spTree>
@@ -26295,7 +26382,7 @@
                 <a:latin typeface="Calibri"/>
               </a:rPr>
               <a:pPr/>
-              <a:t>9/30/21</a:t>
+              <a:t>10/5/21</a:t>
             </a:fld>
             <a:endParaRPr lang="en-US" dirty="0">
               <a:solidFill>
@@ -26548,7 +26635,7 @@
                 <a:latin typeface="Calibri"/>
               </a:rPr>
               <a:pPr/>
-              <a:t>9/30/21</a:t>
+              <a:t>10/5/21</a:t>
             </a:fld>
             <a:endParaRPr lang="en-US" dirty="0">
               <a:solidFill>
@@ -26763,7 +26850,7 @@
                 <a:latin typeface="Calibri"/>
               </a:rPr>
               <a:pPr/>
-              <a:t>9/30/21</a:t>
+              <a:t>10/5/21</a:t>
             </a:fld>
             <a:endParaRPr lang="en-US" dirty="0">
               <a:solidFill>
@@ -27047,7 +27134,7 @@
                 <a:latin typeface="Calibri"/>
               </a:rPr>
               <a:pPr/>
-              <a:t>9/30/21</a:t>
+              <a:t>10/5/21</a:t>
             </a:fld>
             <a:endParaRPr lang="en-US" dirty="0">
               <a:solidFill>
@@ -27389,7 +27476,7 @@
                 <a:latin typeface="Calibri"/>
               </a:rPr>
               <a:pPr/>
-              <a:t>9/30/21</a:t>
+              <a:t>10/5/21</a:t>
             </a:fld>
             <a:endParaRPr lang="en-US" dirty="0">
               <a:solidFill>
@@ -27717,7 +27804,7 @@
                 <a:latin typeface="Calibri"/>
               </a:rPr>
               <a:pPr/>
-              <a:t>9/30/21</a:t>
+              <a:t>10/5/21</a:t>
             </a:fld>
             <a:endParaRPr lang="en-US" dirty="0">
               <a:solidFill>
@@ -28206,7 +28293,7 @@
                 <a:latin typeface="Calibri"/>
               </a:rPr>
               <a:pPr/>
-              <a:t>9/30/21</a:t>
+              <a:t>10/5/21</a:t>
             </a:fld>
             <a:endParaRPr lang="en-US" dirty="0">
               <a:solidFill>
@@ -28389,7 +28476,7 @@
                 <a:latin typeface="Calibri"/>
               </a:rPr>
               <a:pPr/>
-              <a:t>9/30/21</a:t>
+              <a:t>10/5/21</a:t>
             </a:fld>
             <a:endParaRPr lang="en-US" dirty="0">
               <a:solidFill>
@@ -28635,7 +28722,7 @@
                 <a:latin typeface="Calibri"/>
               </a:rPr>
               <a:pPr/>
-              <a:t>9/30/21</a:t>
+              <a:t>10/5/21</a:t>
             </a:fld>
             <a:endParaRPr lang="en-US" dirty="0">
               <a:solidFill>
@@ -28977,7 +29064,7 @@
                 <a:latin typeface="Calibri"/>
               </a:rPr>
               <a:pPr/>
-              <a:t>9/30/21</a:t>
+              <a:t>10/5/21</a:t>
             </a:fld>
             <a:endParaRPr lang="en-US" dirty="0">
               <a:solidFill>
@@ -29269,7 +29356,7 @@
                 <a:latin typeface="Calibri"/>
               </a:rPr>
               <a:pPr/>
-              <a:t>9/30/21</a:t>
+              <a:t>10/5/21</a:t>
             </a:fld>
             <a:endParaRPr lang="en-US" dirty="0">
               <a:solidFill>
@@ -29519,7 +29606,7 @@
                 <a:latin typeface="Calibri"/>
               </a:rPr>
               <a:pPr defTabSz="914400"/>
-              <a:t>9/30/21</a:t>
+              <a:t>10/5/21</a:t>
             </a:fld>
             <a:endParaRPr lang="en-US" dirty="0">
               <a:solidFill>
@@ -41682,8 +41769,22 @@
           </a:p>
           <a:p>
             <a:r>
+              <a:rPr lang="en-US" b="1" dirty="0" err="1"/>
+              <a:t>Mmap</a:t>
+            </a:r>
+            <a:r>
               <a:rPr lang="en-US" b="1" dirty="0"/>
-              <a:t>Shrinking to Overlap later/Null Byte Overwrite</a:t>
+              <a:t> Chunks</a:t>
+            </a:r>
+            <a:r>
+              <a:rPr lang="en-US" dirty="0"/>
+              <a:t> (No Validations) </a:t>
+            </a:r>
+          </a:p>
+          <a:p>
+            <a:r>
+              <a:rPr lang="en-US" b="1" dirty="0"/>
+              <a:t>Shrinking to Overlap /Null Byte Overwrite</a:t>
             </a:r>
             <a:r>
               <a:rPr lang="en-US" dirty="0"/>
@@ -41710,21 +41811,6 @@
               <a:rPr lang="en-US" b="1" dirty="0"/>
               <a:t> </a:t>
             </a:r>
-          </a:p>
-          <a:p>
-            <a:r>
-              <a:rPr lang="en-US" b="1" dirty="0" err="1"/>
-              <a:t>Mmap</a:t>
-            </a:r>
-            <a:r>
-              <a:rPr lang="en-US" b="1" dirty="0"/>
-              <a:t> Chunks</a:t>
-            </a:r>
-            <a:r>
-              <a:rPr lang="en-US" dirty="0"/>
-              <a:t> (No Validations) </a:t>
-            </a:r>
-            <a:endParaRPr lang="en-US" b="1" dirty="0"/>
           </a:p>
         </p:txBody>
       </p:sp>
@@ -42208,7 +42294,7 @@
           </p:nvPr>
         </p:nvPicPr>
         <p:blipFill>
-          <a:blip r:embed="rId2">
+          <a:blip r:embed="rId3">
             <a:extLst>
               <a:ext uri="{28A0092B-C50C-407E-A947-70E740481C1C}">
                 <a14:useLocalDpi xmlns:a14="http://schemas.microsoft.com/office/drawing/2010/main" val="0"/>

--- a/modules/overlapping_chunks/OverlappingChunks.pptx
+++ b/modules/overlapping_chunks/OverlappingChunks.pptx
@@ -5,7 +5,7 @@
     <p:sldMasterId id="2147483660" r:id="rId1"/>
   </p:sldMasterIdLst>
   <p:notesMasterIdLst>
-    <p:notesMasterId r:id="rId51"/>
+    <p:notesMasterId r:id="rId52"/>
   </p:notesMasterIdLst>
   <p:sldIdLst>
     <p:sldId id="327" r:id="rId2"/>
@@ -34,29 +34,30 @@
     <p:sldId id="469" r:id="rId25"/>
     <p:sldId id="470" r:id="rId26"/>
     <p:sldId id="477" r:id="rId27"/>
-    <p:sldId id="478" r:id="rId28"/>
-    <p:sldId id="481" r:id="rId29"/>
-    <p:sldId id="483" r:id="rId30"/>
-    <p:sldId id="484" r:id="rId31"/>
-    <p:sldId id="485" r:id="rId32"/>
-    <p:sldId id="486" r:id="rId33"/>
-    <p:sldId id="488" r:id="rId34"/>
-    <p:sldId id="490" r:id="rId35"/>
-    <p:sldId id="491" r:id="rId36"/>
-    <p:sldId id="492" r:id="rId37"/>
-    <p:sldId id="493" r:id="rId38"/>
-    <p:sldId id="494" r:id="rId39"/>
-    <p:sldId id="495" r:id="rId40"/>
-    <p:sldId id="507" r:id="rId41"/>
-    <p:sldId id="504" r:id="rId42"/>
-    <p:sldId id="468" r:id="rId43"/>
-    <p:sldId id="502" r:id="rId44"/>
-    <p:sldId id="503" r:id="rId45"/>
-    <p:sldId id="508" r:id="rId46"/>
-    <p:sldId id="510" r:id="rId47"/>
-    <p:sldId id="509" r:id="rId48"/>
-    <p:sldId id="511" r:id="rId49"/>
-    <p:sldId id="501" r:id="rId50"/>
+    <p:sldId id="513" r:id="rId28"/>
+    <p:sldId id="478" r:id="rId29"/>
+    <p:sldId id="481" r:id="rId30"/>
+    <p:sldId id="483" r:id="rId31"/>
+    <p:sldId id="484" r:id="rId32"/>
+    <p:sldId id="485" r:id="rId33"/>
+    <p:sldId id="486" r:id="rId34"/>
+    <p:sldId id="488" r:id="rId35"/>
+    <p:sldId id="490" r:id="rId36"/>
+    <p:sldId id="491" r:id="rId37"/>
+    <p:sldId id="492" r:id="rId38"/>
+    <p:sldId id="493" r:id="rId39"/>
+    <p:sldId id="494" r:id="rId40"/>
+    <p:sldId id="495" r:id="rId41"/>
+    <p:sldId id="507" r:id="rId42"/>
+    <p:sldId id="504" r:id="rId43"/>
+    <p:sldId id="468" r:id="rId44"/>
+    <p:sldId id="502" r:id="rId45"/>
+    <p:sldId id="503" r:id="rId46"/>
+    <p:sldId id="508" r:id="rId47"/>
+    <p:sldId id="510" r:id="rId48"/>
+    <p:sldId id="509" r:id="rId49"/>
+    <p:sldId id="511" r:id="rId50"/>
+    <p:sldId id="501" r:id="rId51"/>
   </p:sldIdLst>
   <p:sldSz cx="9144000" cy="5143500" type="screen16x9"/>
   <p:notesSz cx="6858000" cy="9144000"/>
@@ -25541,7 +25542,7 @@
           <a:p>
             <a:fld id="{2DA23E8D-1792-1541-9147-970A8DD8A355}" type="datetimeFigureOut">
               <a:rPr lang="en-US" smtClean="0"/>
-              <a:t>10/5/21</a:t>
+              <a:t>10/11/21</a:t>
             </a:fld>
             <a:endParaRPr lang="en-US" dirty="0"/>
           </a:p>
@@ -25963,7 +25964,7 @@
           <a:p>
             <a:fld id="{AC55928C-CD14-454C-B617-1AFCF9A58596}" type="slidenum">
               <a:rPr lang="en-US" smtClean="0"/>
-              <a:t>44</a:t>
+              <a:t>45</a:t>
             </a:fld>
             <a:endParaRPr lang="en-US" dirty="0"/>
           </a:p>
@@ -26047,7 +26048,7 @@
           <a:p>
             <a:fld id="{AC55928C-CD14-454C-B617-1AFCF9A58596}" type="slidenum">
               <a:rPr lang="en-US" smtClean="0"/>
-              <a:t>47</a:t>
+              <a:t>48</a:t>
             </a:fld>
             <a:endParaRPr lang="en-US" dirty="0"/>
           </a:p>
@@ -26136,8 +26137,12 @@
               <a:t>pwn</a:t>
             </a:r>
             <a:r>
+              <a:rPr lang="en-US" dirty="0"/>
+              <a:t>. Thanks for coming to the workshop today; I had a wonderful time sharing </a:t>
+            </a:r>
+            <a:r>
               <a:rPr lang="en-US"/>
-              <a:t>. </a:t>
+              <a:t>this material with you!</a:t>
             </a:r>
             <a:endParaRPr lang="en-US" dirty="0"/>
           </a:p>
@@ -26160,7 +26165,7 @@
           <a:p>
             <a:fld id="{AC55928C-CD14-454C-B617-1AFCF9A58596}" type="slidenum">
               <a:rPr lang="en-US" smtClean="0"/>
-              <a:t>48</a:t>
+              <a:t>49</a:t>
             </a:fld>
             <a:endParaRPr lang="en-US" dirty="0"/>
           </a:p>
@@ -26382,7 +26387,7 @@
                 <a:latin typeface="Calibri"/>
               </a:rPr>
               <a:pPr/>
-              <a:t>10/5/21</a:t>
+              <a:t>10/11/21</a:t>
             </a:fld>
             <a:endParaRPr lang="en-US" dirty="0">
               <a:solidFill>
@@ -26635,7 +26640,7 @@
                 <a:latin typeface="Calibri"/>
               </a:rPr>
               <a:pPr/>
-              <a:t>10/5/21</a:t>
+              <a:t>10/11/21</a:t>
             </a:fld>
             <a:endParaRPr lang="en-US" dirty="0">
               <a:solidFill>
@@ -26850,7 +26855,7 @@
                 <a:latin typeface="Calibri"/>
               </a:rPr>
               <a:pPr/>
-              <a:t>10/5/21</a:t>
+              <a:t>10/11/21</a:t>
             </a:fld>
             <a:endParaRPr lang="en-US" dirty="0">
               <a:solidFill>
@@ -27134,7 +27139,7 @@
                 <a:latin typeface="Calibri"/>
               </a:rPr>
               <a:pPr/>
-              <a:t>10/5/21</a:t>
+              <a:t>10/11/21</a:t>
             </a:fld>
             <a:endParaRPr lang="en-US" dirty="0">
               <a:solidFill>
@@ -27476,7 +27481,7 @@
                 <a:latin typeface="Calibri"/>
               </a:rPr>
               <a:pPr/>
-              <a:t>10/5/21</a:t>
+              <a:t>10/11/21</a:t>
             </a:fld>
             <a:endParaRPr lang="en-US" dirty="0">
               <a:solidFill>
@@ -27804,7 +27809,7 @@
                 <a:latin typeface="Calibri"/>
               </a:rPr>
               <a:pPr/>
-              <a:t>10/5/21</a:t>
+              <a:t>10/11/21</a:t>
             </a:fld>
             <a:endParaRPr lang="en-US" dirty="0">
               <a:solidFill>
@@ -28293,7 +28298,7 @@
                 <a:latin typeface="Calibri"/>
               </a:rPr>
               <a:pPr/>
-              <a:t>10/5/21</a:t>
+              <a:t>10/11/21</a:t>
             </a:fld>
             <a:endParaRPr lang="en-US" dirty="0">
               <a:solidFill>
@@ -28476,7 +28481,7 @@
                 <a:latin typeface="Calibri"/>
               </a:rPr>
               <a:pPr/>
-              <a:t>10/5/21</a:t>
+              <a:t>10/11/21</a:t>
             </a:fld>
             <a:endParaRPr lang="en-US" dirty="0">
               <a:solidFill>
@@ -28722,7 +28727,7 @@
                 <a:latin typeface="Calibri"/>
               </a:rPr>
               <a:pPr/>
-              <a:t>10/5/21</a:t>
+              <a:t>10/11/21</a:t>
             </a:fld>
             <a:endParaRPr lang="en-US" dirty="0">
               <a:solidFill>
@@ -29064,7 +29069,7 @@
                 <a:latin typeface="Calibri"/>
               </a:rPr>
               <a:pPr/>
-              <a:t>10/5/21</a:t>
+              <a:t>10/11/21</a:t>
             </a:fld>
             <a:endParaRPr lang="en-US" dirty="0">
               <a:solidFill>
@@ -29356,7 +29361,7 @@
                 <a:latin typeface="Calibri"/>
               </a:rPr>
               <a:pPr/>
-              <a:t>10/5/21</a:t>
+              <a:t>10/11/21</a:t>
             </a:fld>
             <a:endParaRPr lang="en-US" dirty="0">
               <a:solidFill>
@@ -29606,7 +29611,7 @@
                 <a:latin typeface="Calibri"/>
               </a:rPr>
               <a:pPr defTabSz="914400"/>
-              <a:t>10/5/21</a:t>
+              <a:t>10/11/21</a:t>
             </a:fld>
             <a:endParaRPr lang="en-US" dirty="0">
               <a:solidFill>
@@ -30210,25 +30215,7 @@
           <a:p>
             <a:r>
               <a:rPr lang="en-US" dirty="0"/>
-              <a:t>What is this data?</a:t>
-            </a:r>
-          </a:p>
-          <a:p>
-            <a:pPr lvl="1"/>
-            <a:r>
-              <a:rPr lang="en-US" dirty="0"/>
-              <a:t>For now, only focus on </a:t>
-            </a:r>
-            <a:r>
-              <a:rPr lang="en-US" b="1" dirty="0"/>
-              <a:t>p</a:t>
-            </a:r>
-          </a:p>
-          <a:p>
-            <a:pPr lvl="1"/>
-            <a:r>
-              <a:rPr lang="en-US" dirty="0"/>
-              <a:t>n &amp; m (will touch on later) – usually set to 0</a:t>
+              <a:t>P: Is the previous chunk in use?</a:t>
             </a:r>
           </a:p>
           <a:p>
@@ -34978,6 +34965,214 @@
           </a:prstGeom>
         </p:spPr>
       </p:pic>
+      <p:sp>
+        <p:nvSpPr>
+          <p:cNvPr id="9" name="Content Placeholder 2">
+            <a:extLst>
+              <a:ext uri="{FF2B5EF4-FFF2-40B4-BE49-F238E27FC236}">
+                <a16:creationId xmlns:a16="http://schemas.microsoft.com/office/drawing/2014/main" id="{A0C85D3E-BE51-2B4F-B25E-402B308D2625}"/>
+              </a:ext>
+            </a:extLst>
+          </p:cNvPr>
+          <p:cNvSpPr txBox="1">
+            <a:spLocks/>
+          </p:cNvSpPr>
+          <p:nvPr/>
+        </p:nvSpPr>
+        <p:spPr>
+          <a:xfrm>
+            <a:off x="6495743" y="3416945"/>
+            <a:ext cx="1388068" cy="535840"/>
+          </a:xfrm>
+          <a:prstGeom prst="rect">
+            <a:avLst/>
+          </a:prstGeom>
+        </p:spPr>
+        <p:txBody>
+          <a:bodyPr vert="horz" lIns="91440" tIns="45720" rIns="91440" bIns="45720" rtlCol="0">
+            <a:normAutofit/>
+          </a:bodyPr>
+          <a:lstStyle>
+            <a:lvl1pPr marL="228600" indent="-228600" algn="l" defTabSz="914400" rtl="0" eaLnBrk="1" latinLnBrk="0" hangingPunct="1">
+              <a:lnSpc>
+                <a:spcPct val="90000"/>
+              </a:lnSpc>
+              <a:spcBef>
+                <a:spcPts val="1000"/>
+              </a:spcBef>
+              <a:buFont typeface="Arial" panose="020B0604020202020204" pitchFamily="34" charset="0"/>
+              <a:buChar char="•"/>
+              <a:defRPr sz="2200" kern="1200">
+                <a:solidFill>
+                  <a:schemeClr val="tx1"/>
+                </a:solidFill>
+                <a:latin typeface="Avenir Book"/>
+                <a:ea typeface="+mn-ea"/>
+                <a:cs typeface="Avenir Book"/>
+              </a:defRPr>
+            </a:lvl1pPr>
+            <a:lvl2pPr marL="685800" indent="-228600" algn="l" defTabSz="914400" rtl="0" eaLnBrk="1" latinLnBrk="0" hangingPunct="1">
+              <a:lnSpc>
+                <a:spcPct val="90000"/>
+              </a:lnSpc>
+              <a:spcBef>
+                <a:spcPts val="500"/>
+              </a:spcBef>
+              <a:buFont typeface="Arial" panose="020B0604020202020204" pitchFamily="34" charset="0"/>
+              <a:buChar char="•"/>
+              <a:defRPr sz="2000" kern="1200">
+                <a:solidFill>
+                  <a:schemeClr val="tx1"/>
+                </a:solidFill>
+                <a:latin typeface="Avenir Book"/>
+                <a:ea typeface="+mn-ea"/>
+                <a:cs typeface="Avenir Book"/>
+              </a:defRPr>
+            </a:lvl2pPr>
+            <a:lvl3pPr marL="1143000" indent="-228600" algn="l" defTabSz="914400" rtl="0" eaLnBrk="1" latinLnBrk="0" hangingPunct="1">
+              <a:lnSpc>
+                <a:spcPct val="90000"/>
+              </a:lnSpc>
+              <a:spcBef>
+                <a:spcPts val="500"/>
+              </a:spcBef>
+              <a:buFont typeface="Arial" panose="020B0604020202020204" pitchFamily="34" charset="0"/>
+              <a:buChar char="•"/>
+              <a:defRPr sz="1800" kern="1200">
+                <a:solidFill>
+                  <a:schemeClr val="tx1"/>
+                </a:solidFill>
+                <a:latin typeface="Avenir Book"/>
+                <a:ea typeface="+mn-ea"/>
+                <a:cs typeface="Avenir Book"/>
+              </a:defRPr>
+            </a:lvl3pPr>
+            <a:lvl4pPr marL="1600200" indent="-228600" algn="l" defTabSz="914400" rtl="0" eaLnBrk="1" latinLnBrk="0" hangingPunct="1">
+              <a:lnSpc>
+                <a:spcPct val="90000"/>
+              </a:lnSpc>
+              <a:spcBef>
+                <a:spcPts val="500"/>
+              </a:spcBef>
+              <a:buFont typeface="Arial" panose="020B0604020202020204" pitchFamily="34" charset="0"/>
+              <a:buChar char="•"/>
+              <a:defRPr sz="2400" kern="1200">
+                <a:solidFill>
+                  <a:schemeClr val="tx1"/>
+                </a:solidFill>
+                <a:latin typeface="Avenir Book"/>
+                <a:ea typeface="+mn-ea"/>
+                <a:cs typeface="Avenir Book"/>
+              </a:defRPr>
+            </a:lvl4pPr>
+            <a:lvl5pPr marL="2057400" indent="-228600" algn="l" defTabSz="914400" rtl="0" eaLnBrk="1" latinLnBrk="0" hangingPunct="1">
+              <a:lnSpc>
+                <a:spcPct val="90000"/>
+              </a:lnSpc>
+              <a:spcBef>
+                <a:spcPts val="500"/>
+              </a:spcBef>
+              <a:buFont typeface="Arial" panose="020B0604020202020204" pitchFamily="34" charset="0"/>
+              <a:buChar char="•"/>
+              <a:defRPr sz="2400" kern="1200">
+                <a:solidFill>
+                  <a:schemeClr val="tx1"/>
+                </a:solidFill>
+                <a:latin typeface="Avenir Book"/>
+                <a:ea typeface="+mn-ea"/>
+                <a:cs typeface="Avenir Book"/>
+              </a:defRPr>
+            </a:lvl5pPr>
+            <a:lvl6pPr marL="2514600" indent="-228600" algn="l" defTabSz="914400" rtl="0" eaLnBrk="1" latinLnBrk="0" hangingPunct="1">
+              <a:lnSpc>
+                <a:spcPct val="90000"/>
+              </a:lnSpc>
+              <a:spcBef>
+                <a:spcPts val="500"/>
+              </a:spcBef>
+              <a:buFont typeface="Arial" panose="020B0604020202020204" pitchFamily="34" charset="0"/>
+              <a:buChar char="•"/>
+              <a:defRPr sz="1800" kern="1200">
+                <a:solidFill>
+                  <a:schemeClr val="tx1"/>
+                </a:solidFill>
+                <a:latin typeface="+mn-lt"/>
+                <a:ea typeface="+mn-ea"/>
+                <a:cs typeface="+mn-cs"/>
+              </a:defRPr>
+            </a:lvl6pPr>
+            <a:lvl7pPr marL="2971800" indent="-228600" algn="l" defTabSz="914400" rtl="0" eaLnBrk="1" latinLnBrk="0" hangingPunct="1">
+              <a:lnSpc>
+                <a:spcPct val="90000"/>
+              </a:lnSpc>
+              <a:spcBef>
+                <a:spcPts val="500"/>
+              </a:spcBef>
+              <a:buFont typeface="Arial" panose="020B0604020202020204" pitchFamily="34" charset="0"/>
+              <a:buChar char="•"/>
+              <a:defRPr sz="1800" kern="1200">
+                <a:solidFill>
+                  <a:schemeClr val="tx1"/>
+                </a:solidFill>
+                <a:latin typeface="+mn-lt"/>
+                <a:ea typeface="+mn-ea"/>
+                <a:cs typeface="+mn-cs"/>
+              </a:defRPr>
+            </a:lvl7pPr>
+            <a:lvl8pPr marL="3429000" indent="-228600" algn="l" defTabSz="914400" rtl="0" eaLnBrk="1" latinLnBrk="0" hangingPunct="1">
+              <a:lnSpc>
+                <a:spcPct val="90000"/>
+              </a:lnSpc>
+              <a:spcBef>
+                <a:spcPts val="500"/>
+              </a:spcBef>
+              <a:buFont typeface="Arial" panose="020B0604020202020204" pitchFamily="34" charset="0"/>
+              <a:buChar char="•"/>
+              <a:defRPr sz="1800" kern="1200">
+                <a:solidFill>
+                  <a:schemeClr val="tx1"/>
+                </a:solidFill>
+                <a:latin typeface="+mn-lt"/>
+                <a:ea typeface="+mn-ea"/>
+                <a:cs typeface="+mn-cs"/>
+              </a:defRPr>
+            </a:lvl8pPr>
+            <a:lvl9pPr marL="3886200" indent="-228600" algn="l" defTabSz="914400" rtl="0" eaLnBrk="1" latinLnBrk="0" hangingPunct="1">
+              <a:lnSpc>
+                <a:spcPct val="90000"/>
+              </a:lnSpc>
+              <a:spcBef>
+                <a:spcPts val="500"/>
+              </a:spcBef>
+              <a:buFont typeface="Arial" panose="020B0604020202020204" pitchFamily="34" charset="0"/>
+              <a:buChar char="•"/>
+              <a:defRPr sz="1800" kern="1200">
+                <a:solidFill>
+                  <a:schemeClr val="tx1"/>
+                </a:solidFill>
+                <a:latin typeface="+mn-lt"/>
+                <a:ea typeface="+mn-ea"/>
+                <a:cs typeface="+mn-cs"/>
+              </a:defRPr>
+            </a:lvl9pPr>
+          </a:lstStyle>
+          <a:p>
+            <a:pPr marL="0" indent="0">
+              <a:buNone/>
+            </a:pPr>
+            <a:r>
+              <a:rPr lang="en-US" b="1" dirty="0">
+                <a:solidFill>
+                  <a:srgbClr val="00B050"/>
+                </a:solidFill>
+                <a:latin typeface="Hiragino Kaku Gothic Std W8" panose="020B0800000000000000" pitchFamily="34" charset="-128"/>
+                <a:ea typeface="Hiragino Kaku Gothic Std W8" panose="020B0800000000000000" pitchFamily="34" charset="-128"/>
+              </a:rPr>
+              <a:t>String</a:t>
+            </a:r>
+          </a:p>
+        </p:txBody>
+      </p:sp>
     </p:spTree>
     <p:extLst>
       <p:ext uri="{BB962C8B-B14F-4D97-AF65-F5344CB8AC3E}">
@@ -36279,6 +36474,164 @@
           <a:chExt cx="0" cy="0"/>
         </a:xfrm>
       </p:grpSpPr>
+      <p:sp>
+        <p:nvSpPr>
+          <p:cNvPr id="2" name="Title 1">
+            <a:extLst>
+              <a:ext uri="{FF2B5EF4-FFF2-40B4-BE49-F238E27FC236}">
+                <a16:creationId xmlns:a16="http://schemas.microsoft.com/office/drawing/2014/main" id="{545E2FEB-60D2-5249-B4E2-490759440C38}"/>
+              </a:ext>
+            </a:extLst>
+          </p:cNvPr>
+          <p:cNvSpPr>
+            <a:spLocks noGrp="1"/>
+          </p:cNvSpPr>
+          <p:nvPr>
+            <p:ph type="title"/>
+          </p:nvPr>
+        </p:nvSpPr>
+        <p:spPr/>
+        <p:txBody>
+          <a:bodyPr/>
+          <a:lstStyle/>
+          <a:p>
+            <a:r>
+              <a:rPr lang="en-US" dirty="0"/>
+              <a:t>Amount of Bytes Prior to Size</a:t>
+            </a:r>
+          </a:p>
+        </p:txBody>
+      </p:sp>
+      <p:sp>
+        <p:nvSpPr>
+          <p:cNvPr id="3" name="Content Placeholder 2">
+            <a:extLst>
+              <a:ext uri="{FF2B5EF4-FFF2-40B4-BE49-F238E27FC236}">
+                <a16:creationId xmlns:a16="http://schemas.microsoft.com/office/drawing/2014/main" id="{993A327D-E419-EF43-A163-ECC5D8B6BC56}"/>
+              </a:ext>
+            </a:extLst>
+          </p:cNvPr>
+          <p:cNvSpPr>
+            <a:spLocks noGrp="1"/>
+          </p:cNvSpPr>
+          <p:nvPr>
+            <p:ph idx="1"/>
+          </p:nvPr>
+        </p:nvSpPr>
+        <p:spPr>
+          <a:xfrm>
+            <a:off x="628650" y="1236541"/>
+            <a:ext cx="4303835" cy="3263504"/>
+          </a:xfrm>
+        </p:spPr>
+        <p:txBody>
+          <a:bodyPr/>
+          <a:lstStyle/>
+          <a:p>
+            <a:r>
+              <a:rPr lang="en-US" dirty="0"/>
+              <a:t>0x10 bytes (chunk to memory) into </a:t>
+            </a:r>
+            <a:r>
+              <a:rPr lang="en-US" b="1" i="1" dirty="0"/>
+              <a:t>first</a:t>
+            </a:r>
+          </a:p>
+          <a:p>
+            <a:r>
+              <a:rPr lang="en-US" dirty="0"/>
+              <a:t>0x30 bytes until </a:t>
+            </a:r>
+            <a:r>
+              <a:rPr lang="en-US" b="1" i="1" dirty="0"/>
+              <a:t>second</a:t>
+            </a:r>
+          </a:p>
+          <a:p>
+            <a:r>
+              <a:rPr lang="en-US" dirty="0"/>
+              <a:t>0x8 bytes to find </a:t>
+            </a:r>
+            <a:r>
+              <a:rPr lang="en-US" b="1" dirty="0"/>
+              <a:t>size</a:t>
+            </a:r>
+            <a:endParaRPr lang="en-US" dirty="0"/>
+          </a:p>
+          <a:p>
+            <a:r>
+              <a:rPr lang="en-US" dirty="0"/>
+              <a:t>0x30 + 0x8 = 0x38 bytes</a:t>
+            </a:r>
+          </a:p>
+          <a:p>
+            <a:endParaRPr lang="en-US" dirty="0"/>
+          </a:p>
+          <a:p>
+            <a:endParaRPr lang="en-US" dirty="0"/>
+          </a:p>
+        </p:txBody>
+      </p:sp>
+      <p:pic>
+        <p:nvPicPr>
+          <p:cNvPr id="4" name="Picture 3" descr="Overlapping chunks ordering starting point">
+            <a:extLst>
+              <a:ext uri="{FF2B5EF4-FFF2-40B4-BE49-F238E27FC236}">
+                <a16:creationId xmlns:a16="http://schemas.microsoft.com/office/drawing/2014/main" id="{D755765C-059C-9040-A2FB-F4CE1BEB2ADB}"/>
+              </a:ext>
+            </a:extLst>
+          </p:cNvPr>
+          <p:cNvPicPr>
+            <a:picLocks noChangeAspect="1"/>
+          </p:cNvPicPr>
+          <p:nvPr/>
+        </p:nvPicPr>
+        <p:blipFill>
+          <a:blip r:embed="rId2"/>
+          <a:stretch>
+            <a:fillRect/>
+          </a:stretch>
+        </p:blipFill>
+        <p:spPr>
+          <a:xfrm>
+            <a:off x="5082451" y="1345324"/>
+            <a:ext cx="3029649" cy="2840296"/>
+          </a:xfrm>
+          <a:prstGeom prst="rect">
+            <a:avLst/>
+          </a:prstGeom>
+        </p:spPr>
+      </p:pic>
+    </p:spTree>
+    <p:extLst>
+      <p:ext uri="{BB962C8B-B14F-4D97-AF65-F5344CB8AC3E}">
+        <p14:creationId xmlns:p14="http://schemas.microsoft.com/office/powerpoint/2010/main" val="3557391293"/>
+      </p:ext>
+    </p:extLst>
+  </p:cSld>
+  <p:clrMapOvr>
+    <a:masterClrMapping/>
+  </p:clrMapOvr>
+</p:sld>
+</file>
+
+<file path=ppt/slides/slide28.xml><?xml version="1.0" encoding="utf-8"?>
+<p:sld xmlns:a="http://schemas.openxmlformats.org/drawingml/2006/main" xmlns:r="http://schemas.openxmlformats.org/officeDocument/2006/relationships" xmlns:p="http://schemas.openxmlformats.org/presentationml/2006/main">
+  <p:cSld>
+    <p:spTree>
+      <p:nvGrpSpPr>
+        <p:cNvPr id="1" name=""/>
+        <p:cNvGrpSpPr/>
+        <p:nvPr/>
+      </p:nvGrpSpPr>
+      <p:grpSpPr>
+        <a:xfrm>
+          <a:off x="0" y="0"/>
+          <a:ext cx="0" cy="0"/>
+          <a:chOff x="0" y="0"/>
+          <a:chExt cx="0" cy="0"/>
+        </a:xfrm>
+      </p:grpSpPr>
       <p:pic>
         <p:nvPicPr>
           <p:cNvPr id="7" name="Picture 6" descr="Overlapping chunks ordering starting point">
@@ -36732,7 +37085,7 @@
 </p:sld>
 </file>
 
-<file path=ppt/slides/slide28.xml><?xml version="1.0" encoding="utf-8"?>
+<file path=ppt/slides/slide29.xml><?xml version="1.0" encoding="utf-8"?>
 <p:sld xmlns:a="http://schemas.openxmlformats.org/drawingml/2006/main" xmlns:r="http://schemas.openxmlformats.org/officeDocument/2006/relationships" xmlns:p="http://schemas.openxmlformats.org/presentationml/2006/main">
   <p:cSld>
     <p:spTree>
@@ -37173,7 +37526,132 @@
 </p:sld>
 </file>
 
-<file path=ppt/slides/slide29.xml><?xml version="1.0" encoding="utf-8"?>
+<file path=ppt/slides/slide3.xml><?xml version="1.0" encoding="utf-8"?>
+<p:sld xmlns:a="http://schemas.openxmlformats.org/drawingml/2006/main" xmlns:r="http://schemas.openxmlformats.org/officeDocument/2006/relationships" xmlns:p="http://schemas.openxmlformats.org/presentationml/2006/main">
+  <p:cSld>
+    <p:spTree>
+      <p:nvGrpSpPr>
+        <p:cNvPr id="1" name=""/>
+        <p:cNvGrpSpPr/>
+        <p:nvPr/>
+      </p:nvGrpSpPr>
+      <p:grpSpPr>
+        <a:xfrm>
+          <a:off x="0" y="0"/>
+          <a:ext cx="0" cy="0"/>
+          <a:chOff x="0" y="0"/>
+          <a:chExt cx="0" cy="0"/>
+        </a:xfrm>
+      </p:grpSpPr>
+      <p:sp>
+        <p:nvSpPr>
+          <p:cNvPr id="2" name="Title 1">
+            <a:extLst>
+              <a:ext uri="{FF2B5EF4-FFF2-40B4-BE49-F238E27FC236}">
+                <a16:creationId xmlns:a16="http://schemas.microsoft.com/office/drawing/2014/main" id="{2865E600-F6A4-2D45-93C6-46B191F35303}"/>
+              </a:ext>
+            </a:extLst>
+          </p:cNvPr>
+          <p:cNvSpPr>
+            <a:spLocks noGrp="1"/>
+          </p:cNvSpPr>
+          <p:nvPr>
+            <p:ph type="title"/>
+          </p:nvPr>
+        </p:nvSpPr>
+        <p:spPr/>
+        <p:txBody>
+          <a:bodyPr>
+            <a:normAutofit/>
+          </a:bodyPr>
+          <a:lstStyle/>
+          <a:p>
+            <a:r>
+              <a:rPr lang="en-US" dirty="0"/>
+              <a:t>Why so Deep into Structures?</a:t>
+            </a:r>
+          </a:p>
+        </p:txBody>
+      </p:sp>
+      <p:sp>
+        <p:nvSpPr>
+          <p:cNvPr id="3" name="Content Placeholder 2">
+            <a:extLst>
+              <a:ext uri="{FF2B5EF4-FFF2-40B4-BE49-F238E27FC236}">
+                <a16:creationId xmlns:a16="http://schemas.microsoft.com/office/drawing/2014/main" id="{198E4F7B-9CBD-0448-B4EE-052B95C6EA25}"/>
+              </a:ext>
+            </a:extLst>
+          </p:cNvPr>
+          <p:cNvSpPr>
+            <a:spLocks noGrp="1"/>
+          </p:cNvSpPr>
+          <p:nvPr>
+            <p:ph idx="1"/>
+          </p:nvPr>
+        </p:nvSpPr>
+        <p:spPr/>
+        <p:txBody>
+          <a:bodyPr/>
+          <a:lstStyle/>
+          <a:p>
+            <a:r>
+              <a:rPr lang="en-US" dirty="0"/>
+              <a:t>Hopefully, code execution via memory corruption by:</a:t>
+            </a:r>
+          </a:p>
+          <a:p>
+            <a:pPr lvl="1"/>
+            <a:r>
+              <a:rPr lang="en-US" b="1" dirty="0">
+                <a:latin typeface="Britannic Bold" panose="020B0903060703020204" pitchFamily="34" charset="77"/>
+              </a:rPr>
+              <a:t>Corrupting size information (size/prev_size) of chunks</a:t>
+            </a:r>
+          </a:p>
+          <a:p>
+            <a:pPr lvl="1"/>
+            <a:r>
+              <a:rPr lang="en-US" dirty="0"/>
+              <a:t>Corrupting fd &amp; bk pointers of a freed chunk</a:t>
+            </a:r>
+          </a:p>
+          <a:p>
+            <a:pPr lvl="1"/>
+            <a:r>
+              <a:rPr lang="en-US" dirty="0"/>
+              <a:t>Bypassing security mitigations added to malloc</a:t>
+            </a:r>
+          </a:p>
+          <a:p>
+            <a:r>
+              <a:rPr lang="en-US" dirty="0"/>
+              <a:t>Memory leaks (heap and </a:t>
+            </a:r>
+            <a:r>
+              <a:rPr lang="en-US" dirty="0" err="1"/>
+              <a:t>LibC</a:t>
+            </a:r>
+            <a:r>
+              <a:rPr lang="en-US" dirty="0"/>
+              <a:t>)</a:t>
+            </a:r>
+          </a:p>
+        </p:txBody>
+      </p:sp>
+    </p:spTree>
+    <p:extLst>
+      <p:ext uri="{BB962C8B-B14F-4D97-AF65-F5344CB8AC3E}">
+        <p14:creationId xmlns:p14="http://schemas.microsoft.com/office/powerpoint/2010/main" val="3065879756"/>
+      </p:ext>
+    </p:extLst>
+  </p:cSld>
+  <p:clrMapOvr>
+    <a:masterClrMapping/>
+  </p:clrMapOvr>
+</p:sld>
+</file>
+
+<file path=ppt/slides/slide30.xml><?xml version="1.0" encoding="utf-8"?>
 <p:sld xmlns:a="http://schemas.openxmlformats.org/drawingml/2006/main" xmlns:r="http://schemas.openxmlformats.org/officeDocument/2006/relationships" xmlns:p="http://schemas.openxmlformats.org/presentationml/2006/main">
   <p:cSld>
     <p:spTree>
@@ -37663,132 +38141,7 @@
 </p:sld>
 </file>
 
-<file path=ppt/slides/slide3.xml><?xml version="1.0" encoding="utf-8"?>
-<p:sld xmlns:a="http://schemas.openxmlformats.org/drawingml/2006/main" xmlns:r="http://schemas.openxmlformats.org/officeDocument/2006/relationships" xmlns:p="http://schemas.openxmlformats.org/presentationml/2006/main">
-  <p:cSld>
-    <p:spTree>
-      <p:nvGrpSpPr>
-        <p:cNvPr id="1" name=""/>
-        <p:cNvGrpSpPr/>
-        <p:nvPr/>
-      </p:nvGrpSpPr>
-      <p:grpSpPr>
-        <a:xfrm>
-          <a:off x="0" y="0"/>
-          <a:ext cx="0" cy="0"/>
-          <a:chOff x="0" y="0"/>
-          <a:chExt cx="0" cy="0"/>
-        </a:xfrm>
-      </p:grpSpPr>
-      <p:sp>
-        <p:nvSpPr>
-          <p:cNvPr id="2" name="Title 1">
-            <a:extLst>
-              <a:ext uri="{FF2B5EF4-FFF2-40B4-BE49-F238E27FC236}">
-                <a16:creationId xmlns:a16="http://schemas.microsoft.com/office/drawing/2014/main" id="{2865E600-F6A4-2D45-93C6-46B191F35303}"/>
-              </a:ext>
-            </a:extLst>
-          </p:cNvPr>
-          <p:cNvSpPr>
-            <a:spLocks noGrp="1"/>
-          </p:cNvSpPr>
-          <p:nvPr>
-            <p:ph type="title"/>
-          </p:nvPr>
-        </p:nvSpPr>
-        <p:spPr/>
-        <p:txBody>
-          <a:bodyPr>
-            <a:normAutofit/>
-          </a:bodyPr>
-          <a:lstStyle/>
-          <a:p>
-            <a:r>
-              <a:rPr lang="en-US" dirty="0"/>
-              <a:t>Why so Deep into Structures?</a:t>
-            </a:r>
-          </a:p>
-        </p:txBody>
-      </p:sp>
-      <p:sp>
-        <p:nvSpPr>
-          <p:cNvPr id="3" name="Content Placeholder 2">
-            <a:extLst>
-              <a:ext uri="{FF2B5EF4-FFF2-40B4-BE49-F238E27FC236}">
-                <a16:creationId xmlns:a16="http://schemas.microsoft.com/office/drawing/2014/main" id="{198E4F7B-9CBD-0448-B4EE-052B95C6EA25}"/>
-              </a:ext>
-            </a:extLst>
-          </p:cNvPr>
-          <p:cNvSpPr>
-            <a:spLocks noGrp="1"/>
-          </p:cNvSpPr>
-          <p:nvPr>
-            <p:ph idx="1"/>
-          </p:nvPr>
-        </p:nvSpPr>
-        <p:spPr/>
-        <p:txBody>
-          <a:bodyPr/>
-          <a:lstStyle/>
-          <a:p>
-            <a:r>
-              <a:rPr lang="en-US" dirty="0"/>
-              <a:t>Hopefully, code execution via memory corruption by:</a:t>
-            </a:r>
-          </a:p>
-          <a:p>
-            <a:pPr lvl="1"/>
-            <a:r>
-              <a:rPr lang="en-US" b="1" dirty="0">
-                <a:latin typeface="Britannic Bold" panose="020B0903060703020204" pitchFamily="34" charset="77"/>
-              </a:rPr>
-              <a:t>Corrupting size information (size/prev_size) of chunks</a:t>
-            </a:r>
-          </a:p>
-          <a:p>
-            <a:pPr lvl="1"/>
-            <a:r>
-              <a:rPr lang="en-US" dirty="0"/>
-              <a:t>Corrupting fd &amp; bk pointers of a freed chunk</a:t>
-            </a:r>
-          </a:p>
-          <a:p>
-            <a:pPr lvl="1"/>
-            <a:r>
-              <a:rPr lang="en-US" dirty="0"/>
-              <a:t>Bypassing security mitigations added to malloc</a:t>
-            </a:r>
-          </a:p>
-          <a:p>
-            <a:r>
-              <a:rPr lang="en-US" dirty="0"/>
-              <a:t>Memory leaks (heap and </a:t>
-            </a:r>
-            <a:r>
-              <a:rPr lang="en-US" dirty="0" err="1"/>
-              <a:t>LibC</a:t>
-            </a:r>
-            <a:r>
-              <a:rPr lang="en-US" dirty="0"/>
-              <a:t>)</a:t>
-            </a:r>
-          </a:p>
-        </p:txBody>
-      </p:sp>
-    </p:spTree>
-    <p:extLst>
-      <p:ext uri="{BB962C8B-B14F-4D97-AF65-F5344CB8AC3E}">
-        <p14:creationId xmlns:p14="http://schemas.microsoft.com/office/powerpoint/2010/main" val="3065879756"/>
-      </p:ext>
-    </p:extLst>
-  </p:cSld>
-  <p:clrMapOvr>
-    <a:masterClrMapping/>
-  </p:clrMapOvr>
-</p:sld>
-</file>
-
-<file path=ppt/slides/slide30.xml><?xml version="1.0" encoding="utf-8"?>
+<file path=ppt/slides/slide31.xml><?xml version="1.0" encoding="utf-8"?>
 <p:sld xmlns:a="http://schemas.openxmlformats.org/drawingml/2006/main" xmlns:r="http://schemas.openxmlformats.org/officeDocument/2006/relationships" xmlns:p="http://schemas.openxmlformats.org/presentationml/2006/main">
   <p:cSld>
     <p:spTree>
@@ -38346,7 +38699,7 @@
 </p:sld>
 </file>
 
-<file path=ppt/slides/slide31.xml><?xml version="1.0" encoding="utf-8"?>
+<file path=ppt/slides/slide32.xml><?xml version="1.0" encoding="utf-8"?>
 <p:sld xmlns:a="http://schemas.openxmlformats.org/drawingml/2006/main" xmlns:r="http://schemas.openxmlformats.org/officeDocument/2006/relationships" xmlns:p="http://schemas.openxmlformats.org/presentationml/2006/main">
   <p:cSld>
     <p:spTree>
@@ -38910,7 +39263,7 @@
 </p:sld>
 </file>
 
-<file path=ppt/slides/slide32.xml><?xml version="1.0" encoding="utf-8"?>
+<file path=ppt/slides/slide33.xml><?xml version="1.0" encoding="utf-8"?>
 <p:sld xmlns:a="http://schemas.openxmlformats.org/drawingml/2006/main" xmlns:r="http://schemas.openxmlformats.org/officeDocument/2006/relationships" xmlns:p="http://schemas.openxmlformats.org/presentationml/2006/main">
   <p:cSld>
     <p:spTree>
@@ -39331,7 +39684,7 @@
 </p:sld>
 </file>
 
-<file path=ppt/slides/slide33.xml><?xml version="1.0" encoding="utf-8"?>
+<file path=ppt/slides/slide34.xml><?xml version="1.0" encoding="utf-8"?>
 <p:sld xmlns:a="http://schemas.openxmlformats.org/drawingml/2006/main" xmlns:r="http://schemas.openxmlformats.org/officeDocument/2006/relationships" xmlns:p="http://schemas.openxmlformats.org/presentationml/2006/main">
   <p:cSld>
     <p:spTree>
@@ -39432,7 +39785,7 @@
         <p:spPr>
           <a:xfrm>
             <a:off x="628650" y="1236541"/>
-            <a:ext cx="4027433" cy="3263504"/>
+            <a:ext cx="4301795" cy="3263504"/>
           </a:xfrm>
         </p:spPr>
         <p:txBody>
@@ -39474,7 +39827,7 @@
           <a:p>
             <a:r>
               <a:rPr lang="en-US" dirty="0"/>
-              <a:t>Second = Malloc(0x150-10)</a:t>
+              <a:t>Fourth = Malloc(0x150-0x10)</a:t>
             </a:r>
           </a:p>
           <a:p>
@@ -39725,7 +40078,7 @@
 </p:sld>
 </file>
 
-<file path=ppt/slides/slide34.xml><?xml version="1.0" encoding="utf-8"?>
+<file path=ppt/slides/slide35.xml><?xml version="1.0" encoding="utf-8"?>
 <p:sld xmlns:a="http://schemas.openxmlformats.org/drawingml/2006/main" xmlns:r="http://schemas.openxmlformats.org/officeDocument/2006/relationships" xmlns:p="http://schemas.openxmlformats.org/presentationml/2006/main">
   <p:cSld>
     <p:spTree>
@@ -40195,7 +40548,7 @@
 </p:sld>
 </file>
 
-<file path=ppt/slides/slide35.xml><?xml version="1.0" encoding="utf-8"?>
+<file path=ppt/slides/slide36.xml><?xml version="1.0" encoding="utf-8"?>
 <p:sld xmlns:a="http://schemas.openxmlformats.org/drawingml/2006/main" xmlns:r="http://schemas.openxmlformats.org/officeDocument/2006/relationships" xmlns:p="http://schemas.openxmlformats.org/presentationml/2006/main">
   <p:cSld>
     <p:spTree>
@@ -40636,7 +40989,7 @@
 </p:sld>
 </file>
 
-<file path=ppt/slides/slide36.xml><?xml version="1.0" encoding="utf-8"?>
+<file path=ppt/slides/slide37.xml><?xml version="1.0" encoding="utf-8"?>
 <p:sld xmlns:a="http://schemas.openxmlformats.org/drawingml/2006/main" xmlns:r="http://schemas.openxmlformats.org/officeDocument/2006/relationships" xmlns:p="http://schemas.openxmlformats.org/presentationml/2006/main">
   <p:cSld>
     <p:spTree>
@@ -41126,7 +41479,7 @@
 </p:sld>
 </file>
 
-<file path=ppt/slides/slide37.xml><?xml version="1.0" encoding="utf-8"?>
+<file path=ppt/slides/slide38.xml><?xml version="1.0" encoding="utf-8"?>
 <p:sld xmlns:a="http://schemas.openxmlformats.org/drawingml/2006/main" xmlns:r="http://schemas.openxmlformats.org/officeDocument/2006/relationships" xmlns:p="http://schemas.openxmlformats.org/presentationml/2006/main">
   <p:cSld>
     <p:spTree>
@@ -41291,7 +41644,7 @@
 </p:sld>
 </file>
 
-<file path=ppt/slides/slide38.xml><?xml version="1.0" encoding="utf-8"?>
+<file path=ppt/slides/slide39.xml><?xml version="1.0" encoding="utf-8"?>
 <p:sld xmlns:a="http://schemas.openxmlformats.org/drawingml/2006/main" xmlns:r="http://schemas.openxmlformats.org/officeDocument/2006/relationships" xmlns:p="http://schemas.openxmlformats.org/presentationml/2006/main">
   <p:cSld>
     <p:spTree>
@@ -41455,102 +41808,6 @@
 </p:sld>
 </file>
 
-<file path=ppt/slides/slide39.xml><?xml version="1.0" encoding="utf-8"?>
-<p:sld xmlns:a="http://schemas.openxmlformats.org/drawingml/2006/main" xmlns:r="http://schemas.openxmlformats.org/officeDocument/2006/relationships" xmlns:p="http://schemas.openxmlformats.org/presentationml/2006/main">
-  <p:cSld>
-    <p:spTree>
-      <p:nvGrpSpPr>
-        <p:cNvPr id="1" name=""/>
-        <p:cNvGrpSpPr/>
-        <p:nvPr/>
-      </p:nvGrpSpPr>
-      <p:grpSpPr>
-        <a:xfrm>
-          <a:off x="0" y="0"/>
-          <a:ext cx="0" cy="0"/>
-          <a:chOff x="0" y="0"/>
-          <a:chExt cx="0" cy="0"/>
-        </a:xfrm>
-      </p:grpSpPr>
-      <p:sp>
-        <p:nvSpPr>
-          <p:cNvPr id="2" name="Title 1">
-            <a:extLst>
-              <a:ext uri="{FF2B5EF4-FFF2-40B4-BE49-F238E27FC236}">
-                <a16:creationId xmlns:a16="http://schemas.microsoft.com/office/drawing/2014/main" id="{931C8819-0CE5-5447-BAF3-BDE19519ABE8}"/>
-              </a:ext>
-            </a:extLst>
-          </p:cNvPr>
-          <p:cNvSpPr>
-            <a:spLocks noGrp="1"/>
-          </p:cNvSpPr>
-          <p:nvPr>
-            <p:ph type="title"/>
-          </p:nvPr>
-        </p:nvSpPr>
-        <p:spPr>
-          <a:xfrm>
-            <a:off x="628650" y="273847"/>
-            <a:ext cx="7886700" cy="994172"/>
-          </a:xfrm>
-        </p:spPr>
-        <p:txBody>
-          <a:bodyPr anchor="ctr">
-            <a:normAutofit/>
-          </a:bodyPr>
-          <a:lstStyle/>
-          <a:p>
-            <a:r>
-              <a:rPr lang="en-US" dirty="0"/>
-              <a:t>Flow of Attack</a:t>
-            </a:r>
-          </a:p>
-        </p:txBody>
-      </p:sp>
-      <p:graphicFrame>
-        <p:nvGraphicFramePr>
-          <p:cNvPr id="5" name="Content Placeholder 2">
-            <a:extLst>
-              <a:ext uri="{FF2B5EF4-FFF2-40B4-BE49-F238E27FC236}">
-                <a16:creationId xmlns:a16="http://schemas.microsoft.com/office/drawing/2014/main" id="{38C26BB1-9F1A-4B19-A20D-767C0C3BAE25}"/>
-              </a:ext>
-            </a:extLst>
-          </p:cNvPr>
-          <p:cNvGraphicFramePr>
-            <a:graphicFrameLocks noGrp="1"/>
-          </p:cNvGraphicFramePr>
-          <p:nvPr>
-            <p:ph idx="1"/>
-            <p:extLst>
-              <p:ext uri="{D42A27DB-BD31-4B8C-83A1-F6EECF244321}">
-                <p14:modId xmlns:p14="http://schemas.microsoft.com/office/powerpoint/2010/main" val="3669986406"/>
-              </p:ext>
-            </p:extLst>
-          </p:nvPr>
-        </p:nvGraphicFramePr>
-        <p:xfrm>
-          <a:off x="628650" y="1236541"/>
-          <a:ext cx="7886700" cy="3263504"/>
-        </p:xfrm>
-        <a:graphic>
-          <a:graphicData uri="http://schemas.openxmlformats.org/drawingml/2006/diagram">
-            <dgm:relIds xmlns:dgm="http://schemas.openxmlformats.org/drawingml/2006/diagram" xmlns:r="http://schemas.openxmlformats.org/officeDocument/2006/relationships" r:dm="rId2" r:lo="rId3" r:qs="rId4" r:cs="rId5"/>
-          </a:graphicData>
-        </a:graphic>
-      </p:graphicFrame>
-    </p:spTree>
-    <p:extLst>
-      <p:ext uri="{BB962C8B-B14F-4D97-AF65-F5344CB8AC3E}">
-        <p14:creationId xmlns:p14="http://schemas.microsoft.com/office/powerpoint/2010/main" val="1658883670"/>
-      </p:ext>
-    </p:extLst>
-  </p:cSld>
-  <p:clrMapOvr>
-    <a:masterClrMapping/>
-  </p:clrMapOvr>
-</p:sld>
-</file>
-
 <file path=ppt/slides/slide4.xml><?xml version="1.0" encoding="utf-8"?>
 <p:sld xmlns:a="http://schemas.openxmlformats.org/drawingml/2006/main" xmlns:r="http://schemas.openxmlformats.org/officeDocument/2006/relationships" xmlns:p="http://schemas.openxmlformats.org/presentationml/2006/main">
   <p:cSld>
@@ -41648,6 +41905,102 @@
 </file>
 
 <file path=ppt/slides/slide40.xml><?xml version="1.0" encoding="utf-8"?>
+<p:sld xmlns:a="http://schemas.openxmlformats.org/drawingml/2006/main" xmlns:r="http://schemas.openxmlformats.org/officeDocument/2006/relationships" xmlns:p="http://schemas.openxmlformats.org/presentationml/2006/main">
+  <p:cSld>
+    <p:spTree>
+      <p:nvGrpSpPr>
+        <p:cNvPr id="1" name=""/>
+        <p:cNvGrpSpPr/>
+        <p:nvPr/>
+      </p:nvGrpSpPr>
+      <p:grpSpPr>
+        <a:xfrm>
+          <a:off x="0" y="0"/>
+          <a:ext cx="0" cy="0"/>
+          <a:chOff x="0" y="0"/>
+          <a:chExt cx="0" cy="0"/>
+        </a:xfrm>
+      </p:grpSpPr>
+      <p:sp>
+        <p:nvSpPr>
+          <p:cNvPr id="2" name="Title 1">
+            <a:extLst>
+              <a:ext uri="{FF2B5EF4-FFF2-40B4-BE49-F238E27FC236}">
+                <a16:creationId xmlns:a16="http://schemas.microsoft.com/office/drawing/2014/main" id="{931C8819-0CE5-5447-BAF3-BDE19519ABE8}"/>
+              </a:ext>
+            </a:extLst>
+          </p:cNvPr>
+          <p:cNvSpPr>
+            <a:spLocks noGrp="1"/>
+          </p:cNvSpPr>
+          <p:nvPr>
+            <p:ph type="title"/>
+          </p:nvPr>
+        </p:nvSpPr>
+        <p:spPr>
+          <a:xfrm>
+            <a:off x="628650" y="273847"/>
+            <a:ext cx="7886700" cy="994172"/>
+          </a:xfrm>
+        </p:spPr>
+        <p:txBody>
+          <a:bodyPr anchor="ctr">
+            <a:normAutofit/>
+          </a:bodyPr>
+          <a:lstStyle/>
+          <a:p>
+            <a:r>
+              <a:rPr lang="en-US" dirty="0"/>
+              <a:t>Flow of Attack</a:t>
+            </a:r>
+          </a:p>
+        </p:txBody>
+      </p:sp>
+      <p:graphicFrame>
+        <p:nvGraphicFramePr>
+          <p:cNvPr id="5" name="Content Placeholder 2">
+            <a:extLst>
+              <a:ext uri="{FF2B5EF4-FFF2-40B4-BE49-F238E27FC236}">
+                <a16:creationId xmlns:a16="http://schemas.microsoft.com/office/drawing/2014/main" id="{38C26BB1-9F1A-4B19-A20D-767C0C3BAE25}"/>
+              </a:ext>
+            </a:extLst>
+          </p:cNvPr>
+          <p:cNvGraphicFramePr>
+            <a:graphicFrameLocks noGrp="1"/>
+          </p:cNvGraphicFramePr>
+          <p:nvPr>
+            <p:ph idx="1"/>
+            <p:extLst>
+              <p:ext uri="{D42A27DB-BD31-4B8C-83A1-F6EECF244321}">
+                <p14:modId xmlns:p14="http://schemas.microsoft.com/office/powerpoint/2010/main" val="3669986406"/>
+              </p:ext>
+            </p:extLst>
+          </p:nvPr>
+        </p:nvGraphicFramePr>
+        <p:xfrm>
+          <a:off x="628650" y="1236541"/>
+          <a:ext cx="7886700" cy="3263504"/>
+        </p:xfrm>
+        <a:graphic>
+          <a:graphicData uri="http://schemas.openxmlformats.org/drawingml/2006/diagram">
+            <dgm:relIds xmlns:dgm="http://schemas.openxmlformats.org/drawingml/2006/diagram" xmlns:r="http://schemas.openxmlformats.org/officeDocument/2006/relationships" r:dm="rId2" r:lo="rId3" r:qs="rId4" r:cs="rId5"/>
+          </a:graphicData>
+        </a:graphic>
+      </p:graphicFrame>
+    </p:spTree>
+    <p:extLst>
+      <p:ext uri="{BB962C8B-B14F-4D97-AF65-F5344CB8AC3E}">
+        <p14:creationId xmlns:p14="http://schemas.microsoft.com/office/powerpoint/2010/main" val="1658883670"/>
+      </p:ext>
+    </p:extLst>
+  </p:cSld>
+  <p:clrMapOvr>
+    <a:masterClrMapping/>
+  </p:clrMapOvr>
+</p:sld>
+</file>
+
+<file path=ppt/slides/slide41.xml><?xml version="1.0" encoding="utf-8"?>
 <p:sld xmlns:a="http://schemas.openxmlformats.org/drawingml/2006/main" xmlns:r="http://schemas.openxmlformats.org/officeDocument/2006/relationships" xmlns:p="http://schemas.openxmlformats.org/presentationml/2006/main">
   <p:cSld>
     <p:spTree>
@@ -41827,7 +42180,7 @@
 </p:sld>
 </file>
 
-<file path=ppt/slides/slide41.xml><?xml version="1.0" encoding="utf-8"?>
+<file path=ppt/slides/slide42.xml><?xml version="1.0" encoding="utf-8"?>
 <p:sld xmlns:a="http://schemas.openxmlformats.org/drawingml/2006/main" xmlns:r="http://schemas.openxmlformats.org/officeDocument/2006/relationships" xmlns:p="http://schemas.openxmlformats.org/presentationml/2006/main" show="0">
   <p:cSld>
     <p:spTree>
@@ -41993,7 +42346,7 @@
 </p:sld>
 </file>
 
-<file path=ppt/slides/slide42.xml><?xml version="1.0" encoding="utf-8"?>
+<file path=ppt/slides/slide43.xml><?xml version="1.0" encoding="utf-8"?>
 <p:sld xmlns:a="http://schemas.openxmlformats.org/drawingml/2006/main" xmlns:r="http://schemas.openxmlformats.org/officeDocument/2006/relationships" xmlns:p="http://schemas.openxmlformats.org/presentationml/2006/main" show="0">
   <p:cSld>
     <p:spTree>
@@ -42119,7 +42472,7 @@
 </p:sld>
 </file>
 
-<file path=ppt/slides/slide43.xml><?xml version="1.0" encoding="utf-8"?>
+<file path=ppt/slides/slide44.xml><?xml version="1.0" encoding="utf-8"?>
 <p:sld xmlns:a="http://schemas.openxmlformats.org/drawingml/2006/main" xmlns:r="http://schemas.openxmlformats.org/officeDocument/2006/relationships" xmlns:p="http://schemas.openxmlformats.org/presentationml/2006/main" show="0">
   <p:cSld>
     <p:spTree>
@@ -42260,7 +42613,7 @@
 </p:sld>
 </file>
 
-<file path=ppt/slides/slide44.xml><?xml version="1.0" encoding="utf-8"?>
+<file path=ppt/slides/slide45.xml><?xml version="1.0" encoding="utf-8"?>
 <p:sld xmlns:a="http://schemas.openxmlformats.org/drawingml/2006/main" xmlns:r="http://schemas.openxmlformats.org/officeDocument/2006/relationships" xmlns:p="http://schemas.openxmlformats.org/presentationml/2006/main" show="0">
   <p:cSld>
     <p:spTree>
@@ -42339,8 +42692,8 @@
 </p:sld>
 </file>
 
-<file path=ppt/slides/slide45.xml><?xml version="1.0" encoding="utf-8"?>
-<p:sld xmlns:a="http://schemas.openxmlformats.org/drawingml/2006/main" xmlns:r="http://schemas.openxmlformats.org/officeDocument/2006/relationships" xmlns:p="http://schemas.openxmlformats.org/presentationml/2006/main" show="0">
+<file path=ppt/slides/slide46.xml><?xml version="1.0" encoding="utf-8"?>
+<p:sld xmlns:a="http://schemas.openxmlformats.org/drawingml/2006/main" xmlns:r="http://schemas.openxmlformats.org/officeDocument/2006/relationships" xmlns:p="http://schemas.openxmlformats.org/presentationml/2006/main">
   <p:cSld>
     <p:spTree>
       <p:nvGrpSpPr>
@@ -42730,8 +43083,8 @@
 </p:sld>
 </file>
 
-<file path=ppt/slides/slide46.xml><?xml version="1.0" encoding="utf-8"?>
-<p:sld xmlns:a="http://schemas.openxmlformats.org/drawingml/2006/main" xmlns:r="http://schemas.openxmlformats.org/officeDocument/2006/relationships" xmlns:p="http://schemas.openxmlformats.org/presentationml/2006/main" show="0">
+<file path=ppt/slides/slide47.xml><?xml version="1.0" encoding="utf-8"?>
+<p:sld xmlns:a="http://schemas.openxmlformats.org/drawingml/2006/main" xmlns:r="http://schemas.openxmlformats.org/officeDocument/2006/relationships" xmlns:p="http://schemas.openxmlformats.org/presentationml/2006/main">
   <p:cSld>
     <p:spTree>
       <p:nvGrpSpPr>
@@ -42801,8 +43154,37 @@
         </p:nvSpPr>
         <p:spPr/>
         <p:txBody>
-          <a:bodyPr/>
+          <a:bodyPr>
+            <a:normAutofit fontScale="92500" lnSpcReduction="10000"/>
+          </a:bodyPr>
           <a:lstStyle/>
+          <a:p>
+            <a:r>
+              <a:rPr lang="en-US" dirty="0"/>
+              <a:t>Extra modules: </a:t>
+            </a:r>
+          </a:p>
+          <a:p>
+            <a:pPr lvl="1"/>
+            <a:r>
+              <a:rPr lang="en-US" dirty="0"/>
+              <a:t>House of Force</a:t>
+            </a:r>
+          </a:p>
+          <a:p>
+            <a:pPr lvl="1"/>
+            <a:r>
+              <a:rPr lang="en-US" dirty="0"/>
+              <a:t>Leaks &amp; Advanced Heap Grooming</a:t>
+            </a:r>
+          </a:p>
+          <a:p>
+            <a:pPr lvl="1"/>
+            <a:r>
+              <a:rPr lang="en-US" dirty="0"/>
+              <a:t>Extra content for all of the modules in slides/exercises</a:t>
+            </a:r>
+          </a:p>
           <a:p>
             <a:r>
               <a:rPr lang="en-US" b="1" i="1" dirty="0" err="1"/>
@@ -42869,8 +43251,8 @@
 </p:sld>
 </file>
 
-<file path=ppt/slides/slide47.xml><?xml version="1.0" encoding="utf-8"?>
-<p:sld xmlns:a="http://schemas.openxmlformats.org/drawingml/2006/main" xmlns:r="http://schemas.openxmlformats.org/officeDocument/2006/relationships" xmlns:p="http://schemas.openxmlformats.org/presentationml/2006/main" show="0">
+<file path=ppt/slides/slide48.xml><?xml version="1.0" encoding="utf-8"?>
+<p:sld xmlns:a="http://schemas.openxmlformats.org/drawingml/2006/main" xmlns:r="http://schemas.openxmlformats.org/officeDocument/2006/relationships" xmlns:p="http://schemas.openxmlformats.org/presentationml/2006/main">
   <p:cSld>
     <p:spTree>
       <p:nvGrpSpPr>
@@ -43051,7 +43433,7 @@
 </p:sld>
 </file>
 
-<file path=ppt/slides/slide48.xml><?xml version="1.0" encoding="utf-8"?>
+<file path=ppt/slides/slide49.xml><?xml version="1.0" encoding="utf-8"?>
 <p:sld xmlns:a="http://schemas.openxmlformats.org/drawingml/2006/main" xmlns:r="http://schemas.openxmlformats.org/officeDocument/2006/relationships" xmlns:p="http://schemas.openxmlformats.org/presentationml/2006/main">
   <p:cSld>
     <p:spTree>
@@ -43183,38 +43565,7 @@
             <a:pPr lvl="1"/>
             <a:r>
               <a:rPr lang="en-US" dirty="0"/>
-              <a:t>James Dolan - @jdolan503</a:t>
-            </a:r>
-          </a:p>
-          <a:p>
-            <a:pPr lvl="1"/>
-            <a:r>
-              <a:rPr lang="en-US" dirty="0"/>
-              <a:t>Zach </a:t>
-            </a:r>
-            <a:r>
-              <a:rPr lang="en-US" dirty="0" err="1"/>
-              <a:t>Minneker</a:t>
-            </a:r>
-            <a:r>
-              <a:rPr lang="en-US" dirty="0"/>
-              <a:t> - @seiranib (it’s </a:t>
-            </a:r>
-            <a:r>
-              <a:rPr lang="en-US" i="1" dirty="0"/>
-              <a:t>binaries </a:t>
-            </a:r>
-            <a:r>
-              <a:rPr lang="en-US" dirty="0"/>
-              <a:t>backwards) </a:t>
-            </a:r>
-            <a:endParaRPr lang="en-US" i="1" dirty="0"/>
-          </a:p>
-          <a:p>
-            <a:pPr lvl="1"/>
-            <a:r>
-              <a:rPr lang="en-US" dirty="0"/>
-              <a:t>Kevin Choi</a:t>
+              <a:t>Kevin Choi @</a:t>
             </a:r>
           </a:p>
         </p:txBody>
@@ -43223,141 +43574,6 @@
     <p:extLst>
       <p:ext uri="{BB962C8B-B14F-4D97-AF65-F5344CB8AC3E}">
         <p14:creationId xmlns:p14="http://schemas.microsoft.com/office/powerpoint/2010/main" val="3496172784"/>
-      </p:ext>
-    </p:extLst>
-  </p:cSld>
-  <p:clrMapOvr>
-    <a:masterClrMapping/>
-  </p:clrMapOvr>
-</p:sld>
-</file>
-
-<file path=ppt/slides/slide49.xml><?xml version="1.0" encoding="utf-8"?>
-<p:sld xmlns:a="http://schemas.openxmlformats.org/drawingml/2006/main" xmlns:r="http://schemas.openxmlformats.org/officeDocument/2006/relationships" xmlns:p="http://schemas.openxmlformats.org/presentationml/2006/main">
-  <p:cSld>
-    <p:spTree>
-      <p:nvGrpSpPr>
-        <p:cNvPr id="1" name=""/>
-        <p:cNvGrpSpPr/>
-        <p:nvPr/>
-      </p:nvGrpSpPr>
-      <p:grpSpPr>
-        <a:xfrm>
-          <a:off x="0" y="0"/>
-          <a:ext cx="0" cy="0"/>
-          <a:chOff x="0" y="0"/>
-          <a:chExt cx="0" cy="0"/>
-        </a:xfrm>
-      </p:grpSpPr>
-      <p:sp>
-        <p:nvSpPr>
-          <p:cNvPr id="2" name="Title 1">
-            <a:extLst>
-              <a:ext uri="{FF2B5EF4-FFF2-40B4-BE49-F238E27FC236}">
-                <a16:creationId xmlns:a16="http://schemas.microsoft.com/office/drawing/2014/main" id="{87FC5B4D-9793-8144-9CF9-BFE54BBB82FC}"/>
-              </a:ext>
-            </a:extLst>
-          </p:cNvPr>
-          <p:cNvSpPr>
-            <a:spLocks noGrp="1"/>
-          </p:cNvSpPr>
-          <p:nvPr>
-            <p:ph type="title"/>
-          </p:nvPr>
-        </p:nvSpPr>
-        <p:spPr/>
-        <p:txBody>
-          <a:bodyPr/>
-          <a:lstStyle/>
-          <a:p>
-            <a:r>
-              <a:rPr lang="en-US" dirty="0"/>
-              <a:t>Resources</a:t>
-            </a:r>
-          </a:p>
-        </p:txBody>
-      </p:sp>
-      <p:sp>
-        <p:nvSpPr>
-          <p:cNvPr id="3" name="Content Placeholder 2">
-            <a:extLst>
-              <a:ext uri="{FF2B5EF4-FFF2-40B4-BE49-F238E27FC236}">
-                <a16:creationId xmlns:a16="http://schemas.microsoft.com/office/drawing/2014/main" id="{C412E38E-6C8C-E44A-8AA5-07115B6A328D}"/>
-              </a:ext>
-            </a:extLst>
-          </p:cNvPr>
-          <p:cNvSpPr>
-            <a:spLocks noGrp="1"/>
-          </p:cNvSpPr>
-          <p:nvPr>
-            <p:ph idx="1"/>
-          </p:nvPr>
-        </p:nvSpPr>
-        <p:spPr/>
-        <p:txBody>
-          <a:bodyPr>
-            <a:normAutofit fontScale="92500"/>
-          </a:bodyPr>
-          <a:lstStyle/>
-          <a:p>
-            <a:r>
-              <a:rPr lang="en-US" dirty="0">
-                <a:hlinkClick r:id="rId2"/>
-              </a:rPr>
-              <a:t>https://blog.infosectcbr.com.au/2019/08/linux-heap-overlapping-chunks.html?m=1</a:t>
-            </a:r>
-          </a:p>
-          <a:p>
-            <a:r>
-              <a:rPr lang="en-US" dirty="0">
-                <a:hlinkClick r:id="rId2"/>
-              </a:rPr>
-              <a:t>https://pwning.tech/2021/01/21/overlapping-chunks-tcache/</a:t>
-            </a:r>
-          </a:p>
-          <a:p>
-            <a:r>
-              <a:rPr lang="en-US" dirty="0">
-                <a:hlinkClick r:id="rId2"/>
-              </a:rPr>
-              <a:t>https://heap-exploitation.dhavalkapil.com/attacks/shrinking_free_chunks</a:t>
-            </a:r>
-          </a:p>
-          <a:p>
-            <a:r>
-              <a:rPr lang="en-US" dirty="0">
-                <a:hlinkClick r:id="rId2"/>
-              </a:rPr>
-              <a:t>http://tukan.farm/2016/07/27/munmap-madness/ </a:t>
-            </a:r>
-          </a:p>
-          <a:p>
-            <a:r>
-              <a:rPr lang="en-US" dirty="0">
-                <a:hlinkClick r:id="rId2"/>
-              </a:rPr>
-              <a:t>https://maxwelldulin.com/BlogPost?post=6967456768</a:t>
-            </a:r>
-            <a:endParaRPr lang="en-US" dirty="0"/>
-          </a:p>
-          <a:p>
-            <a:r>
-              <a:rPr lang="en-US" dirty="0">
-                <a:hlinkClick r:id="rId3"/>
-              </a:rPr>
-              <a:t>https://googleprojectzero.blogspot.com/2014/08/the-poisoned-nul-byte-2014-edition.html</a:t>
-            </a:r>
-            <a:r>
-              <a:rPr lang="en-US" dirty="0"/>
-              <a:t>  </a:t>
-            </a:r>
-          </a:p>
-        </p:txBody>
-      </p:sp>
-    </p:spTree>
-    <p:extLst>
-      <p:ext uri="{BB962C8B-B14F-4D97-AF65-F5344CB8AC3E}">
-        <p14:creationId xmlns:p14="http://schemas.microsoft.com/office/powerpoint/2010/main" val="4098492728"/>
       </p:ext>
     </p:extLst>
   </p:cSld>
@@ -43493,6 +43709,141 @@
     <p:extLst>
       <p:ext uri="{BB962C8B-B14F-4D97-AF65-F5344CB8AC3E}">
         <p14:creationId xmlns:p14="http://schemas.microsoft.com/office/powerpoint/2010/main" val="2593410451"/>
+      </p:ext>
+    </p:extLst>
+  </p:cSld>
+  <p:clrMapOvr>
+    <a:masterClrMapping/>
+  </p:clrMapOvr>
+</p:sld>
+</file>
+
+<file path=ppt/slides/slide50.xml><?xml version="1.0" encoding="utf-8"?>
+<p:sld xmlns:a="http://schemas.openxmlformats.org/drawingml/2006/main" xmlns:r="http://schemas.openxmlformats.org/officeDocument/2006/relationships" xmlns:p="http://schemas.openxmlformats.org/presentationml/2006/main">
+  <p:cSld>
+    <p:spTree>
+      <p:nvGrpSpPr>
+        <p:cNvPr id="1" name=""/>
+        <p:cNvGrpSpPr/>
+        <p:nvPr/>
+      </p:nvGrpSpPr>
+      <p:grpSpPr>
+        <a:xfrm>
+          <a:off x="0" y="0"/>
+          <a:ext cx="0" cy="0"/>
+          <a:chOff x="0" y="0"/>
+          <a:chExt cx="0" cy="0"/>
+        </a:xfrm>
+      </p:grpSpPr>
+      <p:sp>
+        <p:nvSpPr>
+          <p:cNvPr id="2" name="Title 1">
+            <a:extLst>
+              <a:ext uri="{FF2B5EF4-FFF2-40B4-BE49-F238E27FC236}">
+                <a16:creationId xmlns:a16="http://schemas.microsoft.com/office/drawing/2014/main" id="{87FC5B4D-9793-8144-9CF9-BFE54BBB82FC}"/>
+              </a:ext>
+            </a:extLst>
+          </p:cNvPr>
+          <p:cNvSpPr>
+            <a:spLocks noGrp="1"/>
+          </p:cNvSpPr>
+          <p:nvPr>
+            <p:ph type="title"/>
+          </p:nvPr>
+        </p:nvSpPr>
+        <p:spPr/>
+        <p:txBody>
+          <a:bodyPr/>
+          <a:lstStyle/>
+          <a:p>
+            <a:r>
+              <a:rPr lang="en-US" dirty="0"/>
+              <a:t>Resources</a:t>
+            </a:r>
+          </a:p>
+        </p:txBody>
+      </p:sp>
+      <p:sp>
+        <p:nvSpPr>
+          <p:cNvPr id="3" name="Content Placeholder 2">
+            <a:extLst>
+              <a:ext uri="{FF2B5EF4-FFF2-40B4-BE49-F238E27FC236}">
+                <a16:creationId xmlns:a16="http://schemas.microsoft.com/office/drawing/2014/main" id="{C412E38E-6C8C-E44A-8AA5-07115B6A328D}"/>
+              </a:ext>
+            </a:extLst>
+          </p:cNvPr>
+          <p:cNvSpPr>
+            <a:spLocks noGrp="1"/>
+          </p:cNvSpPr>
+          <p:nvPr>
+            <p:ph idx="1"/>
+          </p:nvPr>
+        </p:nvSpPr>
+        <p:spPr/>
+        <p:txBody>
+          <a:bodyPr>
+            <a:normAutofit fontScale="92500"/>
+          </a:bodyPr>
+          <a:lstStyle/>
+          <a:p>
+            <a:r>
+              <a:rPr lang="en-US" dirty="0">
+                <a:hlinkClick r:id="rId2"/>
+              </a:rPr>
+              <a:t>https://blog.infosectcbr.com.au/2019/08/linux-heap-overlapping-chunks.html?m=1</a:t>
+            </a:r>
+          </a:p>
+          <a:p>
+            <a:r>
+              <a:rPr lang="en-US" dirty="0">
+                <a:hlinkClick r:id="rId2"/>
+              </a:rPr>
+              <a:t>https://pwning.tech/2021/01/21/overlapping-chunks-tcache/</a:t>
+            </a:r>
+          </a:p>
+          <a:p>
+            <a:r>
+              <a:rPr lang="en-US" dirty="0">
+                <a:hlinkClick r:id="rId2"/>
+              </a:rPr>
+              <a:t>https://heap-exploitation.dhavalkapil.com/attacks/shrinking_free_chunks</a:t>
+            </a:r>
+          </a:p>
+          <a:p>
+            <a:r>
+              <a:rPr lang="en-US" dirty="0">
+                <a:hlinkClick r:id="rId2"/>
+              </a:rPr>
+              <a:t>http://tukan.farm/2016/07/27/munmap-madness/ </a:t>
+            </a:r>
+          </a:p>
+          <a:p>
+            <a:r>
+              <a:rPr lang="en-US" dirty="0">
+                <a:hlinkClick r:id="rId2"/>
+              </a:rPr>
+              <a:t>https://maxwelldulin.com/BlogPost?post=6967456768</a:t>
+            </a:r>
+            <a:endParaRPr lang="en-US" dirty="0"/>
+          </a:p>
+          <a:p>
+            <a:r>
+              <a:rPr lang="en-US" dirty="0">
+                <a:hlinkClick r:id="rId3"/>
+              </a:rPr>
+              <a:t>https://googleprojectzero.blogspot.com/2014/08/the-poisoned-nul-byte-2014-edition.html</a:t>
+            </a:r>
+            <a:r>
+              <a:rPr lang="en-US" dirty="0"/>
+              <a:t>  </a:t>
+            </a:r>
+          </a:p>
+        </p:txBody>
+      </p:sp>
+    </p:spTree>
+    <p:extLst>
+      <p:ext uri="{BB962C8B-B14F-4D97-AF65-F5344CB8AC3E}">
+        <p14:creationId xmlns:p14="http://schemas.microsoft.com/office/powerpoint/2010/main" val="4098492728"/>
       </p:ext>
     </p:extLst>
   </p:cSld>

--- a/modules/overlapping_chunks/OverlappingChunks.pptx
+++ b/modules/overlapping_chunks/OverlappingChunks.pptx
@@ -25542,7 +25542,7 @@
           <a:p>
             <a:fld id="{2DA23E8D-1792-1541-9147-970A8DD8A355}" type="datetimeFigureOut">
               <a:rPr lang="en-US" smtClean="0"/>
-              <a:t>10/11/21</a:t>
+              <a:t>8/8/22</a:t>
             </a:fld>
             <a:endParaRPr lang="en-US" dirty="0"/>
           </a:p>
@@ -26387,7 +26387,7 @@
                 <a:latin typeface="Calibri"/>
               </a:rPr>
               <a:pPr/>
-              <a:t>10/11/21</a:t>
+              <a:t>8/8/22</a:t>
             </a:fld>
             <a:endParaRPr lang="en-US" dirty="0">
               <a:solidFill>
@@ -26640,7 +26640,7 @@
                 <a:latin typeface="Calibri"/>
               </a:rPr>
               <a:pPr/>
-              <a:t>10/11/21</a:t>
+              <a:t>8/8/22</a:t>
             </a:fld>
             <a:endParaRPr lang="en-US" dirty="0">
               <a:solidFill>
@@ -26855,7 +26855,7 @@
                 <a:latin typeface="Calibri"/>
               </a:rPr>
               <a:pPr/>
-              <a:t>10/11/21</a:t>
+              <a:t>8/8/22</a:t>
             </a:fld>
             <a:endParaRPr lang="en-US" dirty="0">
               <a:solidFill>
@@ -27139,7 +27139,7 @@
                 <a:latin typeface="Calibri"/>
               </a:rPr>
               <a:pPr/>
-              <a:t>10/11/21</a:t>
+              <a:t>8/8/22</a:t>
             </a:fld>
             <a:endParaRPr lang="en-US" dirty="0">
               <a:solidFill>
@@ -27481,7 +27481,7 @@
                 <a:latin typeface="Calibri"/>
               </a:rPr>
               <a:pPr/>
-              <a:t>10/11/21</a:t>
+              <a:t>8/8/22</a:t>
             </a:fld>
             <a:endParaRPr lang="en-US" dirty="0">
               <a:solidFill>
@@ -27809,7 +27809,7 @@
                 <a:latin typeface="Calibri"/>
               </a:rPr>
               <a:pPr/>
-              <a:t>10/11/21</a:t>
+              <a:t>8/8/22</a:t>
             </a:fld>
             <a:endParaRPr lang="en-US" dirty="0">
               <a:solidFill>
@@ -28298,7 +28298,7 @@
                 <a:latin typeface="Calibri"/>
               </a:rPr>
               <a:pPr/>
-              <a:t>10/11/21</a:t>
+              <a:t>8/8/22</a:t>
             </a:fld>
             <a:endParaRPr lang="en-US" dirty="0">
               <a:solidFill>
@@ -28481,7 +28481,7 @@
                 <a:latin typeface="Calibri"/>
               </a:rPr>
               <a:pPr/>
-              <a:t>10/11/21</a:t>
+              <a:t>8/8/22</a:t>
             </a:fld>
             <a:endParaRPr lang="en-US" dirty="0">
               <a:solidFill>
@@ -28727,7 +28727,7 @@
                 <a:latin typeface="Calibri"/>
               </a:rPr>
               <a:pPr/>
-              <a:t>10/11/21</a:t>
+              <a:t>8/8/22</a:t>
             </a:fld>
             <a:endParaRPr lang="en-US" dirty="0">
               <a:solidFill>
@@ -29069,7 +29069,7 @@
                 <a:latin typeface="Calibri"/>
               </a:rPr>
               <a:pPr/>
-              <a:t>10/11/21</a:t>
+              <a:t>8/8/22</a:t>
             </a:fld>
             <a:endParaRPr lang="en-US" dirty="0">
               <a:solidFill>
@@ -29361,7 +29361,7 @@
                 <a:latin typeface="Calibri"/>
               </a:rPr>
               <a:pPr/>
-              <a:t>10/11/21</a:t>
+              <a:t>8/8/22</a:t>
             </a:fld>
             <a:endParaRPr lang="en-US" dirty="0">
               <a:solidFill>
@@ -29611,7 +29611,7 @@
                 <a:latin typeface="Calibri"/>
               </a:rPr>
               <a:pPr defTabSz="914400"/>
-              <a:t>10/11/21</a:t>
+              <a:t>8/8/22</a:t>
             </a:fld>
             <a:endParaRPr lang="en-US" dirty="0">
               <a:solidFill>
@@ -43155,27 +43155,25 @@
         <p:spPr/>
         <p:txBody>
           <a:bodyPr>
-            <a:normAutofit fontScale="92500" lnSpcReduction="10000"/>
+            <a:normAutofit lnSpcReduction="10000"/>
           </a:bodyPr>
           <a:lstStyle/>
           <a:p>
             <a:r>
               <a:rPr lang="en-US" dirty="0"/>
-              <a:t>Extra modules: </a:t>
+              <a:t>Extra modules</a:t>
             </a:r>
+            <a:r>
+              <a:rPr lang="en-US"/>
+              <a:t>/content: </a:t>
+            </a:r>
+            <a:endParaRPr lang="en-US" dirty="0"/>
           </a:p>
           <a:p>
             <a:pPr lvl="1"/>
             <a:r>
               <a:rPr lang="en-US" dirty="0"/>
               <a:t>House of Force</a:t>
-            </a:r>
-          </a:p>
-          <a:p>
-            <a:pPr lvl="1"/>
-            <a:r>
-              <a:rPr lang="en-US" dirty="0"/>
-              <a:t>Leaks &amp; Advanced Heap Grooming</a:t>
             </a:r>
           </a:p>
           <a:p>
@@ -43558,14 +43556,63 @@
             <a:pPr lvl="1"/>
             <a:r>
               <a:rPr lang="en-US" dirty="0"/>
-              <a:t>Maxwell Dulin - @dooflin5</a:t>
+              <a:t>Maxwell </a:t>
+            </a:r>
+            <a:r>
+              <a:rPr lang="en-US" dirty="0" err="1"/>
+              <a:t>Dulin</a:t>
+            </a:r>
+            <a:r>
+              <a:rPr lang="en-US" dirty="0"/>
+              <a:t> </a:t>
             </a:r>
           </a:p>
           <a:p>
             <a:pPr lvl="1"/>
             <a:r>
               <a:rPr lang="en-US" dirty="0"/>
-              <a:t>Kevin Choi @</a:t>
+              <a:t>Zach </a:t>
+            </a:r>
+            <a:r>
+              <a:rPr lang="en-US" dirty="0" err="1"/>
+              <a:t>Minneker</a:t>
+            </a:r>
+            <a:r>
+              <a:rPr lang="en-US" dirty="0"/>
+              <a:t> </a:t>
+            </a:r>
+          </a:p>
+          <a:p>
+            <a:pPr lvl="1"/>
+            <a:r>
+              <a:rPr lang="en-US" dirty="0"/>
+              <a:t>Kenzie Dolan</a:t>
+            </a:r>
+          </a:p>
+          <a:p>
+            <a:pPr lvl="1"/>
+            <a:r>
+              <a:rPr lang="en-US" dirty="0"/>
+              <a:t>Jay </a:t>
+            </a:r>
+            <a:r>
+              <a:rPr lang="en-US" dirty="0" err="1"/>
+              <a:t>Angra</a:t>
+            </a:r>
+            <a:endParaRPr lang="en-US" dirty="0"/>
+          </a:p>
+          <a:p>
+            <a:pPr lvl="1"/>
+            <a:r>
+              <a:rPr lang="en-US" dirty="0"/>
+              <a:t>Joseph St. Germain </a:t>
+            </a:r>
+          </a:p>
+          <a:p>
+            <a:pPr lvl="1"/>
+            <a:r>
+              <a:rPr lang="en-US" dirty="0"/>
+              <a:t>Max Arnold</a:t>
             </a:r>
           </a:p>
         </p:txBody>

--- a/modules/overlapping_chunks/OverlappingChunks.pptx
+++ b/modules/overlapping_chunks/OverlappingChunks.pptx
@@ -9267,7 +9267,7 @@
   <dgm:whole/>
   <dgm:extLst>
     <a:ext uri="http://schemas.microsoft.com/office/drawing/2008/diagram">
-      <dsp:dataModelExt xmlns:dsp="http://schemas.microsoft.com/office/drawing/2008/diagram" relId="rId6" minVer="http://schemas.openxmlformats.org/drawingml/2006/diagram"/>
+      <dsp:dataModelExt xmlns:dsp="http://schemas.microsoft.com/office/drawing/2008/diagram" relId="rId7" minVer="http://schemas.openxmlformats.org/drawingml/2006/diagram"/>
     </a:ext>
   </dgm:extLst>
 </dgm:dataModel>
@@ -12294,8 +12294,8 @@
       </dsp:nvSpPr>
       <dsp:spPr>
         <a:xfrm>
-          <a:off x="0" y="719253"/>
-          <a:ext cx="5994058" cy="680400"/>
+          <a:off x="0" y="719254"/>
+          <a:ext cx="5994058" cy="680399"/>
         </a:xfrm>
         <a:prstGeom prst="rect">
           <a:avLst/>
@@ -12360,8 +12360,8 @@
         </a:p>
       </dsp:txBody>
       <dsp:txXfrm>
-        <a:off x="0" y="719253"/>
-        <a:ext cx="5994058" cy="680400"/>
+        <a:off x="0" y="719254"/>
+        <a:ext cx="5994058" cy="680399"/>
       </dsp:txXfrm>
     </dsp:sp>
     <dsp:sp modelId="{D467D903-7905-E34B-AF64-87922A7DC18C}">
@@ -12371,7 +12371,7 @@
       </dsp:nvSpPr>
       <dsp:spPr>
         <a:xfrm>
-          <a:off x="299702" y="483093"/>
+          <a:off x="299702" y="483094"/>
           <a:ext cx="4195840" cy="472320"/>
         </a:xfrm>
         <a:prstGeom prst="roundRect">
@@ -12446,7 +12446,7 @@
         </a:p>
       </dsp:txBody>
       <dsp:txXfrm>
-        <a:off x="322759" y="506150"/>
+        <a:off x="322759" y="506151"/>
         <a:ext cx="4149726" cy="426206"/>
       </dsp:txXfrm>
     </dsp:sp>
@@ -12458,7 +12458,7 @@
       <dsp:spPr>
         <a:xfrm>
           <a:off x="0" y="1722214"/>
-          <a:ext cx="5994058" cy="403200"/>
+          <a:ext cx="5994058" cy="403199"/>
         </a:xfrm>
         <a:prstGeom prst="rect">
           <a:avLst/>
@@ -12506,7 +12506,7 @@
       </dsp:nvSpPr>
       <dsp:spPr>
         <a:xfrm>
-          <a:off x="299702" y="1486053"/>
+          <a:off x="299702" y="1486054"/>
           <a:ext cx="4195840" cy="472320"/>
         </a:xfrm>
         <a:prstGeom prst="roundRect">
@@ -12573,7 +12573,7 @@
         </a:p>
       </dsp:txBody>
       <dsp:txXfrm>
-        <a:off x="322759" y="1509110"/>
+        <a:off x="322759" y="1509111"/>
         <a:ext cx="4149726" cy="426206"/>
       </dsp:txXfrm>
     </dsp:sp>
@@ -12585,7 +12585,7 @@
       <dsp:spPr>
         <a:xfrm>
           <a:off x="0" y="2447973"/>
-          <a:ext cx="5994058" cy="403200"/>
+          <a:ext cx="5994058" cy="403199"/>
         </a:xfrm>
         <a:prstGeom prst="rect">
           <a:avLst/>
@@ -12633,7 +12633,7 @@
       </dsp:nvSpPr>
       <dsp:spPr>
         <a:xfrm>
-          <a:off x="299702" y="2211814"/>
+          <a:off x="299702" y="2211813"/>
           <a:ext cx="4195840" cy="472320"/>
         </a:xfrm>
         <a:prstGeom prst="roundRect">
@@ -12700,7 +12700,7 @@
         </a:p>
       </dsp:txBody>
       <dsp:txXfrm>
-        <a:off x="322759" y="2234871"/>
+        <a:off x="322759" y="2234870"/>
         <a:ext cx="4149726" cy="426206"/>
       </dsp:txXfrm>
     </dsp:sp>
@@ -12712,7 +12712,7 @@
       <dsp:spPr>
         <a:xfrm>
           <a:off x="0" y="3173734"/>
-          <a:ext cx="5994058" cy="403200"/>
+          <a:ext cx="5994058" cy="403199"/>
         </a:xfrm>
         <a:prstGeom prst="rect">
           <a:avLst/>
@@ -12760,7 +12760,7 @@
       </dsp:nvSpPr>
       <dsp:spPr>
         <a:xfrm>
-          <a:off x="299702" y="2937574"/>
+          <a:off x="299702" y="2937573"/>
           <a:ext cx="4195840" cy="472320"/>
         </a:xfrm>
         <a:prstGeom prst="roundRect">
@@ -12827,7 +12827,7 @@
         </a:p>
       </dsp:txBody>
       <dsp:txXfrm>
-        <a:off x="322759" y="2960631"/>
+        <a:off x="322759" y="2960630"/>
         <a:ext cx="4149726" cy="426206"/>
       </dsp:txXfrm>
     </dsp:sp>
@@ -25542,7 +25542,7 @@
           <a:p>
             <a:fld id="{2DA23E8D-1792-1541-9147-970A8DD8A355}" type="datetimeFigureOut">
               <a:rPr lang="en-US" smtClean="0"/>
-              <a:t>8/8/22</a:t>
+              <a:t>8/5/23</a:t>
             </a:fld>
             <a:endParaRPr lang="en-US" dirty="0"/>
           </a:p>
@@ -25942,6 +25942,180 @@
           <a:p>
             <a:r>
               <a:rPr lang="en-US" dirty="0"/>
+              <a:t>Questions?</a:t>
+            </a:r>
+          </a:p>
+        </p:txBody>
+      </p:sp>
+      <p:sp>
+        <p:nvSpPr>
+          <p:cNvPr id="4" name="Slide Number Placeholder 3"/>
+          <p:cNvSpPr>
+            <a:spLocks noGrp="1"/>
+          </p:cNvSpPr>
+          <p:nvPr>
+            <p:ph type="sldNum" sz="quarter" idx="5"/>
+          </p:nvPr>
+        </p:nvSpPr>
+        <p:spPr/>
+        <p:txBody>
+          <a:bodyPr/>
+          <a:lstStyle/>
+          <a:p>
+            <a:fld id="{AC55928C-CD14-454C-B617-1AFCF9A58596}" type="slidenum">
+              <a:rPr lang="en-US" smtClean="0"/>
+              <a:t>23</a:t>
+            </a:fld>
+            <a:endParaRPr lang="en-US" dirty="0"/>
+          </a:p>
+        </p:txBody>
+      </p:sp>
+    </p:spTree>
+    <p:extLst>
+      <p:ext uri="{BB962C8B-B14F-4D97-AF65-F5344CB8AC3E}">
+        <p14:creationId xmlns:p14="http://schemas.microsoft.com/office/powerpoint/2010/main" val="2377826472"/>
+      </p:ext>
+    </p:extLst>
+  </p:cSld>
+  <p:clrMapOvr>
+    <a:masterClrMapping/>
+  </p:clrMapOvr>
+</p:notes>
+</file>
+
+<file path=ppt/notesSlides/notesSlide3.xml><?xml version="1.0" encoding="utf-8"?>
+<p:notes xmlns:a="http://schemas.openxmlformats.org/drawingml/2006/main" xmlns:r="http://schemas.openxmlformats.org/officeDocument/2006/relationships" xmlns:p="http://schemas.openxmlformats.org/presentationml/2006/main">
+  <p:cSld>
+    <p:spTree>
+      <p:nvGrpSpPr>
+        <p:cNvPr id="1" name=""/>
+        <p:cNvGrpSpPr/>
+        <p:nvPr/>
+      </p:nvGrpSpPr>
+      <p:grpSpPr>
+        <a:xfrm>
+          <a:off x="0" y="0"/>
+          <a:ext cx="0" cy="0"/>
+          <a:chOff x="0" y="0"/>
+          <a:chExt cx="0" cy="0"/>
+        </a:xfrm>
+      </p:grpSpPr>
+      <p:sp>
+        <p:nvSpPr>
+          <p:cNvPr id="2" name="Slide Image Placeholder 1"/>
+          <p:cNvSpPr>
+            <a:spLocks noGrp="1" noRot="1" noChangeAspect="1"/>
+          </p:cNvSpPr>
+          <p:nvPr>
+            <p:ph type="sldImg"/>
+          </p:nvPr>
+        </p:nvSpPr>
+        <p:spPr/>
+      </p:sp>
+      <p:sp>
+        <p:nvSpPr>
+          <p:cNvPr id="3" name="Notes Placeholder 2"/>
+          <p:cNvSpPr>
+            <a:spLocks noGrp="1"/>
+          </p:cNvSpPr>
+          <p:nvPr>
+            <p:ph type="body" idx="1"/>
+          </p:nvPr>
+        </p:nvSpPr>
+        <p:spPr/>
+        <p:txBody>
+          <a:bodyPr/>
+          <a:lstStyle/>
+          <a:p>
+            <a:r>
+              <a:rPr lang="en-US" dirty="0"/>
+              <a:t>Questions?</a:t>
+            </a:r>
+          </a:p>
+        </p:txBody>
+      </p:sp>
+      <p:sp>
+        <p:nvSpPr>
+          <p:cNvPr id="4" name="Slide Number Placeholder 3"/>
+          <p:cNvSpPr>
+            <a:spLocks noGrp="1"/>
+          </p:cNvSpPr>
+          <p:nvPr>
+            <p:ph type="sldNum" sz="quarter" idx="5"/>
+          </p:nvPr>
+        </p:nvSpPr>
+        <p:spPr/>
+        <p:txBody>
+          <a:bodyPr/>
+          <a:lstStyle/>
+          <a:p>
+            <a:fld id="{AC55928C-CD14-454C-B617-1AFCF9A58596}" type="slidenum">
+              <a:rPr lang="en-US" smtClean="0"/>
+              <a:t>38</a:t>
+            </a:fld>
+            <a:endParaRPr lang="en-US" dirty="0"/>
+          </a:p>
+        </p:txBody>
+      </p:sp>
+    </p:spTree>
+    <p:extLst>
+      <p:ext uri="{BB962C8B-B14F-4D97-AF65-F5344CB8AC3E}">
+        <p14:creationId xmlns:p14="http://schemas.microsoft.com/office/powerpoint/2010/main" val="2160103173"/>
+      </p:ext>
+    </p:extLst>
+  </p:cSld>
+  <p:clrMapOvr>
+    <a:masterClrMapping/>
+  </p:clrMapOvr>
+</p:notes>
+</file>
+
+<file path=ppt/notesSlides/notesSlide4.xml><?xml version="1.0" encoding="utf-8"?>
+<p:notes xmlns:a="http://schemas.openxmlformats.org/drawingml/2006/main" xmlns:r="http://schemas.openxmlformats.org/officeDocument/2006/relationships" xmlns:p="http://schemas.openxmlformats.org/presentationml/2006/main">
+  <p:cSld>
+    <p:spTree>
+      <p:nvGrpSpPr>
+        <p:cNvPr id="1" name=""/>
+        <p:cNvGrpSpPr/>
+        <p:nvPr/>
+      </p:nvGrpSpPr>
+      <p:grpSpPr>
+        <a:xfrm>
+          <a:off x="0" y="0"/>
+          <a:ext cx="0" cy="0"/>
+          <a:chOff x="0" y="0"/>
+          <a:chExt cx="0" cy="0"/>
+        </a:xfrm>
+      </p:grpSpPr>
+      <p:sp>
+        <p:nvSpPr>
+          <p:cNvPr id="2" name="Slide Image Placeholder 1"/>
+          <p:cNvSpPr>
+            <a:spLocks noGrp="1" noRot="1" noChangeAspect="1"/>
+          </p:cNvSpPr>
+          <p:nvPr>
+            <p:ph type="sldImg"/>
+          </p:nvPr>
+        </p:nvSpPr>
+        <p:spPr/>
+      </p:sp>
+      <p:sp>
+        <p:nvSpPr>
+          <p:cNvPr id="3" name="Notes Placeholder 2"/>
+          <p:cNvSpPr>
+            <a:spLocks noGrp="1"/>
+          </p:cNvSpPr>
+          <p:nvPr>
+            <p:ph type="body" idx="1"/>
+          </p:nvPr>
+        </p:nvSpPr>
+        <p:spPr/>
+        <p:txBody>
+          <a:bodyPr/>
+          <a:lstStyle/>
+          <a:p>
+            <a:r>
+              <a:rPr lang="en-US" dirty="0"/>
               <a:t>Prev_size value of Chunk C never gets fixed is the key to this technique</a:t>
             </a:r>
           </a:p>
@@ -25983,7 +26157,7 @@
 </p:notes>
 </file>
 
-<file path=ppt/notesSlides/notesSlide3.xml><?xml version="1.0" encoding="utf-8"?>
+<file path=ppt/notesSlides/notesSlide5.xml><?xml version="1.0" encoding="utf-8"?>
 <p:notes xmlns:a="http://schemas.openxmlformats.org/drawingml/2006/main" xmlns:r="http://schemas.openxmlformats.org/officeDocument/2006/relationships" xmlns:p="http://schemas.openxmlformats.org/presentationml/2006/main">
   <p:cSld>
     <p:spTree>
@@ -26067,7 +26241,7 @@
 </p:notes>
 </file>
 
-<file path=ppt/notesSlides/notesSlide4.xml><?xml version="1.0" encoding="utf-8"?>
+<file path=ppt/notesSlides/notesSlide6.xml><?xml version="1.0" encoding="utf-8"?>
 <p:notes xmlns:a="http://schemas.openxmlformats.org/drawingml/2006/main" xmlns:r="http://schemas.openxmlformats.org/officeDocument/2006/relationships" xmlns:p="http://schemas.openxmlformats.org/presentationml/2006/main">
   <p:cSld>
     <p:spTree>
@@ -26387,7 +26561,7 @@
                 <a:latin typeface="Calibri"/>
               </a:rPr>
               <a:pPr/>
-              <a:t>8/8/22</a:t>
+              <a:t>8/5/23</a:t>
             </a:fld>
             <a:endParaRPr lang="en-US" dirty="0">
               <a:solidFill>
@@ -26640,7 +26814,7 @@
                 <a:latin typeface="Calibri"/>
               </a:rPr>
               <a:pPr/>
-              <a:t>8/8/22</a:t>
+              <a:t>8/5/23</a:t>
             </a:fld>
             <a:endParaRPr lang="en-US" dirty="0">
               <a:solidFill>
@@ -26855,7 +27029,7 @@
                 <a:latin typeface="Calibri"/>
               </a:rPr>
               <a:pPr/>
-              <a:t>8/8/22</a:t>
+              <a:t>8/5/23</a:t>
             </a:fld>
             <a:endParaRPr lang="en-US" dirty="0">
               <a:solidFill>
@@ -27139,7 +27313,7 @@
                 <a:latin typeface="Calibri"/>
               </a:rPr>
               <a:pPr/>
-              <a:t>8/8/22</a:t>
+              <a:t>8/5/23</a:t>
             </a:fld>
             <a:endParaRPr lang="en-US" dirty="0">
               <a:solidFill>
@@ -27481,7 +27655,7 @@
                 <a:latin typeface="Calibri"/>
               </a:rPr>
               <a:pPr/>
-              <a:t>8/8/22</a:t>
+              <a:t>8/5/23</a:t>
             </a:fld>
             <a:endParaRPr lang="en-US" dirty="0">
               <a:solidFill>
@@ -27809,7 +27983,7 @@
                 <a:latin typeface="Calibri"/>
               </a:rPr>
               <a:pPr/>
-              <a:t>8/8/22</a:t>
+              <a:t>8/5/23</a:t>
             </a:fld>
             <a:endParaRPr lang="en-US" dirty="0">
               <a:solidFill>
@@ -28298,7 +28472,7 @@
                 <a:latin typeface="Calibri"/>
               </a:rPr>
               <a:pPr/>
-              <a:t>8/8/22</a:t>
+              <a:t>8/5/23</a:t>
             </a:fld>
             <a:endParaRPr lang="en-US" dirty="0">
               <a:solidFill>
@@ -28481,7 +28655,7 @@
                 <a:latin typeface="Calibri"/>
               </a:rPr>
               <a:pPr/>
-              <a:t>8/8/22</a:t>
+              <a:t>8/5/23</a:t>
             </a:fld>
             <a:endParaRPr lang="en-US" dirty="0">
               <a:solidFill>
@@ -28727,7 +28901,7 @@
                 <a:latin typeface="Calibri"/>
               </a:rPr>
               <a:pPr/>
-              <a:t>8/8/22</a:t>
+              <a:t>8/5/23</a:t>
             </a:fld>
             <a:endParaRPr lang="en-US" dirty="0">
               <a:solidFill>
@@ -29069,7 +29243,7 @@
                 <a:latin typeface="Calibri"/>
               </a:rPr>
               <a:pPr/>
-              <a:t>8/8/22</a:t>
+              <a:t>8/5/23</a:t>
             </a:fld>
             <a:endParaRPr lang="en-US" dirty="0">
               <a:solidFill>
@@ -29361,7 +29535,7 @@
                 <a:latin typeface="Calibri"/>
               </a:rPr>
               <a:pPr/>
-              <a:t>8/8/22</a:t>
+              <a:t>8/5/23</a:t>
             </a:fld>
             <a:endParaRPr lang="en-US" dirty="0">
               <a:solidFill>
@@ -29611,7 +29785,7 @@
                 <a:latin typeface="Calibri"/>
               </a:rPr>
               <a:pPr defTabSz="914400"/>
-              <a:t>8/8/22</a:t>
+              <a:t>8/5/23</a:t>
             </a:fld>
             <a:endParaRPr lang="en-US" dirty="0">
               <a:solidFill>
@@ -34329,7 +34503,7 @@
         </p:xfrm>
         <a:graphic>
           <a:graphicData uri="http://schemas.openxmlformats.org/drawingml/2006/diagram">
-            <dgm:relIds xmlns:dgm="http://schemas.openxmlformats.org/drawingml/2006/diagram" xmlns:r="http://schemas.openxmlformats.org/officeDocument/2006/relationships" r:dm="rId2" r:lo="rId3" r:qs="rId4" r:cs="rId5"/>
+            <dgm:relIds xmlns:dgm="http://schemas.openxmlformats.org/drawingml/2006/diagram" xmlns:r="http://schemas.openxmlformats.org/officeDocument/2006/relationships" r:dm="rId3" r:lo="rId4" r:qs="rId5" r:cs="rId6"/>
           </a:graphicData>
         </a:graphic>
       </p:graphicFrame>
@@ -41616,7 +41790,7 @@
           <p:nvPr/>
         </p:nvPicPr>
         <p:blipFill>
-          <a:blip r:embed="rId2"/>
+          <a:blip r:embed="rId3"/>
           <a:stretch>
             <a:fillRect/>
           </a:stretch>
@@ -43564,7 +43738,7 @@
             </a:r>
             <a:r>
               <a:rPr lang="en-US" dirty="0"/>
-              <a:t> </a:t>
+              <a:t> - @dooflin5 </a:t>
             </a:r>
           </a:p>
           <a:p>
@@ -43617,6 +43791,39 @@
           </a:p>
         </p:txBody>
       </p:sp>
+      <p:pic>
+        <p:nvPicPr>
+          <p:cNvPr id="3" name="Content Placeholder 3" descr="Text, shape, arrow&#10;&#10;Description automatically generated">
+            <a:extLst>
+              <a:ext uri="{FF2B5EF4-FFF2-40B4-BE49-F238E27FC236}">
+                <a16:creationId xmlns:a16="http://schemas.microsoft.com/office/drawing/2014/main" id="{340A3667-E0FC-BB14-AF77-DBFA483B03A8}"/>
+              </a:ext>
+            </a:extLst>
+          </p:cNvPr>
+          <p:cNvPicPr>
+            <a:picLocks noGrp="1" noChangeAspect="1"/>
+          </p:cNvPicPr>
+          <p:nvPr>
+            <p:ph idx="1"/>
+          </p:nvPr>
+        </p:nvPicPr>
+        <p:blipFill>
+          <a:blip r:embed="rId4"/>
+          <a:stretch>
+            <a:fillRect/>
+          </a:stretch>
+        </p:blipFill>
+        <p:spPr>
+          <a:xfrm>
+            <a:off x="7701307" y="-58520"/>
+            <a:ext cx="1461577" cy="1755648"/>
+          </a:xfrm>
+          <a:prstGeom prst="rect">
+            <a:avLst/>
+          </a:prstGeom>
+          <a:noFill/>
+        </p:spPr>
+      </p:pic>
     </p:spTree>
     <p:extLst>
       <p:ext uri="{BB962C8B-B14F-4D97-AF65-F5344CB8AC3E}">
@@ -43766,7 +43973,7 @@
 </file>
 
 <file path=ppt/slides/slide50.xml><?xml version="1.0" encoding="utf-8"?>
-<p:sld xmlns:a="http://schemas.openxmlformats.org/drawingml/2006/main" xmlns:r="http://schemas.openxmlformats.org/officeDocument/2006/relationships" xmlns:p="http://schemas.openxmlformats.org/presentationml/2006/main">
+<p:sld xmlns:a="http://schemas.openxmlformats.org/drawingml/2006/main" xmlns:r="http://schemas.openxmlformats.org/officeDocument/2006/relationships" xmlns:p="http://schemas.openxmlformats.org/presentationml/2006/main" show="0">
   <p:cSld>
     <p:spTree>
       <p:nvGrpSpPr>
